--- a/porfolio_kangjunwoo-010-5495-4551.pptx
+++ b/porfolio_kangjunwoo-010-5495-4551.pptx
@@ -17894,7 +17894,7 @@
               </a:lnSpc>
             </a:pPr>
             <a:r>
-              <a:rPr lang="ko-KR" altLang="en-US" sz="1100" b="1" spc="-10" smtClean="0">
+              <a:rPr lang="ko-KR" altLang="en-US" sz="1100" b="1" spc="-10" dirty="0" smtClean="0">
                 <a:latin typeface="Times New Roman"/>
                 <a:cs typeface="Times New Roman"/>
               </a:rPr>
@@ -19395,10 +19395,6 @@
               </a:rPr>
               <a:t>Factory</a:t>
             </a:r>
-            <a:endParaRPr sz="1200">
-              <a:latin typeface="Times New Roman"/>
-              <a:cs typeface="Times New Roman"/>
-            </a:endParaRPr>
           </a:p>
         </p:txBody>
       </p:sp>
@@ -19411,7 +19407,7 @@
         <p:spPr>
           <a:xfrm>
             <a:off x="4381880" y="2559176"/>
-            <a:ext cx="4275455" cy="391160"/>
+            <a:ext cx="4275455" cy="394980"/>
           </a:xfrm>
           <a:prstGeom prst="rect">
             <a:avLst/>
@@ -19432,167 +19428,69 @@
               </a:spcBef>
             </a:pPr>
             <a:r>
-              <a:rPr sz="1200" spc="-15" dirty="0">
-                <a:latin typeface="Times New Roman"/>
-                <a:cs typeface="Times New Roman"/>
-              </a:rPr>
-              <a:t>Final </a:t>
-            </a:r>
-            <a:r>
-              <a:rPr sz="1200" spc="-5" dirty="0">
-                <a:latin typeface="Times New Roman"/>
-                <a:cs typeface="Times New Roman"/>
-              </a:rPr>
-              <a:t>project was </a:t>
-            </a:r>
-            <a:r>
-              <a:rPr sz="1200" spc="-10" dirty="0">
-                <a:latin typeface="Times New Roman"/>
-                <a:cs typeface="Times New Roman"/>
-              </a:rPr>
-              <a:t>performed with </a:t>
-            </a:r>
-            <a:r>
-              <a:rPr sz="1200" dirty="0">
-                <a:latin typeface="Times New Roman"/>
-                <a:cs typeface="Times New Roman"/>
-              </a:rPr>
-              <a:t>the goal </a:t>
-            </a:r>
-            <a:r>
-              <a:rPr sz="1200" spc="10" dirty="0">
-                <a:latin typeface="Times New Roman"/>
-                <a:cs typeface="Times New Roman"/>
-              </a:rPr>
-              <a:t>of </a:t>
-            </a:r>
-            <a:r>
-              <a:rPr sz="1200" spc="-15" dirty="0">
-                <a:latin typeface="Times New Roman"/>
-                <a:cs typeface="Times New Roman"/>
-              </a:rPr>
-              <a:t>“developing </a:t>
-            </a:r>
-            <a:r>
-              <a:rPr sz="1200" spc="-5" dirty="0">
-                <a:latin typeface="Times New Roman"/>
-                <a:cs typeface="Times New Roman"/>
-              </a:rPr>
-              <a:t>an </a:t>
-            </a:r>
-            <a:r>
-              <a:rPr sz="1200" spc="-30" dirty="0">
+              <a:rPr lang="en-US" sz="1200" spc="-15" dirty="0" smtClean="0">
+                <a:latin typeface="Times New Roman"/>
+                <a:cs typeface="Times New Roman"/>
+              </a:rPr>
+              <a:t>“</a:t>
+            </a:r>
+            <a:r>
+              <a:rPr lang="ko-KR" altLang="en-US" sz="1200" spc="-15" dirty="0" smtClean="0">
+                <a:latin typeface="Times New Roman"/>
+                <a:cs typeface="Times New Roman"/>
+              </a:rPr>
+              <a:t>철강 표면 결함 검출 및 분류 </a:t>
+            </a:r>
+            <a:r>
+              <a:rPr lang="en-US" altLang="ko-KR" sz="1200" spc="-15" dirty="0" smtClean="0">
                 <a:latin typeface="Times New Roman"/>
                 <a:cs typeface="Times New Roman"/>
               </a:rPr>
               <a:t>AI </a:t>
             </a:r>
             <a:r>
-              <a:rPr sz="1200" spc="-10" dirty="0">
-                <a:latin typeface="Times New Roman"/>
-                <a:cs typeface="Times New Roman"/>
-              </a:rPr>
-              <a:t>model </a:t>
-            </a:r>
-            <a:r>
-              <a:rPr sz="1200" spc="-285" dirty="0">
-                <a:latin typeface="Times New Roman"/>
-                <a:cs typeface="Times New Roman"/>
-              </a:rPr>
-              <a:t> </a:t>
-            </a:r>
-            <a:r>
-              <a:rPr sz="1200" spc="-5" dirty="0">
-                <a:latin typeface="Times New Roman"/>
-                <a:cs typeface="Times New Roman"/>
-              </a:rPr>
-              <a:t>for</a:t>
-            </a:r>
-            <a:r>
-              <a:rPr sz="1200" spc="-35" dirty="0">
-                <a:latin typeface="Times New Roman"/>
-                <a:cs typeface="Times New Roman"/>
-              </a:rPr>
-              <a:t> </a:t>
-            </a:r>
-            <a:r>
-              <a:rPr sz="1200" spc="-5" dirty="0">
-                <a:latin typeface="Times New Roman"/>
-                <a:cs typeface="Times New Roman"/>
-              </a:rPr>
-              <a:t>detecting</a:t>
-            </a:r>
-            <a:r>
-              <a:rPr sz="1200" spc="15" dirty="0">
-                <a:latin typeface="Times New Roman"/>
-                <a:cs typeface="Times New Roman"/>
-              </a:rPr>
-              <a:t> </a:t>
-            </a:r>
-            <a:r>
-              <a:rPr sz="1200" spc="-10" dirty="0">
-                <a:latin typeface="Times New Roman"/>
-                <a:cs typeface="Times New Roman"/>
-              </a:rPr>
-              <a:t>and</a:t>
-            </a:r>
-            <a:r>
-              <a:rPr sz="1200" spc="10" dirty="0">
-                <a:latin typeface="Times New Roman"/>
-                <a:cs typeface="Times New Roman"/>
-              </a:rPr>
-              <a:t> </a:t>
-            </a:r>
-            <a:r>
-              <a:rPr sz="1200" spc="-15" dirty="0">
-                <a:latin typeface="Times New Roman"/>
-                <a:cs typeface="Times New Roman"/>
-              </a:rPr>
-              <a:t>classifying</a:t>
-            </a:r>
-            <a:r>
-              <a:rPr sz="1200" spc="85" dirty="0">
-                <a:latin typeface="Times New Roman"/>
-                <a:cs typeface="Times New Roman"/>
-              </a:rPr>
-              <a:t> </a:t>
-            </a:r>
-            <a:r>
-              <a:rPr sz="1200" dirty="0">
-                <a:latin typeface="Times New Roman"/>
-                <a:cs typeface="Times New Roman"/>
-              </a:rPr>
-              <a:t>steel</a:t>
-            </a:r>
-            <a:r>
-              <a:rPr sz="1200" spc="-65" dirty="0">
-                <a:latin typeface="Times New Roman"/>
-                <a:cs typeface="Times New Roman"/>
-              </a:rPr>
-              <a:t> </a:t>
-            </a:r>
-            <a:r>
-              <a:rPr sz="1200" spc="-10" dirty="0">
-                <a:latin typeface="Times New Roman"/>
-                <a:cs typeface="Times New Roman"/>
-              </a:rPr>
-              <a:t>surface</a:t>
-            </a:r>
-            <a:r>
-              <a:rPr sz="1200" spc="30" dirty="0">
-                <a:latin typeface="Times New Roman"/>
-                <a:cs typeface="Times New Roman"/>
-              </a:rPr>
-              <a:t> </a:t>
-            </a:r>
-            <a:r>
-              <a:rPr sz="1200" spc="-10" dirty="0">
-                <a:latin typeface="Times New Roman"/>
-                <a:cs typeface="Times New Roman"/>
-              </a:rPr>
-              <a:t>defects”</a:t>
-            </a:r>
-            <a:endParaRPr sz="1200">
+              <a:rPr lang="ko-KR" altLang="en-US" sz="1200" spc="-15" dirty="0" smtClean="0">
+                <a:latin typeface="Times New Roman"/>
+                <a:cs typeface="Times New Roman"/>
+              </a:rPr>
+              <a:t>모델 개발</a:t>
+            </a:r>
+            <a:r>
+              <a:rPr lang="en-US" altLang="ko-KR" sz="1200" spc="-15" dirty="0" smtClean="0">
+                <a:latin typeface="Times New Roman"/>
+                <a:cs typeface="Times New Roman"/>
+              </a:rPr>
+              <a:t>”</a:t>
+            </a:r>
+            <a:r>
+              <a:rPr lang="ko-KR" altLang="en-US" sz="1200" spc="-15" dirty="0" smtClean="0">
+                <a:latin typeface="Times New Roman"/>
+                <a:cs typeface="Times New Roman"/>
+              </a:rPr>
+              <a:t>을 </a:t>
+            </a:r>
+            <a:endParaRPr lang="en-US" altLang="ko-KR" sz="1200" spc="-15" dirty="0" smtClean="0">
+              <a:latin typeface="Times New Roman"/>
+              <a:cs typeface="Times New Roman"/>
+            </a:endParaRPr>
+          </a:p>
+          <a:p>
+            <a:pPr marL="12700" marR="5080">
+              <a:lnSpc>
+                <a:spcPct val="100000"/>
+              </a:lnSpc>
+              <a:spcBef>
+                <a:spcPts val="100"/>
+              </a:spcBef>
+            </a:pPr>
+            <a:r>
+              <a:rPr lang="ko-KR" altLang="en-US" sz="1200" spc="-15" dirty="0" smtClean="0">
+                <a:latin typeface="Times New Roman"/>
+                <a:cs typeface="Times New Roman"/>
+              </a:rPr>
+              <a:t>목표로 진행된 프로젝트</a:t>
+            </a:r>
+            <a:endParaRPr lang="en-US" sz="1200" spc="-15" dirty="0" smtClean="0">
               <a:latin typeface="Times New Roman"/>
               <a:cs typeface="Times New Roman"/>
             </a:endParaRPr>
@@ -19723,10 +19621,6 @@
               </a:rPr>
               <a:t>e</a:t>
             </a:r>
-            <a:endParaRPr sz="1200">
-              <a:latin typeface="Times New Roman"/>
-              <a:cs typeface="Times New Roman"/>
-            </a:endParaRPr>
           </a:p>
         </p:txBody>
       </p:sp>
@@ -19739,7 +19633,7 @@
         <p:spPr>
           <a:xfrm>
             <a:off x="4381880" y="3156661"/>
-            <a:ext cx="2609850" cy="208915"/>
+            <a:ext cx="2609850" cy="197490"/>
           </a:xfrm>
           <a:prstGeom prst="rect">
             <a:avLst/>
@@ -19760,83 +19654,20 @@
               </a:spcBef>
             </a:pPr>
             <a:r>
-              <a:rPr sz="1200" spc="-25" dirty="0">
-                <a:latin typeface="Times New Roman"/>
-                <a:cs typeface="Times New Roman"/>
-              </a:rPr>
-              <a:t>Application</a:t>
-            </a:r>
-            <a:r>
-              <a:rPr sz="1200" spc="15" dirty="0">
-                <a:latin typeface="Times New Roman"/>
-                <a:cs typeface="Times New Roman"/>
-              </a:rPr>
-              <a:t> </a:t>
-            </a:r>
-            <a:r>
-              <a:rPr sz="1200" spc="-35" dirty="0">
-                <a:latin typeface="Times New Roman"/>
-                <a:cs typeface="Times New Roman"/>
-              </a:rPr>
-              <a:t>Service</a:t>
-            </a:r>
-            <a:r>
-              <a:rPr sz="1200" spc="85" dirty="0">
-                <a:latin typeface="Times New Roman"/>
-                <a:cs typeface="Times New Roman"/>
-              </a:rPr>
-              <a:t> </a:t>
-            </a:r>
-            <a:r>
-              <a:rPr sz="1200" spc="-20" dirty="0">
-                <a:latin typeface="Times New Roman"/>
-                <a:cs typeface="Times New Roman"/>
-              </a:rPr>
-              <a:t>that</a:t>
-            </a:r>
-            <a:r>
-              <a:rPr sz="1200" spc="-15" dirty="0">
-                <a:latin typeface="Times New Roman"/>
-                <a:cs typeface="Times New Roman"/>
-              </a:rPr>
-              <a:t> </a:t>
-            </a:r>
-            <a:r>
-              <a:rPr sz="1200" spc="-30" dirty="0">
-                <a:latin typeface="Times New Roman"/>
-                <a:cs typeface="Times New Roman"/>
-              </a:rPr>
-              <a:t>predicts</a:t>
-            </a:r>
-            <a:r>
-              <a:rPr sz="1200" spc="25" dirty="0">
-                <a:latin typeface="Times New Roman"/>
-                <a:cs typeface="Times New Roman"/>
-              </a:rPr>
-              <a:t> </a:t>
-            </a:r>
-            <a:r>
-              <a:rPr sz="1200" spc="-40" dirty="0">
-                <a:latin typeface="Times New Roman"/>
-                <a:cs typeface="Times New Roman"/>
-              </a:rPr>
-              <a:t>crime</a:t>
-            </a:r>
-            <a:r>
-              <a:rPr sz="1200" spc="80" dirty="0">
-                <a:latin typeface="Times New Roman"/>
-                <a:cs typeface="Times New Roman"/>
-              </a:rPr>
-              <a:t> </a:t>
-            </a:r>
-            <a:r>
-              <a:rPr sz="1200" spc="-35" dirty="0">
-                <a:latin typeface="Times New Roman"/>
-                <a:cs typeface="Times New Roman"/>
-              </a:rPr>
-              <a:t>risk.</a:t>
-            </a:r>
-            <a:endParaRPr sz="1200">
+              <a:rPr lang="ko-KR" altLang="en-US" sz="1200" spc="-25" dirty="0" err="1" smtClean="0">
+                <a:latin typeface="Times New Roman"/>
+                <a:cs typeface="Times New Roman"/>
+              </a:rPr>
+              <a:t>범죄율</a:t>
+            </a:r>
+            <a:r>
+              <a:rPr lang="ko-KR" altLang="en-US" sz="1200" spc="-25" dirty="0" smtClean="0">
+                <a:latin typeface="Times New Roman"/>
+                <a:cs typeface="Times New Roman"/>
+              </a:rPr>
+              <a:t> 예측 애플리케이션 서비스</a:t>
+            </a:r>
+            <a:endParaRPr sz="1200" dirty="0">
               <a:latin typeface="Times New Roman"/>
               <a:cs typeface="Times New Roman"/>
             </a:endParaRPr>
@@ -19939,10 +19770,6 @@
               </a:rPr>
               <a:t>Robot</a:t>
             </a:r>
-            <a:endParaRPr sz="1200">
-              <a:latin typeface="Times New Roman"/>
-              <a:cs typeface="Times New Roman"/>
-            </a:endParaRPr>
           </a:p>
         </p:txBody>
       </p:sp>
@@ -19954,8 +19781,8 @@
         </p:nvSpPr>
         <p:spPr>
           <a:xfrm>
-            <a:off x="4381880" y="3547364"/>
-            <a:ext cx="4083685" cy="574675"/>
+            <a:off x="4381880" y="3639456"/>
+            <a:ext cx="4083685" cy="394980"/>
           </a:xfrm>
           <a:prstGeom prst="rect">
             <a:avLst/>
@@ -19976,279 +19803,34 @@
               </a:spcBef>
             </a:pPr>
             <a:r>
-              <a:rPr sz="1200" spc="-5" dirty="0">
-                <a:latin typeface="Times New Roman"/>
-                <a:cs typeface="Times New Roman"/>
-              </a:rPr>
-              <a:t>Direction </a:t>
-            </a:r>
-            <a:r>
-              <a:rPr sz="1200" spc="-15" dirty="0">
-                <a:latin typeface="Times New Roman"/>
-                <a:cs typeface="Times New Roman"/>
-              </a:rPr>
-              <a:t>guidance </a:t>
-            </a:r>
-            <a:r>
-              <a:rPr sz="1200" spc="-5" dirty="0">
-                <a:latin typeface="Times New Roman"/>
-                <a:cs typeface="Times New Roman"/>
-              </a:rPr>
-              <a:t>autonomous </a:t>
-            </a:r>
-            <a:r>
-              <a:rPr sz="1200" spc="-20" dirty="0">
-                <a:latin typeface="Times New Roman"/>
-                <a:cs typeface="Times New Roman"/>
-              </a:rPr>
-              <a:t>driving</a:t>
-            </a:r>
-            <a:r>
-              <a:rPr sz="1200" spc="-15" dirty="0">
-                <a:latin typeface="Times New Roman"/>
-                <a:cs typeface="Times New Roman"/>
-              </a:rPr>
-              <a:t> </a:t>
-            </a:r>
-            <a:r>
-              <a:rPr sz="1200" dirty="0">
-                <a:latin typeface="Times New Roman"/>
-                <a:cs typeface="Times New Roman"/>
-              </a:rPr>
-              <a:t>robot </a:t>
-            </a:r>
-            <a:r>
-              <a:rPr sz="1200" spc="-10" dirty="0">
-                <a:latin typeface="Times New Roman"/>
-                <a:cs typeface="Times New Roman"/>
-              </a:rPr>
-              <a:t>with </a:t>
-            </a:r>
-            <a:r>
-              <a:rPr sz="1200" spc="-5" dirty="0">
-                <a:latin typeface="Times New Roman"/>
-                <a:cs typeface="Times New Roman"/>
-              </a:rPr>
-              <a:t>bluetooth </a:t>
-            </a:r>
-            <a:r>
-              <a:rPr sz="1200" dirty="0">
-                <a:latin typeface="Times New Roman"/>
-                <a:cs typeface="Times New Roman"/>
-              </a:rPr>
-              <a:t> </a:t>
-            </a:r>
-            <a:r>
-              <a:rPr sz="1200" spc="-10" dirty="0">
-                <a:latin typeface="Times New Roman"/>
-                <a:cs typeface="Times New Roman"/>
-              </a:rPr>
-              <a:t>displaying</a:t>
-            </a:r>
-            <a:r>
-              <a:rPr sz="1200" spc="85" dirty="0">
-                <a:latin typeface="Times New Roman"/>
-                <a:cs typeface="Times New Roman"/>
-              </a:rPr>
-              <a:t> </a:t>
-            </a:r>
-            <a:r>
-              <a:rPr sz="1200" dirty="0">
-                <a:latin typeface="Times New Roman"/>
-                <a:cs typeface="Times New Roman"/>
-              </a:rPr>
-              <a:t>a</a:t>
-            </a:r>
-            <a:r>
-              <a:rPr sz="1200" spc="-20" dirty="0">
-                <a:latin typeface="Times New Roman"/>
-                <a:cs typeface="Times New Roman"/>
-              </a:rPr>
-              <a:t> map</a:t>
-            </a:r>
-            <a:r>
-              <a:rPr sz="1200" spc="30" dirty="0">
-                <a:latin typeface="Times New Roman"/>
-                <a:cs typeface="Times New Roman"/>
-              </a:rPr>
-              <a:t> </a:t>
-            </a:r>
-            <a:r>
-              <a:rPr sz="1200" spc="-15" dirty="0">
-                <a:latin typeface="Times New Roman"/>
-                <a:cs typeface="Times New Roman"/>
-              </a:rPr>
-              <a:t>showing</a:t>
-            </a:r>
-            <a:r>
-              <a:rPr sz="1200" spc="60" dirty="0">
-                <a:latin typeface="Times New Roman"/>
-                <a:cs typeface="Times New Roman"/>
-              </a:rPr>
-              <a:t> </a:t>
-            </a:r>
-            <a:r>
-              <a:rPr sz="1200" dirty="0">
-                <a:latin typeface="Times New Roman"/>
-                <a:cs typeface="Times New Roman"/>
-              </a:rPr>
-              <a:t>the</a:t>
-            </a:r>
-            <a:r>
-              <a:rPr sz="1200" spc="-15" dirty="0">
-                <a:latin typeface="Times New Roman"/>
-                <a:cs typeface="Times New Roman"/>
-              </a:rPr>
-              <a:t> </a:t>
-            </a:r>
-            <a:r>
-              <a:rPr sz="1200" spc="5" dirty="0">
-                <a:latin typeface="Times New Roman"/>
-                <a:cs typeface="Times New Roman"/>
-              </a:rPr>
-              <a:t>path</a:t>
-            </a:r>
-            <a:r>
-              <a:rPr sz="1200" spc="-40" dirty="0">
-                <a:latin typeface="Times New Roman"/>
-                <a:cs typeface="Times New Roman"/>
-              </a:rPr>
-              <a:t> </a:t>
-            </a:r>
-            <a:r>
-              <a:rPr sz="1200" spc="-10" dirty="0">
-                <a:latin typeface="Times New Roman"/>
-                <a:cs typeface="Times New Roman"/>
-              </a:rPr>
-              <a:t>and</a:t>
-            </a:r>
-            <a:r>
-              <a:rPr sz="1200" spc="10" dirty="0">
-                <a:latin typeface="Times New Roman"/>
-                <a:cs typeface="Times New Roman"/>
-              </a:rPr>
-              <a:t> </a:t>
-            </a:r>
-            <a:r>
-              <a:rPr sz="1200" spc="-10" dirty="0">
-                <a:latin typeface="Times New Roman"/>
-                <a:cs typeface="Times New Roman"/>
-              </a:rPr>
-              <a:t>location</a:t>
-            </a:r>
-            <a:r>
-              <a:rPr sz="1200" spc="35" dirty="0">
-                <a:latin typeface="Times New Roman"/>
-                <a:cs typeface="Times New Roman"/>
-              </a:rPr>
-              <a:t> </a:t>
-            </a:r>
-            <a:r>
-              <a:rPr sz="1200" spc="10" dirty="0">
-                <a:latin typeface="Times New Roman"/>
-                <a:cs typeface="Times New Roman"/>
-              </a:rPr>
-              <a:t>of</a:t>
-            </a:r>
-            <a:r>
-              <a:rPr sz="1200" spc="-55" dirty="0">
-                <a:latin typeface="Times New Roman"/>
-                <a:cs typeface="Times New Roman"/>
-              </a:rPr>
-              <a:t> </a:t>
-            </a:r>
-            <a:r>
-              <a:rPr sz="1200" spc="-10" dirty="0">
-                <a:latin typeface="Times New Roman"/>
-                <a:cs typeface="Times New Roman"/>
-              </a:rPr>
-              <a:t>obstacles</a:t>
-            </a:r>
-            <a:r>
-              <a:rPr sz="1200" spc="-45" dirty="0">
-                <a:latin typeface="Times New Roman"/>
-                <a:cs typeface="Times New Roman"/>
-              </a:rPr>
-              <a:t> </a:t>
-            </a:r>
-            <a:r>
-              <a:rPr sz="1200" spc="-25" dirty="0">
-                <a:latin typeface="Times New Roman"/>
-                <a:cs typeface="Times New Roman"/>
-              </a:rPr>
-              <a:t>in</a:t>
-            </a:r>
-            <a:r>
-              <a:rPr sz="1200" spc="30" dirty="0">
-                <a:latin typeface="Times New Roman"/>
-                <a:cs typeface="Times New Roman"/>
-              </a:rPr>
-              <a:t> </a:t>
-            </a:r>
-            <a:r>
-              <a:rPr sz="1200" spc="-20" dirty="0">
-                <a:latin typeface="Times New Roman"/>
-                <a:cs typeface="Times New Roman"/>
-              </a:rPr>
-              <a:t>real </a:t>
-            </a:r>
-            <a:r>
-              <a:rPr sz="1200" spc="-285" dirty="0">
-                <a:latin typeface="Times New Roman"/>
-                <a:cs typeface="Times New Roman"/>
-              </a:rPr>
-              <a:t> </a:t>
-            </a:r>
-            <a:r>
-              <a:rPr sz="1200" spc="-20" dirty="0">
-                <a:latin typeface="Times New Roman"/>
-                <a:cs typeface="Times New Roman"/>
-              </a:rPr>
-              <a:t>time</a:t>
-            </a:r>
-            <a:r>
-              <a:rPr sz="1200" spc="45" dirty="0">
-                <a:latin typeface="Times New Roman"/>
-                <a:cs typeface="Times New Roman"/>
-              </a:rPr>
-              <a:t> </a:t>
-            </a:r>
-            <a:r>
-              <a:rPr sz="1200" spc="10" dirty="0">
-                <a:latin typeface="Times New Roman"/>
-                <a:cs typeface="Times New Roman"/>
-              </a:rPr>
-              <a:t>on</a:t>
-            </a:r>
-            <a:r>
-              <a:rPr sz="1200" spc="-40" dirty="0">
-                <a:latin typeface="Times New Roman"/>
-                <a:cs typeface="Times New Roman"/>
-              </a:rPr>
-              <a:t> </a:t>
-            </a:r>
-            <a:r>
-              <a:rPr sz="1200" dirty="0">
-                <a:latin typeface="Times New Roman"/>
-                <a:cs typeface="Times New Roman"/>
-              </a:rPr>
-              <a:t>the</a:t>
-            </a:r>
-            <a:r>
-              <a:rPr sz="1200" spc="-40" dirty="0">
-                <a:latin typeface="Times New Roman"/>
-                <a:cs typeface="Times New Roman"/>
-              </a:rPr>
-              <a:t> </a:t>
-            </a:r>
-            <a:r>
-              <a:rPr sz="1200" spc="-30" dirty="0">
-                <a:latin typeface="Times New Roman"/>
-                <a:cs typeface="Times New Roman"/>
-              </a:rPr>
-              <a:t>LCD.</a:t>
-            </a:r>
-            <a:endParaRPr sz="1200">
+              <a:rPr lang="ko-KR" altLang="en-US" sz="1200" spc="-5" dirty="0" smtClean="0">
+                <a:latin typeface="Times New Roman"/>
+                <a:cs typeface="Times New Roman"/>
+              </a:rPr>
+              <a:t>블루투스 통신을 이용한 방향 안내 및 자동 주행 로봇</a:t>
+            </a:r>
+            <a:endParaRPr lang="en-US" altLang="ko-KR" sz="1200" spc="-5" dirty="0" smtClean="0">
+              <a:latin typeface="Times New Roman"/>
+              <a:cs typeface="Times New Roman"/>
+            </a:endParaRPr>
+          </a:p>
+          <a:p>
+            <a:pPr marL="12700" marR="5080">
+              <a:lnSpc>
+                <a:spcPct val="100000"/>
+              </a:lnSpc>
+              <a:spcBef>
+                <a:spcPts val="100"/>
+              </a:spcBef>
+            </a:pPr>
+            <a:r>
+              <a:rPr lang="ko-KR" altLang="en-US" sz="1200" spc="-5" dirty="0" smtClean="0">
+                <a:latin typeface="Times New Roman"/>
+                <a:cs typeface="Times New Roman"/>
+              </a:rPr>
+              <a:t>장애물과 움직인 경로를 실시간으로 모니터에 표시</a:t>
+            </a:r>
+            <a:endParaRPr sz="1200" dirty="0">
               <a:latin typeface="Times New Roman"/>
               <a:cs typeface="Times New Roman"/>
             </a:endParaRPr>

--- a/porfolio_kangjunwoo-010-5495-4551.pptx
+++ b/porfolio_kangjunwoo-010-5495-4551.pptx
@@ -19988,8 +19988,8 @@
         </p:nvGrpSpPr>
         <p:grpSpPr>
           <a:xfrm>
-            <a:off x="6114288" y="2773679"/>
-            <a:ext cx="2588895" cy="39370"/>
+            <a:off x="5640578" y="2773679"/>
+            <a:ext cx="2904724" cy="39370"/>
             <a:chOff x="6114288" y="2773679"/>
             <a:chExt cx="2588895" cy="39370"/>
           </a:xfrm>
@@ -20183,8 +20183,8 @@
         </p:nvSpPr>
         <p:spPr>
           <a:xfrm>
-            <a:off x="4330953" y="2486760"/>
-            <a:ext cx="3724910" cy="1708150"/>
+            <a:off x="3857242" y="2486760"/>
+            <a:ext cx="4905758" cy="1388201"/>
           </a:xfrm>
           <a:prstGeom prst="rect">
             <a:avLst/>
@@ -20225,7 +20225,7 @@
               </a:rPr>
               <a:t>project</a:t>
             </a:r>
-            <a:endParaRPr sz="1800">
+            <a:endParaRPr sz="1800" dirty="0">
               <a:latin typeface="Times New Roman"/>
               <a:cs typeface="Times New Roman"/>
             </a:endParaRPr>
@@ -20240,320 +20240,15 @@
               </a:spcBef>
             </a:pPr>
             <a:r>
-              <a:rPr sz="1400" spc="-10" dirty="0">
-                <a:latin typeface="Times New Roman"/>
-                <a:cs typeface="Times New Roman"/>
-              </a:rPr>
-              <a:t>A</a:t>
-            </a:r>
-            <a:r>
-              <a:rPr sz="1400" spc="-35" dirty="0">
-                <a:latin typeface="Times New Roman"/>
-                <a:cs typeface="Times New Roman"/>
-              </a:rPr>
-              <a:t> </a:t>
-            </a:r>
-            <a:r>
-              <a:rPr sz="1400" spc="-15" dirty="0">
-                <a:latin typeface="Times New Roman"/>
-                <a:cs typeface="Times New Roman"/>
-              </a:rPr>
-              <a:t>service</a:t>
-            </a:r>
-            <a:r>
-              <a:rPr sz="1400" spc="20" dirty="0">
-                <a:latin typeface="Times New Roman"/>
-                <a:cs typeface="Times New Roman"/>
-              </a:rPr>
-              <a:t> </a:t>
-            </a:r>
-            <a:r>
-              <a:rPr sz="1400" spc="-15" dirty="0">
-                <a:latin typeface="Times New Roman"/>
-                <a:cs typeface="Times New Roman"/>
-              </a:rPr>
-              <a:t>that</a:t>
-            </a:r>
-            <a:r>
-              <a:rPr sz="1400" spc="-10" dirty="0">
-                <a:latin typeface="Times New Roman"/>
-                <a:cs typeface="Times New Roman"/>
-              </a:rPr>
-              <a:t> </a:t>
-            </a:r>
-            <a:r>
-              <a:rPr sz="1400" spc="-5" dirty="0">
-                <a:latin typeface="Times New Roman"/>
-                <a:cs typeface="Times New Roman"/>
-              </a:rPr>
-              <a:t>detects</a:t>
-            </a:r>
-            <a:r>
-              <a:rPr sz="1400" spc="-30" dirty="0">
-                <a:latin typeface="Times New Roman"/>
-                <a:cs typeface="Times New Roman"/>
-              </a:rPr>
-              <a:t> </a:t>
-            </a:r>
-            <a:r>
-              <a:rPr sz="1400" spc="-15" dirty="0">
-                <a:latin typeface="Times New Roman"/>
-                <a:cs typeface="Times New Roman"/>
-              </a:rPr>
-              <a:t>defective</a:t>
-            </a:r>
-            <a:r>
-              <a:rPr sz="1400" spc="55" dirty="0">
-                <a:latin typeface="Times New Roman"/>
-                <a:cs typeface="Times New Roman"/>
-              </a:rPr>
-              <a:t> </a:t>
-            </a:r>
-            <a:r>
-              <a:rPr sz="1400" spc="-10" dirty="0">
-                <a:latin typeface="Times New Roman"/>
-                <a:cs typeface="Times New Roman"/>
-              </a:rPr>
-              <a:t>parts</a:t>
-            </a:r>
-            <a:r>
-              <a:rPr sz="1400" spc="-25" dirty="0">
-                <a:latin typeface="Times New Roman"/>
-                <a:cs typeface="Times New Roman"/>
-              </a:rPr>
-              <a:t> </a:t>
-            </a:r>
-            <a:r>
-              <a:rPr sz="1400" spc="-20" dirty="0">
-                <a:latin typeface="Times New Roman"/>
-                <a:cs typeface="Times New Roman"/>
-              </a:rPr>
-              <a:t>in</a:t>
-            </a:r>
-            <a:r>
-              <a:rPr sz="1400" spc="-10" dirty="0">
-                <a:latin typeface="Times New Roman"/>
-                <a:cs typeface="Times New Roman"/>
-              </a:rPr>
-              <a:t> </a:t>
-            </a:r>
-            <a:r>
-              <a:rPr sz="1400" spc="-5" dirty="0">
-                <a:latin typeface="Times New Roman"/>
-                <a:cs typeface="Times New Roman"/>
-              </a:rPr>
-              <a:t>steel</a:t>
-            </a:r>
-            <a:r>
-              <a:rPr sz="1400" spc="-45" dirty="0">
-                <a:latin typeface="Times New Roman"/>
-                <a:cs typeface="Times New Roman"/>
-              </a:rPr>
-              <a:t> </a:t>
-            </a:r>
-            <a:r>
-              <a:rPr sz="1400" spc="-20" dirty="0">
-                <a:latin typeface="Times New Roman"/>
-                <a:cs typeface="Times New Roman"/>
-              </a:rPr>
-              <a:t>images.</a:t>
-            </a:r>
-            <a:endParaRPr sz="1400">
-              <a:latin typeface="Times New Roman"/>
-              <a:cs typeface="Times New Roman"/>
-            </a:endParaRPr>
-          </a:p>
-          <a:p>
-            <a:pPr marL="12700">
-              <a:lnSpc>
-                <a:spcPts val="1595"/>
-              </a:lnSpc>
-              <a:spcBef>
-                <a:spcPts val="1325"/>
-              </a:spcBef>
-            </a:pPr>
-            <a:r>
-              <a:rPr sz="1400" spc="-5" dirty="0">
-                <a:latin typeface="Times New Roman"/>
-                <a:cs typeface="Times New Roman"/>
-              </a:rPr>
-              <a:t>We</a:t>
-            </a:r>
-            <a:r>
-              <a:rPr sz="1400" spc="-40" dirty="0">
-                <a:latin typeface="Times New Roman"/>
-                <a:cs typeface="Times New Roman"/>
-              </a:rPr>
-              <a:t> </a:t>
-            </a:r>
-            <a:r>
-              <a:rPr sz="1400" spc="-10" dirty="0">
-                <a:latin typeface="Times New Roman"/>
-                <a:cs typeface="Times New Roman"/>
-              </a:rPr>
-              <a:t>used</a:t>
-            </a:r>
-            <a:r>
-              <a:rPr sz="1400" spc="-40" dirty="0">
-                <a:latin typeface="Times New Roman"/>
-                <a:cs typeface="Times New Roman"/>
-              </a:rPr>
-              <a:t> </a:t>
-            </a:r>
-            <a:r>
-              <a:rPr sz="1400" spc="-15" dirty="0">
-                <a:latin typeface="Times New Roman"/>
-                <a:cs typeface="Times New Roman"/>
-              </a:rPr>
-              <a:t>our</a:t>
-            </a:r>
-            <a:r>
-              <a:rPr sz="1400" spc="-30" dirty="0">
-                <a:latin typeface="Times New Roman"/>
-                <a:cs typeface="Times New Roman"/>
-              </a:rPr>
-              <a:t> </a:t>
-            </a:r>
-            <a:r>
-              <a:rPr sz="1400" spc="-5" dirty="0">
-                <a:latin typeface="Times New Roman"/>
-                <a:cs typeface="Times New Roman"/>
-              </a:rPr>
-              <a:t>own</a:t>
-            </a:r>
-            <a:r>
-              <a:rPr sz="1400" spc="-40" dirty="0">
-                <a:latin typeface="Times New Roman"/>
-                <a:cs typeface="Times New Roman"/>
-              </a:rPr>
-              <a:t> </a:t>
-            </a:r>
-            <a:r>
-              <a:rPr sz="1400" spc="-10" dirty="0">
-                <a:latin typeface="Times New Roman"/>
-                <a:cs typeface="Times New Roman"/>
-              </a:rPr>
-              <a:t>defect</a:t>
-            </a:r>
-            <a:r>
-              <a:rPr sz="1400" spc="5" dirty="0">
-                <a:latin typeface="Times New Roman"/>
-                <a:cs typeface="Times New Roman"/>
-              </a:rPr>
-              <a:t> </a:t>
-            </a:r>
-            <a:r>
-              <a:rPr sz="1400" spc="-10" dirty="0">
-                <a:latin typeface="Times New Roman"/>
-                <a:cs typeface="Times New Roman"/>
-              </a:rPr>
-              <a:t>detection </a:t>
-            </a:r>
-            <a:r>
-              <a:rPr sz="1400" spc="-20" dirty="0">
-                <a:latin typeface="Times New Roman"/>
-                <a:cs typeface="Times New Roman"/>
-              </a:rPr>
-              <a:t>AI</a:t>
-            </a:r>
-            <a:r>
-              <a:rPr sz="1400" spc="-25" dirty="0">
-                <a:latin typeface="Times New Roman"/>
-                <a:cs typeface="Times New Roman"/>
-              </a:rPr>
-              <a:t> </a:t>
-            </a:r>
-            <a:r>
-              <a:rPr sz="1400" spc="-15" dirty="0">
-                <a:latin typeface="Times New Roman"/>
-                <a:cs typeface="Times New Roman"/>
-              </a:rPr>
-              <a:t>model</a:t>
-            </a:r>
-            <a:r>
-              <a:rPr sz="1400" spc="25" dirty="0">
-                <a:latin typeface="Times New Roman"/>
-                <a:cs typeface="Times New Roman"/>
-              </a:rPr>
-              <a:t> </a:t>
-            </a:r>
-            <a:r>
-              <a:rPr sz="1400" spc="-30" dirty="0">
-                <a:latin typeface="Times New Roman"/>
-                <a:cs typeface="Times New Roman"/>
-              </a:rPr>
-              <a:t>and</a:t>
-            </a:r>
-            <a:endParaRPr sz="1400">
-              <a:latin typeface="Times New Roman"/>
-              <a:cs typeface="Times New Roman"/>
-            </a:endParaRPr>
-          </a:p>
-          <a:p>
-            <a:pPr marL="12700">
-              <a:lnSpc>
-                <a:spcPts val="1595"/>
-              </a:lnSpc>
-            </a:pPr>
-            <a:r>
-              <a:rPr sz="1400" spc="-15" dirty="0">
-                <a:latin typeface="Times New Roman"/>
-                <a:cs typeface="Times New Roman"/>
-              </a:rPr>
-              <a:t>distributed</a:t>
-            </a:r>
-            <a:r>
-              <a:rPr sz="1400" spc="-20" dirty="0">
-                <a:latin typeface="Times New Roman"/>
-                <a:cs typeface="Times New Roman"/>
-              </a:rPr>
-              <a:t> it</a:t>
-            </a:r>
-            <a:r>
-              <a:rPr sz="1400" spc="5" dirty="0">
-                <a:latin typeface="Times New Roman"/>
-                <a:cs typeface="Times New Roman"/>
-              </a:rPr>
-              <a:t> </a:t>
-            </a:r>
-            <a:r>
-              <a:rPr sz="1400" dirty="0">
-                <a:latin typeface="Times New Roman"/>
-                <a:cs typeface="Times New Roman"/>
-              </a:rPr>
-              <a:t>as</a:t>
-            </a:r>
-            <a:r>
-              <a:rPr sz="1400" spc="-5" dirty="0">
-                <a:latin typeface="Times New Roman"/>
-                <a:cs typeface="Times New Roman"/>
-              </a:rPr>
-              <a:t> an</a:t>
-            </a:r>
-            <a:r>
-              <a:rPr sz="1400" spc="-20" dirty="0">
-                <a:latin typeface="Times New Roman"/>
-                <a:cs typeface="Times New Roman"/>
-              </a:rPr>
-              <a:t> </a:t>
-            </a:r>
-            <a:r>
-              <a:rPr sz="1400" spc="-5" dirty="0">
-                <a:latin typeface="Times New Roman"/>
-                <a:cs typeface="Times New Roman"/>
-              </a:rPr>
-              <a:t>app</a:t>
-            </a:r>
-            <a:r>
-              <a:rPr sz="1400" spc="-15" dirty="0">
-                <a:latin typeface="Times New Roman"/>
-                <a:cs typeface="Times New Roman"/>
-              </a:rPr>
-              <a:t> service.</a:t>
-            </a:r>
-            <a:endParaRPr sz="1400">
-              <a:latin typeface="Times New Roman"/>
-              <a:cs typeface="Times New Roman"/>
+              <a:rPr lang="ko-KR" altLang="en-US" sz="1400" spc="-10" dirty="0" smtClean="0">
+                <a:latin typeface="Times New Roman" panose="02020603050405020304" pitchFamily="18" charset="0"/>
+                <a:cs typeface="Times New Roman" panose="02020603050405020304" pitchFamily="18" charset="0"/>
+              </a:rPr>
+              <a:t>철강 이미지에서 불량인 부분을 찾아내는 서비스</a:t>
+            </a:r>
+            <a:endParaRPr lang="en-US" sz="1400" spc="-10" dirty="0" smtClean="0">
+              <a:latin typeface="Times New Roman" panose="02020603050405020304" pitchFamily="18" charset="0"/>
+              <a:cs typeface="Times New Roman" panose="02020603050405020304" pitchFamily="18" charset="0"/>
             </a:endParaRPr>
           </a:p>
           <a:p>
@@ -20562,103 +20257,103 @@
                 <a:spcPct val="100000"/>
               </a:lnSpc>
               <a:spcBef>
-                <a:spcPts val="1300"/>
+                <a:spcPts val="830"/>
               </a:spcBef>
             </a:pPr>
             <a:r>
-              <a:rPr sz="1400" spc="-10" dirty="0">
-                <a:latin typeface="Times New Roman"/>
-                <a:cs typeface="Times New Roman"/>
-              </a:rPr>
-              <a:t>Received</a:t>
-            </a:r>
-            <a:r>
-              <a:rPr sz="1400" spc="30" dirty="0">
-                <a:latin typeface="Times New Roman"/>
-                <a:cs typeface="Times New Roman"/>
-              </a:rPr>
-              <a:t> </a:t>
-            </a:r>
-            <a:r>
-              <a:rPr sz="1400" spc="-15" dirty="0">
-                <a:latin typeface="Times New Roman"/>
-                <a:cs typeface="Times New Roman"/>
-              </a:rPr>
-              <a:t>A+,</a:t>
-            </a:r>
-            <a:r>
-              <a:rPr sz="1400" spc="-30" dirty="0">
-                <a:latin typeface="Times New Roman"/>
-                <a:cs typeface="Times New Roman"/>
-              </a:rPr>
-              <a:t> </a:t>
-            </a:r>
-            <a:r>
-              <a:rPr sz="1400" spc="-20" dirty="0">
-                <a:latin typeface="Times New Roman"/>
-                <a:cs typeface="Times New Roman"/>
-              </a:rPr>
-              <a:t>silver</a:t>
-            </a:r>
-            <a:r>
-              <a:rPr sz="1400" spc="45" dirty="0">
-                <a:latin typeface="Times New Roman"/>
-                <a:cs typeface="Times New Roman"/>
-              </a:rPr>
-              <a:t> </a:t>
-            </a:r>
-            <a:r>
-              <a:rPr sz="1400" spc="-5" dirty="0">
-                <a:latin typeface="Times New Roman"/>
-                <a:cs typeface="Times New Roman"/>
-              </a:rPr>
-              <a:t>award</a:t>
-            </a:r>
-            <a:r>
-              <a:rPr sz="1400" spc="-15" dirty="0">
-                <a:latin typeface="Times New Roman"/>
-                <a:cs typeface="Times New Roman"/>
-              </a:rPr>
-              <a:t> out</a:t>
-            </a:r>
-            <a:r>
-              <a:rPr sz="1400" spc="-25" dirty="0">
-                <a:latin typeface="Times New Roman"/>
-                <a:cs typeface="Times New Roman"/>
-              </a:rPr>
-              <a:t> </a:t>
-            </a:r>
-            <a:r>
-              <a:rPr sz="1400" spc="-5" dirty="0">
-                <a:latin typeface="Times New Roman"/>
-                <a:cs typeface="Times New Roman"/>
-              </a:rPr>
-              <a:t>of</a:t>
-            </a:r>
-            <a:r>
-              <a:rPr sz="1400" spc="-30" dirty="0">
-                <a:latin typeface="Times New Roman"/>
-                <a:cs typeface="Times New Roman"/>
-              </a:rPr>
-              <a:t> 14</a:t>
-            </a:r>
-            <a:r>
-              <a:rPr sz="1400" spc="-45" dirty="0">
-                <a:latin typeface="Times New Roman"/>
-                <a:cs typeface="Times New Roman"/>
-              </a:rPr>
-              <a:t> </a:t>
-            </a:r>
-            <a:r>
-              <a:rPr sz="1400" spc="-15" dirty="0">
-                <a:latin typeface="Times New Roman"/>
-                <a:cs typeface="Times New Roman"/>
-              </a:rPr>
-              <a:t>teams</a:t>
-            </a:r>
-            <a:endParaRPr sz="1400">
-              <a:latin typeface="Times New Roman"/>
-              <a:cs typeface="Times New Roman"/>
+              <a:rPr lang="ko-KR" altLang="en-US" sz="1400" spc="-20" dirty="0" smtClean="0">
+                <a:latin typeface="Times New Roman" panose="02020603050405020304" pitchFamily="18" charset="0"/>
+                <a:cs typeface="Times New Roman" panose="02020603050405020304" pitchFamily="18" charset="0"/>
+              </a:rPr>
+              <a:t>자체 개발한 </a:t>
+            </a:r>
+            <a:r>
+              <a:rPr lang="en-US" altLang="ko-KR" sz="1400" spc="-20" dirty="0" smtClean="0">
+                <a:latin typeface="Times New Roman" panose="02020603050405020304" pitchFamily="18" charset="0"/>
+                <a:cs typeface="Times New Roman" panose="02020603050405020304" pitchFamily="18" charset="0"/>
+              </a:rPr>
+              <a:t>AI, JPA </a:t>
+            </a:r>
+            <a:r>
+              <a:rPr lang="ko-KR" altLang="en-US" sz="1400" spc="-20" dirty="0" smtClean="0">
+                <a:latin typeface="Times New Roman" panose="02020603050405020304" pitchFamily="18" charset="0"/>
+                <a:cs typeface="Times New Roman" panose="02020603050405020304" pitchFamily="18" charset="0"/>
+              </a:rPr>
+              <a:t>및 서버</a:t>
+            </a:r>
+            <a:r>
+              <a:rPr lang="en-US" altLang="ko-KR" sz="1400" spc="-20" dirty="0" smtClean="0">
+                <a:latin typeface="Times New Roman" panose="02020603050405020304" pitchFamily="18" charset="0"/>
+                <a:cs typeface="Times New Roman" panose="02020603050405020304" pitchFamily="18" charset="0"/>
+              </a:rPr>
+              <a:t>(</a:t>
+            </a:r>
+            <a:r>
+              <a:rPr lang="en-US" altLang="ko-KR" sz="1400" spc="-20" dirty="0" err="1" smtClean="0">
+                <a:latin typeface="Times New Roman" panose="02020603050405020304" pitchFamily="18" charset="0"/>
+                <a:cs typeface="Times New Roman" panose="02020603050405020304" pitchFamily="18" charset="0"/>
+              </a:rPr>
+              <a:t>docker</a:t>
+            </a:r>
+            <a:r>
+              <a:rPr lang="en-US" altLang="ko-KR" sz="1400" spc="-20" dirty="0" smtClean="0">
+                <a:latin typeface="Times New Roman" panose="02020603050405020304" pitchFamily="18" charset="0"/>
+                <a:cs typeface="Times New Roman" panose="02020603050405020304" pitchFamily="18" charset="0"/>
+              </a:rPr>
+              <a:t>), AWS ec2</a:t>
+            </a:r>
+            <a:r>
+              <a:rPr lang="ko-KR" altLang="en-US" sz="1400" spc="-20" dirty="0" smtClean="0">
+                <a:latin typeface="Times New Roman" panose="02020603050405020304" pitchFamily="18" charset="0"/>
+                <a:cs typeface="Times New Roman" panose="02020603050405020304" pitchFamily="18" charset="0"/>
+              </a:rPr>
+              <a:t>로 제작 및 배포함</a:t>
+            </a:r>
+            <a:r>
+              <a:rPr lang="en-US" altLang="ko-KR" sz="1400" spc="-20" dirty="0" smtClean="0">
+                <a:latin typeface="Times New Roman" panose="02020603050405020304" pitchFamily="18" charset="0"/>
+                <a:cs typeface="Times New Roman" panose="02020603050405020304" pitchFamily="18" charset="0"/>
+              </a:rPr>
+              <a:t>.</a:t>
+            </a:r>
+          </a:p>
+          <a:p>
+            <a:pPr marL="12700">
+              <a:lnSpc>
+                <a:spcPct val="150000"/>
+              </a:lnSpc>
+            </a:pPr>
+            <a:r>
+              <a:rPr lang="ko-KR" altLang="en-US" sz="1400" spc="-15" dirty="0" smtClean="0">
+                <a:latin typeface="Times New Roman" panose="02020603050405020304" pitchFamily="18" charset="0"/>
+                <a:cs typeface="Times New Roman" panose="02020603050405020304" pitchFamily="18" charset="0"/>
+              </a:rPr>
+              <a:t>은상 수상</a:t>
+            </a:r>
+            <a:r>
+              <a:rPr lang="en-US" altLang="ko-KR" sz="1400" spc="-15" dirty="0" smtClean="0">
+                <a:latin typeface="Times New Roman" panose="02020603050405020304" pitchFamily="18" charset="0"/>
+                <a:cs typeface="Times New Roman" panose="02020603050405020304" pitchFamily="18" charset="0"/>
+              </a:rPr>
+              <a:t>(52</a:t>
+            </a:r>
+            <a:r>
+              <a:rPr lang="ko-KR" altLang="en-US" sz="1400" spc="-15" dirty="0" smtClean="0">
+                <a:latin typeface="Times New Roman" panose="02020603050405020304" pitchFamily="18" charset="0"/>
+                <a:cs typeface="Times New Roman" panose="02020603050405020304" pitchFamily="18" charset="0"/>
+              </a:rPr>
+              <a:t>개 팀 중</a:t>
+            </a:r>
+            <a:r>
+              <a:rPr lang="en-US" altLang="ko-KR" sz="1400" spc="-15" dirty="0" smtClean="0">
+                <a:latin typeface="Times New Roman" panose="02020603050405020304" pitchFamily="18" charset="0"/>
+                <a:cs typeface="Times New Roman" panose="02020603050405020304" pitchFamily="18" charset="0"/>
+              </a:rPr>
+              <a:t>)</a:t>
+            </a:r>
+            <a:endParaRPr sz="1400" dirty="0">
+              <a:latin typeface="Times New Roman" panose="02020603050405020304" pitchFamily="18" charset="0"/>
+              <a:cs typeface="Times New Roman" panose="02020603050405020304" pitchFamily="18" charset="0"/>
             </a:endParaRPr>
           </a:p>
         </p:txBody>
@@ -20700,8 +20395,8 @@
         </p:nvSpPr>
         <p:spPr>
           <a:xfrm>
-            <a:off x="147015" y="55879"/>
-            <a:ext cx="1299210" cy="347345"/>
+            <a:off x="147014" y="55879"/>
+            <a:ext cx="1605585" cy="347345"/>
           </a:xfrm>
           <a:prstGeom prst="rect">
             <a:avLst/>
@@ -20751,7 +20446,7 @@
               </a:rPr>
               <a:t>01.</a:t>
             </a:r>
-            <a:endParaRPr sz="2100">
+            <a:endParaRPr sz="2100" dirty="0">
               <a:latin typeface="Arial MT"/>
               <a:cs typeface="Arial MT"/>
             </a:endParaRPr>
@@ -20768,7 +20463,7 @@
         </p:nvGraphicFramePr>
         <p:xfrm>
           <a:off x="4266501" y="975804"/>
-          <a:ext cx="4522470" cy="4018279"/>
+          <a:ext cx="4507865" cy="4008156"/>
         </p:xfrm>
         <a:graphic>
           <a:graphicData uri="http://schemas.openxmlformats.org/drawingml/2006/table">

--- a/porfolio_kangjunwoo-010-5495-4551.pptx
+++ b/porfolio_kangjunwoo-010-5495-4551.pptx
@@ -4358,7 +4358,7 @@
         </p:nvGraphicFramePr>
         <p:xfrm>
           <a:off x="4266501" y="975804"/>
-          <a:ext cx="4522470" cy="3838575"/>
+          <a:ext cx="4507865" cy="3828451"/>
         </p:xfrm>
         <a:graphic>
           <a:graphicData uri="http://schemas.openxmlformats.org/drawingml/2006/table">
@@ -20459,10 +20459,16 @@
           <p:cNvGraphicFramePr>
             <a:graphicFrameLocks noGrp="1"/>
           </p:cNvGraphicFramePr>
-          <p:nvPr/>
+          <p:nvPr>
+            <p:extLst>
+              <p:ext uri="{D42A27DB-BD31-4B8C-83A1-F6EECF244321}">
+                <p14:modId xmlns:p14="http://schemas.microsoft.com/office/powerpoint/2010/main" val="2075072423"/>
+              </p:ext>
+            </p:extLst>
+          </p:nvPr>
         </p:nvGraphicFramePr>
         <p:xfrm>
-          <a:off x="4266501" y="975804"/>
+          <a:off x="4266501" y="974725"/>
           <a:ext cx="4507865" cy="4008156"/>
         </p:xfrm>
         <a:graphic>
@@ -20503,62 +20509,62 @@
                       </a:pPr>
                       <a:r>
                         <a:rPr sz="1050" b="1" dirty="0">
-                          <a:latin typeface="Times New Roman"/>
+                          <a:latin typeface="+mj-lt"/>
                           <a:cs typeface="Times New Roman"/>
                         </a:rPr>
                         <a:t>Wo</a:t>
                       </a:r>
                       <a:r>
                         <a:rPr sz="1050" b="1" spc="10" dirty="0">
-                          <a:latin typeface="Times New Roman"/>
+                          <a:latin typeface="+mj-lt"/>
                           <a:cs typeface="Times New Roman"/>
                         </a:rPr>
                         <a:t>r</a:t>
                       </a:r>
                       <a:r>
                         <a:rPr sz="1050" b="1" dirty="0">
-                          <a:latin typeface="Times New Roman"/>
+                          <a:latin typeface="+mj-lt"/>
                           <a:cs typeface="Times New Roman"/>
                         </a:rPr>
                         <a:t>k</a:t>
                       </a:r>
                       <a:r>
                         <a:rPr sz="1050" b="1" spc="-105" dirty="0">
-                          <a:latin typeface="Times New Roman"/>
+                          <a:latin typeface="+mj-lt"/>
                           <a:cs typeface="Times New Roman"/>
                         </a:rPr>
                         <a:t> </a:t>
                       </a:r>
                       <a:r>
                         <a:rPr sz="1050" b="1" spc="-15" dirty="0">
-                          <a:latin typeface="Times New Roman"/>
+                          <a:latin typeface="+mj-lt"/>
                           <a:cs typeface="Times New Roman"/>
                         </a:rPr>
                         <a:t>p</a:t>
                       </a:r>
                       <a:r>
                         <a:rPr sz="1050" b="1" spc="10" dirty="0">
-                          <a:latin typeface="Times New Roman"/>
+                          <a:latin typeface="+mj-lt"/>
                           <a:cs typeface="Times New Roman"/>
                         </a:rPr>
                         <a:t>er</a:t>
                       </a:r>
                       <a:r>
                         <a:rPr sz="1050" b="1" spc="-10" dirty="0">
-                          <a:latin typeface="Times New Roman"/>
+                          <a:latin typeface="+mj-lt"/>
                           <a:cs typeface="Times New Roman"/>
                         </a:rPr>
                         <a:t>i</a:t>
                       </a:r>
                       <a:r>
                         <a:rPr sz="1050" b="1" dirty="0">
-                          <a:latin typeface="Times New Roman"/>
+                          <a:latin typeface="+mj-lt"/>
                           <a:cs typeface="Times New Roman"/>
                         </a:rPr>
                         <a:t>od</a:t>
                       </a:r>
                       <a:endParaRPr sz="1050">
-                        <a:latin typeface="Times New Roman"/>
+                        <a:latin typeface="+mj-lt"/>
                         <a:cs typeface="Times New Roman"/>
                       </a:endParaRPr>
                     </a:p>
@@ -20602,7 +20608,7 @@
                           <a:solidFill>
                             <a:srgbClr val="4471C4"/>
                           </a:solidFill>
-                          <a:latin typeface="Times New Roman"/>
+                          <a:latin typeface="+mj-lt"/>
                           <a:cs typeface="Times New Roman"/>
                         </a:rPr>
                         <a:t>2023.</a:t>
@@ -20612,7 +20618,7 @@
                           <a:solidFill>
                             <a:srgbClr val="4471C4"/>
                           </a:solidFill>
-                          <a:latin typeface="Times New Roman"/>
+                          <a:latin typeface="+mj-lt"/>
                           <a:cs typeface="Times New Roman"/>
                         </a:rPr>
                         <a:t> </a:t>
@@ -20622,7 +20628,7 @@
                           <a:solidFill>
                             <a:srgbClr val="4471C4"/>
                           </a:solidFill>
-                          <a:latin typeface="Times New Roman"/>
+                          <a:latin typeface="+mj-lt"/>
                           <a:cs typeface="Times New Roman"/>
                         </a:rPr>
                         <a:t>04</a:t>
@@ -20632,7 +20638,7 @@
                           <a:solidFill>
                             <a:srgbClr val="4471C4"/>
                           </a:solidFill>
-                          <a:latin typeface="Times New Roman"/>
+                          <a:latin typeface="+mj-lt"/>
                           <a:cs typeface="Times New Roman"/>
                         </a:rPr>
                         <a:t> </a:t>
@@ -20642,7 +20648,7 @@
                           <a:solidFill>
                             <a:srgbClr val="4471C4"/>
                           </a:solidFill>
-                          <a:latin typeface="Times New Roman"/>
+                          <a:latin typeface="+mj-lt"/>
                           <a:cs typeface="Times New Roman"/>
                         </a:rPr>
                         <a:t>~</a:t>
@@ -20652,7 +20658,7 @@
                           <a:solidFill>
                             <a:srgbClr val="4471C4"/>
                           </a:solidFill>
-                          <a:latin typeface="Times New Roman"/>
+                          <a:latin typeface="+mj-lt"/>
                           <a:cs typeface="Times New Roman"/>
                         </a:rPr>
                         <a:t> </a:t>
@@ -20662,7 +20668,7 @@
                           <a:solidFill>
                             <a:srgbClr val="4471C4"/>
                           </a:solidFill>
-                          <a:latin typeface="Times New Roman"/>
+                          <a:latin typeface="+mj-lt"/>
                           <a:cs typeface="Times New Roman"/>
                         </a:rPr>
                         <a:t>2023.</a:t>
@@ -20672,7 +20678,7 @@
                           <a:solidFill>
                             <a:srgbClr val="4471C4"/>
                           </a:solidFill>
-                          <a:latin typeface="Times New Roman"/>
+                          <a:latin typeface="+mj-lt"/>
                           <a:cs typeface="Times New Roman"/>
                         </a:rPr>
                         <a:t> </a:t>
@@ -20682,7 +20688,7 @@
                           <a:solidFill>
                             <a:srgbClr val="4471C4"/>
                           </a:solidFill>
-                          <a:latin typeface="Times New Roman"/>
+                          <a:latin typeface="+mj-lt"/>
                           <a:cs typeface="Times New Roman"/>
                         </a:rPr>
                         <a:t>11</a:t>
@@ -20692,7 +20698,7 @@
                           <a:solidFill>
                             <a:srgbClr val="4471C4"/>
                           </a:solidFill>
-                          <a:latin typeface="Times New Roman"/>
+                          <a:latin typeface="+mj-lt"/>
                           <a:cs typeface="Times New Roman"/>
                         </a:rPr>
                         <a:t> </a:t>
@@ -20702,7 +20708,7 @@
                           <a:solidFill>
                             <a:srgbClr val="4471C4"/>
                           </a:solidFill>
-                          <a:latin typeface="Times New Roman"/>
+                          <a:latin typeface="+mj-lt"/>
                           <a:cs typeface="Times New Roman"/>
                         </a:rPr>
                         <a:t>(7</a:t>
@@ -20712,23 +20718,33 @@
                           <a:solidFill>
                             <a:srgbClr val="4471C4"/>
                           </a:solidFill>
-                          <a:latin typeface="Times New Roman"/>
+                          <a:latin typeface="+mj-lt"/>
                           <a:cs typeface="Times New Roman"/>
                         </a:rPr>
                         <a:t> </a:t>
                       </a:r>
                       <a:r>
-                        <a:rPr sz="1050" spc="-10" dirty="0">
-                          <a:solidFill>
-                            <a:srgbClr val="4471C4"/>
-                          </a:solidFill>
-                          <a:latin typeface="Times New Roman"/>
-                          <a:cs typeface="Times New Roman"/>
-                        </a:rPr>
-                        <a:t>Months)</a:t>
-                      </a:r>
-                      <a:endParaRPr sz="1050">
-                        <a:latin typeface="Times New Roman"/>
+                        <a:rPr lang="ko-KR" altLang="en-US" sz="1050" spc="-10" dirty="0" smtClean="0">
+                          <a:solidFill>
+                            <a:srgbClr val="4471C4"/>
+                          </a:solidFill>
+                          <a:latin typeface="+mj-lt"/>
+                          <a:cs typeface="Times New Roman"/>
+                        </a:rPr>
+                        <a:t>개월</a:t>
+                      </a:r>
+                      <a:r>
+                        <a:rPr sz="1050" spc="-10" dirty="0" smtClean="0">
+                          <a:solidFill>
+                            <a:srgbClr val="4471C4"/>
+                          </a:solidFill>
+                          <a:latin typeface="+mj-lt"/>
+                          <a:cs typeface="Times New Roman"/>
+                        </a:rPr>
+                        <a:t>)</a:t>
+                      </a:r>
+                      <a:endParaRPr sz="1050" dirty="0">
+                        <a:latin typeface="+mj-lt"/>
                         <a:cs typeface="Times New Roman"/>
                       </a:endParaRPr>
                     </a:p>
@@ -20776,13 +20792,13 @@
                       </a:pPr>
                       <a:r>
                         <a:rPr sz="1050" b="1" spc="-5" dirty="0">
-                          <a:latin typeface="Times New Roman"/>
+                          <a:latin typeface="+mj-lt"/>
                           <a:cs typeface="Times New Roman"/>
                         </a:rPr>
                         <a:t>Members</a:t>
                       </a:r>
                       <a:endParaRPr sz="1050">
-                        <a:latin typeface="Times New Roman"/>
+                        <a:latin typeface="+mj-lt"/>
                         <a:cs typeface="Times New Roman"/>
                       </a:endParaRPr>
                     </a:p>
@@ -20822,21 +20838,41 @@
                         </a:spcBef>
                       </a:pPr>
                       <a:r>
-                        <a:rPr sz="1050" spc="-10" dirty="0">
-                          <a:solidFill>
-                            <a:srgbClr val="4471C4"/>
-                          </a:solidFill>
-                          <a:latin typeface="Times New Roman"/>
-                          <a:cs typeface="Times New Roman"/>
-                        </a:rPr>
-                        <a:t>Total</a:t>
-                      </a:r>
-                      <a:r>
-                        <a:rPr sz="1050" spc="-55" dirty="0">
-                          <a:solidFill>
-                            <a:srgbClr val="4471C4"/>
-                          </a:solidFill>
-                          <a:latin typeface="Times New Roman"/>
+                        <a:rPr lang="ko-KR" altLang="en-US" sz="1050" spc="-10" dirty="0" smtClean="0">
+                          <a:solidFill>
+                            <a:srgbClr val="4471C4"/>
+                          </a:solidFill>
+                          <a:latin typeface="+mj-lt"/>
+                          <a:cs typeface="Times New Roman"/>
+                        </a:rPr>
+                        <a:t>총 </a:t>
+                      </a:r>
+                      <a:r>
+                        <a:rPr lang="en-US" altLang="ko-KR" sz="1050" spc="-10" dirty="0" smtClean="0">
+                          <a:solidFill>
+                            <a:srgbClr val="4471C4"/>
+                          </a:solidFill>
+                          <a:latin typeface="+mj-lt"/>
+                          <a:cs typeface="Times New Roman"/>
+                        </a:rPr>
+                        <a:t>3</a:t>
+                      </a:r>
+                      <a:r>
+                        <a:rPr lang="ko-KR" altLang="en-US" sz="1050" spc="-10" dirty="0" smtClean="0">
+                          <a:solidFill>
+                            <a:srgbClr val="4471C4"/>
+                          </a:solidFill>
+                          <a:latin typeface="+mj-lt"/>
+                          <a:cs typeface="Times New Roman"/>
+                        </a:rPr>
+                        <a:t>명</a:t>
+                      </a:r>
+                      <a:r>
+                        <a:rPr sz="1050" spc="35" dirty="0" smtClean="0">
+                          <a:solidFill>
+                            <a:srgbClr val="4471C4"/>
+                          </a:solidFill>
+                          <a:latin typeface="+mj-lt"/>
                           <a:cs typeface="Times New Roman"/>
                         </a:rPr>
                         <a:t> </a:t>
@@ -20846,123 +20882,103 @@
                           <a:solidFill>
                             <a:srgbClr val="4471C4"/>
                           </a:solidFill>
-                          <a:latin typeface="Times New Roman"/>
-                          <a:cs typeface="Times New Roman"/>
-                        </a:rPr>
-                        <a:t>3</a:t>
-                      </a:r>
-                      <a:r>
-                        <a:rPr sz="1050" spc="-20" dirty="0">
-                          <a:solidFill>
-                            <a:srgbClr val="4471C4"/>
-                          </a:solidFill>
-                          <a:latin typeface="Times New Roman"/>
-                          <a:cs typeface="Times New Roman"/>
-                        </a:rPr>
-                        <a:t> people</a:t>
+                          <a:latin typeface="+mj-lt"/>
+                          <a:cs typeface="Times New Roman"/>
+                        </a:rPr>
+                        <a:t>(100%</a:t>
+                      </a:r>
+                      <a:r>
+                        <a:rPr sz="1050" spc="-35" dirty="0">
+                          <a:solidFill>
+                            <a:srgbClr val="4471C4"/>
+                          </a:solidFill>
+                          <a:latin typeface="+mj-lt"/>
+                          <a:cs typeface="Times New Roman"/>
+                        </a:rPr>
+                        <a:t> </a:t>
+                      </a:r>
+                      <a:r>
+                        <a:rPr lang="ko-KR" altLang="en-US" sz="1050" spc="-15" dirty="0" smtClean="0">
+                          <a:solidFill>
+                            <a:srgbClr val="4471C4"/>
+                          </a:solidFill>
+                          <a:latin typeface="+mj-lt"/>
+                          <a:cs typeface="Times New Roman"/>
+                        </a:rPr>
+                        <a:t>기여</a:t>
+                      </a:r>
+                      <a:r>
+                        <a:rPr sz="1050" spc="55" dirty="0" smtClean="0">
+                          <a:solidFill>
+                            <a:srgbClr val="4471C4"/>
+                          </a:solidFill>
+                          <a:latin typeface="+mj-lt"/>
+                          <a:cs typeface="Times New Roman"/>
+                        </a:rPr>
+                        <a:t> </a:t>
+                      </a:r>
+                      <a:r>
+                        <a:rPr sz="1050" spc="-15" dirty="0">
+                          <a:solidFill>
+                            <a:srgbClr val="4471C4"/>
+                          </a:solidFill>
+                          <a:latin typeface="+mj-lt"/>
+                          <a:cs typeface="Times New Roman"/>
+                        </a:rPr>
+                        <a:t>for</a:t>
                       </a:r>
                       <a:r>
                         <a:rPr sz="1050" spc="35" dirty="0">
                           <a:solidFill>
                             <a:srgbClr val="4471C4"/>
                           </a:solidFill>
-                          <a:latin typeface="Times New Roman"/>
+                          <a:latin typeface="+mj-lt"/>
                           <a:cs typeface="Times New Roman"/>
                         </a:rPr>
                         <a:t> </a:t>
                       </a:r>
                       <a:r>
-                        <a:rPr sz="1050" dirty="0">
-                          <a:solidFill>
-                            <a:srgbClr val="4471C4"/>
-                          </a:solidFill>
-                          <a:latin typeface="Times New Roman"/>
-                          <a:cs typeface="Times New Roman"/>
-                        </a:rPr>
-                        <a:t>(100%</a:t>
-                      </a:r>
-                      <a:r>
-                        <a:rPr sz="1050" spc="-35" dirty="0">
-                          <a:solidFill>
-                            <a:srgbClr val="4471C4"/>
-                          </a:solidFill>
-                          <a:latin typeface="Times New Roman"/>
-                          <a:cs typeface="Times New Roman"/>
-                        </a:rPr>
-                        <a:t> </a:t>
-                      </a:r>
-                      <a:r>
-                        <a:rPr sz="1050" spc="-15" dirty="0">
-                          <a:solidFill>
-                            <a:srgbClr val="4471C4"/>
-                          </a:solidFill>
-                          <a:latin typeface="Times New Roman"/>
-                          <a:cs typeface="Times New Roman"/>
-                        </a:rPr>
-                        <a:t>contribution</a:t>
-                      </a:r>
-                      <a:r>
-                        <a:rPr sz="1050" spc="55" dirty="0">
-                          <a:solidFill>
-                            <a:srgbClr val="4471C4"/>
-                          </a:solidFill>
-                          <a:latin typeface="Times New Roman"/>
-                          <a:cs typeface="Times New Roman"/>
-                        </a:rPr>
-                        <a:t> </a:t>
-                      </a:r>
-                      <a:r>
-                        <a:rPr sz="1050" spc="-15" dirty="0">
-                          <a:solidFill>
-                            <a:srgbClr val="4471C4"/>
-                          </a:solidFill>
-                          <a:latin typeface="Times New Roman"/>
-                          <a:cs typeface="Times New Roman"/>
-                        </a:rPr>
-                        <a:t>for</a:t>
-                      </a:r>
-                      <a:r>
-                        <a:rPr sz="1050" spc="35" dirty="0">
-                          <a:solidFill>
-                            <a:srgbClr val="4471C4"/>
-                          </a:solidFill>
-                          <a:latin typeface="Times New Roman"/>
-                          <a:cs typeface="Times New Roman"/>
-                        </a:rPr>
-                        <a:t> </a:t>
-                      </a:r>
-                      <a:r>
-                        <a:rPr sz="1050" dirty="0">
-                          <a:solidFill>
-                            <a:srgbClr val="4471C4"/>
-                          </a:solidFill>
-                          <a:latin typeface="Times New Roman"/>
-                          <a:cs typeface="Times New Roman"/>
-                        </a:rPr>
-                        <a:t>BE,</a:t>
-                      </a:r>
-                      <a:r>
-                        <a:rPr sz="1050" spc="-25" dirty="0">
-                          <a:solidFill>
-                            <a:srgbClr val="4471C4"/>
-                          </a:solidFill>
-                          <a:latin typeface="Times New Roman"/>
-                          <a:cs typeface="Times New Roman"/>
-                        </a:rPr>
-                        <a:t> </a:t>
-                      </a:r>
-                      <a:r>
-                        <a:rPr sz="1050" spc="-20" dirty="0">
-                          <a:solidFill>
-                            <a:srgbClr val="4471C4"/>
-                          </a:solidFill>
-                          <a:latin typeface="Times New Roman"/>
-                          <a:cs typeface="Times New Roman"/>
-                        </a:rPr>
-                        <a:t>FE)</a:t>
-                      </a:r>
-                      <a:endParaRPr sz="1050">
-                        <a:latin typeface="Times New Roman"/>
+                        <a:rPr lang="en-US" sz="1050" dirty="0" smtClean="0">
+                          <a:solidFill>
+                            <a:srgbClr val="4471C4"/>
+                          </a:solidFill>
+                          <a:latin typeface="+mj-lt"/>
+                          <a:cs typeface="Times New Roman"/>
+                        </a:rPr>
+                        <a:t>AI</a:t>
+                      </a:r>
+                      <a:r>
+                        <a:rPr lang="ko-KR" altLang="en-US" sz="1050" dirty="0" smtClean="0">
+                          <a:solidFill>
+                            <a:srgbClr val="4471C4"/>
+                          </a:solidFill>
+                          <a:latin typeface="+mj-lt"/>
+                          <a:cs typeface="Times New Roman"/>
+                        </a:rPr>
+                        <a:t>를 제외한 </a:t>
+                      </a:r>
+                      <a:r>
+                        <a:rPr lang="en-US" altLang="ko-KR" sz="1050" dirty="0" smtClean="0">
+                          <a:solidFill>
+                            <a:srgbClr val="4471C4"/>
+                          </a:solidFill>
+                          <a:latin typeface="+mj-lt"/>
+                          <a:cs typeface="Times New Roman"/>
+                        </a:rPr>
+                        <a:t>FE, BE</a:t>
+                      </a:r>
+                      <a:r>
+                        <a:rPr sz="1050" spc="-20" dirty="0" smtClean="0">
+                          <a:solidFill>
+                            <a:srgbClr val="4471C4"/>
+                          </a:solidFill>
+                          <a:latin typeface="+mj-lt"/>
+                          <a:cs typeface="Times New Roman"/>
+                        </a:rPr>
+                        <a:t>)</a:t>
+                      </a:r>
+                      <a:endParaRPr sz="1050" dirty="0">
+                        <a:latin typeface="+mj-lt"/>
                         <a:cs typeface="Times New Roman"/>
                       </a:endParaRPr>
                     </a:p>
@@ -21008,8 +21024,8 @@
                           <a:spcPts val="40"/>
                         </a:spcBef>
                       </a:pPr>
-                      <a:endParaRPr sz="1600">
-                        <a:latin typeface="Times New Roman"/>
+                      <a:endParaRPr sz="1600" dirty="0">
+                        <a:latin typeface="+mj-lt"/>
                         <a:cs typeface="Times New Roman"/>
                       </a:endParaRPr>
                     </a:p>
@@ -21021,13 +21037,13 @@
                       </a:pPr>
                       <a:r>
                         <a:rPr sz="1050" b="1" spc="-10" dirty="0">
-                          <a:latin typeface="Times New Roman"/>
+                          <a:latin typeface="+mj-lt"/>
                           <a:cs typeface="Times New Roman"/>
                         </a:rPr>
                         <a:t>Objective</a:t>
                       </a:r>
-                      <a:endParaRPr sz="1050">
-                        <a:latin typeface="Times New Roman"/>
+                      <a:endParaRPr sz="1050" dirty="0">
+                        <a:latin typeface="+mj-lt"/>
                         <a:cs typeface="Times New Roman"/>
                       </a:endParaRPr>
                     </a:p>
@@ -21066,8 +21082,8 @@
                           <a:spcPts val="40"/>
                         </a:spcBef>
                       </a:pPr>
-                      <a:endParaRPr sz="1050">
-                        <a:latin typeface="Times New Roman"/>
+                      <a:endParaRPr sz="1050" dirty="0">
+                        <a:latin typeface="+mj-lt"/>
                         <a:cs typeface="Times New Roman"/>
                       </a:endParaRPr>
                     </a:p>
@@ -21078,177 +21094,40 @@
                         </a:lnSpc>
                       </a:pPr>
                       <a:r>
-                        <a:rPr sz="1050" spc="-10" dirty="0">
-                          <a:solidFill>
-                            <a:srgbClr val="4471C4"/>
-                          </a:solidFill>
-                          <a:latin typeface="Times New Roman"/>
-                          <a:cs typeface="Times New Roman"/>
-                        </a:rPr>
-                        <a:t>Bringing</a:t>
-                      </a:r>
-                      <a:r>
-                        <a:rPr sz="1050" spc="45" dirty="0">
-                          <a:solidFill>
-                            <a:srgbClr val="4471C4"/>
-                          </a:solidFill>
-                          <a:latin typeface="Times New Roman"/>
-                          <a:cs typeface="Times New Roman"/>
-                        </a:rPr>
-                        <a:t> </a:t>
-                      </a:r>
-                      <a:r>
-                        <a:rPr sz="1050" spc="-10" dirty="0">
-                          <a:solidFill>
-                            <a:srgbClr val="4471C4"/>
-                          </a:solidFill>
-                          <a:latin typeface="Times New Roman"/>
-                          <a:cs typeface="Times New Roman"/>
-                        </a:rPr>
-                        <a:t>the</a:t>
-                      </a:r>
-                      <a:r>
-                        <a:rPr sz="1050" spc="-15" dirty="0">
-                          <a:solidFill>
-                            <a:srgbClr val="4471C4"/>
-                          </a:solidFill>
-                          <a:latin typeface="Times New Roman"/>
-                          <a:cs typeface="Times New Roman"/>
-                        </a:rPr>
-                        <a:t> </a:t>
-                      </a:r>
-                      <a:r>
-                        <a:rPr sz="1050" spc="-5" dirty="0">
-                          <a:solidFill>
-                            <a:srgbClr val="4471C4"/>
-                          </a:solidFill>
-                          <a:latin typeface="Times New Roman"/>
-                          <a:cs typeface="Times New Roman"/>
-                        </a:rPr>
-                        <a:t>capabilities</a:t>
-                      </a:r>
-                      <a:r>
-                        <a:rPr sz="1050" spc="-30" dirty="0">
-                          <a:solidFill>
-                            <a:srgbClr val="4471C4"/>
-                          </a:solidFill>
-                          <a:latin typeface="Times New Roman"/>
-                          <a:cs typeface="Times New Roman"/>
-                        </a:rPr>
-                        <a:t> </a:t>
-                      </a:r>
-                      <a:r>
-                        <a:rPr sz="1050" spc="-15" dirty="0">
-                          <a:solidFill>
-                            <a:srgbClr val="4471C4"/>
-                          </a:solidFill>
-                          <a:latin typeface="Times New Roman"/>
-                          <a:cs typeface="Times New Roman"/>
-                        </a:rPr>
-                        <a:t>needed</a:t>
-                      </a:r>
-                      <a:r>
-                        <a:rPr sz="1050" spc="45" dirty="0">
-                          <a:solidFill>
-                            <a:srgbClr val="4471C4"/>
-                          </a:solidFill>
-                          <a:latin typeface="Times New Roman"/>
-                          <a:cs typeface="Times New Roman"/>
-                        </a:rPr>
-                        <a:t> </a:t>
-                      </a:r>
-                      <a:r>
-                        <a:rPr sz="1050" spc="-5" dirty="0">
-                          <a:solidFill>
-                            <a:srgbClr val="4471C4"/>
-                          </a:solidFill>
-                          <a:latin typeface="Times New Roman"/>
-                          <a:cs typeface="Times New Roman"/>
-                        </a:rPr>
-                        <a:t>to</a:t>
-                      </a:r>
-                      <a:r>
-                        <a:rPr sz="1050" spc="-30" dirty="0">
-                          <a:solidFill>
-                            <a:srgbClr val="4471C4"/>
-                          </a:solidFill>
-                          <a:latin typeface="Times New Roman"/>
-                          <a:cs typeface="Times New Roman"/>
-                        </a:rPr>
-                        <a:t> </a:t>
-                      </a:r>
-                      <a:r>
-                        <a:rPr sz="1050" dirty="0">
-                          <a:solidFill>
-                            <a:srgbClr val="4471C4"/>
-                          </a:solidFill>
-                          <a:latin typeface="Times New Roman"/>
-                          <a:cs typeface="Times New Roman"/>
-                        </a:rPr>
-                        <a:t>areas</a:t>
-                      </a:r>
-                      <a:r>
-                        <a:rPr sz="1050" spc="-50" dirty="0">
-                          <a:solidFill>
-                            <a:srgbClr val="4471C4"/>
-                          </a:solidFill>
-                          <a:latin typeface="Times New Roman"/>
-                          <a:cs typeface="Times New Roman"/>
-                        </a:rPr>
-                        <a:t> </a:t>
-                      </a:r>
-                      <a:r>
-                        <a:rPr sz="1050" spc="-10" dirty="0">
-                          <a:solidFill>
-                            <a:srgbClr val="4471C4"/>
-                          </a:solidFill>
-                          <a:latin typeface="Times New Roman"/>
-                          <a:cs typeface="Times New Roman"/>
-                        </a:rPr>
-                        <a:t>of</a:t>
-                      </a:r>
-                      <a:r>
-                        <a:rPr sz="1050" dirty="0">
-                          <a:solidFill>
-                            <a:srgbClr val="4471C4"/>
-                          </a:solidFill>
-                          <a:latin typeface="Times New Roman"/>
-                          <a:cs typeface="Times New Roman"/>
-                        </a:rPr>
-                        <a:t> </a:t>
-                      </a:r>
-                      <a:r>
-                        <a:rPr sz="1050" spc="-10" dirty="0">
-                          <a:solidFill>
-                            <a:srgbClr val="4471C4"/>
-                          </a:solidFill>
-                          <a:latin typeface="Times New Roman"/>
-                          <a:cs typeface="Times New Roman"/>
-                        </a:rPr>
-                        <a:t>the</a:t>
-                      </a:r>
-                      <a:r>
-                        <a:rPr sz="1050" spc="-15" dirty="0">
-                          <a:solidFill>
-                            <a:srgbClr val="4471C4"/>
-                          </a:solidFill>
-                          <a:latin typeface="Times New Roman"/>
-                          <a:cs typeface="Times New Roman"/>
-                        </a:rPr>
-                        <a:t> </a:t>
-                      </a:r>
-                      <a:r>
-                        <a:rPr sz="1050" spc="-10" dirty="0">
-                          <a:solidFill>
-                            <a:srgbClr val="4471C4"/>
-                          </a:solidFill>
-                          <a:latin typeface="Times New Roman"/>
-                          <a:cs typeface="Times New Roman"/>
-                        </a:rPr>
-                        <a:t>factory</a:t>
-                      </a:r>
-                      <a:endParaRPr sz="1050">
-                        <a:latin typeface="Times New Roman"/>
+                        <a:rPr lang="ko-KR" altLang="en-US" sz="1050" spc="-10" dirty="0" smtClean="0">
+                          <a:solidFill>
+                            <a:srgbClr val="4471C4"/>
+                          </a:solidFill>
+                          <a:latin typeface="+mj-lt"/>
+                          <a:cs typeface="Times New Roman"/>
+                        </a:rPr>
+                        <a:t>데이터의 불균형을 해결하는 </a:t>
+                      </a:r>
+                      <a:r>
+                        <a:rPr lang="en-US" altLang="ko-KR" sz="1050" spc="-10" dirty="0" smtClean="0">
+                          <a:solidFill>
+                            <a:srgbClr val="4471C4"/>
+                          </a:solidFill>
+                          <a:latin typeface="+mj-lt"/>
+                          <a:cs typeface="Times New Roman"/>
+                        </a:rPr>
+                        <a:t>AI </a:t>
+                      </a:r>
+                      <a:r>
+                        <a:rPr lang="ko-KR" altLang="en-US" sz="1050" spc="-10" dirty="0" smtClean="0">
+                          <a:solidFill>
+                            <a:srgbClr val="4471C4"/>
+                          </a:solidFill>
+                          <a:latin typeface="+mj-lt"/>
+                          <a:cs typeface="Times New Roman"/>
+                        </a:rPr>
+                        <a:t>모델을 개발하고 </a:t>
+                      </a:r>
+                      <a:endParaRPr lang="en-US" altLang="ko-KR" sz="1050" spc="-10" dirty="0" smtClean="0">
+                        <a:solidFill>
+                          <a:srgbClr val="4471C4"/>
+                        </a:solidFill>
+                        <a:latin typeface="+mj-lt"/>
                         <a:cs typeface="Times New Roman"/>
                       </a:endParaRPr>
                     </a:p>
@@ -21259,217 +21138,57 @@
                         </a:lnSpc>
                       </a:pPr>
                       <a:r>
-                        <a:rPr sz="1050" spc="-15" dirty="0">
-                          <a:solidFill>
-                            <a:srgbClr val="4471C4"/>
-                          </a:solidFill>
-                          <a:latin typeface="Times New Roman"/>
-                          <a:cs typeface="Times New Roman"/>
-                        </a:rPr>
-                        <a:t>industry</a:t>
-                      </a:r>
-                      <a:r>
-                        <a:rPr sz="1050" spc="50" dirty="0">
-                          <a:solidFill>
-                            <a:srgbClr val="4471C4"/>
-                          </a:solidFill>
-                          <a:latin typeface="Times New Roman"/>
-                          <a:cs typeface="Times New Roman"/>
-                        </a:rPr>
-                        <a:t> </a:t>
-                      </a:r>
-                      <a:r>
-                        <a:rPr sz="1050" spc="-10" dirty="0">
-                          <a:solidFill>
-                            <a:srgbClr val="4471C4"/>
-                          </a:solidFill>
-                          <a:latin typeface="Times New Roman"/>
-                          <a:cs typeface="Times New Roman"/>
-                        </a:rPr>
-                        <a:t>where</a:t>
-                      </a:r>
-                      <a:r>
-                        <a:rPr sz="1050" spc="-85" dirty="0">
-                          <a:solidFill>
-                            <a:srgbClr val="4471C4"/>
-                          </a:solidFill>
-                          <a:latin typeface="Times New Roman"/>
-                          <a:cs typeface="Times New Roman"/>
-                        </a:rPr>
-                        <a:t> </a:t>
-                      </a:r>
-                      <a:r>
-                        <a:rPr sz="1050" spc="-10" dirty="0">
-                          <a:solidFill>
-                            <a:srgbClr val="4471C4"/>
-                          </a:solidFill>
-                          <a:latin typeface="Times New Roman"/>
-                          <a:cs typeface="Times New Roman"/>
-                        </a:rPr>
-                        <a:t>AI</a:t>
-                      </a:r>
-                      <a:r>
-                        <a:rPr sz="1050" spc="10" dirty="0">
-                          <a:solidFill>
-                            <a:srgbClr val="4471C4"/>
-                          </a:solidFill>
-                          <a:latin typeface="Times New Roman"/>
-                          <a:cs typeface="Times New Roman"/>
-                        </a:rPr>
-                        <a:t> </a:t>
-                      </a:r>
-                      <a:r>
-                        <a:rPr sz="1050" spc="-5" dirty="0">
-                          <a:solidFill>
-                            <a:srgbClr val="4471C4"/>
-                          </a:solidFill>
-                          <a:latin typeface="Times New Roman"/>
-                          <a:cs typeface="Times New Roman"/>
-                        </a:rPr>
-                        <a:t>is</a:t>
-                      </a:r>
-                      <a:r>
-                        <a:rPr sz="1050" spc="-30" dirty="0">
-                          <a:solidFill>
-                            <a:srgbClr val="4471C4"/>
-                          </a:solidFill>
-                          <a:latin typeface="Times New Roman"/>
-                          <a:cs typeface="Times New Roman"/>
-                        </a:rPr>
-                        <a:t> </a:t>
-                      </a:r>
-                      <a:r>
-                        <a:rPr sz="1050" spc="-15" dirty="0">
-                          <a:solidFill>
-                            <a:srgbClr val="4471C4"/>
-                          </a:solidFill>
-                          <a:latin typeface="Times New Roman"/>
-                          <a:cs typeface="Times New Roman"/>
-                        </a:rPr>
-                        <a:t>needed</a:t>
-                      </a:r>
-                      <a:r>
-                        <a:rPr sz="1050" spc="55" dirty="0">
-                          <a:solidFill>
-                            <a:srgbClr val="4471C4"/>
-                          </a:solidFill>
-                          <a:latin typeface="Times New Roman"/>
-                          <a:cs typeface="Times New Roman"/>
-                        </a:rPr>
-                        <a:t> </a:t>
-                      </a:r>
-                      <a:r>
-                        <a:rPr sz="1050" spc="-20" dirty="0">
-                          <a:solidFill>
-                            <a:srgbClr val="4471C4"/>
-                          </a:solidFill>
-                          <a:latin typeface="Times New Roman"/>
-                          <a:cs typeface="Times New Roman"/>
-                        </a:rPr>
-                        <a:t>most</a:t>
-                      </a:r>
-                      <a:r>
-                        <a:rPr sz="1050" spc="70" dirty="0">
-                          <a:solidFill>
-                            <a:srgbClr val="4471C4"/>
-                          </a:solidFill>
-                          <a:latin typeface="Times New Roman"/>
-                          <a:cs typeface="Times New Roman"/>
-                        </a:rPr>
-                        <a:t> </a:t>
-                      </a:r>
-                      <a:r>
-                        <a:rPr sz="1050" spc="-10" dirty="0">
-                          <a:solidFill>
-                            <a:srgbClr val="4471C4"/>
-                          </a:solidFill>
-                          <a:latin typeface="Times New Roman"/>
-                          <a:cs typeface="Times New Roman"/>
-                        </a:rPr>
-                        <a:t>but</a:t>
-                      </a:r>
-                      <a:r>
-                        <a:rPr sz="1050" spc="-5" dirty="0">
-                          <a:solidFill>
-                            <a:srgbClr val="4471C4"/>
-                          </a:solidFill>
-                          <a:latin typeface="Times New Roman"/>
-                          <a:cs typeface="Times New Roman"/>
-                        </a:rPr>
-                        <a:t> </a:t>
-                      </a:r>
-                      <a:r>
-                        <a:rPr sz="1050" spc="-20" dirty="0">
-                          <a:solidFill>
-                            <a:srgbClr val="4471C4"/>
-                          </a:solidFill>
-                          <a:latin typeface="Times New Roman"/>
-                          <a:cs typeface="Times New Roman"/>
-                        </a:rPr>
-                        <a:t>most</a:t>
-                      </a:r>
-                      <a:r>
-                        <a:rPr sz="1050" spc="50" dirty="0">
-                          <a:solidFill>
-                            <a:srgbClr val="4471C4"/>
-                          </a:solidFill>
-                          <a:latin typeface="Times New Roman"/>
-                          <a:cs typeface="Times New Roman"/>
-                        </a:rPr>
-                        <a:t> </a:t>
-                      </a:r>
-                      <a:r>
-                        <a:rPr sz="1050" spc="-15" dirty="0">
-                          <a:solidFill>
-                            <a:srgbClr val="4471C4"/>
-                          </a:solidFill>
-                          <a:latin typeface="Times New Roman"/>
-                          <a:cs typeface="Times New Roman"/>
-                        </a:rPr>
-                        <a:t>difficult</a:t>
-                      </a:r>
-                      <a:r>
-                        <a:rPr sz="1050" spc="65" dirty="0">
-                          <a:solidFill>
-                            <a:srgbClr val="4471C4"/>
-                          </a:solidFill>
-                          <a:latin typeface="Times New Roman"/>
-                          <a:cs typeface="Times New Roman"/>
-                        </a:rPr>
-                        <a:t> </a:t>
-                      </a:r>
-                      <a:r>
-                        <a:rPr sz="1050" spc="-5" dirty="0">
-                          <a:solidFill>
-                            <a:srgbClr val="4471C4"/>
-                          </a:solidFill>
-                          <a:latin typeface="Times New Roman"/>
-                          <a:cs typeface="Times New Roman"/>
-                        </a:rPr>
-                        <a:t>to</a:t>
-                      </a:r>
-                      <a:r>
-                        <a:rPr sz="1050" spc="-20" dirty="0">
-                          <a:solidFill>
-                            <a:srgbClr val="4471C4"/>
-                          </a:solidFill>
-                          <a:latin typeface="Times New Roman"/>
-                          <a:cs typeface="Times New Roman"/>
-                        </a:rPr>
-                        <a:t> </a:t>
-                      </a:r>
-                      <a:r>
-                        <a:rPr sz="1050" spc="-5" dirty="0">
-                          <a:solidFill>
-                            <a:srgbClr val="4471C4"/>
-                          </a:solidFill>
-                          <a:latin typeface="Times New Roman"/>
-                          <a:cs typeface="Times New Roman"/>
-                        </a:rPr>
-                        <a:t>reach</a:t>
-                      </a:r>
-                      <a:endParaRPr sz="1050">
-                        <a:latin typeface="Times New Roman"/>
+                        <a:rPr lang="ko-KR" altLang="en-US" sz="1050" spc="-10" dirty="0" smtClean="0">
+                          <a:solidFill>
+                            <a:srgbClr val="4471C4"/>
+                          </a:solidFill>
+                          <a:latin typeface="+mj-lt"/>
+                          <a:cs typeface="Times New Roman"/>
+                        </a:rPr>
+                        <a:t>이미지 데이터를 저장</a:t>
+                      </a:r>
+                      <a:r>
+                        <a:rPr lang="en-US" altLang="ko-KR" sz="1050" spc="-10" dirty="0" smtClean="0">
+                          <a:solidFill>
+                            <a:srgbClr val="4471C4"/>
+                          </a:solidFill>
+                          <a:latin typeface="+mj-lt"/>
+                          <a:cs typeface="Times New Roman"/>
+                        </a:rPr>
+                        <a:t>, </a:t>
+                      </a:r>
+                      <a:r>
+                        <a:rPr lang="ko-KR" altLang="en-US" sz="1050" spc="-10" dirty="0" smtClean="0">
+                          <a:solidFill>
+                            <a:srgbClr val="4471C4"/>
+                          </a:solidFill>
+                          <a:latin typeface="+mj-lt"/>
+                          <a:cs typeface="Times New Roman"/>
+                        </a:rPr>
+                        <a:t>관리할 </a:t>
+                      </a:r>
+                      <a:r>
+                        <a:rPr lang="en-US" altLang="ko-KR" sz="1050" spc="-10" dirty="0" smtClean="0">
+                          <a:solidFill>
+                            <a:srgbClr val="4471C4"/>
+                          </a:solidFill>
+                          <a:latin typeface="+mj-lt"/>
+                          <a:cs typeface="Times New Roman"/>
+                        </a:rPr>
+                        <a:t>APP</a:t>
+                      </a:r>
+                      <a:r>
+                        <a:rPr lang="ko-KR" altLang="en-US" sz="1050" spc="-10" dirty="0" smtClean="0">
+                          <a:solidFill>
+                            <a:srgbClr val="4471C4"/>
+                          </a:solidFill>
+                          <a:latin typeface="+mj-lt"/>
+                          <a:cs typeface="Times New Roman"/>
+                        </a:rPr>
+                        <a:t>과 서버의 개발</a:t>
+                      </a:r>
+                      <a:endParaRPr sz="1050" dirty="0">
+                        <a:latin typeface="+mj-lt"/>
                         <a:cs typeface="Times New Roman"/>
                       </a:endParaRPr>
                     </a:p>
@@ -21516,7 +21235,7 @@
                         </a:spcBef>
                       </a:pPr>
                       <a:endParaRPr sz="1300">
-                        <a:latin typeface="Times New Roman"/>
+                        <a:latin typeface="+mj-lt"/>
                         <a:cs typeface="Times New Roman"/>
                       </a:endParaRPr>
                     </a:p>
@@ -21528,13 +21247,13 @@
                       </a:pPr>
                       <a:r>
                         <a:rPr sz="1050" b="1" spc="-5" dirty="0">
-                          <a:latin typeface="Times New Roman"/>
+                          <a:latin typeface="+mj-lt"/>
                           <a:cs typeface="Times New Roman"/>
                         </a:rPr>
                         <a:t>Content</a:t>
                       </a:r>
                       <a:endParaRPr sz="1050">
-                        <a:latin typeface="Times New Roman"/>
+                        <a:latin typeface="+mj-lt"/>
                         <a:cs typeface="Times New Roman"/>
                       </a:endParaRPr>
                     </a:p>
@@ -21565,192 +21284,162 @@
                     <a:bodyPr/>
                     <a:lstStyle/>
                     <a:p>
-                      <a:pPr>
+                      <a:pPr marL="86995" algn="l">
                         <a:lnSpc>
                           <a:spcPct val="100000"/>
                         </a:lnSpc>
-                        <a:spcBef>
-                          <a:spcPts val="15"/>
-                        </a:spcBef>
                       </a:pPr>
-                      <a:endParaRPr sz="1300">
-                        <a:latin typeface="Times New Roman"/>
+                      <a:r>
+                        <a:rPr lang="en-US" altLang="ko-KR" sz="1050" dirty="0" smtClean="0">
+                          <a:solidFill>
+                            <a:srgbClr val="4471C4"/>
+                          </a:solidFill>
+                          <a:latin typeface="+mj-lt"/>
+                          <a:cs typeface="Times New Roman"/>
+                        </a:rPr>
+                        <a:t>AI </a:t>
+                      </a:r>
+                      <a:r>
+                        <a:rPr lang="ko-KR" altLang="en-US" sz="1050" dirty="0" smtClean="0">
+                          <a:solidFill>
+                            <a:srgbClr val="4471C4"/>
+                          </a:solidFill>
+                          <a:latin typeface="+mj-lt"/>
+                          <a:cs typeface="Times New Roman"/>
+                        </a:rPr>
+                        <a:t>모델 개발</a:t>
+                      </a:r>
+                      <a:r>
+                        <a:rPr lang="en-US" altLang="ko-KR" sz="1050" dirty="0" smtClean="0">
+                          <a:solidFill>
+                            <a:srgbClr val="4471C4"/>
+                          </a:solidFill>
+                          <a:latin typeface="+mj-lt"/>
+                          <a:cs typeface="Times New Roman"/>
+                        </a:rPr>
+                        <a:t>, User Interface</a:t>
+                      </a:r>
+                      <a:r>
+                        <a:rPr lang="en-US" altLang="ko-KR" sz="1050" baseline="0" dirty="0" smtClean="0">
+                          <a:solidFill>
+                            <a:srgbClr val="4471C4"/>
+                          </a:solidFill>
+                          <a:latin typeface="+mj-lt"/>
+                          <a:cs typeface="Times New Roman"/>
+                        </a:rPr>
+                        <a:t> </a:t>
+                      </a:r>
+                      <a:r>
+                        <a:rPr lang="ko-KR" altLang="en-US" sz="1050" baseline="0" dirty="0" smtClean="0">
+                          <a:solidFill>
+                            <a:srgbClr val="4471C4"/>
+                          </a:solidFill>
+                          <a:latin typeface="+mj-lt"/>
+                          <a:cs typeface="Times New Roman"/>
+                        </a:rPr>
+                        <a:t>개발</a:t>
+                      </a:r>
+                      <a:endParaRPr lang="en-US" altLang="ko-KR" sz="1050" baseline="0" dirty="0" smtClean="0">
+                        <a:solidFill>
+                          <a:srgbClr val="4471C4"/>
+                        </a:solidFill>
+                        <a:latin typeface="+mj-lt"/>
                         <a:cs typeface="Times New Roman"/>
                       </a:endParaRPr>
                     </a:p>
                     <a:p>
-                      <a:pPr marL="86995">
+                      <a:pPr marL="86995" algn="l">
                         <a:lnSpc>
                           <a:spcPct val="100000"/>
                         </a:lnSpc>
                       </a:pPr>
                       <a:r>
-                        <a:rPr sz="1050" dirty="0">
-                          <a:solidFill>
-                            <a:srgbClr val="4471C4"/>
-                          </a:solidFill>
-                          <a:latin typeface="Times New Roman"/>
-                          <a:cs typeface="Times New Roman"/>
-                        </a:rPr>
-                        <a:t>A</a:t>
-                      </a:r>
-                      <a:r>
-                        <a:rPr sz="1050" spc="-65" dirty="0">
-                          <a:solidFill>
-                            <a:srgbClr val="4471C4"/>
-                          </a:solidFill>
-                          <a:latin typeface="Times New Roman"/>
-                          <a:cs typeface="Times New Roman"/>
-                        </a:rPr>
-                        <a:t> </a:t>
-                      </a:r>
-                      <a:r>
-                        <a:rPr sz="1050" spc="-10" dirty="0">
-                          <a:solidFill>
-                            <a:srgbClr val="4471C4"/>
-                          </a:solidFill>
-                          <a:latin typeface="Times New Roman"/>
-                          <a:cs typeface="Times New Roman"/>
-                        </a:rPr>
-                        <a:t>service</a:t>
-                      </a:r>
-                      <a:r>
-                        <a:rPr sz="1050" spc="-5" dirty="0">
-                          <a:solidFill>
-                            <a:srgbClr val="4471C4"/>
-                          </a:solidFill>
-                          <a:latin typeface="Times New Roman"/>
-                          <a:cs typeface="Times New Roman"/>
-                        </a:rPr>
-                        <a:t> that</a:t>
-                      </a:r>
-                      <a:r>
-                        <a:rPr sz="1050" spc="-30" dirty="0">
-                          <a:solidFill>
-                            <a:srgbClr val="4471C4"/>
-                          </a:solidFill>
-                          <a:latin typeface="Times New Roman"/>
-                          <a:cs typeface="Times New Roman"/>
-                        </a:rPr>
-                        <a:t> </a:t>
-                      </a:r>
-                      <a:r>
-                        <a:rPr sz="1050" spc="-15" dirty="0">
-                          <a:solidFill>
-                            <a:srgbClr val="4471C4"/>
-                          </a:solidFill>
-                          <a:latin typeface="Times New Roman"/>
-                          <a:cs typeface="Times New Roman"/>
-                        </a:rPr>
-                        <a:t>detects</a:t>
-                      </a:r>
-                      <a:r>
-                        <a:rPr sz="1050" dirty="0">
-                          <a:solidFill>
-                            <a:srgbClr val="4471C4"/>
-                          </a:solidFill>
-                          <a:latin typeface="Times New Roman"/>
-                          <a:cs typeface="Times New Roman"/>
-                        </a:rPr>
-                        <a:t> </a:t>
-                      </a:r>
-                      <a:r>
-                        <a:rPr sz="1050" spc="-15" dirty="0">
-                          <a:solidFill>
-                            <a:srgbClr val="4471C4"/>
-                          </a:solidFill>
-                          <a:latin typeface="Times New Roman"/>
-                          <a:cs typeface="Times New Roman"/>
-                        </a:rPr>
-                        <a:t>defective</a:t>
-                      </a:r>
-                      <a:r>
-                        <a:rPr sz="1050" spc="65" dirty="0">
-                          <a:solidFill>
-                            <a:srgbClr val="4471C4"/>
-                          </a:solidFill>
-                          <a:latin typeface="Times New Roman"/>
-                          <a:cs typeface="Times New Roman"/>
-                        </a:rPr>
-                        <a:t> </a:t>
-                      </a:r>
-                      <a:r>
-                        <a:rPr sz="1050" spc="-5" dirty="0">
-                          <a:solidFill>
-                            <a:srgbClr val="4471C4"/>
-                          </a:solidFill>
-                          <a:latin typeface="Times New Roman"/>
-                          <a:cs typeface="Times New Roman"/>
-                        </a:rPr>
-                        <a:t>parts</a:t>
-                      </a:r>
-                      <a:r>
-                        <a:rPr sz="1050" spc="-45" dirty="0">
-                          <a:solidFill>
-                            <a:srgbClr val="4471C4"/>
-                          </a:solidFill>
-                          <a:latin typeface="Times New Roman"/>
-                          <a:cs typeface="Times New Roman"/>
-                        </a:rPr>
-                        <a:t> </a:t>
-                      </a:r>
-                      <a:r>
-                        <a:rPr sz="1050" spc="-5" dirty="0">
-                          <a:solidFill>
-                            <a:srgbClr val="4471C4"/>
-                          </a:solidFill>
-                          <a:latin typeface="Times New Roman"/>
-                          <a:cs typeface="Times New Roman"/>
-                        </a:rPr>
-                        <a:t>in</a:t>
-                      </a:r>
-                      <a:r>
-                        <a:rPr sz="1050" spc="-25" dirty="0">
-                          <a:solidFill>
-                            <a:srgbClr val="4471C4"/>
-                          </a:solidFill>
-                          <a:latin typeface="Times New Roman"/>
-                          <a:cs typeface="Times New Roman"/>
-                        </a:rPr>
-                        <a:t> </a:t>
-                      </a:r>
-                      <a:r>
-                        <a:rPr sz="1050" spc="-5" dirty="0">
-                          <a:solidFill>
-                            <a:srgbClr val="4471C4"/>
-                          </a:solidFill>
-                          <a:latin typeface="Times New Roman"/>
-                          <a:cs typeface="Times New Roman"/>
-                        </a:rPr>
-                        <a:t>steel</a:t>
-                      </a:r>
-                      <a:r>
-                        <a:rPr sz="1050" spc="-10" dirty="0">
-                          <a:solidFill>
-                            <a:srgbClr val="4471C4"/>
-                          </a:solidFill>
-                          <a:latin typeface="Times New Roman"/>
-                          <a:cs typeface="Times New Roman"/>
-                        </a:rPr>
-                        <a:t> </a:t>
-                      </a:r>
-                      <a:r>
-                        <a:rPr sz="1050" spc="-15" dirty="0">
-                          <a:solidFill>
-                            <a:srgbClr val="4471C4"/>
-                          </a:solidFill>
-                          <a:latin typeface="Times New Roman"/>
-                          <a:cs typeface="Times New Roman"/>
-                        </a:rPr>
-                        <a:t>images.</a:t>
-                      </a:r>
-                      <a:endParaRPr sz="1050">
-                        <a:latin typeface="Times New Roman"/>
+                        <a:rPr lang="en-US" altLang="ko-KR" sz="1050" baseline="0" dirty="0" smtClean="0">
+                          <a:solidFill>
+                            <a:srgbClr val="4471C4"/>
+                          </a:solidFill>
+                          <a:latin typeface="+mj-lt"/>
+                          <a:cs typeface="Times New Roman"/>
+                        </a:rPr>
+                        <a:t>JPA </a:t>
+                      </a:r>
+                      <a:r>
+                        <a:rPr lang="ko-KR" altLang="en-US" sz="1050" baseline="0" dirty="0" smtClean="0">
+                          <a:solidFill>
+                            <a:srgbClr val="4471C4"/>
+                          </a:solidFill>
+                          <a:latin typeface="+mj-lt"/>
+                          <a:cs typeface="Times New Roman"/>
+                        </a:rPr>
+                        <a:t>개발</a:t>
+                      </a:r>
+                      <a:r>
+                        <a:rPr lang="en-US" altLang="ko-KR" sz="1050" baseline="0" dirty="0" smtClean="0">
+                          <a:solidFill>
+                            <a:srgbClr val="4471C4"/>
+                          </a:solidFill>
+                          <a:latin typeface="+mj-lt"/>
+                          <a:cs typeface="Times New Roman"/>
+                        </a:rPr>
+                        <a:t>, </a:t>
+                      </a:r>
+                      <a:r>
+                        <a:rPr lang="ko-KR" altLang="en-US" sz="1050" baseline="0" dirty="0" smtClean="0">
+                          <a:solidFill>
+                            <a:srgbClr val="4471C4"/>
+                          </a:solidFill>
+                          <a:latin typeface="+mj-lt"/>
+                          <a:cs typeface="Times New Roman"/>
+                        </a:rPr>
+                        <a:t>서버 구축</a:t>
+                      </a:r>
+                      <a:r>
+                        <a:rPr lang="en-US" altLang="ko-KR" sz="1050" baseline="0" dirty="0" smtClean="0">
+                          <a:solidFill>
+                            <a:srgbClr val="4471C4"/>
+                          </a:solidFill>
+                          <a:latin typeface="+mj-lt"/>
+                          <a:cs typeface="Times New Roman"/>
+                        </a:rPr>
+                        <a:t>, AWS</a:t>
+                      </a:r>
+                      <a:r>
+                        <a:rPr lang="ko-KR" altLang="en-US" sz="1050" baseline="0" dirty="0" smtClean="0">
+                          <a:solidFill>
+                            <a:srgbClr val="4471C4"/>
+                          </a:solidFill>
+                          <a:latin typeface="+mj-lt"/>
+                          <a:cs typeface="Times New Roman"/>
+                        </a:rPr>
+                        <a:t>의 </a:t>
+                      </a:r>
+                      <a:r>
+                        <a:rPr lang="en-US" altLang="ko-KR" sz="1050" baseline="0" dirty="0" smtClean="0">
+                          <a:solidFill>
+                            <a:srgbClr val="4471C4"/>
+                          </a:solidFill>
+                          <a:latin typeface="+mj-lt"/>
+                          <a:cs typeface="Times New Roman"/>
+                        </a:rPr>
+                        <a:t>RDS</a:t>
+                      </a:r>
+                      <a:r>
+                        <a:rPr lang="ko-KR" altLang="en-US" sz="1050" baseline="0" dirty="0" smtClean="0">
+                          <a:solidFill>
+                            <a:srgbClr val="4471C4"/>
+                          </a:solidFill>
+                          <a:latin typeface="+mj-lt"/>
+                          <a:cs typeface="Times New Roman"/>
+                        </a:rPr>
+                        <a:t>로 전송 및 저장</a:t>
+                      </a:r>
+                      <a:endParaRPr sz="1050" dirty="0">
+                        <a:latin typeface="+mj-lt"/>
                         <a:cs typeface="Times New Roman"/>
                       </a:endParaRPr>
                     </a:p>
                   </a:txBody>
-                  <a:tcPr marL="0" marR="0" marT="1905" marB="0">
+                  <a:tcPr marL="0" marR="0" marT="1905" marB="0" anchor="ctr">
                     <a:lnL w="9525">
                       <a:solidFill>
                         <a:srgbClr val="7E7E7E"/>
@@ -21789,7 +21478,7 @@
                         </a:lnSpc>
                       </a:pPr>
                       <a:endParaRPr sz="1100">
-                        <a:latin typeface="Times New Roman"/>
+                        <a:latin typeface="+mj-lt"/>
                         <a:cs typeface="Times New Roman"/>
                       </a:endParaRPr>
                     </a:p>
@@ -21800,7 +21489,7 @@
                         </a:lnSpc>
                       </a:pPr>
                       <a:endParaRPr sz="1100">
-                        <a:latin typeface="Times New Roman"/>
+                        <a:latin typeface="+mj-lt"/>
                         <a:cs typeface="Times New Roman"/>
                       </a:endParaRPr>
                     </a:p>
@@ -21814,7 +21503,7 @@
                         </a:spcBef>
                       </a:pPr>
                       <a:endParaRPr sz="1500">
-                        <a:latin typeface="Times New Roman"/>
+                        <a:latin typeface="+mj-lt"/>
                         <a:cs typeface="Times New Roman"/>
                       </a:endParaRPr>
                     </a:p>
@@ -21826,83 +21515,83 @@
                       </a:pPr>
                       <a:r>
                         <a:rPr sz="1050" b="1" dirty="0">
-                          <a:latin typeface="Times New Roman"/>
+                          <a:latin typeface="+mj-lt"/>
                           <a:cs typeface="Times New Roman"/>
                         </a:rPr>
                         <a:t>D</a:t>
                       </a:r>
                       <a:r>
                         <a:rPr sz="1050" b="1" spc="5" dirty="0">
-                          <a:latin typeface="Times New Roman"/>
+                          <a:latin typeface="+mj-lt"/>
                           <a:cs typeface="Times New Roman"/>
                         </a:rPr>
                         <a:t>et</a:t>
                       </a:r>
                       <a:r>
                         <a:rPr sz="1050" b="1" dirty="0">
-                          <a:latin typeface="Times New Roman"/>
+                          <a:latin typeface="+mj-lt"/>
                           <a:cs typeface="Times New Roman"/>
                         </a:rPr>
                         <a:t>a</a:t>
                       </a:r>
                       <a:r>
                         <a:rPr sz="1050" b="1" spc="-10" dirty="0">
-                          <a:latin typeface="Times New Roman"/>
+                          <a:latin typeface="+mj-lt"/>
                           <a:cs typeface="Times New Roman"/>
                         </a:rPr>
                         <a:t>i</a:t>
                       </a:r>
                       <a:r>
                         <a:rPr sz="1050" b="1" dirty="0">
-                          <a:latin typeface="Times New Roman"/>
+                          <a:latin typeface="+mj-lt"/>
                           <a:cs typeface="Times New Roman"/>
                         </a:rPr>
                         <a:t>l</a:t>
                       </a:r>
                       <a:r>
                         <a:rPr sz="1050" b="1" spc="-75" dirty="0">
-                          <a:latin typeface="Times New Roman"/>
+                          <a:latin typeface="+mj-lt"/>
                           <a:cs typeface="Times New Roman"/>
                         </a:rPr>
                         <a:t> </a:t>
                       </a:r>
                       <a:r>
                         <a:rPr sz="1050" b="1" spc="5" dirty="0">
-                          <a:latin typeface="Times New Roman"/>
+                          <a:latin typeface="+mj-lt"/>
                           <a:cs typeface="Times New Roman"/>
                         </a:rPr>
                         <a:t>r</a:t>
                       </a:r>
                       <a:r>
                         <a:rPr sz="1050" b="1" dirty="0">
-                          <a:latin typeface="Times New Roman"/>
+                          <a:latin typeface="+mj-lt"/>
                           <a:cs typeface="Times New Roman"/>
                         </a:rPr>
                         <a:t>o</a:t>
                       </a:r>
                       <a:r>
                         <a:rPr sz="1050" b="1" spc="-10" dirty="0">
-                          <a:latin typeface="Times New Roman"/>
+                          <a:latin typeface="+mj-lt"/>
                           <a:cs typeface="Times New Roman"/>
                         </a:rPr>
                         <a:t>l</a:t>
                       </a:r>
                       <a:r>
                         <a:rPr sz="1050" b="1" spc="5" dirty="0">
-                          <a:latin typeface="Times New Roman"/>
+                          <a:latin typeface="+mj-lt"/>
                           <a:cs typeface="Times New Roman"/>
                         </a:rPr>
                         <a:t>e</a:t>
                       </a:r>
                       <a:r>
                         <a:rPr sz="1050" b="1" dirty="0">
-                          <a:latin typeface="Times New Roman"/>
+                          <a:latin typeface="+mj-lt"/>
                           <a:cs typeface="Times New Roman"/>
                         </a:rPr>
                         <a:t>s</a:t>
                       </a:r>
                       <a:endParaRPr sz="1050">
-                        <a:latin typeface="Times New Roman"/>
+                        <a:latin typeface="+mj-lt"/>
                         <a:cs typeface="Times New Roman"/>
                       </a:endParaRPr>
                     </a:p>
@@ -21947,77 +21636,67 @@
                         </a:tabLst>
                       </a:pPr>
                       <a:r>
-                        <a:rPr sz="1050" spc="-15" dirty="0">
-                          <a:solidFill>
-                            <a:srgbClr val="4471C4"/>
-                          </a:solidFill>
-                          <a:latin typeface="Times New Roman"/>
-                          <a:cs typeface="Times New Roman"/>
-                        </a:rPr>
-                        <a:t>UI/UX planning </a:t>
-                      </a:r>
-                      <a:r>
-                        <a:rPr sz="1050" spc="-5" dirty="0">
-                          <a:solidFill>
-                            <a:srgbClr val="4471C4"/>
-                          </a:solidFill>
-                          <a:latin typeface="Times New Roman"/>
-                          <a:cs typeface="Times New Roman"/>
-                        </a:rPr>
-                        <a:t>and </a:t>
-                      </a:r>
-                      <a:r>
-                        <a:rPr sz="1050" spc="-15" dirty="0">
-                          <a:solidFill>
-                            <a:srgbClr val="4471C4"/>
-                          </a:solidFill>
-                          <a:latin typeface="Times New Roman"/>
-                          <a:cs typeface="Times New Roman"/>
-                        </a:rPr>
-                        <a:t>development</a:t>
-                      </a:r>
-                      <a:r>
-                        <a:rPr sz="1050" spc="-10" dirty="0">
-                          <a:solidFill>
-                            <a:srgbClr val="4471C4"/>
-                          </a:solidFill>
-                          <a:latin typeface="Times New Roman"/>
-                          <a:cs typeface="Times New Roman"/>
-                        </a:rPr>
-                        <a:t> using Flutter </a:t>
-                      </a:r>
-                      <a:r>
-                        <a:rPr sz="1050" spc="-20" dirty="0">
-                          <a:solidFill>
-                            <a:srgbClr val="4471C4"/>
-                          </a:solidFill>
-                          <a:latin typeface="Times New Roman"/>
-                          <a:cs typeface="Times New Roman"/>
-                        </a:rPr>
-                        <a:t>and </a:t>
-                      </a:r>
-                      <a:r>
-                        <a:rPr sz="1050" spc="-250" dirty="0">
-                          <a:solidFill>
-                            <a:srgbClr val="4471C4"/>
-                          </a:solidFill>
-                          <a:latin typeface="Times New Roman"/>
-                          <a:cs typeface="Times New Roman"/>
-                        </a:rPr>
-                        <a:t> </a:t>
-                      </a:r>
-                      <a:r>
-                        <a:rPr sz="1050" spc="-20" dirty="0">
-                          <a:solidFill>
-                            <a:srgbClr val="4471C4"/>
-                          </a:solidFill>
-                          <a:latin typeface="Times New Roman"/>
+                        <a:rPr lang="en-US" sz="1050" spc="-15" dirty="0" smtClean="0">
+                          <a:solidFill>
+                            <a:srgbClr val="4471C4"/>
+                          </a:solidFill>
+                          <a:latin typeface="+mj-lt"/>
+                          <a:cs typeface="Times New Roman"/>
+                        </a:rPr>
+                        <a:t>Flutter</a:t>
+                      </a:r>
+                      <a:r>
+                        <a:rPr lang="ko-KR" altLang="en-US" sz="1050" spc="-15" dirty="0" smtClean="0">
+                          <a:solidFill>
+                            <a:srgbClr val="4471C4"/>
+                          </a:solidFill>
+                          <a:latin typeface="+mj-lt"/>
+                          <a:cs typeface="Times New Roman"/>
+                        </a:rPr>
+                        <a:t>와 </a:t>
+                      </a:r>
+                      <a:r>
+                        <a:rPr lang="en-US" altLang="ko-KR" sz="1050" spc="-15" dirty="0" err="1" smtClean="0">
+                          <a:solidFill>
+                            <a:srgbClr val="4471C4"/>
+                          </a:solidFill>
+                          <a:latin typeface="+mj-lt"/>
                           <a:cs typeface="Times New Roman"/>
                         </a:rPr>
                         <a:t>Figma</a:t>
                       </a:r>
-                      <a:endParaRPr sz="1050">
-                        <a:latin typeface="Times New Roman"/>
+                      <a:r>
+                        <a:rPr lang="ko-KR" altLang="en-US" sz="1050" spc="-15" dirty="0" smtClean="0">
+                          <a:solidFill>
+                            <a:srgbClr val="4471C4"/>
+                          </a:solidFill>
+                          <a:latin typeface="+mj-lt"/>
+                          <a:cs typeface="Times New Roman"/>
+                        </a:rPr>
+                        <a:t>를 이용한 </a:t>
+                      </a:r>
+                      <a:r>
+                        <a:rPr lang="en-US" altLang="ko-KR" sz="1050" spc="-15" dirty="0" smtClean="0">
+                          <a:solidFill>
+                            <a:srgbClr val="4471C4"/>
+                          </a:solidFill>
+                          <a:latin typeface="+mj-lt"/>
+                          <a:cs typeface="Times New Roman"/>
+                        </a:rPr>
+                        <a:t>UI/UX </a:t>
+                      </a:r>
+                      <a:r>
+                        <a:rPr lang="ko-KR" altLang="en-US" sz="1050" spc="-15" dirty="0" smtClean="0">
+                          <a:solidFill>
+                            <a:srgbClr val="4471C4"/>
+                          </a:solidFill>
+                          <a:latin typeface="+mj-lt"/>
+                          <a:cs typeface="Times New Roman"/>
+                        </a:rPr>
+                        <a:t>계획 및 개발</a:t>
+                      </a:r>
+                      <a:endParaRPr sz="1050" dirty="0">
+                        <a:latin typeface="+mj-lt"/>
                         <a:cs typeface="Times New Roman"/>
                       </a:endParaRPr>
                     </a:p>
@@ -22033,191 +21712,87 @@
                         </a:tabLst>
                       </a:pPr>
                       <a:r>
-                        <a:rPr sz="1050" dirty="0">
-                          <a:solidFill>
-                            <a:srgbClr val="4471C4"/>
-                          </a:solidFill>
-                          <a:latin typeface="Times New Roman"/>
+                        <a:rPr lang="en-US" sz="1050" dirty="0" smtClean="0">
+                          <a:solidFill>
+                            <a:srgbClr val="4471C4"/>
+                          </a:solidFill>
+                          <a:latin typeface="+mj-lt"/>
                           <a:cs typeface="Times New Roman"/>
                         </a:rPr>
                         <a:t>BE</a:t>
                       </a:r>
                       <a:r>
-                        <a:rPr sz="1050" spc="-20" dirty="0">
-                          <a:solidFill>
-                            <a:srgbClr val="4471C4"/>
-                          </a:solidFill>
-                          <a:latin typeface="Times New Roman"/>
-                          <a:cs typeface="Times New Roman"/>
-                        </a:rPr>
-                        <a:t> development</a:t>
-                      </a:r>
-                      <a:r>
-                        <a:rPr sz="1050" spc="95" dirty="0">
-                          <a:solidFill>
-                            <a:srgbClr val="4471C4"/>
-                          </a:solidFill>
-                          <a:latin typeface="Times New Roman"/>
-                          <a:cs typeface="Times New Roman"/>
-                        </a:rPr>
-                        <a:t> </a:t>
-                      </a:r>
-                      <a:r>
-                        <a:rPr sz="1050" spc="-5" dirty="0">
-                          <a:solidFill>
-                            <a:srgbClr val="4471C4"/>
-                          </a:solidFill>
-                          <a:latin typeface="Times New Roman"/>
-                          <a:cs typeface="Times New Roman"/>
-                        </a:rPr>
-                        <a:t>and</a:t>
-                      </a:r>
-                      <a:r>
-                        <a:rPr sz="1050" spc="-15" dirty="0">
-                          <a:solidFill>
-                            <a:srgbClr val="4471C4"/>
-                          </a:solidFill>
-                          <a:latin typeface="Times New Roman"/>
-                          <a:cs typeface="Times New Roman"/>
-                        </a:rPr>
-                        <a:t> </a:t>
-                      </a:r>
-                      <a:r>
-                        <a:rPr sz="1050" spc="5" dirty="0">
-                          <a:solidFill>
-                            <a:srgbClr val="4471C4"/>
-                          </a:solidFill>
-                          <a:latin typeface="Times New Roman"/>
+                        <a:rPr lang="ko-KR" altLang="en-US" sz="1050" dirty="0" smtClean="0">
+                          <a:solidFill>
+                            <a:srgbClr val="4471C4"/>
+                          </a:solidFill>
+                          <a:latin typeface="+mj-lt"/>
+                          <a:cs typeface="Times New Roman"/>
+                        </a:rPr>
+                        <a:t>개발과 </a:t>
+                      </a:r>
+                      <a:r>
+                        <a:rPr lang="en-US" altLang="ko-KR" sz="1050" dirty="0" smtClean="0">
+                          <a:solidFill>
+                            <a:srgbClr val="4471C4"/>
+                          </a:solidFill>
+                          <a:latin typeface="+mj-lt"/>
+                          <a:cs typeface="Times New Roman"/>
+                        </a:rPr>
+                        <a:t>AWS</a:t>
+                      </a:r>
+                      <a:r>
+                        <a:rPr lang="ko-KR" altLang="en-US" sz="1050" dirty="0" smtClean="0">
+                          <a:solidFill>
+                            <a:srgbClr val="4471C4"/>
+                          </a:solidFill>
+                          <a:latin typeface="+mj-lt"/>
+                          <a:cs typeface="Times New Roman"/>
+                        </a:rPr>
+                        <a:t>와 </a:t>
+                      </a:r>
+                      <a:r>
+                        <a:rPr lang="en-US" altLang="ko-KR" sz="1050" dirty="0" smtClean="0">
+                          <a:solidFill>
+                            <a:srgbClr val="4471C4"/>
+                          </a:solidFill>
+                          <a:latin typeface="+mj-lt"/>
+                          <a:cs typeface="Times New Roman"/>
+                        </a:rPr>
+                        <a:t>JPA</a:t>
+                      </a:r>
+                      <a:r>
+                        <a:rPr lang="ko-KR" altLang="en-US" sz="1050" dirty="0" smtClean="0">
+                          <a:solidFill>
+                            <a:srgbClr val="4471C4"/>
+                          </a:solidFill>
+                          <a:latin typeface="+mj-lt"/>
+                          <a:cs typeface="Times New Roman"/>
+                        </a:rPr>
+                        <a:t>를 이용한 </a:t>
+                      </a:r>
+                      <a:r>
+                        <a:rPr lang="en-US" altLang="ko-KR" sz="1050" dirty="0" smtClean="0">
+                          <a:solidFill>
+                            <a:srgbClr val="4471C4"/>
+                          </a:solidFill>
+                          <a:latin typeface="+mj-lt"/>
                           <a:cs typeface="Times New Roman"/>
                         </a:rPr>
                         <a:t>DB</a:t>
                       </a:r>
                       <a:r>
-                        <a:rPr sz="1050" spc="-5" dirty="0">
-                          <a:solidFill>
-                            <a:srgbClr val="4471C4"/>
-                          </a:solidFill>
-                          <a:latin typeface="Times New Roman"/>
-                          <a:cs typeface="Times New Roman"/>
-                        </a:rPr>
-                        <a:t> </a:t>
-                      </a:r>
-                      <a:r>
-                        <a:rPr sz="1050" spc="-10" dirty="0">
-                          <a:solidFill>
-                            <a:srgbClr val="4471C4"/>
-                          </a:solidFill>
-                          <a:latin typeface="Times New Roman"/>
-                          <a:cs typeface="Times New Roman"/>
-                        </a:rPr>
-                        <a:t>server</a:t>
-                      </a:r>
-                      <a:r>
-                        <a:rPr sz="1050" spc="15" dirty="0">
-                          <a:solidFill>
-                            <a:srgbClr val="4471C4"/>
-                          </a:solidFill>
-                          <a:latin typeface="Times New Roman"/>
-                          <a:cs typeface="Times New Roman"/>
-                        </a:rPr>
-                        <a:t> </a:t>
-                      </a:r>
-                      <a:r>
-                        <a:rPr sz="1050" spc="-15" dirty="0">
-                          <a:solidFill>
-                            <a:srgbClr val="4471C4"/>
-                          </a:solidFill>
-                          <a:latin typeface="Times New Roman"/>
-                          <a:cs typeface="Times New Roman"/>
-                        </a:rPr>
-                        <a:t>construction</a:t>
-                      </a:r>
-                      <a:r>
-                        <a:rPr sz="1050" spc="80" dirty="0">
-                          <a:solidFill>
-                            <a:srgbClr val="4471C4"/>
-                          </a:solidFill>
-                          <a:latin typeface="Times New Roman"/>
-                          <a:cs typeface="Times New Roman"/>
-                        </a:rPr>
-                        <a:t> </a:t>
-                      </a:r>
-                      <a:r>
-                        <a:rPr sz="1050" spc="-15" dirty="0">
-                          <a:solidFill>
-                            <a:srgbClr val="4471C4"/>
-                          </a:solidFill>
-                          <a:latin typeface="Times New Roman"/>
-                          <a:cs typeface="Times New Roman"/>
-                        </a:rPr>
-                        <a:t>using</a:t>
-                      </a:r>
-                      <a:r>
-                        <a:rPr sz="1050" spc="-20" dirty="0">
-                          <a:solidFill>
-                            <a:srgbClr val="4471C4"/>
-                          </a:solidFill>
-                          <a:latin typeface="Times New Roman"/>
-                          <a:cs typeface="Times New Roman"/>
-                        </a:rPr>
-                        <a:t> </a:t>
-                      </a:r>
-                      <a:r>
-                        <a:rPr sz="1050" spc="-15" dirty="0">
-                          <a:solidFill>
-                            <a:srgbClr val="4471C4"/>
-                          </a:solidFill>
-                          <a:latin typeface="Times New Roman"/>
-                          <a:cs typeface="Times New Roman"/>
-                        </a:rPr>
-                        <a:t>AWS</a:t>
-                      </a:r>
-                      <a:endParaRPr sz="1050">
-                        <a:latin typeface="Times New Roman"/>
-                        <a:cs typeface="Times New Roman"/>
-                      </a:endParaRPr>
-                    </a:p>
-                    <a:p>
-                      <a:pPr marL="315595">
-                        <a:lnSpc>
-                          <a:spcPts val="1255"/>
-                        </a:lnSpc>
-                        <a:spcBef>
-                          <a:spcPts val="15"/>
-                        </a:spcBef>
-                      </a:pPr>
-                      <a:r>
-                        <a:rPr sz="1050" spc="-5" dirty="0">
-                          <a:solidFill>
-                            <a:srgbClr val="4471C4"/>
-                          </a:solidFill>
-                          <a:latin typeface="Times New Roman"/>
-                          <a:cs typeface="Times New Roman"/>
-                        </a:rPr>
-                        <a:t>and</a:t>
-                      </a:r>
-                      <a:r>
-                        <a:rPr sz="1050" spc="-40" dirty="0">
-                          <a:solidFill>
-                            <a:srgbClr val="4471C4"/>
-                          </a:solidFill>
-                          <a:latin typeface="Times New Roman"/>
-                          <a:cs typeface="Times New Roman"/>
-                        </a:rPr>
-                        <a:t> </a:t>
-                      </a:r>
-                      <a:r>
-                        <a:rPr sz="1050" spc="-10" dirty="0">
-                          <a:solidFill>
-                            <a:srgbClr val="4471C4"/>
-                          </a:solidFill>
-                          <a:latin typeface="Times New Roman"/>
-                          <a:cs typeface="Times New Roman"/>
-                        </a:rPr>
-                        <a:t>Spring</a:t>
-                      </a:r>
-                      <a:endParaRPr sz="1050">
-                        <a:latin typeface="Times New Roman"/>
+                        <a:rPr lang="ko-KR" altLang="en-US" sz="1050" dirty="0" smtClean="0">
+                          <a:solidFill>
+                            <a:srgbClr val="4471C4"/>
+                          </a:solidFill>
+                          <a:latin typeface="+mj-lt"/>
+                          <a:cs typeface="Times New Roman"/>
+                        </a:rPr>
+                        <a:t>서버 구축</a:t>
+                      </a:r>
+                      <a:endParaRPr sz="1050" dirty="0">
+                        <a:latin typeface="+mj-lt"/>
                         <a:cs typeface="Times New Roman"/>
                       </a:endParaRPr>
                     </a:p>
@@ -22233,412 +21808,121 @@
                         </a:tabLst>
                       </a:pPr>
                       <a:r>
-                        <a:rPr sz="1050" spc="-15" dirty="0">
-                          <a:solidFill>
-                            <a:srgbClr val="4471C4"/>
-                          </a:solidFill>
-                          <a:latin typeface="Times New Roman"/>
-                          <a:cs typeface="Times New Roman"/>
-                        </a:rPr>
-                        <a:t>Developing</a:t>
-                      </a:r>
-                      <a:r>
-                        <a:rPr sz="1050" spc="75" dirty="0">
-                          <a:solidFill>
-                            <a:srgbClr val="4471C4"/>
-                          </a:solidFill>
-                          <a:latin typeface="Times New Roman"/>
-                          <a:cs typeface="Times New Roman"/>
-                        </a:rPr>
-                        <a:t> </a:t>
-                      </a:r>
-                      <a:r>
-                        <a:rPr sz="1050" dirty="0">
-                          <a:solidFill>
-                            <a:srgbClr val="4471C4"/>
-                          </a:solidFill>
-                          <a:latin typeface="Times New Roman"/>
-                          <a:cs typeface="Times New Roman"/>
-                        </a:rPr>
-                        <a:t>a</a:t>
-                      </a:r>
-                      <a:r>
-                        <a:rPr sz="1050" spc="-40" dirty="0">
-                          <a:solidFill>
-                            <a:srgbClr val="4471C4"/>
-                          </a:solidFill>
-                          <a:latin typeface="Times New Roman"/>
-                          <a:cs typeface="Times New Roman"/>
-                        </a:rPr>
-                        <a:t> </a:t>
-                      </a:r>
-                      <a:r>
-                        <a:rPr sz="1050" spc="-20" dirty="0">
-                          <a:solidFill>
-                            <a:srgbClr val="4471C4"/>
-                          </a:solidFill>
-                          <a:latin typeface="Times New Roman"/>
-                          <a:cs typeface="Times New Roman"/>
-                        </a:rPr>
-                        <a:t>filming</a:t>
-                      </a:r>
-                      <a:r>
-                        <a:rPr sz="1050" spc="80" dirty="0">
-                          <a:solidFill>
-                            <a:srgbClr val="4471C4"/>
-                          </a:solidFill>
-                          <a:latin typeface="Times New Roman"/>
-                          <a:cs typeface="Times New Roman"/>
-                        </a:rPr>
-                        <a:t> </a:t>
-                      </a:r>
-                      <a:r>
-                        <a:rPr sz="1050" spc="-15" dirty="0">
-                          <a:solidFill>
-                            <a:srgbClr val="4471C4"/>
-                          </a:solidFill>
-                          <a:latin typeface="Times New Roman"/>
-                          <a:cs typeface="Times New Roman"/>
-                        </a:rPr>
-                        <a:t>device</a:t>
-                      </a:r>
-                      <a:r>
-                        <a:rPr sz="1050" spc="35" dirty="0">
-                          <a:solidFill>
-                            <a:srgbClr val="4471C4"/>
-                          </a:solidFill>
-                          <a:latin typeface="Times New Roman"/>
-                          <a:cs typeface="Times New Roman"/>
-                        </a:rPr>
-                        <a:t> </a:t>
-                      </a:r>
-                      <a:r>
-                        <a:rPr sz="1050" spc="-5" dirty="0">
-                          <a:solidFill>
-                            <a:srgbClr val="4471C4"/>
-                          </a:solidFill>
-                          <a:latin typeface="Times New Roman"/>
-                          <a:cs typeface="Times New Roman"/>
-                        </a:rPr>
-                        <a:t>to</a:t>
-                      </a:r>
-                      <a:r>
-                        <a:rPr sz="1050" spc="-20" dirty="0">
-                          <a:solidFill>
-                            <a:srgbClr val="4471C4"/>
-                          </a:solidFill>
-                          <a:latin typeface="Times New Roman"/>
-                          <a:cs typeface="Times New Roman"/>
-                        </a:rPr>
-                        <a:t> </a:t>
-                      </a:r>
-                      <a:r>
-                        <a:rPr sz="1050" spc="-5" dirty="0">
-                          <a:solidFill>
-                            <a:srgbClr val="4471C4"/>
-                          </a:solidFill>
-                          <a:latin typeface="Times New Roman"/>
-                          <a:cs typeface="Times New Roman"/>
-                        </a:rPr>
-                        <a:t>replace</a:t>
-                      </a:r>
-                      <a:r>
-                        <a:rPr sz="1050" spc="-10" dirty="0">
-                          <a:solidFill>
-                            <a:srgbClr val="4471C4"/>
-                          </a:solidFill>
-                          <a:latin typeface="Times New Roman"/>
-                          <a:cs typeface="Times New Roman"/>
-                        </a:rPr>
-                        <a:t> </a:t>
-                      </a:r>
-                      <a:r>
-                        <a:rPr sz="1050" spc="-20" dirty="0">
-                          <a:solidFill>
-                            <a:srgbClr val="4471C4"/>
-                          </a:solidFill>
-                          <a:latin typeface="Times New Roman"/>
-                          <a:cs typeface="Times New Roman"/>
-                        </a:rPr>
-                        <a:t>embedded</a:t>
-                      </a:r>
-                      <a:endParaRPr sz="1050">
-                        <a:latin typeface="Times New Roman"/>
+                        <a:rPr lang="en-US" sz="1050" spc="-15" dirty="0" smtClean="0">
+                          <a:solidFill>
+                            <a:srgbClr val="4471C4"/>
+                          </a:solidFill>
+                          <a:latin typeface="+mj-lt"/>
+                          <a:cs typeface="Times New Roman"/>
+                        </a:rPr>
+                        <a:t>AI</a:t>
+                      </a:r>
+                      <a:r>
+                        <a:rPr lang="ko-KR" altLang="en-US" sz="1050" spc="-15" baseline="0" dirty="0" smtClean="0">
+                          <a:solidFill>
+                            <a:srgbClr val="4471C4"/>
+                          </a:solidFill>
+                          <a:latin typeface="+mj-lt"/>
+                          <a:cs typeface="Times New Roman"/>
+                        </a:rPr>
+                        <a:t> 모델의 성능을 위한 이미지 전처리 </a:t>
+                      </a:r>
+                      <a:r>
+                        <a:rPr lang="en-US" altLang="ko-KR" sz="1050" spc="-15" baseline="0" dirty="0" smtClean="0">
+                          <a:solidFill>
+                            <a:srgbClr val="4471C4"/>
+                          </a:solidFill>
+                          <a:latin typeface="+mj-lt"/>
+                          <a:cs typeface="Times New Roman"/>
+                        </a:rPr>
+                        <a:t>APP </a:t>
+                      </a:r>
+                      <a:r>
+                        <a:rPr lang="ko-KR" altLang="en-US" sz="1050" spc="-15" baseline="0" dirty="0" smtClean="0">
+                          <a:solidFill>
+                            <a:srgbClr val="4471C4"/>
+                          </a:solidFill>
+                          <a:latin typeface="+mj-lt"/>
+                          <a:cs typeface="Times New Roman"/>
+                        </a:rPr>
+                        <a:t>개발</a:t>
+                      </a:r>
+                      <a:endParaRPr lang="en-US" altLang="ko-KR" sz="1050" spc="-15" baseline="0" dirty="0" smtClean="0">
+                        <a:solidFill>
+                          <a:srgbClr val="4471C4"/>
+                        </a:solidFill>
+                        <a:latin typeface="+mj-lt"/>
                         <a:cs typeface="Times New Roman"/>
                       </a:endParaRPr>
                     </a:p>
                     <a:p>
-                      <a:pPr marL="315595">
+                      <a:pPr marL="315595" indent="-290195">
                         <a:lnSpc>
                           <a:spcPts val="1255"/>
                         </a:lnSpc>
-                        <a:spcBef>
-                          <a:spcPts val="10"/>
-                        </a:spcBef>
-                      </a:pPr>
-                      <a:r>
-                        <a:rPr sz="1050" spc="-15" dirty="0">
-                          <a:solidFill>
-                            <a:srgbClr val="4471C4"/>
-                          </a:solidFill>
-                          <a:latin typeface="Times New Roman"/>
-                          <a:cs typeface="Times New Roman"/>
-                        </a:rPr>
-                        <a:t>systems</a:t>
-                      </a:r>
-                      <a:r>
-                        <a:rPr sz="1050" spc="40" dirty="0">
-                          <a:solidFill>
-                            <a:srgbClr val="4471C4"/>
-                          </a:solidFill>
-                          <a:latin typeface="Times New Roman"/>
-                          <a:cs typeface="Times New Roman"/>
-                        </a:rPr>
-                        <a:t> </a:t>
-                      </a:r>
-                      <a:r>
-                        <a:rPr sz="1050" spc="-15" dirty="0">
-                          <a:solidFill>
-                            <a:srgbClr val="4471C4"/>
-                          </a:solidFill>
-                          <a:latin typeface="Times New Roman"/>
-                          <a:cs typeface="Times New Roman"/>
-                        </a:rPr>
-                        <a:t>through</a:t>
-                      </a:r>
-                      <a:r>
-                        <a:rPr sz="1050" spc="50" dirty="0">
-                          <a:solidFill>
-                            <a:srgbClr val="4471C4"/>
-                          </a:solidFill>
-                          <a:latin typeface="Times New Roman"/>
-                          <a:cs typeface="Times New Roman"/>
-                        </a:rPr>
-                        <a:t> </a:t>
-                      </a:r>
-                      <a:r>
-                        <a:rPr sz="1050" spc="-10" dirty="0">
-                          <a:solidFill>
-                            <a:srgbClr val="4471C4"/>
-                          </a:solidFill>
-                          <a:latin typeface="Times New Roman"/>
-                          <a:cs typeface="Times New Roman"/>
-                        </a:rPr>
-                        <a:t>cell</a:t>
-                      </a:r>
-                      <a:r>
-                        <a:rPr sz="1050" spc="-5" dirty="0">
-                          <a:solidFill>
-                            <a:srgbClr val="4471C4"/>
-                          </a:solidFill>
-                          <a:latin typeface="Times New Roman"/>
-                          <a:cs typeface="Times New Roman"/>
-                        </a:rPr>
-                        <a:t> </a:t>
-                      </a:r>
-                      <a:r>
-                        <a:rPr sz="1050" spc="-20" dirty="0">
-                          <a:solidFill>
-                            <a:srgbClr val="4471C4"/>
-                          </a:solidFill>
-                          <a:latin typeface="Times New Roman"/>
-                          <a:cs typeface="Times New Roman"/>
-                        </a:rPr>
-                        <a:t>phone</a:t>
-                      </a:r>
-                      <a:r>
-                        <a:rPr sz="1050" spc="55" dirty="0">
-                          <a:solidFill>
-                            <a:srgbClr val="4471C4"/>
-                          </a:solidFill>
-                          <a:latin typeface="Times New Roman"/>
-                          <a:cs typeface="Times New Roman"/>
-                        </a:rPr>
-                        <a:t> </a:t>
-                      </a:r>
-                      <a:r>
-                        <a:rPr sz="1050" spc="-5" dirty="0">
-                          <a:solidFill>
-                            <a:srgbClr val="4471C4"/>
-                          </a:solidFill>
-                          <a:latin typeface="Times New Roman"/>
-                          <a:cs typeface="Times New Roman"/>
-                        </a:rPr>
-                        <a:t>and</a:t>
-                      </a:r>
-                      <a:r>
-                        <a:rPr sz="1050" spc="-25" dirty="0">
-                          <a:solidFill>
-                            <a:srgbClr val="4471C4"/>
-                          </a:solidFill>
-                          <a:latin typeface="Times New Roman"/>
-                          <a:cs typeface="Times New Roman"/>
-                        </a:rPr>
-                        <a:t> </a:t>
-                      </a:r>
-                      <a:r>
-                        <a:rPr sz="1050" spc="-10" dirty="0">
-                          <a:solidFill>
-                            <a:srgbClr val="4471C4"/>
-                          </a:solidFill>
-                          <a:latin typeface="Times New Roman"/>
-                          <a:cs typeface="Times New Roman"/>
-                        </a:rPr>
-                        <a:t>camera</a:t>
-                      </a:r>
-                      <a:r>
-                        <a:rPr sz="1050" spc="15" dirty="0">
-                          <a:solidFill>
-                            <a:srgbClr val="4471C4"/>
-                          </a:solidFill>
-                          <a:latin typeface="Times New Roman"/>
-                          <a:cs typeface="Times New Roman"/>
-                        </a:rPr>
-                        <a:t> </a:t>
-                      </a:r>
-                      <a:r>
-                        <a:rPr sz="1050" spc="-15" dirty="0">
-                          <a:solidFill>
-                            <a:srgbClr val="4471C4"/>
-                          </a:solidFill>
-                          <a:latin typeface="Times New Roman"/>
-                          <a:cs typeface="Times New Roman"/>
-                        </a:rPr>
-                        <a:t>control</a:t>
-                      </a:r>
-                      <a:r>
-                        <a:rPr sz="1050" spc="20" dirty="0">
-                          <a:solidFill>
-                            <a:srgbClr val="4471C4"/>
-                          </a:solidFill>
-                          <a:latin typeface="Times New Roman"/>
-                          <a:cs typeface="Times New Roman"/>
-                        </a:rPr>
-                        <a:t> </a:t>
-                      </a:r>
-                      <a:r>
-                        <a:rPr sz="1050" spc="-20" dirty="0">
-                          <a:solidFill>
-                            <a:srgbClr val="4471C4"/>
-                          </a:solidFill>
-                          <a:latin typeface="Times New Roman"/>
-                          <a:cs typeface="Times New Roman"/>
-                        </a:rPr>
-                        <a:t>functions</a:t>
-                      </a:r>
-                      <a:endParaRPr sz="1050">
-                        <a:latin typeface="Times New Roman"/>
-                        <a:cs typeface="Times New Roman"/>
-                      </a:endParaRPr>
-                    </a:p>
-                    <a:p>
-                      <a:pPr marL="315595" indent="-281305">
-                        <a:lnSpc>
-                          <a:spcPts val="1255"/>
-                        </a:lnSpc>
-                        <a:buAutoNum type="arabicParenR" startAt="4"/>
+                        <a:buAutoNum type="arabicParenR" startAt="3"/>
                         <a:tabLst>
                           <a:tab pos="315595" algn="l"/>
                           <a:tab pos="316230" algn="l"/>
                         </a:tabLst>
                       </a:pPr>
                       <a:r>
-                        <a:rPr sz="1050" spc="-15" dirty="0">
-                          <a:solidFill>
-                            <a:srgbClr val="4471C4"/>
-                          </a:solidFill>
-                          <a:latin typeface="Times New Roman"/>
-                          <a:cs typeface="Times New Roman"/>
-                        </a:rPr>
-                        <a:t>Building</a:t>
-                      </a:r>
-                      <a:r>
-                        <a:rPr sz="1050" spc="45" dirty="0">
-                          <a:solidFill>
-                            <a:srgbClr val="4471C4"/>
-                          </a:solidFill>
-                          <a:latin typeface="Times New Roman"/>
-                          <a:cs typeface="Times New Roman"/>
-                        </a:rPr>
-                        <a:t> </a:t>
-                      </a:r>
-                      <a:r>
-                        <a:rPr sz="1050" spc="-10" dirty="0">
-                          <a:solidFill>
-                            <a:srgbClr val="4471C4"/>
-                          </a:solidFill>
-                          <a:latin typeface="Times New Roman"/>
-                          <a:cs typeface="Times New Roman"/>
-                        </a:rPr>
-                        <a:t>CI/CD</a:t>
-                      </a:r>
-                      <a:r>
-                        <a:rPr sz="1050" spc="-20" dirty="0">
-                          <a:solidFill>
-                            <a:srgbClr val="4471C4"/>
-                          </a:solidFill>
-                          <a:latin typeface="Times New Roman"/>
-                          <a:cs typeface="Times New Roman"/>
-                        </a:rPr>
-                        <a:t> </a:t>
-                      </a:r>
-                      <a:r>
-                        <a:rPr sz="1050" spc="-10" dirty="0">
-                          <a:solidFill>
-                            <a:srgbClr val="4471C4"/>
-                          </a:solidFill>
-                          <a:latin typeface="Times New Roman"/>
-                          <a:cs typeface="Times New Roman"/>
-                        </a:rPr>
-                        <a:t>using</a:t>
-                      </a:r>
-                      <a:r>
-                        <a:rPr sz="1050" spc="-25" dirty="0">
-                          <a:solidFill>
-                            <a:srgbClr val="4471C4"/>
-                          </a:solidFill>
-                          <a:latin typeface="Times New Roman"/>
-                          <a:cs typeface="Times New Roman"/>
-                        </a:rPr>
-                        <a:t> </a:t>
-                      </a:r>
-                      <a:r>
-                        <a:rPr sz="1050" spc="-20" dirty="0">
-                          <a:solidFill>
-                            <a:srgbClr val="4471C4"/>
-                          </a:solidFill>
-                          <a:latin typeface="Times New Roman"/>
-                          <a:cs typeface="Times New Roman"/>
-                        </a:rPr>
-                        <a:t>AWS</a:t>
-                      </a:r>
-                      <a:r>
-                        <a:rPr sz="1050" spc="-35" dirty="0">
-                          <a:solidFill>
-                            <a:srgbClr val="4471C4"/>
-                          </a:solidFill>
-                          <a:latin typeface="Times New Roman"/>
-                          <a:cs typeface="Times New Roman"/>
-                        </a:rPr>
-                        <a:t> </a:t>
-                      </a:r>
-                      <a:r>
-                        <a:rPr sz="1050" spc="-10" dirty="0">
-                          <a:solidFill>
-                            <a:srgbClr val="4471C4"/>
-                          </a:solidFill>
-                          <a:latin typeface="Times New Roman"/>
+                        <a:rPr lang="en-US" sz="1050" spc="-15" baseline="0" dirty="0" smtClean="0">
+                          <a:solidFill>
+                            <a:srgbClr val="4471C4"/>
+                          </a:solidFill>
+                          <a:latin typeface="+mj-lt"/>
+                          <a:cs typeface="Times New Roman"/>
+                        </a:rPr>
+                        <a:t>AWS </a:t>
+                      </a:r>
+                      <a:r>
+                        <a:rPr lang="en-US" altLang="ko-KR" sz="1050" spc="-10" dirty="0" err="1" smtClean="0">
+                          <a:solidFill>
+                            <a:srgbClr val="4471C4"/>
+                          </a:solidFill>
+                          <a:latin typeface="+mj-lt"/>
                           <a:cs typeface="Times New Roman"/>
                         </a:rPr>
                         <a:t>elasticbeanstalk</a:t>
                       </a:r>
-                      <a:endParaRPr sz="1050">
-                        <a:latin typeface="Times New Roman"/>
+                      <a:r>
+                        <a:rPr lang="ko-KR" altLang="en-US" sz="1050" spc="-10" dirty="0" smtClean="0">
+                          <a:solidFill>
+                            <a:srgbClr val="4471C4"/>
+                          </a:solidFill>
+                          <a:latin typeface="+mj-lt"/>
+                          <a:cs typeface="Times New Roman"/>
+                        </a:rPr>
+                        <a:t>을 이용한</a:t>
+                      </a:r>
+                      <a:r>
+                        <a:rPr lang="en-US" sz="1050" spc="-15" baseline="0" dirty="0" smtClean="0">
+                          <a:solidFill>
+                            <a:srgbClr val="4471C4"/>
+                          </a:solidFill>
+                          <a:latin typeface="+mj-lt"/>
+                          <a:cs typeface="Times New Roman"/>
+                        </a:rPr>
+                        <a:t> CI/CD </a:t>
+                      </a:r>
+                      <a:r>
+                        <a:rPr lang="ko-KR" altLang="en-US" sz="1050" spc="-15" baseline="0" dirty="0" smtClean="0">
+                          <a:solidFill>
+                            <a:srgbClr val="4471C4"/>
+                          </a:solidFill>
+                          <a:latin typeface="+mj-lt"/>
+                          <a:cs typeface="Times New Roman"/>
+                        </a:rPr>
+                        <a:t>구축</a:t>
+                      </a:r>
+                      <a:endParaRPr sz="1050" dirty="0">
+                        <a:latin typeface="+mj-lt"/>
                         <a:cs typeface="Times New Roman"/>
                       </a:endParaRPr>
                     </a:p>
                   </a:txBody>
-                  <a:tcPr marL="0" marR="0" marT="34925" marB="0">
+                  <a:tcPr marL="0" marR="0" marT="34925" marB="0" anchor="ctr">
                     <a:lnL w="9525">
                       <a:solidFill>
                         <a:srgbClr val="7E7E7E"/>
@@ -22681,174 +21965,174 @@
                       </a:pPr>
                       <a:r>
                         <a:rPr sz="1050" b="1" spc="-5" dirty="0">
-                          <a:latin typeface="Times New Roman"/>
+                          <a:latin typeface="+mj-lt"/>
                           <a:cs typeface="Times New Roman"/>
                         </a:rPr>
                         <a:t>Language, </a:t>
                       </a:r>
                       <a:r>
                         <a:rPr sz="1050" b="1" dirty="0">
-                          <a:latin typeface="Times New Roman"/>
+                          <a:latin typeface="+mj-lt"/>
                           <a:cs typeface="Times New Roman"/>
                         </a:rPr>
                         <a:t> </a:t>
                       </a:r>
                       <a:r>
                         <a:rPr sz="1050" b="1" spc="-15" dirty="0">
-                          <a:latin typeface="Times New Roman"/>
+                          <a:latin typeface="+mj-lt"/>
                           <a:cs typeface="Times New Roman"/>
                         </a:rPr>
                         <a:t>d</a:t>
                       </a:r>
                       <a:r>
                         <a:rPr sz="1050" b="1" spc="5" dirty="0">
-                          <a:latin typeface="Times New Roman"/>
+                          <a:latin typeface="+mj-lt"/>
                           <a:cs typeface="Times New Roman"/>
                         </a:rPr>
                         <a:t>e</a:t>
                       </a:r>
                       <a:r>
                         <a:rPr sz="1050" b="1" dirty="0">
-                          <a:latin typeface="Times New Roman"/>
+                          <a:latin typeface="+mj-lt"/>
                           <a:cs typeface="Times New Roman"/>
                         </a:rPr>
                         <a:t>v</a:t>
                       </a:r>
                       <a:r>
                         <a:rPr sz="1050" b="1" spc="5" dirty="0">
-                          <a:latin typeface="Times New Roman"/>
+                          <a:latin typeface="+mj-lt"/>
                           <a:cs typeface="Times New Roman"/>
                         </a:rPr>
                         <a:t>e</a:t>
                       </a:r>
                       <a:r>
                         <a:rPr sz="1050" b="1" spc="-10" dirty="0">
-                          <a:latin typeface="Times New Roman"/>
+                          <a:latin typeface="+mj-lt"/>
                           <a:cs typeface="Times New Roman"/>
                         </a:rPr>
                         <a:t>l</a:t>
                       </a:r>
                       <a:r>
                         <a:rPr sz="1050" b="1" spc="-30" dirty="0">
-                          <a:latin typeface="Times New Roman"/>
+                          <a:latin typeface="+mj-lt"/>
                           <a:cs typeface="Times New Roman"/>
                         </a:rPr>
                         <a:t>o</a:t>
                       </a:r>
                       <a:r>
                         <a:rPr sz="1050" b="1" spc="-15" dirty="0">
-                          <a:latin typeface="Times New Roman"/>
+                          <a:latin typeface="+mj-lt"/>
                           <a:cs typeface="Times New Roman"/>
                         </a:rPr>
                         <a:t>p</a:t>
                       </a:r>
                       <a:r>
                         <a:rPr sz="1050" b="1" spc="-20" dirty="0">
-                          <a:latin typeface="Times New Roman"/>
+                          <a:latin typeface="+mj-lt"/>
                           <a:cs typeface="Times New Roman"/>
                         </a:rPr>
                         <a:t>m</a:t>
                       </a:r>
                       <a:r>
                         <a:rPr sz="1050" b="1" spc="-15" dirty="0">
-                          <a:latin typeface="Times New Roman"/>
+                          <a:latin typeface="+mj-lt"/>
                           <a:cs typeface="Times New Roman"/>
                         </a:rPr>
                         <a:t>e</a:t>
                       </a:r>
                       <a:r>
                         <a:rPr sz="1050" b="1" spc="-40" dirty="0">
-                          <a:latin typeface="Times New Roman"/>
+                          <a:latin typeface="+mj-lt"/>
                           <a:cs typeface="Times New Roman"/>
                         </a:rPr>
                         <a:t>n</a:t>
                       </a:r>
                       <a:r>
                         <a:rPr sz="1050" b="1" dirty="0">
-                          <a:latin typeface="Times New Roman"/>
+                          <a:latin typeface="+mj-lt"/>
                           <a:cs typeface="Times New Roman"/>
                         </a:rPr>
                         <a:t>t  </a:t>
                       </a:r>
                       <a:r>
                         <a:rPr sz="1050" b="1" spc="10" dirty="0">
-                          <a:latin typeface="Times New Roman"/>
+                          <a:latin typeface="+mj-lt"/>
                           <a:cs typeface="Times New Roman"/>
                         </a:rPr>
                         <a:t>e</a:t>
                       </a:r>
                       <a:r>
                         <a:rPr sz="1050" b="1" spc="-35" dirty="0">
-                          <a:latin typeface="Times New Roman"/>
+                          <a:latin typeface="+mj-lt"/>
                           <a:cs typeface="Times New Roman"/>
                         </a:rPr>
                         <a:t>n</a:t>
                       </a:r>
                       <a:r>
                         <a:rPr sz="1050" b="1" dirty="0">
-                          <a:latin typeface="Times New Roman"/>
+                          <a:latin typeface="+mj-lt"/>
                           <a:cs typeface="Times New Roman"/>
                         </a:rPr>
                         <a:t>v</a:t>
                       </a:r>
                       <a:r>
                         <a:rPr sz="1050" b="1" spc="-10" dirty="0">
-                          <a:latin typeface="Times New Roman"/>
+                          <a:latin typeface="+mj-lt"/>
                           <a:cs typeface="Times New Roman"/>
                         </a:rPr>
                         <a:t>i</a:t>
                       </a:r>
                       <a:r>
                         <a:rPr sz="1050" b="1" spc="10" dirty="0">
-                          <a:latin typeface="Times New Roman"/>
+                          <a:latin typeface="+mj-lt"/>
                           <a:cs typeface="Times New Roman"/>
                         </a:rPr>
                         <a:t>r</a:t>
                       </a:r>
                       <a:r>
                         <a:rPr sz="1050" b="1" dirty="0">
-                          <a:latin typeface="Times New Roman"/>
+                          <a:latin typeface="+mj-lt"/>
                           <a:cs typeface="Times New Roman"/>
                         </a:rPr>
                         <a:t>o</a:t>
                       </a:r>
                       <a:r>
                         <a:rPr sz="1050" b="1" spc="-35" dirty="0">
-                          <a:latin typeface="Times New Roman"/>
+                          <a:latin typeface="+mj-lt"/>
                           <a:cs typeface="Times New Roman"/>
                         </a:rPr>
                         <a:t>n</a:t>
                       </a:r>
                       <a:r>
                         <a:rPr sz="1050" b="1" spc="-20" dirty="0">
-                          <a:latin typeface="Times New Roman"/>
+                          <a:latin typeface="+mj-lt"/>
                           <a:cs typeface="Times New Roman"/>
                         </a:rPr>
                         <a:t>m</a:t>
                       </a:r>
                       <a:r>
                         <a:rPr sz="1050" b="1" spc="10" dirty="0">
-                          <a:latin typeface="Times New Roman"/>
+                          <a:latin typeface="+mj-lt"/>
                           <a:cs typeface="Times New Roman"/>
                         </a:rPr>
                         <a:t>e</a:t>
                       </a:r>
                       <a:r>
                         <a:rPr sz="1050" b="1" spc="-35" dirty="0">
-                          <a:latin typeface="Times New Roman"/>
+                          <a:latin typeface="+mj-lt"/>
                           <a:cs typeface="Times New Roman"/>
                         </a:rPr>
                         <a:t>n</a:t>
                       </a:r>
                       <a:r>
                         <a:rPr sz="1050" b="1" dirty="0">
-                          <a:latin typeface="Times New Roman"/>
+                          <a:latin typeface="+mj-lt"/>
                           <a:cs typeface="Times New Roman"/>
                         </a:rPr>
                         <a:t>t</a:t>
                       </a:r>
                       <a:endParaRPr sz="1050">
-                        <a:latin typeface="Times New Roman"/>
+                        <a:latin typeface="+mj-lt"/>
                         <a:cs typeface="Times New Roman"/>
                       </a:endParaRPr>
                     </a:p>
@@ -22892,7 +22176,7 @@
                           <a:solidFill>
                             <a:srgbClr val="4471C4"/>
                           </a:solidFill>
-                          <a:latin typeface="Times New Roman"/>
+                          <a:latin typeface="+mj-lt"/>
                           <a:cs typeface="Times New Roman"/>
                         </a:rPr>
                         <a:t>F</a:t>
@@ -22902,7 +22186,7 @@
                           <a:solidFill>
                             <a:srgbClr val="4471C4"/>
                           </a:solidFill>
-                          <a:latin typeface="Times New Roman"/>
+                          <a:latin typeface="+mj-lt"/>
                           <a:cs typeface="Times New Roman"/>
                         </a:rPr>
                         <a:t>l</a:t>
@@ -22912,7 +22196,7 @@
                           <a:solidFill>
                             <a:srgbClr val="4471C4"/>
                           </a:solidFill>
-                          <a:latin typeface="Times New Roman"/>
+                          <a:latin typeface="+mj-lt"/>
                           <a:cs typeface="Times New Roman"/>
                         </a:rPr>
                         <a:t>u</a:t>
@@ -22922,7 +22206,7 @@
                           <a:solidFill>
                             <a:srgbClr val="4471C4"/>
                           </a:solidFill>
-                          <a:latin typeface="Times New Roman"/>
+                          <a:latin typeface="+mj-lt"/>
                           <a:cs typeface="Times New Roman"/>
                         </a:rPr>
                         <a:t>tt</a:t>
@@ -22932,7 +22216,7 @@
                           <a:solidFill>
                             <a:srgbClr val="4471C4"/>
                           </a:solidFill>
-                          <a:latin typeface="Times New Roman"/>
+                          <a:latin typeface="+mj-lt"/>
                           <a:cs typeface="Times New Roman"/>
                         </a:rPr>
                         <a:t>e</a:t>
@@ -22942,7 +22226,7 @@
                           <a:solidFill>
                             <a:srgbClr val="4471C4"/>
                           </a:solidFill>
-                          <a:latin typeface="Times New Roman"/>
+                          <a:latin typeface="+mj-lt"/>
                           <a:cs typeface="Times New Roman"/>
                         </a:rPr>
                         <a:t>r</a:t>
@@ -22952,7 +22236,7 @@
                           <a:solidFill>
                             <a:srgbClr val="4471C4"/>
                           </a:solidFill>
-                          <a:latin typeface="Times New Roman"/>
+                          <a:latin typeface="+mj-lt"/>
                           <a:cs typeface="Times New Roman"/>
                         </a:rPr>
                         <a:t>,</a:t>
@@ -22962,7 +22246,7 @@
                           <a:solidFill>
                             <a:srgbClr val="4471C4"/>
                           </a:solidFill>
-                          <a:latin typeface="Times New Roman"/>
+                          <a:latin typeface="+mj-lt"/>
                           <a:cs typeface="Times New Roman"/>
                         </a:rPr>
                         <a:t> </a:t>
@@ -22972,7 +22256,7 @@
                           <a:solidFill>
                             <a:srgbClr val="4471C4"/>
                           </a:solidFill>
-                          <a:latin typeface="Times New Roman"/>
+                          <a:latin typeface="+mj-lt"/>
                           <a:cs typeface="Times New Roman"/>
                         </a:rPr>
                         <a:t>d</a:t>
@@ -22982,7 +22266,7 @@
                           <a:solidFill>
                             <a:srgbClr val="4471C4"/>
                           </a:solidFill>
-                          <a:latin typeface="Times New Roman"/>
+                          <a:latin typeface="+mj-lt"/>
                           <a:cs typeface="Times New Roman"/>
                         </a:rPr>
                         <a:t>a</a:t>
@@ -22992,7 +22276,7 @@
                           <a:solidFill>
                             <a:srgbClr val="4471C4"/>
                           </a:solidFill>
-                          <a:latin typeface="Times New Roman"/>
+                          <a:latin typeface="+mj-lt"/>
                           <a:cs typeface="Times New Roman"/>
                         </a:rPr>
                         <a:t>r</a:t>
@@ -23002,7 +22286,7 @@
                           <a:solidFill>
                             <a:srgbClr val="4471C4"/>
                           </a:solidFill>
-                          <a:latin typeface="Times New Roman"/>
+                          <a:latin typeface="+mj-lt"/>
                           <a:cs typeface="Times New Roman"/>
                         </a:rPr>
                         <a:t>t</a:t>
@@ -23012,7 +22296,7 @@
                           <a:solidFill>
                             <a:srgbClr val="4471C4"/>
                           </a:solidFill>
-                          <a:latin typeface="Times New Roman"/>
+                          <a:latin typeface="+mj-lt"/>
                           <a:cs typeface="Times New Roman"/>
                         </a:rPr>
                         <a:t>,</a:t>
@@ -23022,7 +22306,7 @@
                           <a:solidFill>
                             <a:srgbClr val="4471C4"/>
                           </a:solidFill>
-                          <a:latin typeface="Times New Roman"/>
+                          <a:latin typeface="+mj-lt"/>
                           <a:cs typeface="Times New Roman"/>
                         </a:rPr>
                         <a:t> </a:t>
@@ -23032,7 +22316,7 @@
                           <a:solidFill>
                             <a:srgbClr val="4471C4"/>
                           </a:solidFill>
-                          <a:latin typeface="Times New Roman"/>
+                          <a:latin typeface="+mj-lt"/>
                           <a:cs typeface="Times New Roman"/>
                         </a:rPr>
                         <a:t>A</a:t>
@@ -23042,7 +22326,7 @@
                           <a:solidFill>
                             <a:srgbClr val="4471C4"/>
                           </a:solidFill>
-                          <a:latin typeface="Times New Roman"/>
+                          <a:latin typeface="+mj-lt"/>
                           <a:cs typeface="Times New Roman"/>
                         </a:rPr>
                         <a:t>W</a:t>
@@ -23052,7 +22336,7 @@
                           <a:solidFill>
                             <a:srgbClr val="4471C4"/>
                           </a:solidFill>
-                          <a:latin typeface="Times New Roman"/>
+                          <a:latin typeface="+mj-lt"/>
                           <a:cs typeface="Times New Roman"/>
                         </a:rPr>
                         <a:t>S</a:t>
@@ -23062,7 +22346,7 @@
                           <a:solidFill>
                             <a:srgbClr val="4471C4"/>
                           </a:solidFill>
-                          <a:latin typeface="Times New Roman"/>
+                          <a:latin typeface="+mj-lt"/>
                           <a:cs typeface="Times New Roman"/>
                         </a:rPr>
                         <a:t>,</a:t>
@@ -23072,7 +22356,7 @@
                           <a:solidFill>
                             <a:srgbClr val="4471C4"/>
                           </a:solidFill>
-                          <a:latin typeface="Times New Roman"/>
+                          <a:latin typeface="+mj-lt"/>
                           <a:cs typeface="Times New Roman"/>
                         </a:rPr>
                         <a:t> </a:t>
@@ -23082,7 +22366,7 @@
                           <a:solidFill>
                             <a:srgbClr val="4471C4"/>
                           </a:solidFill>
-                          <a:latin typeface="Times New Roman"/>
+                          <a:latin typeface="+mj-lt"/>
                           <a:cs typeface="Times New Roman"/>
                         </a:rPr>
                         <a:t>e</a:t>
@@ -23092,7 +22376,7 @@
                           <a:solidFill>
                             <a:srgbClr val="4471C4"/>
                           </a:solidFill>
-                          <a:latin typeface="Times New Roman"/>
+                          <a:latin typeface="+mj-lt"/>
                           <a:cs typeface="Times New Roman"/>
                         </a:rPr>
                         <a:t>l</a:t>
@@ -23102,7 +22386,7 @@
                           <a:solidFill>
                             <a:srgbClr val="4471C4"/>
                           </a:solidFill>
-                          <a:latin typeface="Times New Roman"/>
+                          <a:latin typeface="+mj-lt"/>
                           <a:cs typeface="Times New Roman"/>
                         </a:rPr>
                         <a:t>a</a:t>
@@ -23112,7 +22396,7 @@
                           <a:solidFill>
                             <a:srgbClr val="4471C4"/>
                           </a:solidFill>
-                          <a:latin typeface="Times New Roman"/>
+                          <a:latin typeface="+mj-lt"/>
                           <a:cs typeface="Times New Roman"/>
                         </a:rPr>
                         <a:t>s</a:t>
@@ -23122,7 +22406,7 @@
                           <a:solidFill>
                             <a:srgbClr val="4471C4"/>
                           </a:solidFill>
-                          <a:latin typeface="Times New Roman"/>
+                          <a:latin typeface="+mj-lt"/>
                           <a:cs typeface="Times New Roman"/>
                         </a:rPr>
                         <a:t>ti</a:t>
@@ -23132,7 +22416,7 @@
                           <a:solidFill>
                             <a:srgbClr val="4471C4"/>
                           </a:solidFill>
-                          <a:latin typeface="Times New Roman"/>
+                          <a:latin typeface="+mj-lt"/>
                           <a:cs typeface="Times New Roman"/>
                         </a:rPr>
                         <a:t>c</a:t>
@@ -23142,7 +22426,7 @@
                           <a:solidFill>
                             <a:srgbClr val="4471C4"/>
                           </a:solidFill>
-                          <a:latin typeface="Times New Roman"/>
+                          <a:latin typeface="+mj-lt"/>
                           <a:cs typeface="Times New Roman"/>
                         </a:rPr>
                         <a:t>b</a:t>
@@ -23152,7 +22436,7 @@
                           <a:solidFill>
                             <a:srgbClr val="4471C4"/>
                           </a:solidFill>
-                          <a:latin typeface="Times New Roman"/>
+                          <a:latin typeface="+mj-lt"/>
                           <a:cs typeface="Times New Roman"/>
                         </a:rPr>
                         <a:t>e</a:t>
@@ -23162,7 +22446,7 @@
                           <a:solidFill>
                             <a:srgbClr val="4471C4"/>
                           </a:solidFill>
-                          <a:latin typeface="Times New Roman"/>
+                          <a:latin typeface="+mj-lt"/>
                           <a:cs typeface="Times New Roman"/>
                         </a:rPr>
                         <a:t>a</a:t>
@@ -23172,7 +22456,7 @@
                           <a:solidFill>
                             <a:srgbClr val="4471C4"/>
                           </a:solidFill>
-                          <a:latin typeface="Times New Roman"/>
+                          <a:latin typeface="+mj-lt"/>
                           <a:cs typeface="Times New Roman"/>
                         </a:rPr>
                         <a:t>n</a:t>
@@ -23182,7 +22466,7 @@
                           <a:solidFill>
                             <a:srgbClr val="4471C4"/>
                           </a:solidFill>
-                          <a:latin typeface="Times New Roman"/>
+                          <a:latin typeface="+mj-lt"/>
                           <a:cs typeface="Times New Roman"/>
                         </a:rPr>
                         <a:t>s</a:t>
@@ -23192,7 +22476,7 @@
                           <a:solidFill>
                             <a:srgbClr val="4471C4"/>
                           </a:solidFill>
-                          <a:latin typeface="Times New Roman"/>
+                          <a:latin typeface="+mj-lt"/>
                           <a:cs typeface="Times New Roman"/>
                         </a:rPr>
                         <a:t>t</a:t>
@@ -23202,7 +22486,7 @@
                           <a:solidFill>
                             <a:srgbClr val="4471C4"/>
                           </a:solidFill>
-                          <a:latin typeface="Times New Roman"/>
+                          <a:latin typeface="+mj-lt"/>
                           <a:cs typeface="Times New Roman"/>
                         </a:rPr>
                         <a:t>a</a:t>
@@ -23212,7 +22496,7 @@
                           <a:solidFill>
                             <a:srgbClr val="4471C4"/>
                           </a:solidFill>
-                          <a:latin typeface="Times New Roman"/>
+                          <a:latin typeface="+mj-lt"/>
                           <a:cs typeface="Times New Roman"/>
                         </a:rPr>
                         <a:t>l</a:t>
@@ -23222,7 +22506,7 @@
                           <a:solidFill>
                             <a:srgbClr val="4471C4"/>
                           </a:solidFill>
-                          <a:latin typeface="Times New Roman"/>
+                          <a:latin typeface="+mj-lt"/>
                           <a:cs typeface="Times New Roman"/>
                         </a:rPr>
                         <a:t>k</a:t>
@@ -23232,7 +22516,7 @@
                           <a:solidFill>
                             <a:srgbClr val="4471C4"/>
                           </a:solidFill>
-                          <a:latin typeface="Times New Roman"/>
+                          <a:latin typeface="+mj-lt"/>
                           <a:cs typeface="Times New Roman"/>
                         </a:rPr>
                         <a:t>,</a:t>
@@ -23242,7 +22526,7 @@
                           <a:solidFill>
                             <a:srgbClr val="4471C4"/>
                           </a:solidFill>
-                          <a:latin typeface="Times New Roman"/>
+                          <a:latin typeface="+mj-lt"/>
                           <a:cs typeface="Times New Roman"/>
                         </a:rPr>
                         <a:t> </a:t>
@@ -23252,7 +22536,7 @@
                           <a:solidFill>
                             <a:srgbClr val="4471C4"/>
                           </a:solidFill>
-                          <a:latin typeface="Times New Roman"/>
+                          <a:latin typeface="+mj-lt"/>
                           <a:cs typeface="Times New Roman"/>
                         </a:rPr>
                         <a:t>D</a:t>
@@ -23262,7 +22546,7 @@
                           <a:solidFill>
                             <a:srgbClr val="4471C4"/>
                           </a:solidFill>
-                          <a:latin typeface="Times New Roman"/>
+                          <a:latin typeface="+mj-lt"/>
                           <a:cs typeface="Times New Roman"/>
                         </a:rPr>
                         <a:t>o</a:t>
@@ -23272,7 +22556,7 @@
                           <a:solidFill>
                             <a:srgbClr val="4471C4"/>
                           </a:solidFill>
-                          <a:latin typeface="Times New Roman"/>
+                          <a:latin typeface="+mj-lt"/>
                           <a:cs typeface="Times New Roman"/>
                         </a:rPr>
                         <a:t>c</a:t>
@@ -23282,7 +22566,7 @@
                           <a:solidFill>
                             <a:srgbClr val="4471C4"/>
                           </a:solidFill>
-                          <a:latin typeface="Times New Roman"/>
+                          <a:latin typeface="+mj-lt"/>
                           <a:cs typeface="Times New Roman"/>
                         </a:rPr>
                         <a:t>k</a:t>
@@ -23292,7 +22576,7 @@
                           <a:solidFill>
                             <a:srgbClr val="4471C4"/>
                           </a:solidFill>
-                          <a:latin typeface="Times New Roman"/>
+                          <a:latin typeface="+mj-lt"/>
                           <a:cs typeface="Times New Roman"/>
                         </a:rPr>
                         <a:t>e</a:t>
@@ -23302,7 +22586,7 @@
                           <a:solidFill>
                             <a:srgbClr val="4471C4"/>
                           </a:solidFill>
-                          <a:latin typeface="Times New Roman"/>
+                          <a:latin typeface="+mj-lt"/>
                           <a:cs typeface="Times New Roman"/>
                         </a:rPr>
                         <a:t>r</a:t>
@@ -23312,7 +22596,7 @@
                           <a:solidFill>
                             <a:srgbClr val="4471C4"/>
                           </a:solidFill>
-                          <a:latin typeface="Times New Roman"/>
+                          <a:latin typeface="+mj-lt"/>
                           <a:cs typeface="Times New Roman"/>
                         </a:rPr>
                         <a:t>,</a:t>
@@ -23322,7 +22606,7 @@
                           <a:solidFill>
                             <a:srgbClr val="4471C4"/>
                           </a:solidFill>
-                          <a:latin typeface="Times New Roman"/>
+                          <a:latin typeface="+mj-lt"/>
                           <a:cs typeface="Times New Roman"/>
                         </a:rPr>
                         <a:t> </a:t>
@@ -23332,7 +22616,7 @@
                           <a:solidFill>
                             <a:srgbClr val="4471C4"/>
                           </a:solidFill>
-                          <a:latin typeface="Times New Roman"/>
+                          <a:latin typeface="+mj-lt"/>
                           <a:cs typeface="Times New Roman"/>
                         </a:rPr>
                         <a:t>J</a:t>
@@ -23342,7 +22626,7 @@
                           <a:solidFill>
                             <a:srgbClr val="4471C4"/>
                           </a:solidFill>
-                          <a:latin typeface="Times New Roman"/>
+                          <a:latin typeface="+mj-lt"/>
                           <a:cs typeface="Times New Roman"/>
                         </a:rPr>
                         <a:t>AVA</a:t>
@@ -23352,7 +22636,7 @@
                           <a:solidFill>
                             <a:srgbClr val="4471C4"/>
                           </a:solidFill>
-                          <a:latin typeface="Times New Roman"/>
+                          <a:latin typeface="+mj-lt"/>
                           <a:cs typeface="Times New Roman"/>
                         </a:rPr>
                         <a:t>, </a:t>
@@ -23362,7 +22646,7 @@
                           <a:solidFill>
                             <a:srgbClr val="4471C4"/>
                           </a:solidFill>
-                          <a:latin typeface="Times New Roman"/>
+                          <a:latin typeface="+mj-lt"/>
                           <a:cs typeface="Times New Roman"/>
                         </a:rPr>
                         <a:t>S</a:t>
@@ -23372,7 +22656,7 @@
                           <a:solidFill>
                             <a:srgbClr val="4471C4"/>
                           </a:solidFill>
-                          <a:latin typeface="Times New Roman"/>
+                          <a:latin typeface="+mj-lt"/>
                           <a:cs typeface="Times New Roman"/>
                         </a:rPr>
                         <a:t>p</a:t>
@@ -23382,7 +22666,7 @@
                           <a:solidFill>
                             <a:srgbClr val="4471C4"/>
                           </a:solidFill>
-                          <a:latin typeface="Times New Roman"/>
+                          <a:latin typeface="+mj-lt"/>
                           <a:cs typeface="Times New Roman"/>
                         </a:rPr>
                         <a:t>r</a:t>
@@ -23392,7 +22676,7 @@
                           <a:solidFill>
                             <a:srgbClr val="4471C4"/>
                           </a:solidFill>
-                          <a:latin typeface="Times New Roman"/>
+                          <a:latin typeface="+mj-lt"/>
                           <a:cs typeface="Times New Roman"/>
                         </a:rPr>
                         <a:t>i</a:t>
@@ -23402,7 +22686,7 @@
                           <a:solidFill>
                             <a:srgbClr val="4471C4"/>
                           </a:solidFill>
-                          <a:latin typeface="Times New Roman"/>
+                          <a:latin typeface="+mj-lt"/>
                           <a:cs typeface="Times New Roman"/>
                         </a:rPr>
                         <a:t>n</a:t>
@@ -23412,23 +22696,43 @@
                           <a:solidFill>
                             <a:srgbClr val="4471C4"/>
                           </a:solidFill>
-                          <a:latin typeface="Times New Roman"/>
+                          <a:latin typeface="+mj-lt"/>
                           <a:cs typeface="Times New Roman"/>
                         </a:rPr>
                         <a:t>g  </a:t>
                       </a:r>
                       <a:r>
-                        <a:rPr sz="1050" spc="-35" dirty="0">
-                          <a:solidFill>
-                            <a:srgbClr val="4471C4"/>
-                          </a:solidFill>
-                          <a:latin typeface="Times New Roman"/>
+                        <a:rPr sz="1050" spc="-35" dirty="0" smtClean="0">
+                          <a:solidFill>
+                            <a:srgbClr val="4471C4"/>
+                          </a:solidFill>
+                          <a:latin typeface="+mj-lt"/>
                           <a:cs typeface="Times New Roman"/>
                         </a:rPr>
                         <a:t>Boot</a:t>
                       </a:r>
-                      <a:endParaRPr sz="1050">
-                        <a:latin typeface="Times New Roman"/>
+                      <a:r>
+                        <a:rPr lang="en-US" sz="1050" spc="-35" dirty="0" smtClean="0">
+                          <a:solidFill>
+                            <a:srgbClr val="4471C4"/>
+                          </a:solidFill>
+                          <a:latin typeface="+mj-lt"/>
+                          <a:cs typeface="Times New Roman"/>
+                        </a:rPr>
+                        <a:t>, </a:t>
+                      </a:r>
+                      <a:r>
+                        <a:rPr lang="en-US" sz="1050" spc="-35" dirty="0" err="1" smtClean="0">
+                          <a:solidFill>
+                            <a:srgbClr val="4471C4"/>
+                          </a:solidFill>
+                          <a:latin typeface="+mj-lt"/>
+                          <a:cs typeface="Times New Roman"/>
+                        </a:rPr>
+                        <a:t>Figma</a:t>
+                      </a:r>
+                      <a:endParaRPr sz="1050" dirty="0">
+                        <a:latin typeface="+mj-lt"/>
                         <a:cs typeface="Times New Roman"/>
                       </a:endParaRPr>
                     </a:p>
@@ -23475,14 +22779,21 @@
                         </a:spcBef>
                       </a:pPr>
                       <a:r>
-                        <a:rPr sz="1050" b="1" spc="-10" dirty="0">
-                          <a:latin typeface="Times New Roman"/>
-                          <a:cs typeface="Times New Roman"/>
-                        </a:rPr>
-                        <a:t>reference</a:t>
-                      </a:r>
-                      <a:endParaRPr sz="1050">
-                        <a:latin typeface="Times New Roman"/>
+                        <a:rPr lang="en-US" sz="1050" b="1" spc="-10" dirty="0" smtClean="0">
+                          <a:latin typeface="+mj-lt"/>
+                          <a:cs typeface="Times New Roman"/>
+                        </a:rPr>
+                        <a:t>R</a:t>
+                      </a:r>
+                      <a:r>
+                        <a:rPr sz="1050" b="1" spc="-10" dirty="0" smtClean="0">
+                          <a:latin typeface="+mj-lt"/>
+                          <a:cs typeface="Times New Roman"/>
+                        </a:rPr>
+                        <a:t>eference</a:t>
+                      </a:r>
+                      <a:endParaRPr sz="1050" dirty="0">
+                        <a:latin typeface="+mj-lt"/>
                         <a:cs typeface="Times New Roman"/>
                       </a:endParaRPr>
                     </a:p>
@@ -23531,7 +22842,7 @@
                               <a:srgbClr val="0096A7"/>
                             </a:solidFill>
                           </a:uFill>
-                          <a:latin typeface="Times New Roman"/>
+                          <a:latin typeface="+mj-lt"/>
                           <a:cs typeface="Times New Roman"/>
                           <a:hlinkClick r:id="rId2"/>
                         </a:rPr>
@@ -23547,7 +22858,7 @@
                               <a:srgbClr val="0096A7"/>
                             </a:solidFill>
                           </a:uFill>
-                          <a:latin typeface="Times New Roman"/>
+                          <a:latin typeface="+mj-lt"/>
                           <a:cs typeface="Times New Roman"/>
                           <a:hlinkClick r:id="rId2"/>
                         </a:rPr>
@@ -23563,14 +22874,14 @@
                               <a:srgbClr val="0096A7"/>
                             </a:solidFill>
                           </a:uFill>
-                          <a:latin typeface="Times New Roman"/>
+                          <a:latin typeface="+mj-lt"/>
                           <a:cs typeface="Times New Roman"/>
                           <a:hlinkClick r:id="rId2"/>
                         </a:rPr>
                         <a:t>Link</a:t>
                       </a:r>
-                      <a:endParaRPr sz="1050">
-                        <a:latin typeface="Times New Roman"/>
+                      <a:endParaRPr sz="1050" dirty="0">
+                        <a:latin typeface="+mj-lt"/>
                         <a:cs typeface="Times New Roman"/>
                       </a:endParaRPr>
                     </a:p>
@@ -23665,20 +22976,22 @@
       </p:sp>
       <p:pic>
         <p:nvPicPr>
-          <p:cNvPr id="5" name="object 5"/>
-          <p:cNvPicPr/>
+          <p:cNvPr id="6" name="그림 5"/>
+          <p:cNvPicPr>
+            <a:picLocks noChangeAspect="1"/>
+          </p:cNvPicPr>
           <p:nvPr/>
         </p:nvPicPr>
         <p:blipFill>
-          <a:blip r:embed="rId3" cstate="print"/>
+          <a:blip r:embed="rId3"/>
           <a:stretch>
             <a:fillRect/>
           </a:stretch>
         </p:blipFill>
         <p:spPr>
           <a:xfrm>
-            <a:off x="134112" y="1319783"/>
-            <a:ext cx="3953255" cy="2465831"/>
+            <a:off x="119508" y="1736725"/>
+            <a:ext cx="4093574" cy="2620939"/>
           </a:xfrm>
           <a:prstGeom prst="rect">
             <a:avLst/>
@@ -23823,7 +23136,7 @@
               </a:rPr>
               <a:t>01.</a:t>
             </a:r>
-            <a:endParaRPr sz="2100">
+            <a:endParaRPr sz="2100" dirty="0">
               <a:latin typeface="Arial MT"/>
               <a:cs typeface="Arial MT"/>
             </a:endParaRPr>

--- a/porfolio_kangjunwoo-010-5495-4551.pptx
+++ b/porfolio_kangjunwoo-010-5495-4551.pptx
@@ -11,21 +11,20 @@
     <p:sldId id="259" r:id="rId5"/>
     <p:sldId id="260" r:id="rId6"/>
     <p:sldId id="261" r:id="rId7"/>
-    <p:sldId id="262" r:id="rId8"/>
-    <p:sldId id="263" r:id="rId9"/>
-    <p:sldId id="264" r:id="rId10"/>
-    <p:sldId id="265" r:id="rId11"/>
-    <p:sldId id="266" r:id="rId12"/>
-    <p:sldId id="267" r:id="rId13"/>
-    <p:sldId id="268" r:id="rId14"/>
-    <p:sldId id="269" r:id="rId15"/>
-    <p:sldId id="270" r:id="rId16"/>
-    <p:sldId id="271" r:id="rId17"/>
-    <p:sldId id="272" r:id="rId18"/>
-    <p:sldId id="273" r:id="rId19"/>
-    <p:sldId id="274" r:id="rId20"/>
-    <p:sldId id="275" r:id="rId21"/>
-    <p:sldId id="276" r:id="rId22"/>
+    <p:sldId id="263" r:id="rId8"/>
+    <p:sldId id="264" r:id="rId9"/>
+    <p:sldId id="265" r:id="rId10"/>
+    <p:sldId id="266" r:id="rId11"/>
+    <p:sldId id="267" r:id="rId12"/>
+    <p:sldId id="268" r:id="rId13"/>
+    <p:sldId id="269" r:id="rId14"/>
+    <p:sldId id="270" r:id="rId15"/>
+    <p:sldId id="271" r:id="rId16"/>
+    <p:sldId id="272" r:id="rId17"/>
+    <p:sldId id="273" r:id="rId18"/>
+    <p:sldId id="274" r:id="rId19"/>
+    <p:sldId id="275" r:id="rId20"/>
+    <p:sldId id="276" r:id="rId21"/>
   </p:sldIdLst>
   <p:sldSz cx="9144000" cy="5149850"/>
   <p:notesSz cx="9144000" cy="5149850"/>
@@ -2441,1263 +2440,6 @@
 </file>
 
 <file path=ppt/slides/slide10.xml><?xml version="1.0" encoding="utf-8"?>
-<p:sld xmlns:a="http://schemas.openxmlformats.org/drawingml/2006/main" xmlns:r="http://schemas.openxmlformats.org/officeDocument/2006/relationships" xmlns:p="http://schemas.openxmlformats.org/presentationml/2006/main">
-  <p:cSld>
-    <p:spTree>
-      <p:nvGrpSpPr>
-        <p:cNvPr id="1" name=""/>
-        <p:cNvGrpSpPr/>
-        <p:nvPr/>
-      </p:nvGrpSpPr>
-      <p:grpSpPr>
-        <a:xfrm>
-          <a:off x="0" y="0"/>
-          <a:ext cx="0" cy="0"/>
-          <a:chOff x="0" y="0"/>
-          <a:chExt cx="0" cy="0"/>
-        </a:xfrm>
-      </p:grpSpPr>
-      <p:sp>
-        <p:nvSpPr>
-          <p:cNvPr id="2" name="object 2"/>
-          <p:cNvSpPr txBox="1">
-            <a:spLocks noGrp="1"/>
-          </p:cNvSpPr>
-          <p:nvPr>
-            <p:ph type="title"/>
-          </p:nvPr>
-        </p:nvSpPr>
-        <p:spPr>
-          <a:xfrm>
-            <a:off x="134823" y="55879"/>
-            <a:ext cx="1293495" cy="347345"/>
-          </a:xfrm>
-          <a:prstGeom prst="rect">
-            <a:avLst/>
-          </a:prstGeom>
-        </p:spPr>
-        <p:txBody>
-          <a:bodyPr vert="horz" wrap="square" lIns="0" tIns="13970" rIns="0" bIns="0" rtlCol="0">
-            <a:spAutoFit/>
-          </a:bodyPr>
-          <a:lstStyle/>
-          <a:p>
-            <a:pPr marL="12700">
-              <a:lnSpc>
-                <a:spcPct val="100000"/>
-              </a:lnSpc>
-              <a:spcBef>
-                <a:spcPts val="110"/>
-              </a:spcBef>
-            </a:pPr>
-            <a:r>
-              <a:rPr sz="2100" b="0" spc="10" dirty="0">
-                <a:solidFill>
-                  <a:srgbClr val="FFFFFF"/>
-                </a:solidFill>
-                <a:latin typeface="Arial MT"/>
-                <a:cs typeface="Arial MT"/>
-              </a:rPr>
-              <a:t>P</a:t>
-            </a:r>
-            <a:r>
-              <a:rPr sz="2100" b="0" spc="5" dirty="0">
-                <a:solidFill>
-                  <a:srgbClr val="FFFFFF"/>
-                </a:solidFill>
-                <a:latin typeface="Arial MT"/>
-                <a:cs typeface="Arial MT"/>
-              </a:rPr>
-              <a:t>ro</a:t>
-            </a:r>
-            <a:r>
-              <a:rPr sz="2100" b="0" spc="10" dirty="0">
-                <a:solidFill>
-                  <a:srgbClr val="FFFFFF"/>
-                </a:solidFill>
-                <a:latin typeface="Arial MT"/>
-                <a:cs typeface="Arial MT"/>
-              </a:rPr>
-              <a:t>j</a:t>
-            </a:r>
-            <a:r>
-              <a:rPr sz="2100" b="0" spc="-15" dirty="0">
-                <a:solidFill>
-                  <a:srgbClr val="FFFFFF"/>
-                </a:solidFill>
-                <a:latin typeface="Arial MT"/>
-                <a:cs typeface="Arial MT"/>
-              </a:rPr>
-              <a:t>e</a:t>
-            </a:r>
-            <a:r>
-              <a:rPr sz="2100" b="0" spc="-20" dirty="0">
-                <a:solidFill>
-                  <a:srgbClr val="FFFFFF"/>
-                </a:solidFill>
-                <a:latin typeface="Arial MT"/>
-                <a:cs typeface="Arial MT"/>
-              </a:rPr>
-              <a:t>c</a:t>
-            </a:r>
-            <a:r>
-              <a:rPr sz="2100" b="0" dirty="0">
-                <a:solidFill>
-                  <a:srgbClr val="FFFFFF"/>
-                </a:solidFill>
-                <a:latin typeface="Arial MT"/>
-                <a:cs typeface="Arial MT"/>
-              </a:rPr>
-              <a:t>t</a:t>
-            </a:r>
-            <a:r>
-              <a:rPr sz="2100" b="0" spc="-105" dirty="0">
-                <a:solidFill>
-                  <a:srgbClr val="FFFFFF"/>
-                </a:solidFill>
-                <a:latin typeface="Arial MT"/>
-                <a:cs typeface="Arial MT"/>
-              </a:rPr>
-              <a:t> </a:t>
-            </a:r>
-            <a:r>
-              <a:rPr sz="2100" b="0" spc="5" dirty="0">
-                <a:solidFill>
-                  <a:srgbClr val="FFFFFF"/>
-                </a:solidFill>
-                <a:latin typeface="Arial MT"/>
-                <a:cs typeface="Arial MT"/>
-              </a:rPr>
-              <a:t>01.</a:t>
-            </a:r>
-            <a:endParaRPr sz="2100">
-              <a:latin typeface="Arial MT"/>
-              <a:cs typeface="Arial MT"/>
-            </a:endParaRPr>
-          </a:p>
-        </p:txBody>
-      </p:sp>
-      <p:sp>
-        <p:nvSpPr>
-          <p:cNvPr id="3" name="object 3"/>
-          <p:cNvSpPr txBox="1"/>
-          <p:nvPr/>
-        </p:nvSpPr>
-        <p:spPr>
-          <a:xfrm>
-            <a:off x="240284" y="2190369"/>
-            <a:ext cx="2505075" cy="1002665"/>
-          </a:xfrm>
-          <a:prstGeom prst="rect">
-            <a:avLst/>
-          </a:prstGeom>
-        </p:spPr>
-        <p:txBody>
-          <a:bodyPr vert="horz" wrap="square" lIns="0" tIns="12700" rIns="0" bIns="0" rtlCol="0">
-            <a:spAutoFit/>
-          </a:bodyPr>
-          <a:lstStyle/>
-          <a:p>
-            <a:pPr marL="12700">
-              <a:lnSpc>
-                <a:spcPct val="100000"/>
-              </a:lnSpc>
-              <a:spcBef>
-                <a:spcPts val="100"/>
-              </a:spcBef>
-            </a:pPr>
-            <a:r>
-              <a:rPr sz="1200" b="1" dirty="0">
-                <a:latin typeface="Times New Roman"/>
-                <a:cs typeface="Times New Roman"/>
-              </a:rPr>
-              <a:t>*</a:t>
-            </a:r>
-            <a:r>
-              <a:rPr sz="1200" b="1" spc="-35" dirty="0">
-                <a:latin typeface="Times New Roman"/>
-                <a:cs typeface="Times New Roman"/>
-              </a:rPr>
-              <a:t> </a:t>
-            </a:r>
-            <a:r>
-              <a:rPr sz="1200" b="1" spc="-10" dirty="0">
-                <a:latin typeface="Times New Roman"/>
-                <a:cs typeface="Times New Roman"/>
-              </a:rPr>
-              <a:t>Feature</a:t>
-            </a:r>
-            <a:r>
-              <a:rPr sz="1200" b="1" spc="-35" dirty="0">
-                <a:latin typeface="Times New Roman"/>
-                <a:cs typeface="Times New Roman"/>
-              </a:rPr>
-              <a:t> </a:t>
-            </a:r>
-            <a:r>
-              <a:rPr sz="1200" b="1" spc="-5" dirty="0">
-                <a:latin typeface="Times New Roman"/>
-                <a:cs typeface="Times New Roman"/>
-              </a:rPr>
-              <a:t>introduction</a:t>
-            </a:r>
-            <a:endParaRPr sz="1200">
-              <a:latin typeface="Times New Roman"/>
-              <a:cs typeface="Times New Roman"/>
-            </a:endParaRPr>
-          </a:p>
-          <a:p>
-            <a:pPr marL="12700">
-              <a:lnSpc>
-                <a:spcPct val="100000"/>
-              </a:lnSpc>
-              <a:spcBef>
-                <a:spcPts val="5"/>
-              </a:spcBef>
-            </a:pPr>
-            <a:r>
-              <a:rPr sz="1000" dirty="0">
-                <a:latin typeface="Times New Roman"/>
-                <a:cs typeface="Times New Roman"/>
-              </a:rPr>
-              <a:t>-</a:t>
-            </a:r>
-            <a:r>
-              <a:rPr sz="1000" spc="-10" dirty="0">
-                <a:latin typeface="Times New Roman"/>
-                <a:cs typeface="Times New Roman"/>
-              </a:rPr>
-              <a:t> </a:t>
-            </a:r>
-            <a:r>
-              <a:rPr sz="1000" spc="-5" dirty="0">
-                <a:latin typeface="Times New Roman"/>
-                <a:cs typeface="Times New Roman"/>
-              </a:rPr>
-              <a:t>M</a:t>
-            </a:r>
-            <a:r>
-              <a:rPr sz="1000" spc="-15" dirty="0">
-                <a:latin typeface="Times New Roman"/>
-                <a:cs typeface="Times New Roman"/>
-              </a:rPr>
-              <a:t>e</a:t>
-            </a:r>
-            <a:r>
-              <a:rPr sz="1000" spc="5" dirty="0">
-                <a:latin typeface="Times New Roman"/>
-                <a:cs typeface="Times New Roman"/>
-              </a:rPr>
-              <a:t>t</a:t>
-            </a:r>
-            <a:r>
-              <a:rPr sz="1000" spc="20" dirty="0">
-                <a:latin typeface="Times New Roman"/>
-                <a:cs typeface="Times New Roman"/>
-              </a:rPr>
-              <a:t>h</a:t>
-            </a:r>
-            <a:r>
-              <a:rPr sz="1000" spc="-25" dirty="0">
-                <a:latin typeface="Times New Roman"/>
-                <a:cs typeface="Times New Roman"/>
-              </a:rPr>
-              <a:t>o</a:t>
-            </a:r>
-            <a:r>
-              <a:rPr sz="1000" dirty="0">
-                <a:latin typeface="Times New Roman"/>
-                <a:cs typeface="Times New Roman"/>
-              </a:rPr>
-              <a:t>d</a:t>
-            </a:r>
-            <a:r>
-              <a:rPr sz="1000" spc="-80" dirty="0">
-                <a:latin typeface="Times New Roman"/>
-                <a:cs typeface="Times New Roman"/>
-              </a:rPr>
-              <a:t> </a:t>
-            </a:r>
-            <a:r>
-              <a:rPr sz="1000" spc="-15" dirty="0">
-                <a:latin typeface="Times New Roman"/>
-                <a:cs typeface="Times New Roman"/>
-              </a:rPr>
-              <a:t>c</a:t>
-            </a:r>
-            <a:r>
-              <a:rPr sz="1000" spc="-25" dirty="0">
-                <a:latin typeface="Times New Roman"/>
-                <a:cs typeface="Times New Roman"/>
-              </a:rPr>
-              <a:t>o</a:t>
-            </a:r>
-            <a:r>
-              <a:rPr sz="1000" spc="20" dirty="0">
-                <a:latin typeface="Times New Roman"/>
-                <a:cs typeface="Times New Roman"/>
-              </a:rPr>
-              <a:t>n</a:t>
-            </a:r>
-            <a:r>
-              <a:rPr sz="1000" spc="-25" dirty="0">
-                <a:latin typeface="Times New Roman"/>
-                <a:cs typeface="Times New Roman"/>
-              </a:rPr>
-              <a:t>f</a:t>
-            </a:r>
-            <a:r>
-              <a:rPr sz="1000" spc="5" dirty="0">
-                <a:latin typeface="Times New Roman"/>
-                <a:cs typeface="Times New Roman"/>
-              </a:rPr>
-              <a:t>i</a:t>
-            </a:r>
-            <a:r>
-              <a:rPr sz="1000" dirty="0">
-                <a:latin typeface="Times New Roman"/>
-                <a:cs typeface="Times New Roman"/>
-              </a:rPr>
-              <a:t>gur</a:t>
-            </a:r>
-            <a:r>
-              <a:rPr sz="1000" spc="5" dirty="0">
-                <a:latin typeface="Times New Roman"/>
-                <a:cs typeface="Times New Roman"/>
-              </a:rPr>
-              <a:t>a</a:t>
-            </a:r>
-            <a:r>
-              <a:rPr sz="1000" spc="-20" dirty="0">
-                <a:latin typeface="Times New Roman"/>
-                <a:cs typeface="Times New Roman"/>
-              </a:rPr>
-              <a:t>ti</a:t>
-            </a:r>
-            <a:r>
-              <a:rPr sz="1000" spc="-50" dirty="0">
-                <a:latin typeface="Times New Roman"/>
-                <a:cs typeface="Times New Roman"/>
-              </a:rPr>
-              <a:t>o</a:t>
-            </a:r>
-            <a:r>
-              <a:rPr sz="1000" dirty="0">
-                <a:latin typeface="Times New Roman"/>
-                <a:cs typeface="Times New Roman"/>
-              </a:rPr>
-              <a:t>n</a:t>
-            </a:r>
-            <a:r>
-              <a:rPr sz="1000" spc="-80" dirty="0">
-                <a:latin typeface="Times New Roman"/>
-                <a:cs typeface="Times New Roman"/>
-              </a:rPr>
-              <a:t> </a:t>
-            </a:r>
-            <a:r>
-              <a:rPr sz="1000" spc="-25" dirty="0">
-                <a:latin typeface="Times New Roman"/>
-                <a:cs typeface="Times New Roman"/>
-              </a:rPr>
-              <a:t>fo</a:t>
-            </a:r>
-            <a:r>
-              <a:rPr sz="1000" dirty="0">
-                <a:latin typeface="Times New Roman"/>
-                <a:cs typeface="Times New Roman"/>
-              </a:rPr>
-              <a:t>r</a:t>
-            </a:r>
-            <a:r>
-              <a:rPr sz="1000" spc="35" dirty="0">
-                <a:latin typeface="Times New Roman"/>
-                <a:cs typeface="Times New Roman"/>
-              </a:rPr>
-              <a:t> </a:t>
-            </a:r>
-            <a:r>
-              <a:rPr sz="1000" spc="-15" dirty="0">
-                <a:latin typeface="Times New Roman"/>
-                <a:cs typeface="Times New Roman"/>
-              </a:rPr>
-              <a:t>e</a:t>
-            </a:r>
-            <a:r>
-              <a:rPr sz="1000" spc="5" dirty="0">
-                <a:latin typeface="Times New Roman"/>
-                <a:cs typeface="Times New Roman"/>
-              </a:rPr>
-              <a:t>a</a:t>
-            </a:r>
-            <a:r>
-              <a:rPr sz="1000" spc="-10" dirty="0">
-                <a:latin typeface="Times New Roman"/>
-                <a:cs typeface="Times New Roman"/>
-              </a:rPr>
-              <a:t>s</a:t>
-            </a:r>
-            <a:r>
-              <a:rPr sz="1000" dirty="0">
-                <a:latin typeface="Times New Roman"/>
-                <a:cs typeface="Times New Roman"/>
-              </a:rPr>
-              <a:t>y</a:t>
-            </a:r>
-            <a:r>
-              <a:rPr sz="1000" spc="-10" dirty="0">
-                <a:latin typeface="Times New Roman"/>
-                <a:cs typeface="Times New Roman"/>
-              </a:rPr>
-              <a:t> s</a:t>
-            </a:r>
-            <a:r>
-              <a:rPr sz="1000" spc="5" dirty="0">
-                <a:latin typeface="Times New Roman"/>
-                <a:cs typeface="Times New Roman"/>
-              </a:rPr>
-              <a:t>a</a:t>
-            </a:r>
-            <a:r>
-              <a:rPr sz="1000" spc="-25" dirty="0">
-                <a:latin typeface="Times New Roman"/>
-                <a:cs typeface="Times New Roman"/>
-              </a:rPr>
-              <a:t>v</a:t>
-            </a:r>
-            <a:r>
-              <a:rPr sz="1000" spc="5" dirty="0">
-                <a:latin typeface="Times New Roman"/>
-                <a:cs typeface="Times New Roman"/>
-              </a:rPr>
-              <a:t>i</a:t>
-            </a:r>
-            <a:r>
-              <a:rPr sz="1000" spc="20" dirty="0">
-                <a:latin typeface="Times New Roman"/>
-                <a:cs typeface="Times New Roman"/>
-              </a:rPr>
-              <a:t>n</a:t>
-            </a:r>
-            <a:r>
-              <a:rPr sz="1000" dirty="0">
-                <a:latin typeface="Times New Roman"/>
-                <a:cs typeface="Times New Roman"/>
-              </a:rPr>
-              <a:t>g</a:t>
-            </a:r>
-            <a:r>
-              <a:rPr sz="1000" spc="-35" dirty="0">
-                <a:latin typeface="Times New Roman"/>
-                <a:cs typeface="Times New Roman"/>
-              </a:rPr>
-              <a:t> </a:t>
-            </a:r>
-            <a:r>
-              <a:rPr sz="1000" spc="5" dirty="0">
-                <a:latin typeface="Times New Roman"/>
-                <a:cs typeface="Times New Roman"/>
-              </a:rPr>
-              <a:t>t</a:t>
-            </a:r>
-            <a:r>
-              <a:rPr sz="1000" dirty="0">
-                <a:latin typeface="Times New Roman"/>
-                <a:cs typeface="Times New Roman"/>
-              </a:rPr>
-              <a:t>o</a:t>
-            </a:r>
-            <a:r>
-              <a:rPr sz="1000" spc="-35" dirty="0">
-                <a:latin typeface="Times New Roman"/>
-                <a:cs typeface="Times New Roman"/>
-              </a:rPr>
-              <a:t> </a:t>
-            </a:r>
-            <a:r>
-              <a:rPr sz="1000" spc="-30" dirty="0">
-                <a:latin typeface="Times New Roman"/>
-                <a:cs typeface="Times New Roman"/>
-              </a:rPr>
-              <a:t>DB</a:t>
-            </a:r>
-            <a:endParaRPr sz="1000">
-              <a:latin typeface="Times New Roman"/>
-              <a:cs typeface="Times New Roman"/>
-            </a:endParaRPr>
-          </a:p>
-          <a:p>
-            <a:pPr>
-              <a:lnSpc>
-                <a:spcPct val="100000"/>
-              </a:lnSpc>
-              <a:spcBef>
-                <a:spcPts val="45"/>
-              </a:spcBef>
-            </a:pPr>
-            <a:endParaRPr sz="1000">
-              <a:latin typeface="Times New Roman"/>
-              <a:cs typeface="Times New Roman"/>
-            </a:endParaRPr>
-          </a:p>
-          <a:p>
-            <a:pPr marL="12700">
-              <a:lnSpc>
-                <a:spcPct val="100000"/>
-              </a:lnSpc>
-            </a:pPr>
-            <a:r>
-              <a:rPr sz="1200" b="1" dirty="0">
-                <a:latin typeface="Times New Roman"/>
-                <a:cs typeface="Times New Roman"/>
-              </a:rPr>
-              <a:t>*</a:t>
-            </a:r>
-            <a:r>
-              <a:rPr sz="1200" b="1" spc="-50" dirty="0">
-                <a:latin typeface="Times New Roman"/>
-                <a:cs typeface="Times New Roman"/>
-              </a:rPr>
-              <a:t> </a:t>
-            </a:r>
-            <a:r>
-              <a:rPr sz="1200" b="1" spc="-5" dirty="0">
-                <a:latin typeface="Times New Roman"/>
-                <a:cs typeface="Times New Roman"/>
-              </a:rPr>
-              <a:t>Detail</a:t>
-            </a:r>
-            <a:endParaRPr sz="1200">
-              <a:latin typeface="Times New Roman"/>
-              <a:cs typeface="Times New Roman"/>
-            </a:endParaRPr>
-          </a:p>
-          <a:p>
-            <a:pPr marL="12700">
-              <a:lnSpc>
-                <a:spcPct val="100000"/>
-              </a:lnSpc>
-              <a:spcBef>
-                <a:spcPts val="10"/>
-              </a:spcBef>
-            </a:pPr>
-            <a:r>
-              <a:rPr sz="1000" dirty="0">
-                <a:latin typeface="Times New Roman"/>
-                <a:cs typeface="Times New Roman"/>
-              </a:rPr>
-              <a:t>-</a:t>
-            </a:r>
-            <a:r>
-              <a:rPr sz="1000" spc="-35" dirty="0">
-                <a:latin typeface="Times New Roman"/>
-                <a:cs typeface="Times New Roman"/>
-              </a:rPr>
-              <a:t> </a:t>
-            </a:r>
-            <a:r>
-              <a:rPr sz="1000" spc="-30" dirty="0">
-                <a:latin typeface="Times New Roman"/>
-                <a:cs typeface="Times New Roman"/>
-              </a:rPr>
-              <a:t>U</a:t>
-            </a:r>
-            <a:r>
-              <a:rPr sz="1000" spc="-10" dirty="0">
-                <a:latin typeface="Times New Roman"/>
-                <a:cs typeface="Times New Roman"/>
-              </a:rPr>
-              <a:t>s</a:t>
-            </a:r>
-            <a:r>
-              <a:rPr sz="1000" dirty="0">
-                <a:latin typeface="Times New Roman"/>
-                <a:cs typeface="Times New Roman"/>
-              </a:rPr>
-              <a:t>e</a:t>
-            </a:r>
-            <a:r>
-              <a:rPr sz="1000" spc="25" dirty="0">
-                <a:latin typeface="Times New Roman"/>
-                <a:cs typeface="Times New Roman"/>
-              </a:rPr>
-              <a:t> </a:t>
-            </a:r>
-            <a:r>
-              <a:rPr sz="1000" spc="-10" dirty="0">
-                <a:latin typeface="Times New Roman"/>
-                <a:cs typeface="Times New Roman"/>
-              </a:rPr>
-              <a:t>s</a:t>
-            </a:r>
-            <a:r>
-              <a:rPr sz="1000" dirty="0">
-                <a:latin typeface="Times New Roman"/>
-                <a:cs typeface="Times New Roman"/>
-              </a:rPr>
-              <a:t>p</a:t>
-            </a:r>
-            <a:r>
-              <a:rPr sz="1000" spc="20" dirty="0">
-                <a:latin typeface="Times New Roman"/>
-                <a:cs typeface="Times New Roman"/>
-              </a:rPr>
-              <a:t>r</a:t>
-            </a:r>
-            <a:r>
-              <a:rPr sz="1000" spc="5" dirty="0">
-                <a:latin typeface="Times New Roman"/>
-                <a:cs typeface="Times New Roman"/>
-              </a:rPr>
-              <a:t>i</a:t>
-            </a:r>
-            <a:r>
-              <a:rPr sz="1000" spc="20" dirty="0">
-                <a:latin typeface="Times New Roman"/>
-                <a:cs typeface="Times New Roman"/>
-              </a:rPr>
-              <a:t>n</a:t>
-            </a:r>
-            <a:r>
-              <a:rPr sz="1000" dirty="0">
-                <a:latin typeface="Times New Roman"/>
-                <a:cs typeface="Times New Roman"/>
-              </a:rPr>
-              <a:t>g</a:t>
-            </a:r>
-            <a:r>
-              <a:rPr sz="1000" spc="-80" dirty="0">
-                <a:latin typeface="Times New Roman"/>
-                <a:cs typeface="Times New Roman"/>
-              </a:rPr>
-              <a:t> </a:t>
-            </a:r>
-            <a:r>
-              <a:rPr sz="1000" spc="5" dirty="0">
-                <a:latin typeface="Times New Roman"/>
-                <a:cs typeface="Times New Roman"/>
-              </a:rPr>
-              <a:t>t</a:t>
-            </a:r>
-            <a:r>
-              <a:rPr sz="1000" dirty="0">
-                <a:latin typeface="Times New Roman"/>
-                <a:cs typeface="Times New Roman"/>
-              </a:rPr>
-              <a:t>o</a:t>
-            </a:r>
-            <a:r>
-              <a:rPr sz="1000" spc="-35" dirty="0">
-                <a:latin typeface="Times New Roman"/>
-                <a:cs typeface="Times New Roman"/>
-              </a:rPr>
-              <a:t> </a:t>
-            </a:r>
-            <a:r>
-              <a:rPr sz="1000" spc="-10" dirty="0">
-                <a:latin typeface="Times New Roman"/>
-                <a:cs typeface="Times New Roman"/>
-              </a:rPr>
-              <a:t>s</a:t>
-            </a:r>
-            <a:r>
-              <a:rPr sz="1000" spc="-15" dirty="0">
-                <a:latin typeface="Times New Roman"/>
-                <a:cs typeface="Times New Roman"/>
-              </a:rPr>
-              <a:t>e</a:t>
-            </a:r>
-            <a:r>
-              <a:rPr sz="1000" dirty="0">
-                <a:latin typeface="Times New Roman"/>
-                <a:cs typeface="Times New Roman"/>
-              </a:rPr>
-              <a:t>p</a:t>
-            </a:r>
-            <a:r>
-              <a:rPr sz="1000" spc="5" dirty="0">
-                <a:latin typeface="Times New Roman"/>
-                <a:cs typeface="Times New Roman"/>
-              </a:rPr>
-              <a:t>a</a:t>
-            </a:r>
-            <a:r>
-              <a:rPr sz="1000" spc="20" dirty="0">
-                <a:latin typeface="Times New Roman"/>
-                <a:cs typeface="Times New Roman"/>
-              </a:rPr>
-              <a:t>r</a:t>
-            </a:r>
-            <a:r>
-              <a:rPr sz="1000" spc="5" dirty="0">
-                <a:latin typeface="Times New Roman"/>
-                <a:cs typeface="Times New Roman"/>
-              </a:rPr>
-              <a:t>a</a:t>
-            </a:r>
-            <a:r>
-              <a:rPr sz="1000" spc="-20" dirty="0">
-                <a:latin typeface="Times New Roman"/>
-                <a:cs typeface="Times New Roman"/>
-              </a:rPr>
-              <a:t>t</a:t>
-            </a:r>
-            <a:r>
-              <a:rPr sz="1000" dirty="0">
-                <a:latin typeface="Times New Roman"/>
-                <a:cs typeface="Times New Roman"/>
-              </a:rPr>
-              <a:t>e</a:t>
-            </a:r>
-            <a:r>
-              <a:rPr sz="1000" spc="-95" dirty="0">
-                <a:latin typeface="Times New Roman"/>
-                <a:cs typeface="Times New Roman"/>
-              </a:rPr>
-              <a:t> </a:t>
-            </a:r>
-            <a:r>
-              <a:rPr sz="1000" spc="20" dirty="0">
-                <a:latin typeface="Times New Roman"/>
-                <a:cs typeface="Times New Roman"/>
-              </a:rPr>
-              <a:t>r</a:t>
-            </a:r>
-            <a:r>
-              <a:rPr sz="1000" spc="-25" dirty="0">
-                <a:latin typeface="Times New Roman"/>
-                <a:cs typeface="Times New Roman"/>
-              </a:rPr>
-              <a:t>o</a:t>
-            </a:r>
-            <a:r>
-              <a:rPr sz="1000" spc="5" dirty="0">
-                <a:latin typeface="Times New Roman"/>
-                <a:cs typeface="Times New Roman"/>
-              </a:rPr>
-              <a:t>l</a:t>
-            </a:r>
-            <a:r>
-              <a:rPr sz="1000" spc="-15" dirty="0">
-                <a:latin typeface="Times New Roman"/>
-                <a:cs typeface="Times New Roman"/>
-              </a:rPr>
-              <a:t>e</a:t>
-            </a:r>
-            <a:r>
-              <a:rPr sz="1000" dirty="0">
-                <a:latin typeface="Times New Roman"/>
-                <a:cs typeface="Times New Roman"/>
-              </a:rPr>
-              <a:t>s</a:t>
-            </a:r>
-            <a:r>
-              <a:rPr sz="1000" spc="-45" dirty="0">
-                <a:latin typeface="Times New Roman"/>
-                <a:cs typeface="Times New Roman"/>
-              </a:rPr>
-              <a:t> </a:t>
-            </a:r>
-            <a:r>
-              <a:rPr sz="1000" spc="5" dirty="0">
-                <a:latin typeface="Times New Roman"/>
-                <a:cs typeface="Times New Roman"/>
-              </a:rPr>
-              <a:t>t</a:t>
-            </a:r>
-            <a:r>
-              <a:rPr sz="1000" dirty="0">
-                <a:latin typeface="Times New Roman"/>
-                <a:cs typeface="Times New Roman"/>
-              </a:rPr>
-              <a:t>o</a:t>
-            </a:r>
-            <a:r>
-              <a:rPr sz="1000" spc="-35" dirty="0">
-                <a:latin typeface="Times New Roman"/>
-                <a:cs typeface="Times New Roman"/>
-              </a:rPr>
-              <a:t> </a:t>
-            </a:r>
-            <a:r>
-              <a:rPr sz="1000" spc="-15" dirty="0">
-                <a:latin typeface="Times New Roman"/>
-                <a:cs typeface="Times New Roman"/>
-              </a:rPr>
-              <a:t>e</a:t>
-            </a:r>
-            <a:r>
-              <a:rPr sz="1000" spc="5" dirty="0">
-                <a:latin typeface="Times New Roman"/>
-                <a:cs typeface="Times New Roman"/>
-              </a:rPr>
-              <a:t>a</a:t>
-            </a:r>
-            <a:r>
-              <a:rPr sz="1000" spc="-10" dirty="0">
-                <a:latin typeface="Times New Roman"/>
-                <a:cs typeface="Times New Roman"/>
-              </a:rPr>
-              <a:t>s</a:t>
-            </a:r>
-            <a:r>
-              <a:rPr sz="1000" spc="5" dirty="0">
-                <a:latin typeface="Times New Roman"/>
-                <a:cs typeface="Times New Roman"/>
-              </a:rPr>
-              <a:t>il</a:t>
-            </a:r>
-            <a:r>
-              <a:rPr sz="1000" dirty="0">
-                <a:latin typeface="Times New Roman"/>
-                <a:cs typeface="Times New Roman"/>
-              </a:rPr>
-              <a:t>y</a:t>
-            </a:r>
-            <a:r>
-              <a:rPr sz="1000" spc="-35" dirty="0">
-                <a:latin typeface="Times New Roman"/>
-                <a:cs typeface="Times New Roman"/>
-              </a:rPr>
-              <a:t> </a:t>
-            </a:r>
-            <a:r>
-              <a:rPr sz="1000" spc="-25" dirty="0">
-                <a:latin typeface="Times New Roman"/>
-                <a:cs typeface="Times New Roman"/>
-              </a:rPr>
-              <a:t>f</a:t>
-            </a:r>
-            <a:r>
-              <a:rPr sz="1000" spc="5" dirty="0">
-                <a:latin typeface="Times New Roman"/>
-                <a:cs typeface="Times New Roman"/>
-              </a:rPr>
-              <a:t>i</a:t>
-            </a:r>
-            <a:r>
-              <a:rPr sz="1000" spc="20" dirty="0">
-                <a:latin typeface="Times New Roman"/>
-                <a:cs typeface="Times New Roman"/>
-              </a:rPr>
-              <a:t>n</a:t>
-            </a:r>
-            <a:r>
-              <a:rPr sz="1000" dirty="0">
-                <a:latin typeface="Times New Roman"/>
-                <a:cs typeface="Times New Roman"/>
-              </a:rPr>
-              <a:t>d</a:t>
-            </a:r>
-            <a:r>
-              <a:rPr sz="1000" spc="-35" dirty="0">
-                <a:latin typeface="Times New Roman"/>
-                <a:cs typeface="Times New Roman"/>
-              </a:rPr>
-              <a:t> </a:t>
-            </a:r>
-            <a:r>
-              <a:rPr sz="1000" spc="-15" dirty="0">
-                <a:latin typeface="Times New Roman"/>
-                <a:cs typeface="Times New Roman"/>
-              </a:rPr>
-              <a:t>e</a:t>
-            </a:r>
-            <a:r>
-              <a:rPr sz="1000" spc="20" dirty="0">
-                <a:latin typeface="Times New Roman"/>
-                <a:cs typeface="Times New Roman"/>
-              </a:rPr>
-              <a:t>rr</a:t>
-            </a:r>
-            <a:r>
-              <a:rPr sz="1000" spc="-25" dirty="0">
-                <a:latin typeface="Times New Roman"/>
-                <a:cs typeface="Times New Roman"/>
-              </a:rPr>
-              <a:t>o</a:t>
-            </a:r>
-            <a:r>
-              <a:rPr sz="1000" spc="20" dirty="0">
-                <a:latin typeface="Times New Roman"/>
-                <a:cs typeface="Times New Roman"/>
-              </a:rPr>
-              <a:t>r</a:t>
-            </a:r>
-            <a:r>
-              <a:rPr sz="1000" dirty="0">
-                <a:latin typeface="Times New Roman"/>
-                <a:cs typeface="Times New Roman"/>
-              </a:rPr>
-              <a:t>s</a:t>
-            </a:r>
-            <a:endParaRPr sz="1000">
-              <a:latin typeface="Times New Roman"/>
-              <a:cs typeface="Times New Roman"/>
-            </a:endParaRPr>
-          </a:p>
-          <a:p>
-            <a:pPr marL="12700">
-              <a:lnSpc>
-                <a:spcPct val="100000"/>
-              </a:lnSpc>
-            </a:pPr>
-            <a:r>
-              <a:rPr sz="1000" spc="-20" dirty="0">
-                <a:latin typeface="Times New Roman"/>
-                <a:cs typeface="Times New Roman"/>
-              </a:rPr>
-              <a:t>a</a:t>
-            </a:r>
-            <a:r>
-              <a:rPr sz="1000" spc="5" dirty="0">
-                <a:latin typeface="Times New Roman"/>
-                <a:cs typeface="Times New Roman"/>
-              </a:rPr>
-              <a:t>nd</a:t>
-            </a:r>
-            <a:r>
-              <a:rPr sz="1000" spc="-85" dirty="0">
-                <a:latin typeface="Times New Roman"/>
-                <a:cs typeface="Times New Roman"/>
-              </a:rPr>
-              <a:t> </a:t>
-            </a:r>
-            <a:r>
-              <a:rPr sz="1000" spc="5" dirty="0">
-                <a:latin typeface="Times New Roman"/>
-                <a:cs typeface="Times New Roman"/>
-              </a:rPr>
-              <a:t>i</a:t>
-            </a:r>
-            <a:r>
-              <a:rPr sz="1000" spc="25" dirty="0">
-                <a:latin typeface="Times New Roman"/>
-                <a:cs typeface="Times New Roman"/>
-              </a:rPr>
-              <a:t>n</a:t>
-            </a:r>
-            <a:r>
-              <a:rPr sz="1000" spc="-20" dirty="0">
-                <a:latin typeface="Times New Roman"/>
-                <a:cs typeface="Times New Roman"/>
-              </a:rPr>
-              <a:t>c</a:t>
-            </a:r>
-            <a:r>
-              <a:rPr sz="1000" spc="20" dirty="0">
-                <a:latin typeface="Times New Roman"/>
-                <a:cs typeface="Times New Roman"/>
-              </a:rPr>
-              <a:t>r</a:t>
-            </a:r>
-            <a:r>
-              <a:rPr sz="1000" spc="-20" dirty="0">
-                <a:latin typeface="Times New Roman"/>
-                <a:cs typeface="Times New Roman"/>
-              </a:rPr>
-              <a:t>ea</a:t>
-            </a:r>
-            <a:r>
-              <a:rPr sz="1000" spc="-10" dirty="0">
-                <a:latin typeface="Times New Roman"/>
-                <a:cs typeface="Times New Roman"/>
-              </a:rPr>
-              <a:t>s</a:t>
-            </a:r>
-            <a:r>
-              <a:rPr sz="1000" dirty="0">
-                <a:latin typeface="Times New Roman"/>
-                <a:cs typeface="Times New Roman"/>
-              </a:rPr>
-              <a:t>e</a:t>
-            </a:r>
-            <a:r>
-              <a:rPr sz="1000" spc="-95" dirty="0">
-                <a:latin typeface="Times New Roman"/>
-                <a:cs typeface="Times New Roman"/>
-              </a:rPr>
-              <a:t> </a:t>
-            </a:r>
-            <a:r>
-              <a:rPr sz="1000" spc="-20" dirty="0">
-                <a:latin typeface="Times New Roman"/>
-                <a:cs typeface="Times New Roman"/>
-              </a:rPr>
-              <a:t>c</a:t>
-            </a:r>
-            <a:r>
-              <a:rPr sz="1000" spc="-25" dirty="0">
-                <a:latin typeface="Times New Roman"/>
-                <a:cs typeface="Times New Roman"/>
-              </a:rPr>
-              <a:t>o</a:t>
-            </a:r>
-            <a:r>
-              <a:rPr sz="1000" dirty="0">
-                <a:latin typeface="Times New Roman"/>
-                <a:cs typeface="Times New Roman"/>
-              </a:rPr>
-              <a:t>de</a:t>
-            </a:r>
-            <a:r>
-              <a:rPr sz="1000" spc="20" dirty="0">
-                <a:latin typeface="Times New Roman"/>
-                <a:cs typeface="Times New Roman"/>
-              </a:rPr>
-              <a:t> </a:t>
-            </a:r>
-            <a:r>
-              <a:rPr sz="1000" spc="-10" dirty="0">
-                <a:latin typeface="Times New Roman"/>
-                <a:cs typeface="Times New Roman"/>
-              </a:rPr>
-              <a:t>s</a:t>
-            </a:r>
-            <a:r>
-              <a:rPr sz="1000" spc="-20" dirty="0">
-                <a:latin typeface="Times New Roman"/>
-                <a:cs typeface="Times New Roman"/>
-              </a:rPr>
-              <a:t>c</a:t>
-            </a:r>
-            <a:r>
-              <a:rPr sz="1000" spc="5" dirty="0">
-                <a:latin typeface="Times New Roman"/>
-                <a:cs typeface="Times New Roman"/>
-              </a:rPr>
-              <a:t>ala</a:t>
-            </a:r>
-            <a:r>
-              <a:rPr sz="1000" spc="-25" dirty="0">
-                <a:latin typeface="Times New Roman"/>
-                <a:cs typeface="Times New Roman"/>
-              </a:rPr>
-              <a:t>b</a:t>
-            </a:r>
-            <a:r>
-              <a:rPr sz="1000" spc="5" dirty="0">
-                <a:latin typeface="Times New Roman"/>
-                <a:cs typeface="Times New Roman"/>
-              </a:rPr>
-              <a:t>i</a:t>
-            </a:r>
-            <a:r>
-              <a:rPr sz="1000" spc="-20" dirty="0">
-                <a:latin typeface="Times New Roman"/>
-                <a:cs typeface="Times New Roman"/>
-              </a:rPr>
-              <a:t>l</a:t>
-            </a:r>
-            <a:r>
-              <a:rPr sz="1000" spc="5" dirty="0">
-                <a:latin typeface="Times New Roman"/>
-                <a:cs typeface="Times New Roman"/>
-              </a:rPr>
-              <a:t>i</a:t>
-            </a:r>
-            <a:r>
-              <a:rPr sz="1000" spc="-20" dirty="0">
-                <a:latin typeface="Times New Roman"/>
-                <a:cs typeface="Times New Roman"/>
-              </a:rPr>
-              <a:t>t</a:t>
-            </a:r>
-            <a:r>
-              <a:rPr sz="1000" spc="5" dirty="0">
-                <a:latin typeface="Times New Roman"/>
-                <a:cs typeface="Times New Roman"/>
-              </a:rPr>
-              <a:t>y</a:t>
-            </a:r>
-            <a:endParaRPr sz="1000">
-              <a:latin typeface="Times New Roman"/>
-              <a:cs typeface="Times New Roman"/>
-            </a:endParaRPr>
-          </a:p>
-        </p:txBody>
-      </p:sp>
-      <p:pic>
-        <p:nvPicPr>
-          <p:cNvPr id="4" name="object 4"/>
-          <p:cNvPicPr/>
-          <p:nvPr/>
-        </p:nvPicPr>
-        <p:blipFill>
-          <a:blip r:embed="rId2" cstate="print"/>
-          <a:stretch>
-            <a:fillRect/>
-          </a:stretch>
-        </p:blipFill>
-        <p:spPr>
-          <a:xfrm>
-            <a:off x="3364991" y="1246631"/>
-            <a:ext cx="2471928" cy="3742944"/>
-          </a:xfrm>
-          <a:prstGeom prst="rect">
-            <a:avLst/>
-          </a:prstGeom>
-        </p:spPr>
-      </p:pic>
-      <p:pic>
-        <p:nvPicPr>
-          <p:cNvPr id="5" name="object 5"/>
-          <p:cNvPicPr/>
-          <p:nvPr/>
-        </p:nvPicPr>
-        <p:blipFill>
-          <a:blip r:embed="rId3" cstate="print"/>
-          <a:stretch>
-            <a:fillRect/>
-          </a:stretch>
-        </p:blipFill>
-        <p:spPr>
-          <a:xfrm>
-            <a:off x="5937503" y="1246631"/>
-            <a:ext cx="2923031" cy="3224784"/>
-          </a:xfrm>
-          <a:prstGeom prst="rect">
-            <a:avLst/>
-          </a:prstGeom>
-        </p:spPr>
-      </p:pic>
-      <p:sp>
-        <p:nvSpPr>
-          <p:cNvPr id="6" name="object 6"/>
-          <p:cNvSpPr txBox="1"/>
-          <p:nvPr/>
-        </p:nvSpPr>
-        <p:spPr>
-          <a:xfrm>
-            <a:off x="240284" y="711834"/>
-            <a:ext cx="1158875" cy="299720"/>
-          </a:xfrm>
-          <a:prstGeom prst="rect">
-            <a:avLst/>
-          </a:prstGeom>
-        </p:spPr>
-        <p:txBody>
-          <a:bodyPr vert="horz" wrap="square" lIns="0" tIns="12700" rIns="0" bIns="0" rtlCol="0">
-            <a:spAutoFit/>
-          </a:bodyPr>
-          <a:lstStyle/>
-          <a:p>
-            <a:pPr marL="12700">
-              <a:lnSpc>
-                <a:spcPct val="100000"/>
-              </a:lnSpc>
-              <a:spcBef>
-                <a:spcPts val="100"/>
-              </a:spcBef>
-            </a:pPr>
-            <a:r>
-              <a:rPr sz="1800" b="1" dirty="0">
-                <a:latin typeface="Times New Roman"/>
-                <a:cs typeface="Times New Roman"/>
-              </a:rPr>
-              <a:t>Main</a:t>
-            </a:r>
-            <a:r>
-              <a:rPr sz="1800" b="1" spc="-90" dirty="0">
-                <a:latin typeface="Times New Roman"/>
-                <a:cs typeface="Times New Roman"/>
-              </a:rPr>
-              <a:t> </a:t>
-            </a:r>
-            <a:r>
-              <a:rPr sz="1800" b="1" spc="-35" dirty="0">
-                <a:latin typeface="Times New Roman"/>
-                <a:cs typeface="Times New Roman"/>
-              </a:rPr>
-              <a:t>Work</a:t>
-            </a:r>
-            <a:endParaRPr sz="1800">
-              <a:latin typeface="Times New Roman"/>
-              <a:cs typeface="Times New Roman"/>
-            </a:endParaRPr>
-          </a:p>
-        </p:txBody>
-      </p:sp>
-      <p:sp>
-        <p:nvSpPr>
-          <p:cNvPr id="7" name="object 7"/>
-          <p:cNvSpPr txBox="1"/>
-          <p:nvPr/>
-        </p:nvSpPr>
-        <p:spPr>
-          <a:xfrm>
-            <a:off x="1597278" y="711834"/>
-            <a:ext cx="1296035" cy="299720"/>
-          </a:xfrm>
-          <a:prstGeom prst="rect">
-            <a:avLst/>
-          </a:prstGeom>
-        </p:spPr>
-        <p:txBody>
-          <a:bodyPr vert="horz" wrap="square" lIns="0" tIns="12700" rIns="0" bIns="0" rtlCol="0">
-            <a:spAutoFit/>
-          </a:bodyPr>
-          <a:lstStyle/>
-          <a:p>
-            <a:pPr marL="12700">
-              <a:lnSpc>
-                <a:spcPct val="100000"/>
-              </a:lnSpc>
-              <a:spcBef>
-                <a:spcPts val="100"/>
-              </a:spcBef>
-            </a:pPr>
-            <a:r>
-              <a:rPr sz="1800" spc="-10" dirty="0">
-                <a:latin typeface="Times New Roman"/>
-                <a:cs typeface="Times New Roman"/>
-              </a:rPr>
-              <a:t>3.</a:t>
-            </a:r>
-            <a:r>
-              <a:rPr sz="1800" spc="-85" dirty="0">
-                <a:latin typeface="Times New Roman"/>
-                <a:cs typeface="Times New Roman"/>
-              </a:rPr>
-              <a:t> </a:t>
-            </a:r>
-            <a:r>
-              <a:rPr sz="1800" spc="-20" dirty="0">
-                <a:latin typeface="Times New Roman"/>
-                <a:cs typeface="Times New Roman"/>
-              </a:rPr>
-              <a:t>Spring</a:t>
-            </a:r>
-            <a:r>
-              <a:rPr sz="1800" spc="-80" dirty="0">
-                <a:latin typeface="Times New Roman"/>
-                <a:cs typeface="Times New Roman"/>
-              </a:rPr>
-              <a:t> </a:t>
-            </a:r>
-            <a:r>
-              <a:rPr sz="1800" spc="-15" dirty="0">
-                <a:latin typeface="Times New Roman"/>
-                <a:cs typeface="Times New Roman"/>
-              </a:rPr>
-              <a:t>boot</a:t>
-            </a:r>
-            <a:endParaRPr sz="1800">
-              <a:latin typeface="Times New Roman"/>
-              <a:cs typeface="Times New Roman"/>
-            </a:endParaRPr>
-          </a:p>
-        </p:txBody>
-      </p:sp>
-    </p:spTree>
-  </p:cSld>
-  <p:clrMapOvr>
-    <a:masterClrMapping/>
-  </p:clrMapOvr>
-</p:sld>
-</file>
-
-<file path=ppt/slides/slide11.xml><?xml version="1.0" encoding="utf-8"?>
 <p:sld xmlns:a="http://schemas.openxmlformats.org/drawingml/2006/main" xmlns:r="http://schemas.openxmlformats.org/officeDocument/2006/relationships" xmlns:p="http://schemas.openxmlformats.org/presentationml/2006/main" showMasterSp="0">
   <p:cSld>
     <p:spTree>
@@ -4261,7 +3003,7 @@
 </p:sld>
 </file>
 
-<file path=ppt/slides/slide12.xml><?xml version="1.0" encoding="utf-8"?>
+<file path=ppt/slides/slide11.xml><?xml version="1.0" encoding="utf-8"?>
 <p:sld xmlns:a="http://schemas.openxmlformats.org/drawingml/2006/main" xmlns:r="http://schemas.openxmlformats.org/officeDocument/2006/relationships" xmlns:p="http://schemas.openxmlformats.org/presentationml/2006/main">
   <p:cSld>
     <p:spTree>
@@ -7088,7 +5830,7 @@
 </p:sld>
 </file>
 
-<file path=ppt/slides/slide13.xml><?xml version="1.0" encoding="utf-8"?>
+<file path=ppt/slides/slide12.xml><?xml version="1.0" encoding="utf-8"?>
 <p:sld xmlns:a="http://schemas.openxmlformats.org/drawingml/2006/main" xmlns:r="http://schemas.openxmlformats.org/officeDocument/2006/relationships" xmlns:p="http://schemas.openxmlformats.org/presentationml/2006/main">
   <p:cSld>
     <p:spTree>
@@ -8656,7 +7398,7 @@
 </p:sld>
 </file>
 
-<file path=ppt/slides/slide14.xml><?xml version="1.0" encoding="utf-8"?>
+<file path=ppt/slides/slide13.xml><?xml version="1.0" encoding="utf-8"?>
 <p:sld xmlns:a="http://schemas.openxmlformats.org/drawingml/2006/main" xmlns:r="http://schemas.openxmlformats.org/officeDocument/2006/relationships" xmlns:p="http://schemas.openxmlformats.org/presentationml/2006/main">
   <p:cSld>
     <p:spTree>
@@ -10335,7 +9077,7 @@
 </p:sld>
 </file>
 
-<file path=ppt/slides/slide15.xml><?xml version="1.0" encoding="utf-8"?>
+<file path=ppt/slides/slide14.xml><?xml version="1.0" encoding="utf-8"?>
 <p:sld xmlns:a="http://schemas.openxmlformats.org/drawingml/2006/main" xmlns:r="http://schemas.openxmlformats.org/officeDocument/2006/relationships" xmlns:p="http://schemas.openxmlformats.org/presentationml/2006/main">
   <p:cSld>
     <p:spTree>
@@ -11454,7 +10196,7 @@
 </p:sld>
 </file>
 
-<file path=ppt/slides/slide16.xml><?xml version="1.0" encoding="utf-8"?>
+<file path=ppt/slides/slide15.xml><?xml version="1.0" encoding="utf-8"?>
 <p:sld xmlns:a="http://schemas.openxmlformats.org/drawingml/2006/main" xmlns:r="http://schemas.openxmlformats.org/officeDocument/2006/relationships" xmlns:p="http://schemas.openxmlformats.org/presentationml/2006/main" showMasterSp="0">
   <p:cSld>
     <p:spTree>
@@ -12424,7 +11166,7 @@
 </p:sld>
 </file>
 
-<file path=ppt/slides/slide17.xml><?xml version="1.0" encoding="utf-8"?>
+<file path=ppt/slides/slide16.xml><?xml version="1.0" encoding="utf-8"?>
 <p:sld xmlns:a="http://schemas.openxmlformats.org/drawingml/2006/main" xmlns:r="http://schemas.openxmlformats.org/officeDocument/2006/relationships" xmlns:p="http://schemas.openxmlformats.org/presentationml/2006/main">
   <p:cSld>
     <p:spTree>
@@ -15501,7 +14243,7 @@
 </p:sld>
 </file>
 
-<file path=ppt/slides/slide18.xml><?xml version="1.0" encoding="utf-8"?>
+<file path=ppt/slides/slide17.xml><?xml version="1.0" encoding="utf-8"?>
 <p:sld xmlns:a="http://schemas.openxmlformats.org/drawingml/2006/main" xmlns:r="http://schemas.openxmlformats.org/officeDocument/2006/relationships" xmlns:p="http://schemas.openxmlformats.org/presentationml/2006/main">
   <p:cSld>
     <p:spTree>
@@ -16782,7 +15524,7 @@
 </p:sld>
 </file>
 
-<file path=ppt/slides/slide19.xml><?xml version="1.0" encoding="utf-8"?>
+<file path=ppt/slides/slide18.xml><?xml version="1.0" encoding="utf-8"?>
 <p:sld xmlns:a="http://schemas.openxmlformats.org/drawingml/2006/main" xmlns:r="http://schemas.openxmlformats.org/officeDocument/2006/relationships" xmlns:p="http://schemas.openxmlformats.org/presentationml/2006/main">
   <p:cSld>
     <p:spTree>
@@ -17618,407 +16360,7 @@
 </p:sld>
 </file>
 
-<file path=ppt/slides/slide2.xml><?xml version="1.0" encoding="utf-8"?>
-<p:sld xmlns:a="http://schemas.openxmlformats.org/drawingml/2006/main" xmlns:r="http://schemas.openxmlformats.org/officeDocument/2006/relationships" xmlns:p="http://schemas.openxmlformats.org/presentationml/2006/main" showMasterSp="0">
-  <p:cSld>
-    <p:spTree>
-      <p:nvGrpSpPr>
-        <p:cNvPr id="1" name=""/>
-        <p:cNvGrpSpPr/>
-        <p:nvPr/>
-      </p:nvGrpSpPr>
-      <p:grpSpPr>
-        <a:xfrm>
-          <a:off x="0" y="0"/>
-          <a:ext cx="0" cy="0"/>
-          <a:chOff x="0" y="0"/>
-          <a:chExt cx="0" cy="0"/>
-        </a:xfrm>
-      </p:grpSpPr>
-      <p:sp>
-        <p:nvSpPr>
-          <p:cNvPr id="2" name="object 2"/>
-          <p:cNvSpPr txBox="1">
-            <a:spLocks noGrp="1"/>
-          </p:cNvSpPr>
-          <p:nvPr>
-            <p:ph type="title"/>
-          </p:nvPr>
-        </p:nvSpPr>
-        <p:spPr>
-          <a:xfrm>
-            <a:off x="1489328" y="498805"/>
-            <a:ext cx="1382395" cy="406400"/>
-          </a:xfrm>
-          <a:prstGeom prst="rect">
-            <a:avLst/>
-          </a:prstGeom>
-        </p:spPr>
-        <p:txBody>
-          <a:bodyPr vert="horz" wrap="square" lIns="0" tIns="12065" rIns="0" bIns="0" rtlCol="0">
-            <a:spAutoFit/>
-          </a:bodyPr>
-          <a:lstStyle/>
-          <a:p>
-            <a:pPr marL="12700">
-              <a:lnSpc>
-                <a:spcPct val="100000"/>
-              </a:lnSpc>
-              <a:spcBef>
-                <a:spcPts val="95"/>
-              </a:spcBef>
-            </a:pPr>
-            <a:r>
-              <a:rPr sz="2500" spc="-5" dirty="0">
-                <a:latin typeface="Times New Roman"/>
-                <a:cs typeface="Times New Roman"/>
-              </a:rPr>
-              <a:t>About</a:t>
-            </a:r>
-            <a:r>
-              <a:rPr sz="2500" spc="-80" dirty="0">
-                <a:latin typeface="Times New Roman"/>
-                <a:cs typeface="Times New Roman"/>
-              </a:rPr>
-              <a:t> </a:t>
-            </a:r>
-            <a:r>
-              <a:rPr sz="2500" spc="-40" dirty="0">
-                <a:latin typeface="Times New Roman"/>
-                <a:cs typeface="Times New Roman"/>
-              </a:rPr>
-              <a:t>Me</a:t>
-            </a:r>
-            <a:endParaRPr sz="2500">
-              <a:latin typeface="Times New Roman"/>
-              <a:cs typeface="Times New Roman"/>
-            </a:endParaRPr>
-          </a:p>
-        </p:txBody>
-      </p:sp>
-      <p:sp>
-        <p:nvSpPr>
-          <p:cNvPr id="3" name="object 3"/>
-          <p:cNvSpPr txBox="1"/>
-          <p:nvPr/>
-        </p:nvSpPr>
-        <p:spPr>
-          <a:xfrm>
-            <a:off x="4459351" y="1186005"/>
-            <a:ext cx="3556000" cy="2960939"/>
-          </a:xfrm>
-          <a:prstGeom prst="rect">
-            <a:avLst/>
-          </a:prstGeom>
-        </p:spPr>
-        <p:txBody>
-          <a:bodyPr vert="horz" wrap="square" lIns="0" tIns="29845" rIns="0" bIns="0" rtlCol="0">
-            <a:spAutoFit/>
-          </a:bodyPr>
-          <a:lstStyle/>
-          <a:p>
-            <a:pPr marL="12700">
-              <a:lnSpc>
-                <a:spcPct val="100000"/>
-              </a:lnSpc>
-              <a:spcBef>
-                <a:spcPts val="235"/>
-              </a:spcBef>
-            </a:pPr>
-            <a:r>
-              <a:rPr lang="ko-KR" altLang="en-US" sz="1350" spc="-5" dirty="0" smtClean="0">
-                <a:latin typeface="Times New Roman"/>
-                <a:cs typeface="Times New Roman"/>
-              </a:rPr>
-              <a:t>저는 알고리즘을 개발하고 최적화하는 것을 즐기는 개발자입니다</a:t>
-            </a:r>
-            <a:r>
-              <a:rPr lang="en-US" altLang="ko-KR" sz="1350" spc="-5" dirty="0" smtClean="0">
-                <a:latin typeface="Times New Roman"/>
-                <a:cs typeface="Times New Roman"/>
-              </a:rPr>
-              <a:t>.</a:t>
-            </a:r>
-            <a:endParaRPr lang="en-US" sz="1350" spc="-5" dirty="0" smtClean="0">
-              <a:latin typeface="Times New Roman"/>
-              <a:cs typeface="Times New Roman"/>
-            </a:endParaRPr>
-          </a:p>
-          <a:p>
-            <a:pPr marL="12700">
-              <a:lnSpc>
-                <a:spcPct val="100000"/>
-              </a:lnSpc>
-              <a:spcBef>
-                <a:spcPts val="235"/>
-              </a:spcBef>
-            </a:pPr>
-            <a:endParaRPr sz="1350" dirty="0">
-              <a:latin typeface="Times New Roman"/>
-              <a:cs typeface="Times New Roman"/>
-            </a:endParaRPr>
-          </a:p>
-          <a:p>
-            <a:pPr>
-              <a:lnSpc>
-                <a:spcPct val="100000"/>
-              </a:lnSpc>
-              <a:spcBef>
-                <a:spcPts val="25"/>
-              </a:spcBef>
-            </a:pPr>
-            <a:r>
-              <a:rPr lang="ko-KR" altLang="en-US" sz="1350" dirty="0" smtClean="0">
-                <a:latin typeface="Times New Roman"/>
-                <a:cs typeface="Times New Roman"/>
-              </a:rPr>
-              <a:t>저는 항상 </a:t>
-            </a:r>
-            <a:r>
-              <a:rPr lang="en-US" altLang="ko-KR" sz="1350" dirty="0" smtClean="0">
-                <a:latin typeface="Times New Roman"/>
-                <a:cs typeface="Times New Roman"/>
-              </a:rPr>
-              <a:t>‘</a:t>
-            </a:r>
-            <a:r>
-              <a:rPr lang="ko-KR" altLang="en-US" sz="1350" dirty="0" smtClean="0">
-                <a:latin typeface="Times New Roman"/>
-                <a:cs typeface="Times New Roman"/>
-              </a:rPr>
-              <a:t>왜</a:t>
-            </a:r>
-            <a:r>
-              <a:rPr lang="en-US" altLang="ko-KR" sz="1350" dirty="0" smtClean="0">
-                <a:latin typeface="Times New Roman"/>
-                <a:cs typeface="Times New Roman"/>
-              </a:rPr>
-              <a:t>’ </a:t>
-            </a:r>
-            <a:r>
-              <a:rPr lang="ko-KR" altLang="en-US" sz="1350" dirty="0" smtClean="0">
-                <a:latin typeface="Times New Roman"/>
-                <a:cs typeface="Times New Roman"/>
-              </a:rPr>
-              <a:t>라는 질문을 합니다</a:t>
-            </a:r>
-            <a:r>
-              <a:rPr lang="en-US" altLang="ko-KR" sz="1350" dirty="0" smtClean="0">
-                <a:latin typeface="Times New Roman"/>
-                <a:cs typeface="Times New Roman"/>
-              </a:rPr>
-              <a:t>.</a:t>
-            </a:r>
-          </a:p>
-          <a:p>
-            <a:pPr>
-              <a:lnSpc>
-                <a:spcPct val="100000"/>
-              </a:lnSpc>
-              <a:spcBef>
-                <a:spcPts val="25"/>
-              </a:spcBef>
-            </a:pPr>
-            <a:endParaRPr sz="1350" dirty="0">
-              <a:latin typeface="Times New Roman"/>
-              <a:cs typeface="Times New Roman"/>
-            </a:endParaRPr>
-          </a:p>
-          <a:p>
-            <a:pPr marL="12700">
-              <a:lnSpc>
-                <a:spcPct val="100000"/>
-              </a:lnSpc>
-            </a:pPr>
-            <a:r>
-              <a:rPr lang="ko-KR" altLang="en-US" sz="1350" spc="-20" dirty="0" smtClean="0">
-                <a:latin typeface="Times New Roman"/>
-                <a:cs typeface="Times New Roman"/>
-              </a:rPr>
-              <a:t>저는 활동적이며 사람들과 교류하고 커뮤니케이션하는 것을 즐기는 사람입니다</a:t>
-            </a:r>
-            <a:r>
-              <a:rPr lang="en-US" altLang="ko-KR" sz="1350" spc="-20" dirty="0" smtClean="0">
-                <a:latin typeface="Times New Roman"/>
-                <a:cs typeface="Times New Roman"/>
-              </a:rPr>
-              <a:t>.</a:t>
-            </a:r>
-            <a:endParaRPr lang="en-US" sz="1350" spc="-5" dirty="0" smtClean="0">
-              <a:latin typeface="Times New Roman"/>
-              <a:cs typeface="Times New Roman"/>
-            </a:endParaRPr>
-          </a:p>
-          <a:p>
-            <a:pPr marL="12700" marR="5080">
-              <a:lnSpc>
-                <a:spcPct val="108300"/>
-              </a:lnSpc>
-              <a:spcBef>
-                <a:spcPts val="1080"/>
-              </a:spcBef>
-            </a:pPr>
-            <a:r>
-              <a:rPr lang="ko-KR" altLang="en-US" sz="1350" spc="-5" dirty="0" smtClean="0">
-                <a:latin typeface="Times New Roman"/>
-                <a:cs typeface="Times New Roman"/>
-              </a:rPr>
-              <a:t>저는 다양한 시각을 통해 문제를 바라보며 효율적으로 문제를 해결하고자 합니다</a:t>
-            </a:r>
-            <a:r>
-              <a:rPr lang="en-US" altLang="ko-KR" sz="1350" spc="-5" dirty="0" smtClean="0">
-                <a:latin typeface="Times New Roman"/>
-                <a:cs typeface="Times New Roman"/>
-              </a:rPr>
-              <a:t>.</a:t>
-            </a:r>
-          </a:p>
-          <a:p>
-            <a:pPr marL="12700" marR="5080">
-              <a:lnSpc>
-                <a:spcPct val="108300"/>
-              </a:lnSpc>
-              <a:spcBef>
-                <a:spcPts val="1080"/>
-              </a:spcBef>
-            </a:pPr>
-            <a:endParaRPr sz="1200" dirty="0">
-              <a:latin typeface="Times New Roman"/>
-              <a:cs typeface="Times New Roman"/>
-            </a:endParaRPr>
-          </a:p>
-          <a:p>
-            <a:pPr marL="12700">
-              <a:lnSpc>
-                <a:spcPct val="100000"/>
-              </a:lnSpc>
-            </a:pPr>
-            <a:r>
-              <a:rPr lang="ko-KR" altLang="en-US" sz="1100" b="1" spc="-10" dirty="0" smtClean="0">
-                <a:latin typeface="Times New Roman"/>
-                <a:cs typeface="Times New Roman"/>
-              </a:rPr>
-              <a:t>흥미</a:t>
-            </a:r>
-            <a:endParaRPr sz="1000" dirty="0">
-              <a:latin typeface="Times New Roman"/>
-              <a:cs typeface="Times New Roman"/>
-            </a:endParaRPr>
-          </a:p>
-          <a:p>
-            <a:pPr marL="12700">
-              <a:lnSpc>
-                <a:spcPct val="100000"/>
-              </a:lnSpc>
-            </a:pPr>
-            <a:r>
-              <a:rPr sz="1100" b="1" spc="-10" dirty="0">
-                <a:latin typeface="Times New Roman"/>
-                <a:cs typeface="Times New Roman"/>
-              </a:rPr>
-              <a:t>#Algorithm</a:t>
-            </a:r>
-            <a:r>
-              <a:rPr sz="1100" b="1" spc="30" dirty="0">
-                <a:latin typeface="Times New Roman"/>
-                <a:cs typeface="Times New Roman"/>
-              </a:rPr>
-              <a:t> </a:t>
-            </a:r>
-            <a:r>
-              <a:rPr sz="1100" b="1" spc="-15" dirty="0">
-                <a:latin typeface="Times New Roman"/>
-                <a:cs typeface="Times New Roman"/>
-              </a:rPr>
-              <a:t>#Optimization</a:t>
-            </a:r>
-            <a:r>
-              <a:rPr sz="1100" b="1" spc="80" dirty="0">
-                <a:latin typeface="Times New Roman"/>
-                <a:cs typeface="Times New Roman"/>
-              </a:rPr>
-              <a:t> </a:t>
-            </a:r>
-            <a:r>
-              <a:rPr sz="1100" b="1" spc="-15" dirty="0">
-                <a:latin typeface="Times New Roman"/>
-                <a:cs typeface="Times New Roman"/>
-              </a:rPr>
-              <a:t>#Platform</a:t>
-            </a:r>
-            <a:r>
-              <a:rPr sz="1100" b="1" spc="110" dirty="0">
-                <a:latin typeface="Times New Roman"/>
-                <a:cs typeface="Times New Roman"/>
-              </a:rPr>
-              <a:t> </a:t>
-            </a:r>
-            <a:r>
-              <a:rPr sz="1100" b="1" spc="-15" dirty="0">
-                <a:latin typeface="Times New Roman"/>
-                <a:cs typeface="Times New Roman"/>
-              </a:rPr>
-              <a:t>#FullStack</a:t>
-            </a:r>
-            <a:endParaRPr sz="1100" dirty="0">
-              <a:latin typeface="Times New Roman"/>
-              <a:cs typeface="Times New Roman"/>
-            </a:endParaRPr>
-          </a:p>
-          <a:p>
-            <a:pPr marL="12700">
-              <a:lnSpc>
-                <a:spcPct val="100000"/>
-              </a:lnSpc>
-              <a:spcBef>
-                <a:spcPts val="75"/>
-              </a:spcBef>
-            </a:pPr>
-            <a:r>
-              <a:rPr sz="1100" b="1" spc="-15" dirty="0">
-                <a:latin typeface="Times New Roman"/>
-                <a:cs typeface="Times New Roman"/>
-              </a:rPr>
-              <a:t>#HelpingOther</a:t>
-            </a:r>
-            <a:endParaRPr sz="1100" dirty="0">
-              <a:latin typeface="Times New Roman"/>
-              <a:cs typeface="Times New Roman"/>
-            </a:endParaRPr>
-          </a:p>
-        </p:txBody>
-      </p:sp>
-      <p:pic>
-        <p:nvPicPr>
-          <p:cNvPr id="4" name="object 4"/>
-          <p:cNvPicPr/>
-          <p:nvPr/>
-        </p:nvPicPr>
-        <p:blipFill>
-          <a:blip r:embed="rId2" cstate="print"/>
-          <a:stretch>
-            <a:fillRect/>
-          </a:stretch>
-        </p:blipFill>
-        <p:spPr>
-          <a:xfrm>
-            <a:off x="1417319" y="1152143"/>
-            <a:ext cx="2139696" cy="3139440"/>
-          </a:xfrm>
-          <a:prstGeom prst="rect">
-            <a:avLst/>
-          </a:prstGeom>
-        </p:spPr>
-      </p:pic>
-    </p:spTree>
-  </p:cSld>
-  <p:clrMapOvr>
-    <a:masterClrMapping/>
-  </p:clrMapOvr>
-</p:sld>
-</file>
-
-<file path=ppt/slides/slide20.xml><?xml version="1.0" encoding="utf-8"?>
+<file path=ppt/slides/slide19.xml><?xml version="1.0" encoding="utf-8"?>
 <p:sld xmlns:a="http://schemas.openxmlformats.org/drawingml/2006/main" xmlns:r="http://schemas.openxmlformats.org/officeDocument/2006/relationships" xmlns:p="http://schemas.openxmlformats.org/presentationml/2006/main">
   <p:cSld>
     <p:spTree>
@@ -18914,7 +17256,407 @@
 </p:sld>
 </file>
 
-<file path=ppt/slides/slide21.xml><?xml version="1.0" encoding="utf-8"?>
+<file path=ppt/slides/slide2.xml><?xml version="1.0" encoding="utf-8"?>
+<p:sld xmlns:a="http://schemas.openxmlformats.org/drawingml/2006/main" xmlns:r="http://schemas.openxmlformats.org/officeDocument/2006/relationships" xmlns:p="http://schemas.openxmlformats.org/presentationml/2006/main" showMasterSp="0">
+  <p:cSld>
+    <p:spTree>
+      <p:nvGrpSpPr>
+        <p:cNvPr id="1" name=""/>
+        <p:cNvGrpSpPr/>
+        <p:nvPr/>
+      </p:nvGrpSpPr>
+      <p:grpSpPr>
+        <a:xfrm>
+          <a:off x="0" y="0"/>
+          <a:ext cx="0" cy="0"/>
+          <a:chOff x="0" y="0"/>
+          <a:chExt cx="0" cy="0"/>
+        </a:xfrm>
+      </p:grpSpPr>
+      <p:sp>
+        <p:nvSpPr>
+          <p:cNvPr id="2" name="object 2"/>
+          <p:cNvSpPr txBox="1">
+            <a:spLocks noGrp="1"/>
+          </p:cNvSpPr>
+          <p:nvPr>
+            <p:ph type="title"/>
+          </p:nvPr>
+        </p:nvSpPr>
+        <p:spPr>
+          <a:xfrm>
+            <a:off x="1489328" y="498805"/>
+            <a:ext cx="1382395" cy="406400"/>
+          </a:xfrm>
+          <a:prstGeom prst="rect">
+            <a:avLst/>
+          </a:prstGeom>
+        </p:spPr>
+        <p:txBody>
+          <a:bodyPr vert="horz" wrap="square" lIns="0" tIns="12065" rIns="0" bIns="0" rtlCol="0">
+            <a:spAutoFit/>
+          </a:bodyPr>
+          <a:lstStyle/>
+          <a:p>
+            <a:pPr marL="12700">
+              <a:lnSpc>
+                <a:spcPct val="100000"/>
+              </a:lnSpc>
+              <a:spcBef>
+                <a:spcPts val="95"/>
+              </a:spcBef>
+            </a:pPr>
+            <a:r>
+              <a:rPr sz="2500" spc="-5" dirty="0">
+                <a:latin typeface="Times New Roman"/>
+                <a:cs typeface="Times New Roman"/>
+              </a:rPr>
+              <a:t>About</a:t>
+            </a:r>
+            <a:r>
+              <a:rPr sz="2500" spc="-80" dirty="0">
+                <a:latin typeface="Times New Roman"/>
+                <a:cs typeface="Times New Roman"/>
+              </a:rPr>
+              <a:t> </a:t>
+            </a:r>
+            <a:r>
+              <a:rPr sz="2500" spc="-40" dirty="0">
+                <a:latin typeface="Times New Roman"/>
+                <a:cs typeface="Times New Roman"/>
+              </a:rPr>
+              <a:t>Me</a:t>
+            </a:r>
+            <a:endParaRPr sz="2500">
+              <a:latin typeface="Times New Roman"/>
+              <a:cs typeface="Times New Roman"/>
+            </a:endParaRPr>
+          </a:p>
+        </p:txBody>
+      </p:sp>
+      <p:sp>
+        <p:nvSpPr>
+          <p:cNvPr id="3" name="object 3"/>
+          <p:cNvSpPr txBox="1"/>
+          <p:nvPr/>
+        </p:nvSpPr>
+        <p:spPr>
+          <a:xfrm>
+            <a:off x="4459351" y="1186005"/>
+            <a:ext cx="3556000" cy="2960939"/>
+          </a:xfrm>
+          <a:prstGeom prst="rect">
+            <a:avLst/>
+          </a:prstGeom>
+        </p:spPr>
+        <p:txBody>
+          <a:bodyPr vert="horz" wrap="square" lIns="0" tIns="29845" rIns="0" bIns="0" rtlCol="0">
+            <a:spAutoFit/>
+          </a:bodyPr>
+          <a:lstStyle/>
+          <a:p>
+            <a:pPr marL="12700">
+              <a:lnSpc>
+                <a:spcPct val="100000"/>
+              </a:lnSpc>
+              <a:spcBef>
+                <a:spcPts val="235"/>
+              </a:spcBef>
+            </a:pPr>
+            <a:r>
+              <a:rPr lang="ko-KR" altLang="en-US" sz="1350" spc="-5" dirty="0" smtClean="0">
+                <a:latin typeface="Times New Roman"/>
+                <a:cs typeface="Times New Roman"/>
+              </a:rPr>
+              <a:t>저는 알고리즘을 개발하고 최적화하는 것을 즐기는 개발자입니다</a:t>
+            </a:r>
+            <a:r>
+              <a:rPr lang="en-US" altLang="ko-KR" sz="1350" spc="-5" dirty="0" smtClean="0">
+                <a:latin typeface="Times New Roman"/>
+                <a:cs typeface="Times New Roman"/>
+              </a:rPr>
+              <a:t>.</a:t>
+            </a:r>
+            <a:endParaRPr lang="en-US" sz="1350" spc="-5" dirty="0" smtClean="0">
+              <a:latin typeface="Times New Roman"/>
+              <a:cs typeface="Times New Roman"/>
+            </a:endParaRPr>
+          </a:p>
+          <a:p>
+            <a:pPr marL="12700">
+              <a:lnSpc>
+                <a:spcPct val="100000"/>
+              </a:lnSpc>
+              <a:spcBef>
+                <a:spcPts val="235"/>
+              </a:spcBef>
+            </a:pPr>
+            <a:endParaRPr sz="1350" dirty="0">
+              <a:latin typeface="Times New Roman"/>
+              <a:cs typeface="Times New Roman"/>
+            </a:endParaRPr>
+          </a:p>
+          <a:p>
+            <a:pPr>
+              <a:lnSpc>
+                <a:spcPct val="100000"/>
+              </a:lnSpc>
+              <a:spcBef>
+                <a:spcPts val="25"/>
+              </a:spcBef>
+            </a:pPr>
+            <a:r>
+              <a:rPr lang="ko-KR" altLang="en-US" sz="1350" dirty="0" smtClean="0">
+                <a:latin typeface="Times New Roman"/>
+                <a:cs typeface="Times New Roman"/>
+              </a:rPr>
+              <a:t>저는 항상 </a:t>
+            </a:r>
+            <a:r>
+              <a:rPr lang="en-US" altLang="ko-KR" sz="1350" dirty="0" smtClean="0">
+                <a:latin typeface="Times New Roman"/>
+                <a:cs typeface="Times New Roman"/>
+              </a:rPr>
+              <a:t>‘</a:t>
+            </a:r>
+            <a:r>
+              <a:rPr lang="ko-KR" altLang="en-US" sz="1350" dirty="0" smtClean="0">
+                <a:latin typeface="Times New Roman"/>
+                <a:cs typeface="Times New Roman"/>
+              </a:rPr>
+              <a:t>왜</a:t>
+            </a:r>
+            <a:r>
+              <a:rPr lang="en-US" altLang="ko-KR" sz="1350" dirty="0" smtClean="0">
+                <a:latin typeface="Times New Roman"/>
+                <a:cs typeface="Times New Roman"/>
+              </a:rPr>
+              <a:t>’ </a:t>
+            </a:r>
+            <a:r>
+              <a:rPr lang="ko-KR" altLang="en-US" sz="1350" dirty="0" smtClean="0">
+                <a:latin typeface="Times New Roman"/>
+                <a:cs typeface="Times New Roman"/>
+              </a:rPr>
+              <a:t>라는 질문을 합니다</a:t>
+            </a:r>
+            <a:r>
+              <a:rPr lang="en-US" altLang="ko-KR" sz="1350" dirty="0" smtClean="0">
+                <a:latin typeface="Times New Roman"/>
+                <a:cs typeface="Times New Roman"/>
+              </a:rPr>
+              <a:t>.</a:t>
+            </a:r>
+          </a:p>
+          <a:p>
+            <a:pPr>
+              <a:lnSpc>
+                <a:spcPct val="100000"/>
+              </a:lnSpc>
+              <a:spcBef>
+                <a:spcPts val="25"/>
+              </a:spcBef>
+            </a:pPr>
+            <a:endParaRPr sz="1350" dirty="0">
+              <a:latin typeface="Times New Roman"/>
+              <a:cs typeface="Times New Roman"/>
+            </a:endParaRPr>
+          </a:p>
+          <a:p>
+            <a:pPr marL="12700">
+              <a:lnSpc>
+                <a:spcPct val="100000"/>
+              </a:lnSpc>
+            </a:pPr>
+            <a:r>
+              <a:rPr lang="ko-KR" altLang="en-US" sz="1350" spc="-20" dirty="0" smtClean="0">
+                <a:latin typeface="Times New Roman"/>
+                <a:cs typeface="Times New Roman"/>
+              </a:rPr>
+              <a:t>저는 활동적이며 사람들과 교류하고 커뮤니케이션하는 것을 즐기는 사람입니다</a:t>
+            </a:r>
+            <a:r>
+              <a:rPr lang="en-US" altLang="ko-KR" sz="1350" spc="-20" dirty="0" smtClean="0">
+                <a:latin typeface="Times New Roman"/>
+                <a:cs typeface="Times New Roman"/>
+              </a:rPr>
+              <a:t>.</a:t>
+            </a:r>
+            <a:endParaRPr lang="en-US" sz="1350" spc="-5" dirty="0" smtClean="0">
+              <a:latin typeface="Times New Roman"/>
+              <a:cs typeface="Times New Roman"/>
+            </a:endParaRPr>
+          </a:p>
+          <a:p>
+            <a:pPr marL="12700" marR="5080">
+              <a:lnSpc>
+                <a:spcPct val="108300"/>
+              </a:lnSpc>
+              <a:spcBef>
+                <a:spcPts val="1080"/>
+              </a:spcBef>
+            </a:pPr>
+            <a:r>
+              <a:rPr lang="ko-KR" altLang="en-US" sz="1350" spc="-5" dirty="0" smtClean="0">
+                <a:latin typeface="Times New Roman"/>
+                <a:cs typeface="Times New Roman"/>
+              </a:rPr>
+              <a:t>저는 다양한 시각을 통해 문제를 바라보며 효율적으로 문제를 해결하고자 합니다</a:t>
+            </a:r>
+            <a:r>
+              <a:rPr lang="en-US" altLang="ko-KR" sz="1350" spc="-5" dirty="0" smtClean="0">
+                <a:latin typeface="Times New Roman"/>
+                <a:cs typeface="Times New Roman"/>
+              </a:rPr>
+              <a:t>.</a:t>
+            </a:r>
+          </a:p>
+          <a:p>
+            <a:pPr marL="12700" marR="5080">
+              <a:lnSpc>
+                <a:spcPct val="108300"/>
+              </a:lnSpc>
+              <a:spcBef>
+                <a:spcPts val="1080"/>
+              </a:spcBef>
+            </a:pPr>
+            <a:endParaRPr sz="1200" dirty="0">
+              <a:latin typeface="Times New Roman"/>
+              <a:cs typeface="Times New Roman"/>
+            </a:endParaRPr>
+          </a:p>
+          <a:p>
+            <a:pPr marL="12700">
+              <a:lnSpc>
+                <a:spcPct val="100000"/>
+              </a:lnSpc>
+            </a:pPr>
+            <a:r>
+              <a:rPr lang="ko-KR" altLang="en-US" sz="1100" b="1" spc="-10" dirty="0" smtClean="0">
+                <a:latin typeface="Times New Roman"/>
+                <a:cs typeface="Times New Roman"/>
+              </a:rPr>
+              <a:t>흥미</a:t>
+            </a:r>
+            <a:endParaRPr sz="1000" dirty="0">
+              <a:latin typeface="Times New Roman"/>
+              <a:cs typeface="Times New Roman"/>
+            </a:endParaRPr>
+          </a:p>
+          <a:p>
+            <a:pPr marL="12700">
+              <a:lnSpc>
+                <a:spcPct val="100000"/>
+              </a:lnSpc>
+            </a:pPr>
+            <a:r>
+              <a:rPr sz="1100" b="1" spc="-10" dirty="0">
+                <a:latin typeface="Times New Roman"/>
+                <a:cs typeface="Times New Roman"/>
+              </a:rPr>
+              <a:t>#Algorithm</a:t>
+            </a:r>
+            <a:r>
+              <a:rPr sz="1100" b="1" spc="30" dirty="0">
+                <a:latin typeface="Times New Roman"/>
+                <a:cs typeface="Times New Roman"/>
+              </a:rPr>
+              <a:t> </a:t>
+            </a:r>
+            <a:r>
+              <a:rPr sz="1100" b="1" spc="-15" dirty="0">
+                <a:latin typeface="Times New Roman"/>
+                <a:cs typeface="Times New Roman"/>
+              </a:rPr>
+              <a:t>#Optimization</a:t>
+            </a:r>
+            <a:r>
+              <a:rPr sz="1100" b="1" spc="80" dirty="0">
+                <a:latin typeface="Times New Roman"/>
+                <a:cs typeface="Times New Roman"/>
+              </a:rPr>
+              <a:t> </a:t>
+            </a:r>
+            <a:r>
+              <a:rPr sz="1100" b="1" spc="-15" dirty="0">
+                <a:latin typeface="Times New Roman"/>
+                <a:cs typeface="Times New Roman"/>
+              </a:rPr>
+              <a:t>#Platform</a:t>
+            </a:r>
+            <a:r>
+              <a:rPr sz="1100" b="1" spc="110" dirty="0">
+                <a:latin typeface="Times New Roman"/>
+                <a:cs typeface="Times New Roman"/>
+              </a:rPr>
+              <a:t> </a:t>
+            </a:r>
+            <a:r>
+              <a:rPr sz="1100" b="1" spc="-15" dirty="0">
+                <a:latin typeface="Times New Roman"/>
+                <a:cs typeface="Times New Roman"/>
+              </a:rPr>
+              <a:t>#FullStack</a:t>
+            </a:r>
+            <a:endParaRPr sz="1100" dirty="0">
+              <a:latin typeface="Times New Roman"/>
+              <a:cs typeface="Times New Roman"/>
+            </a:endParaRPr>
+          </a:p>
+          <a:p>
+            <a:pPr marL="12700">
+              <a:lnSpc>
+                <a:spcPct val="100000"/>
+              </a:lnSpc>
+              <a:spcBef>
+                <a:spcPts val="75"/>
+              </a:spcBef>
+            </a:pPr>
+            <a:r>
+              <a:rPr sz="1100" b="1" spc="-15" dirty="0">
+                <a:latin typeface="Times New Roman"/>
+                <a:cs typeface="Times New Roman"/>
+              </a:rPr>
+              <a:t>#HelpingOther</a:t>
+            </a:r>
+            <a:endParaRPr sz="1100" dirty="0">
+              <a:latin typeface="Times New Roman"/>
+              <a:cs typeface="Times New Roman"/>
+            </a:endParaRPr>
+          </a:p>
+        </p:txBody>
+      </p:sp>
+      <p:pic>
+        <p:nvPicPr>
+          <p:cNvPr id="4" name="object 4"/>
+          <p:cNvPicPr/>
+          <p:nvPr/>
+        </p:nvPicPr>
+        <p:blipFill>
+          <a:blip r:embed="rId2" cstate="print"/>
+          <a:stretch>
+            <a:fillRect/>
+          </a:stretch>
+        </p:blipFill>
+        <p:spPr>
+          <a:xfrm>
+            <a:off x="1417319" y="1152143"/>
+            <a:ext cx="2139696" cy="3139440"/>
+          </a:xfrm>
+          <a:prstGeom prst="rect">
+            <a:avLst/>
+          </a:prstGeom>
+        </p:spPr>
+      </p:pic>
+    </p:spTree>
+  </p:cSld>
+  <p:clrMapOvr>
+    <a:masterClrMapping/>
+  </p:clrMapOvr>
+</p:sld>
+</file>
+
+<file path=ppt/slides/slide20.xml><?xml version="1.0" encoding="utf-8"?>
 <p:sld xmlns:a="http://schemas.openxmlformats.org/drawingml/2006/main" xmlns:r="http://schemas.openxmlformats.org/officeDocument/2006/relationships" xmlns:p="http://schemas.openxmlformats.org/presentationml/2006/main">
   <p:cSld>
     <p:spTree>
@@ -23036,7 +21778,7 @@
         <p:spPr>
           <a:xfrm>
             <a:off x="134823" y="55879"/>
-            <a:ext cx="1293495" cy="347345"/>
+            <a:ext cx="1846377" cy="347345"/>
           </a:xfrm>
           <a:prstGeom prst="rect">
             <a:avLst/>
@@ -23151,8 +21893,8 @@
         </p:nvSpPr>
         <p:spPr>
           <a:xfrm>
-            <a:off x="240284" y="2190369"/>
-            <a:ext cx="2719070" cy="1012190"/>
+            <a:off x="240283" y="2190369"/>
+            <a:ext cx="3575813" cy="1474763"/>
           </a:xfrm>
           <a:prstGeom prst="rect">
             <a:avLst/>
@@ -23187,27 +21929,13 @@
               <a:t> </a:t>
             </a:r>
             <a:r>
-              <a:rPr sz="1200" b="1" spc="-10" dirty="0">
-                <a:latin typeface="Times New Roman"/>
-                <a:cs typeface="Times New Roman"/>
-              </a:rPr>
-              <a:t>Feature</a:t>
-            </a:r>
-            <a:r>
-              <a:rPr sz="1200" b="1" spc="-45" dirty="0">
-                <a:latin typeface="Times New Roman"/>
-                <a:cs typeface="Times New Roman"/>
-              </a:rPr>
-              <a:t> </a:t>
-            </a:r>
-            <a:r>
-              <a:rPr sz="1200" b="1" spc="-5" dirty="0">
-                <a:latin typeface="Times New Roman"/>
-                <a:cs typeface="Times New Roman"/>
-              </a:rPr>
-              <a:t>introduction</a:t>
-            </a:r>
-            <a:endParaRPr sz="1200">
+              <a:rPr lang="ko-KR" altLang="en-US" sz="1200" b="1" spc="-10" dirty="0" smtClean="0">
+                <a:latin typeface="Times New Roman"/>
+                <a:cs typeface="Times New Roman"/>
+              </a:rPr>
+              <a:t>기능 소개</a:t>
+            </a:r>
+            <a:endParaRPr sz="1200" dirty="0">
               <a:latin typeface="Times New Roman"/>
               <a:cs typeface="Times New Roman"/>
             </a:endParaRPr>
@@ -23236,192 +21964,13 @@
               <a:t> </a:t>
             </a:r>
             <a:r>
-              <a:rPr sz="1000" dirty="0">
-                <a:latin typeface="Times New Roman"/>
-                <a:cs typeface="Times New Roman"/>
-              </a:rPr>
-              <a:t>I</a:t>
-            </a:r>
-            <a:r>
-              <a:rPr sz="1000" spc="5" dirty="0">
-                <a:latin typeface="Times New Roman"/>
-                <a:cs typeface="Times New Roman"/>
-              </a:rPr>
-              <a:t>ma</a:t>
-            </a:r>
-            <a:r>
-              <a:rPr sz="1000" dirty="0">
-                <a:latin typeface="Times New Roman"/>
-                <a:cs typeface="Times New Roman"/>
-              </a:rPr>
-              <a:t>ge</a:t>
-            </a:r>
-            <a:r>
-              <a:rPr sz="1000" spc="-25" dirty="0">
-                <a:latin typeface="Times New Roman"/>
-                <a:cs typeface="Times New Roman"/>
-              </a:rPr>
-              <a:t> </a:t>
-            </a:r>
-            <a:r>
-              <a:rPr sz="1000" spc="-10" dirty="0">
-                <a:latin typeface="Times New Roman"/>
-                <a:cs typeface="Times New Roman"/>
-              </a:rPr>
-              <a:t>s</a:t>
-            </a:r>
-            <a:r>
-              <a:rPr sz="1000" spc="20" dirty="0">
-                <a:latin typeface="Times New Roman"/>
-                <a:cs typeface="Times New Roman"/>
-              </a:rPr>
-              <a:t>h</a:t>
-            </a:r>
-            <a:r>
-              <a:rPr sz="1000" spc="-25" dirty="0">
-                <a:latin typeface="Times New Roman"/>
-                <a:cs typeface="Times New Roman"/>
-              </a:rPr>
-              <a:t>oo</a:t>
-            </a:r>
-            <a:r>
-              <a:rPr sz="1000" spc="5" dirty="0">
-                <a:latin typeface="Times New Roman"/>
-                <a:cs typeface="Times New Roman"/>
-              </a:rPr>
-              <a:t>t</a:t>
-            </a:r>
-            <a:r>
-              <a:rPr sz="1000" spc="-20" dirty="0">
-                <a:latin typeface="Times New Roman"/>
-                <a:cs typeface="Times New Roman"/>
-              </a:rPr>
-              <a:t>i</a:t>
-            </a:r>
-            <a:r>
-              <a:rPr sz="1000" dirty="0">
-                <a:latin typeface="Times New Roman"/>
-                <a:cs typeface="Times New Roman"/>
-              </a:rPr>
-              <a:t>ng</a:t>
-            </a:r>
-            <a:r>
-              <a:rPr sz="1000" spc="-105" dirty="0">
-                <a:latin typeface="Times New Roman"/>
-                <a:cs typeface="Times New Roman"/>
-              </a:rPr>
-              <a:t> </a:t>
-            </a:r>
-            <a:r>
-              <a:rPr sz="1000" spc="5" dirty="0">
-                <a:latin typeface="Times New Roman"/>
-                <a:cs typeface="Times New Roman"/>
-              </a:rPr>
-              <a:t>a</a:t>
-            </a:r>
-            <a:r>
-              <a:rPr sz="1000" spc="20" dirty="0">
-                <a:latin typeface="Times New Roman"/>
-                <a:cs typeface="Times New Roman"/>
-              </a:rPr>
-              <a:t>n</a:t>
-            </a:r>
-            <a:r>
-              <a:rPr sz="1000" dirty="0">
-                <a:latin typeface="Times New Roman"/>
-                <a:cs typeface="Times New Roman"/>
-              </a:rPr>
-              <a:t>d</a:t>
-            </a:r>
-            <a:r>
-              <a:rPr sz="1000" spc="-60" dirty="0">
-                <a:latin typeface="Times New Roman"/>
-                <a:cs typeface="Times New Roman"/>
-              </a:rPr>
-              <a:t> </a:t>
-            </a:r>
-            <a:r>
-              <a:rPr sz="1000" spc="-15" dirty="0">
-                <a:latin typeface="Times New Roman"/>
-                <a:cs typeface="Times New Roman"/>
-              </a:rPr>
-              <a:t>e</a:t>
-            </a:r>
-            <a:r>
-              <a:rPr sz="1000" dirty="0">
-                <a:latin typeface="Times New Roman"/>
-                <a:cs typeface="Times New Roman"/>
-              </a:rPr>
-              <a:t>d</a:t>
-            </a:r>
-            <a:r>
-              <a:rPr sz="1000" spc="5" dirty="0">
-                <a:latin typeface="Times New Roman"/>
-                <a:cs typeface="Times New Roman"/>
-              </a:rPr>
-              <a:t>it</a:t>
-            </a:r>
-            <a:r>
-              <a:rPr sz="1000" spc="-20" dirty="0">
-                <a:latin typeface="Times New Roman"/>
-                <a:cs typeface="Times New Roman"/>
-              </a:rPr>
-              <a:t>i</a:t>
-            </a:r>
-            <a:r>
-              <a:rPr sz="1000" dirty="0">
-                <a:latin typeface="Times New Roman"/>
-                <a:cs typeface="Times New Roman"/>
-              </a:rPr>
-              <a:t>ng</a:t>
-            </a:r>
-            <a:endParaRPr sz="1000">
-              <a:latin typeface="Times New Roman"/>
-              <a:cs typeface="Times New Roman"/>
-            </a:endParaRPr>
-          </a:p>
-          <a:p>
-            <a:pPr>
-              <a:lnSpc>
-                <a:spcPct val="100000"/>
-              </a:lnSpc>
-              <a:spcBef>
-                <a:spcPts val="5"/>
-              </a:spcBef>
-            </a:pPr>
-            <a:endParaRPr sz="1100">
-              <a:latin typeface="Times New Roman"/>
-              <a:cs typeface="Times New Roman"/>
-            </a:endParaRPr>
-          </a:p>
-          <a:p>
-            <a:pPr marL="12700">
-              <a:lnSpc>
-                <a:spcPct val="100000"/>
-              </a:lnSpc>
-            </a:pPr>
-            <a:r>
-              <a:rPr sz="1200" b="1" dirty="0">
-                <a:latin typeface="Times New Roman"/>
-                <a:cs typeface="Times New Roman"/>
-              </a:rPr>
-              <a:t>*</a:t>
-            </a:r>
-            <a:r>
-              <a:rPr sz="1200" b="1" spc="-50" dirty="0">
-                <a:latin typeface="Times New Roman"/>
-                <a:cs typeface="Times New Roman"/>
-              </a:rPr>
-              <a:t> </a:t>
-            </a:r>
-            <a:r>
-              <a:rPr sz="1200" b="1" spc="-5" dirty="0">
-                <a:latin typeface="Times New Roman"/>
-                <a:cs typeface="Times New Roman"/>
-              </a:rPr>
-              <a:t>Detail</a:t>
-            </a:r>
-            <a:endParaRPr sz="1200">
+              <a:rPr lang="ko-KR" altLang="en-US" sz="1000" dirty="0" smtClean="0">
+                <a:latin typeface="Times New Roman"/>
+                <a:cs typeface="Times New Roman"/>
+              </a:rPr>
+              <a:t>이미지 촬영 및 전처리</a:t>
+            </a:r>
+            <a:endParaRPr lang="en-US" altLang="ko-KR" sz="1000" dirty="0" smtClean="0">
               <a:latin typeface="Times New Roman"/>
               <a:cs typeface="Times New Roman"/>
             </a:endParaRPr>
@@ -23436,314 +21985,55 @@
               </a:spcBef>
             </a:pPr>
             <a:r>
-              <a:rPr sz="1000" dirty="0">
-                <a:latin typeface="Times New Roman"/>
-                <a:cs typeface="Times New Roman"/>
-              </a:rPr>
-              <a:t>-</a:t>
-            </a:r>
-            <a:r>
-              <a:rPr sz="1000" spc="-10" dirty="0">
-                <a:latin typeface="Times New Roman"/>
-                <a:cs typeface="Times New Roman"/>
-              </a:rPr>
-              <a:t> </a:t>
-            </a:r>
-            <a:r>
-              <a:rPr sz="1000" spc="-20" dirty="0">
-                <a:latin typeface="Times New Roman"/>
-                <a:cs typeface="Times New Roman"/>
-              </a:rPr>
-              <a:t>B</a:t>
-            </a:r>
-            <a:r>
-              <a:rPr sz="1000" spc="-15" dirty="0">
-                <a:latin typeface="Times New Roman"/>
-                <a:cs typeface="Times New Roman"/>
-              </a:rPr>
-              <a:t>e</a:t>
-            </a:r>
-            <a:r>
-              <a:rPr sz="1000" spc="-25" dirty="0">
-                <a:latin typeface="Times New Roman"/>
-                <a:cs typeface="Times New Roman"/>
-              </a:rPr>
-              <a:t>fo</a:t>
-            </a:r>
-            <a:r>
-              <a:rPr sz="1000" spc="20" dirty="0">
-                <a:latin typeface="Times New Roman"/>
-                <a:cs typeface="Times New Roman"/>
-              </a:rPr>
-              <a:t>r</a:t>
-            </a:r>
-            <a:r>
-              <a:rPr sz="1000" dirty="0">
-                <a:latin typeface="Times New Roman"/>
-                <a:cs typeface="Times New Roman"/>
-              </a:rPr>
-              <a:t>e</a:t>
-            </a:r>
-            <a:r>
-              <a:rPr sz="1000" spc="45" dirty="0">
-                <a:latin typeface="Times New Roman"/>
-                <a:cs typeface="Times New Roman"/>
-              </a:rPr>
-              <a:t> </a:t>
-            </a:r>
-            <a:r>
-              <a:rPr sz="1000" spc="5" dirty="0">
-                <a:latin typeface="Times New Roman"/>
-                <a:cs typeface="Times New Roman"/>
-              </a:rPr>
-              <a:t>i</a:t>
-            </a:r>
-            <a:r>
-              <a:rPr sz="1000" spc="20" dirty="0">
-                <a:latin typeface="Times New Roman"/>
-                <a:cs typeface="Times New Roman"/>
-              </a:rPr>
-              <a:t>n</a:t>
-            </a:r>
-            <a:r>
-              <a:rPr sz="1000" dirty="0">
-                <a:latin typeface="Times New Roman"/>
-                <a:cs typeface="Times New Roman"/>
-              </a:rPr>
-              <a:t>p</a:t>
-            </a:r>
-            <a:r>
-              <a:rPr sz="1000" spc="-25" dirty="0">
-                <a:latin typeface="Times New Roman"/>
-                <a:cs typeface="Times New Roman"/>
-              </a:rPr>
-              <a:t>u</a:t>
-            </a:r>
-            <a:r>
-              <a:rPr sz="1000" spc="-20" dirty="0">
-                <a:latin typeface="Times New Roman"/>
-                <a:cs typeface="Times New Roman"/>
-              </a:rPr>
-              <a:t>tti</a:t>
-            </a:r>
-            <a:r>
-              <a:rPr sz="1000" dirty="0">
-                <a:latin typeface="Times New Roman"/>
-                <a:cs typeface="Times New Roman"/>
-              </a:rPr>
-              <a:t>ng</a:t>
-            </a:r>
-            <a:r>
-              <a:rPr sz="1000" spc="-105" dirty="0">
-                <a:latin typeface="Times New Roman"/>
-                <a:cs typeface="Times New Roman"/>
-              </a:rPr>
-              <a:t> </a:t>
-            </a:r>
-            <a:r>
-              <a:rPr sz="1000" spc="-15" dirty="0">
-                <a:latin typeface="Times New Roman"/>
-                <a:cs typeface="Times New Roman"/>
-              </a:rPr>
-              <a:t>c</a:t>
-            </a:r>
-            <a:r>
-              <a:rPr sz="1000" spc="5" dirty="0">
-                <a:latin typeface="Times New Roman"/>
-                <a:cs typeface="Times New Roman"/>
-              </a:rPr>
-              <a:t>a</a:t>
-            </a:r>
-            <a:r>
-              <a:rPr sz="1000" dirty="0">
-                <a:latin typeface="Times New Roman"/>
-                <a:cs typeface="Times New Roman"/>
-              </a:rPr>
-              <a:t>p</a:t>
-            </a:r>
-            <a:r>
-              <a:rPr sz="1000" spc="5" dirty="0">
-                <a:latin typeface="Times New Roman"/>
-                <a:cs typeface="Times New Roman"/>
-              </a:rPr>
-              <a:t>t</a:t>
-            </a:r>
-            <a:r>
-              <a:rPr sz="1000" dirty="0">
-                <a:latin typeface="Times New Roman"/>
-                <a:cs typeface="Times New Roman"/>
-              </a:rPr>
-              <a:t>ur</a:t>
-            </a:r>
-            <a:r>
-              <a:rPr sz="1000" spc="-20" dirty="0">
-                <a:latin typeface="Times New Roman"/>
-                <a:cs typeface="Times New Roman"/>
-              </a:rPr>
-              <a:t>e</a:t>
-            </a:r>
-            <a:r>
-              <a:rPr sz="1000" dirty="0">
-                <a:latin typeface="Times New Roman"/>
-                <a:cs typeface="Times New Roman"/>
-              </a:rPr>
-              <a:t>d</a:t>
-            </a:r>
-            <a:r>
-              <a:rPr sz="1000" spc="-80" dirty="0">
-                <a:latin typeface="Times New Roman"/>
-                <a:cs typeface="Times New Roman"/>
-              </a:rPr>
-              <a:t> </a:t>
-            </a:r>
-            <a:r>
-              <a:rPr sz="1000" spc="5" dirty="0">
-                <a:latin typeface="Times New Roman"/>
-                <a:cs typeface="Times New Roman"/>
-              </a:rPr>
-              <a:t>ima</a:t>
-            </a:r>
-            <a:r>
-              <a:rPr sz="1000" dirty="0">
-                <a:latin typeface="Times New Roman"/>
-                <a:cs typeface="Times New Roman"/>
-              </a:rPr>
-              <a:t>g</a:t>
-            </a:r>
-            <a:r>
-              <a:rPr sz="1000" spc="-20" dirty="0">
-                <a:latin typeface="Times New Roman"/>
-                <a:cs typeface="Times New Roman"/>
-              </a:rPr>
-              <a:t>e</a:t>
-            </a:r>
-            <a:r>
-              <a:rPr sz="1000" dirty="0">
-                <a:latin typeface="Times New Roman"/>
-                <a:cs typeface="Times New Roman"/>
-              </a:rPr>
-              <a:t>s</a:t>
-            </a:r>
-            <a:r>
-              <a:rPr sz="1000" spc="-40" dirty="0">
-                <a:latin typeface="Times New Roman"/>
-                <a:cs typeface="Times New Roman"/>
-              </a:rPr>
-              <a:t> </a:t>
-            </a:r>
-            <a:r>
-              <a:rPr sz="1000" spc="5" dirty="0">
-                <a:latin typeface="Times New Roman"/>
-                <a:cs typeface="Times New Roman"/>
-              </a:rPr>
-              <a:t>i</a:t>
-            </a:r>
-            <a:r>
-              <a:rPr sz="1000" spc="20" dirty="0">
-                <a:latin typeface="Times New Roman"/>
-                <a:cs typeface="Times New Roman"/>
-              </a:rPr>
-              <a:t>n</a:t>
-            </a:r>
-            <a:r>
-              <a:rPr sz="1000" spc="5" dirty="0">
-                <a:latin typeface="Times New Roman"/>
-                <a:cs typeface="Times New Roman"/>
-              </a:rPr>
-              <a:t>t</a:t>
-            </a:r>
-            <a:r>
-              <a:rPr sz="1000" dirty="0">
-                <a:latin typeface="Times New Roman"/>
-                <a:cs typeface="Times New Roman"/>
-              </a:rPr>
-              <a:t>o</a:t>
-            </a:r>
-            <a:r>
-              <a:rPr sz="1000" spc="-80" dirty="0">
-                <a:latin typeface="Times New Roman"/>
-                <a:cs typeface="Times New Roman"/>
-              </a:rPr>
-              <a:t> </a:t>
-            </a:r>
-            <a:r>
-              <a:rPr sz="1000" spc="-15" dirty="0">
-                <a:latin typeface="Times New Roman"/>
-                <a:cs typeface="Times New Roman"/>
-              </a:rPr>
-              <a:t>t</a:t>
-            </a:r>
-            <a:r>
-              <a:rPr sz="1000" dirty="0">
-                <a:latin typeface="Times New Roman"/>
-                <a:cs typeface="Times New Roman"/>
-              </a:rPr>
-              <a:t>he</a:t>
-            </a:r>
-            <a:r>
-              <a:rPr sz="1000" spc="-100" dirty="0">
-                <a:latin typeface="Times New Roman"/>
-                <a:cs typeface="Times New Roman"/>
-              </a:rPr>
-              <a:t> </a:t>
-            </a:r>
-            <a:r>
-              <a:rPr sz="1000" spc="-5" dirty="0">
-                <a:latin typeface="Times New Roman"/>
-                <a:cs typeface="Times New Roman"/>
-              </a:rPr>
-              <a:t>A</a:t>
-            </a:r>
-            <a:r>
-              <a:rPr sz="1000" dirty="0">
-                <a:latin typeface="Times New Roman"/>
-                <a:cs typeface="Times New Roman"/>
-              </a:rPr>
-              <a:t>I</a:t>
-            </a:r>
-            <a:r>
-              <a:rPr sz="1000" spc="10" dirty="0">
-                <a:latin typeface="Times New Roman"/>
-                <a:cs typeface="Times New Roman"/>
-              </a:rPr>
-              <a:t> m</a:t>
-            </a:r>
-            <a:r>
-              <a:rPr sz="1000" spc="-25" dirty="0">
-                <a:latin typeface="Times New Roman"/>
-                <a:cs typeface="Times New Roman"/>
-              </a:rPr>
-              <a:t>o</a:t>
-            </a:r>
-            <a:r>
-              <a:rPr sz="1000" dirty="0">
-                <a:latin typeface="Times New Roman"/>
-                <a:cs typeface="Times New Roman"/>
-              </a:rPr>
-              <a:t>d</a:t>
-            </a:r>
-            <a:r>
-              <a:rPr sz="1000" spc="-20" dirty="0">
-                <a:latin typeface="Times New Roman"/>
-                <a:cs typeface="Times New Roman"/>
-              </a:rPr>
-              <a:t>e</a:t>
-            </a:r>
-            <a:r>
-              <a:rPr sz="1000" spc="5" dirty="0">
-                <a:latin typeface="Times New Roman"/>
-                <a:cs typeface="Times New Roman"/>
-              </a:rPr>
-              <a:t>l</a:t>
-            </a:r>
-            <a:r>
-              <a:rPr sz="1000" dirty="0">
-                <a:latin typeface="Times New Roman"/>
-                <a:cs typeface="Times New Roman"/>
-              </a:rPr>
-              <a:t>,</a:t>
-            </a:r>
-            <a:endParaRPr sz="1000">
+              <a:rPr lang="en-US" altLang="ko-KR" sz="1000" dirty="0" smtClean="0">
+                <a:latin typeface="Times New Roman"/>
+                <a:cs typeface="Times New Roman"/>
+              </a:rPr>
+              <a:t>- REST API</a:t>
+            </a:r>
+            <a:r>
+              <a:rPr lang="ko-KR" altLang="en-US" sz="1000" dirty="0">
+                <a:latin typeface="Times New Roman"/>
+                <a:cs typeface="Times New Roman"/>
+              </a:rPr>
+              <a:t>를</a:t>
+            </a:r>
+            <a:r>
+              <a:rPr lang="ko-KR" altLang="en-US" sz="1000" dirty="0" smtClean="0">
+                <a:latin typeface="Times New Roman"/>
+                <a:cs typeface="Times New Roman"/>
+              </a:rPr>
+              <a:t> 이용해서 모델로 이미지를 송신</a:t>
+            </a:r>
+            <a:r>
+              <a:rPr lang="en-US" altLang="ko-KR" sz="1000" dirty="0" smtClean="0">
+                <a:latin typeface="Times New Roman"/>
+                <a:cs typeface="Times New Roman"/>
+              </a:rPr>
+              <a:t>, </a:t>
+            </a:r>
+            <a:r>
+              <a:rPr lang="ko-KR" altLang="en-US" sz="1000" dirty="0" smtClean="0">
+                <a:latin typeface="Times New Roman"/>
+                <a:cs typeface="Times New Roman"/>
+              </a:rPr>
+              <a:t>결과를 수신</a:t>
+            </a:r>
+            <a:endParaRPr lang="en-US" altLang="ko-KR" sz="1000" dirty="0" smtClean="0">
+              <a:latin typeface="Times New Roman"/>
+              <a:cs typeface="Times New Roman"/>
+            </a:endParaRPr>
+          </a:p>
+          <a:p>
+            <a:pPr marL="12700">
+              <a:lnSpc>
+                <a:spcPct val="100000"/>
+              </a:lnSpc>
+              <a:spcBef>
+                <a:spcPts val="5"/>
+              </a:spcBef>
+            </a:pPr>
+            <a:endParaRPr sz="1100" dirty="0">
               <a:latin typeface="Times New Roman"/>
               <a:cs typeface="Times New Roman"/>
             </a:endParaRPr>
@@ -23755,147 +22045,131 @@
               </a:lnSpc>
             </a:pPr>
             <a:r>
-              <a:rPr sz="1000" spc="-5" dirty="0">
-                <a:latin typeface="Times New Roman"/>
-                <a:cs typeface="Times New Roman"/>
-              </a:rPr>
-              <a:t>remove</a:t>
-            </a:r>
-            <a:r>
-              <a:rPr sz="1000" spc="-50" dirty="0">
-                <a:latin typeface="Times New Roman"/>
-                <a:cs typeface="Times New Roman"/>
-              </a:rPr>
-              <a:t> </a:t>
-            </a:r>
+              <a:rPr sz="1200" b="1" dirty="0">
+                <a:latin typeface="Times New Roman"/>
+                <a:cs typeface="Times New Roman"/>
+              </a:rPr>
+              <a:t>*</a:t>
+            </a:r>
+            <a:r>
+              <a:rPr sz="1200" b="1" spc="-50" dirty="0">
+                <a:latin typeface="Times New Roman"/>
+                <a:cs typeface="Times New Roman"/>
+              </a:rPr>
+              <a:t> </a:t>
+            </a:r>
+            <a:r>
+              <a:rPr lang="ko-KR" altLang="en-US" sz="1200" b="1" spc="-5" dirty="0" smtClean="0">
+                <a:latin typeface="Times New Roman"/>
+                <a:cs typeface="Times New Roman"/>
+              </a:rPr>
+              <a:t>상세 설명</a:t>
+            </a:r>
+            <a:endParaRPr sz="1200" dirty="0">
+              <a:latin typeface="Times New Roman"/>
+              <a:cs typeface="Times New Roman"/>
+            </a:endParaRPr>
+          </a:p>
+          <a:p>
+            <a:pPr marL="12700">
+              <a:lnSpc>
+                <a:spcPct val="100000"/>
+              </a:lnSpc>
+              <a:spcBef>
+                <a:spcPts val="5"/>
+              </a:spcBef>
+            </a:pPr>
             <a:r>
               <a:rPr sz="1000" dirty="0">
                 <a:latin typeface="Times New Roman"/>
                 <a:cs typeface="Times New Roman"/>
               </a:rPr>
-              <a:t>unnecessary</a:t>
-            </a:r>
-            <a:r>
-              <a:rPr sz="1000" spc="-60" dirty="0">
-                <a:latin typeface="Times New Roman"/>
-                <a:cs typeface="Times New Roman"/>
-              </a:rPr>
-              <a:t> </a:t>
-            </a:r>
-            <a:r>
-              <a:rPr sz="1000" spc="10" dirty="0">
-                <a:latin typeface="Times New Roman"/>
-                <a:cs typeface="Times New Roman"/>
-              </a:rPr>
-              <a:t>parts</a:t>
-            </a:r>
-            <a:r>
-              <a:rPr sz="1000" spc="-40" dirty="0">
-                <a:latin typeface="Times New Roman"/>
-                <a:cs typeface="Times New Roman"/>
-              </a:rPr>
-              <a:t> </a:t>
-            </a:r>
-            <a:r>
-              <a:rPr sz="1000" spc="5" dirty="0">
-                <a:latin typeface="Times New Roman"/>
-                <a:cs typeface="Times New Roman"/>
-              </a:rPr>
-              <a:t>to</a:t>
-            </a:r>
-            <a:r>
-              <a:rPr sz="1000" spc="-40" dirty="0">
-                <a:latin typeface="Times New Roman"/>
-                <a:cs typeface="Times New Roman"/>
-              </a:rPr>
-              <a:t> </a:t>
-            </a:r>
-            <a:r>
-              <a:rPr sz="1000" dirty="0">
-                <a:latin typeface="Times New Roman"/>
-                <a:cs typeface="Times New Roman"/>
-              </a:rPr>
-              <a:t>produce</a:t>
-            </a:r>
-            <a:r>
-              <a:rPr sz="1000" spc="-100" dirty="0">
-                <a:latin typeface="Times New Roman"/>
-                <a:cs typeface="Times New Roman"/>
-              </a:rPr>
-              <a:t> </a:t>
-            </a:r>
-            <a:r>
-              <a:rPr sz="1000" dirty="0">
-                <a:latin typeface="Times New Roman"/>
-                <a:cs typeface="Times New Roman"/>
-              </a:rPr>
-              <a:t>optimal</a:t>
-            </a:r>
-            <a:r>
-              <a:rPr sz="1000" spc="-95" dirty="0">
-                <a:latin typeface="Times New Roman"/>
-                <a:cs typeface="Times New Roman"/>
-              </a:rPr>
-              <a:t> </a:t>
-            </a:r>
-            <a:r>
-              <a:rPr sz="1000" spc="-5" dirty="0">
-                <a:latin typeface="Times New Roman"/>
-                <a:cs typeface="Times New Roman"/>
-              </a:rPr>
-              <a:t>results.</a:t>
-            </a:r>
-            <a:endParaRPr sz="1000">
+              <a:t>-</a:t>
+            </a:r>
+            <a:r>
+              <a:rPr sz="1000" spc="-10" dirty="0">
+                <a:latin typeface="Times New Roman"/>
+                <a:cs typeface="Times New Roman"/>
+              </a:rPr>
+              <a:t> </a:t>
+            </a:r>
+            <a:r>
+              <a:rPr lang="en-US" sz="1000" spc="-10" dirty="0" smtClean="0">
+                <a:latin typeface="Times New Roman"/>
+                <a:cs typeface="Times New Roman"/>
+              </a:rPr>
+              <a:t>AI </a:t>
+            </a:r>
+            <a:r>
+              <a:rPr lang="ko-KR" altLang="en-US" sz="1000" spc="-10" dirty="0" smtClean="0">
+                <a:latin typeface="Times New Roman"/>
+                <a:cs typeface="Times New Roman"/>
+              </a:rPr>
+              <a:t>모델에 촬영된 이미지를 입력하기 전에 최적의 효과를 내기 위해 불필요한 부분을 </a:t>
+            </a:r>
+            <a:r>
+              <a:rPr lang="ko-KR" altLang="en-US" sz="1000" spc="-10" dirty="0" smtClean="0">
+                <a:latin typeface="Times New Roman"/>
+                <a:cs typeface="Times New Roman"/>
+              </a:rPr>
+              <a:t>삭제</a:t>
+            </a:r>
+            <a:endParaRPr lang="en-US" altLang="ko-KR" sz="1000" spc="-10" dirty="0" smtClean="0">
+              <a:latin typeface="Times New Roman"/>
+              <a:cs typeface="Times New Roman"/>
+            </a:endParaRPr>
+          </a:p>
+          <a:p>
+            <a:pPr marL="12700">
+              <a:lnSpc>
+                <a:spcPct val="100000"/>
+              </a:lnSpc>
+              <a:spcBef>
+                <a:spcPts val="5"/>
+              </a:spcBef>
+            </a:pPr>
+            <a:r>
+              <a:rPr lang="en-US" sz="1000" spc="-10" dirty="0" smtClean="0">
+                <a:latin typeface="Times New Roman"/>
+                <a:cs typeface="Times New Roman"/>
+              </a:rPr>
+              <a:t>- </a:t>
+            </a:r>
+            <a:r>
+              <a:rPr lang="ko-KR" altLang="en-US" sz="1000" spc="-10" dirty="0" smtClean="0">
+                <a:latin typeface="Times New Roman"/>
+                <a:cs typeface="Times New Roman"/>
+              </a:rPr>
+              <a:t>팀원이 개발한 모델로 이미지를 보내기 위해 </a:t>
+            </a:r>
+            <a:r>
+              <a:rPr lang="en-US" altLang="ko-KR" sz="1000" spc="-10" dirty="0" smtClean="0">
+                <a:latin typeface="Times New Roman"/>
+                <a:cs typeface="Times New Roman"/>
+              </a:rPr>
+              <a:t>Flask</a:t>
+            </a:r>
+            <a:r>
+              <a:rPr lang="ko-KR" altLang="en-US" sz="1000" spc="-10" dirty="0" smtClean="0">
+                <a:latin typeface="Times New Roman"/>
+                <a:cs typeface="Times New Roman"/>
+              </a:rPr>
+              <a:t>로 전송한 뒤 결과 이미지를 수신함</a:t>
+            </a:r>
+            <a:r>
+              <a:rPr lang="en-US" altLang="ko-KR" sz="1000" spc="-10" dirty="0" smtClean="0">
+                <a:latin typeface="Times New Roman"/>
+                <a:cs typeface="Times New Roman"/>
+              </a:rPr>
+              <a:t>.</a:t>
+            </a:r>
+            <a:endParaRPr sz="1000" dirty="0">
               <a:latin typeface="Times New Roman"/>
               <a:cs typeface="Times New Roman"/>
             </a:endParaRPr>
           </a:p>
         </p:txBody>
       </p:sp>
-      <p:pic>
-        <p:nvPicPr>
-          <p:cNvPr id="4" name="object 4"/>
-          <p:cNvPicPr/>
-          <p:nvPr/>
-        </p:nvPicPr>
-        <p:blipFill>
-          <a:blip r:embed="rId2" cstate="print"/>
-          <a:stretch>
-            <a:fillRect/>
-          </a:stretch>
-        </p:blipFill>
-        <p:spPr>
-          <a:xfrm>
-            <a:off x="4066032" y="1289303"/>
-            <a:ext cx="1563624" cy="3474720"/>
-          </a:xfrm>
-          <a:prstGeom prst="rect">
-            <a:avLst/>
-          </a:prstGeom>
-        </p:spPr>
-      </p:pic>
-      <p:pic>
-        <p:nvPicPr>
-          <p:cNvPr id="5" name="object 5"/>
-          <p:cNvPicPr/>
-          <p:nvPr/>
-        </p:nvPicPr>
-        <p:blipFill>
-          <a:blip r:embed="rId3" cstate="print"/>
-          <a:stretch>
-            <a:fillRect/>
-          </a:stretch>
-        </p:blipFill>
-        <p:spPr>
-          <a:xfrm>
-            <a:off x="5879591" y="1289303"/>
-            <a:ext cx="2404871" cy="3474720"/>
-          </a:xfrm>
-          <a:prstGeom prst="rect">
-            <a:avLst/>
-          </a:prstGeom>
-        </p:spPr>
-      </p:pic>
       <p:sp>
         <p:nvSpPr>
           <p:cNvPr id="6" name="object 6"/>
@@ -24017,13 +22291,61 @@
               </a:rPr>
               <a:t>App</a:t>
             </a:r>
-            <a:endParaRPr sz="1800">
+            <a:endParaRPr sz="1800" dirty="0">
               <a:latin typeface="Times New Roman"/>
               <a:cs typeface="Times New Roman"/>
             </a:endParaRPr>
           </a:p>
         </p:txBody>
       </p:sp>
+      <p:pic>
+        <p:nvPicPr>
+          <p:cNvPr id="8" name="그림 7"/>
+          <p:cNvPicPr>
+            <a:picLocks noChangeAspect="1"/>
+          </p:cNvPicPr>
+          <p:nvPr/>
+        </p:nvPicPr>
+        <p:blipFill>
+          <a:blip r:embed="rId2"/>
+          <a:stretch>
+            <a:fillRect/>
+          </a:stretch>
+        </p:blipFill>
+        <p:spPr>
+          <a:xfrm>
+            <a:off x="4326751" y="835659"/>
+            <a:ext cx="1876425" cy="4041038"/>
+          </a:xfrm>
+          <a:prstGeom prst="rect">
+            <a:avLst/>
+          </a:prstGeom>
+        </p:spPr>
+      </p:pic>
+      <p:pic>
+        <p:nvPicPr>
+          <p:cNvPr id="9" name="그림 8"/>
+          <p:cNvPicPr>
+            <a:picLocks noChangeAspect="1"/>
+          </p:cNvPicPr>
+          <p:nvPr/>
+        </p:nvPicPr>
+        <p:blipFill>
+          <a:blip r:embed="rId3"/>
+          <a:stretch>
+            <a:fillRect/>
+          </a:stretch>
+        </p:blipFill>
+        <p:spPr>
+          <a:xfrm>
+            <a:off x="6697475" y="835659"/>
+            <a:ext cx="1922619" cy="4040759"/>
+          </a:xfrm>
+          <a:prstGeom prst="rect">
+            <a:avLst/>
+          </a:prstGeom>
+        </p:spPr>
+      </p:pic>
     </p:spTree>
   </p:cSld>
   <p:clrMapOvr>
@@ -24062,7 +22384,7 @@
         <p:spPr>
           <a:xfrm>
             <a:off x="134823" y="55879"/>
-            <a:ext cx="1294765" cy="347345"/>
+            <a:ext cx="1617777" cy="347345"/>
           </a:xfrm>
           <a:prstGeom prst="rect">
             <a:avLst/>
@@ -24182,7 +22504,7 @@
               </a:rPr>
               <a:t>.</a:t>
             </a:r>
-            <a:endParaRPr sz="2100">
+            <a:endParaRPr sz="2100" dirty="0">
               <a:latin typeface="Arial MT"/>
               <a:cs typeface="Arial MT"/>
             </a:endParaRPr>
@@ -24197,8 +22519,8 @@
         </p:nvSpPr>
         <p:spPr>
           <a:xfrm>
-            <a:off x="240284" y="2190369"/>
-            <a:ext cx="3594100" cy="1322705"/>
+            <a:off x="211109" y="1355725"/>
+            <a:ext cx="3645916" cy="1459374"/>
           </a:xfrm>
           <a:prstGeom prst="rect">
             <a:avLst/>
@@ -24233,27 +22555,13 @@
               <a:t> </a:t>
             </a:r>
             <a:r>
-              <a:rPr sz="1200" b="1" spc="-10" dirty="0">
-                <a:latin typeface="Times New Roman"/>
-                <a:cs typeface="Times New Roman"/>
-              </a:rPr>
-              <a:t>Feature</a:t>
-            </a:r>
-            <a:r>
-              <a:rPr sz="1200" b="1" spc="-35" dirty="0">
-                <a:latin typeface="Times New Roman"/>
-                <a:cs typeface="Times New Roman"/>
-              </a:rPr>
-              <a:t> </a:t>
-            </a:r>
-            <a:r>
-              <a:rPr sz="1200" b="1" spc="-5" dirty="0">
-                <a:latin typeface="Times New Roman"/>
-                <a:cs typeface="Times New Roman"/>
-              </a:rPr>
-              <a:t>introduction</a:t>
-            </a:r>
-            <a:endParaRPr sz="1200">
+              <a:rPr lang="ko-KR" altLang="en-US" sz="1200" b="1" spc="-10" dirty="0" smtClean="0">
+                <a:latin typeface="Times New Roman"/>
+                <a:cs typeface="Times New Roman"/>
+              </a:rPr>
+              <a:t>기능 설명</a:t>
+            </a:r>
+            <a:endParaRPr sz="1200" dirty="0">
               <a:latin typeface="Times New Roman"/>
               <a:cs typeface="Times New Roman"/>
             </a:endParaRPr>
@@ -24275,62 +22583,6 @@
               <a:t>-</a:t>
             </a:r>
             <a:r>
-              <a:rPr sz="1000" spc="-35" dirty="0">
-                <a:latin typeface="Times New Roman"/>
-                <a:cs typeface="Times New Roman"/>
-              </a:rPr>
-              <a:t> </a:t>
-            </a:r>
-            <a:r>
-              <a:rPr sz="1000" dirty="0">
-                <a:latin typeface="Times New Roman"/>
-                <a:cs typeface="Times New Roman"/>
-              </a:rPr>
-              <a:t>Send</a:t>
-            </a:r>
-            <a:r>
-              <a:rPr sz="1000" spc="-60" dirty="0">
-                <a:latin typeface="Times New Roman"/>
-                <a:cs typeface="Times New Roman"/>
-              </a:rPr>
-              <a:t> </a:t>
-            </a:r>
-            <a:r>
-              <a:rPr sz="1000" dirty="0">
-                <a:latin typeface="Times New Roman"/>
-                <a:cs typeface="Times New Roman"/>
-              </a:rPr>
-              <a:t>images</a:t>
-            </a:r>
-            <a:r>
-              <a:rPr sz="1000" spc="-35" dirty="0">
-                <a:latin typeface="Times New Roman"/>
-                <a:cs typeface="Times New Roman"/>
-              </a:rPr>
-              <a:t> </a:t>
-            </a:r>
-            <a:r>
-              <a:rPr sz="1000" spc="5" dirty="0">
-                <a:latin typeface="Times New Roman"/>
-                <a:cs typeface="Times New Roman"/>
-              </a:rPr>
-              <a:t>to</a:t>
-            </a:r>
-            <a:r>
-              <a:rPr sz="1000" spc="-60" dirty="0">
-                <a:latin typeface="Times New Roman"/>
-                <a:cs typeface="Times New Roman"/>
-              </a:rPr>
-              <a:t> </a:t>
-            </a:r>
-            <a:r>
-              <a:rPr sz="1000" spc="-5" dirty="0">
-                <a:latin typeface="Times New Roman"/>
-                <a:cs typeface="Times New Roman"/>
-              </a:rPr>
-              <a:t>models</a:t>
-            </a:r>
-            <a:r>
               <a:rPr sz="1000" spc="-10" dirty="0">
                 <a:latin typeface="Times New Roman"/>
                 <a:cs typeface="Times New Roman"/>
@@ -24338,69 +22590,55 @@
               <a:t> </a:t>
             </a:r>
             <a:r>
-              <a:rPr sz="1000" spc="10" dirty="0">
-                <a:latin typeface="Times New Roman"/>
-                <a:cs typeface="Times New Roman"/>
-              </a:rPr>
-              <a:t>and</a:t>
-            </a:r>
-            <a:r>
-              <a:rPr sz="1000" spc="-60" dirty="0">
-                <a:latin typeface="Times New Roman"/>
-                <a:cs typeface="Times New Roman"/>
-              </a:rPr>
-              <a:t> </a:t>
-            </a:r>
-            <a:r>
-              <a:rPr sz="1000" spc="-5" dirty="0">
-                <a:latin typeface="Times New Roman"/>
-                <a:cs typeface="Times New Roman"/>
-              </a:rPr>
-              <a:t>receive</a:t>
-            </a:r>
-            <a:r>
-              <a:rPr sz="1000" spc="-50" dirty="0">
-                <a:latin typeface="Times New Roman"/>
-                <a:cs typeface="Times New Roman"/>
-              </a:rPr>
-              <a:t> </a:t>
-            </a:r>
-            <a:r>
-              <a:rPr sz="1000" dirty="0">
-                <a:latin typeface="Times New Roman"/>
-                <a:cs typeface="Times New Roman"/>
-              </a:rPr>
-              <a:t>results</a:t>
-            </a:r>
-            <a:r>
-              <a:rPr sz="1000" spc="-35" dirty="0">
-                <a:latin typeface="Times New Roman"/>
-                <a:cs typeface="Times New Roman"/>
-              </a:rPr>
-              <a:t> </a:t>
-            </a:r>
-            <a:r>
-              <a:rPr sz="1000" dirty="0">
-                <a:latin typeface="Times New Roman"/>
-                <a:cs typeface="Times New Roman"/>
-              </a:rPr>
-              <a:t>using</a:t>
-            </a:r>
-            <a:r>
-              <a:rPr sz="1000" spc="-85" dirty="0">
-                <a:latin typeface="Times New Roman"/>
-                <a:cs typeface="Times New Roman"/>
-              </a:rPr>
-              <a:t> </a:t>
-            </a:r>
-            <a:r>
-              <a:rPr sz="1000" spc="-5" dirty="0">
-                <a:latin typeface="Times New Roman"/>
-                <a:cs typeface="Times New Roman"/>
-              </a:rPr>
-              <a:t>HTTP</a:t>
-            </a:r>
-            <a:endParaRPr sz="1000">
+              <a:rPr lang="ko-KR" altLang="en-US" sz="1000" spc="-10" dirty="0" smtClean="0">
+                <a:latin typeface="Times New Roman"/>
+                <a:cs typeface="Times New Roman"/>
+              </a:rPr>
+              <a:t>결과 이미지를 다운로드 가능한 </a:t>
+            </a:r>
+            <a:r>
+              <a:rPr lang="en-US" altLang="ko-KR" sz="1000" spc="-10" dirty="0" smtClean="0">
+                <a:latin typeface="Times New Roman"/>
+                <a:cs typeface="Times New Roman"/>
+              </a:rPr>
+              <a:t>URL</a:t>
+            </a:r>
+            <a:r>
+              <a:rPr lang="ko-KR" altLang="en-US" sz="1000" spc="-10" dirty="0" smtClean="0">
+                <a:latin typeface="Times New Roman"/>
+                <a:cs typeface="Times New Roman"/>
+              </a:rPr>
+              <a:t>로 바꾸어 </a:t>
+            </a:r>
+            <a:r>
+              <a:rPr lang="en-US" altLang="ko-KR" sz="1000" spc="-10" dirty="0" smtClean="0">
+                <a:latin typeface="Times New Roman"/>
+                <a:cs typeface="Times New Roman"/>
+              </a:rPr>
+              <a:t>DB</a:t>
+            </a:r>
+            <a:r>
+              <a:rPr lang="ko-KR" altLang="en-US" sz="1000" spc="-10" dirty="0" smtClean="0">
+                <a:latin typeface="Times New Roman"/>
+                <a:cs typeface="Times New Roman"/>
+              </a:rPr>
+              <a:t>에 저장</a:t>
+            </a:r>
+            <a:endParaRPr lang="en-US" altLang="ko-KR" sz="1000" spc="-10" dirty="0" smtClean="0">
+              <a:latin typeface="Times New Roman"/>
+              <a:cs typeface="Times New Roman"/>
+            </a:endParaRPr>
+          </a:p>
+          <a:p>
+            <a:pPr marL="12700">
+              <a:lnSpc>
+                <a:spcPct val="100000"/>
+              </a:lnSpc>
+              <a:spcBef>
+                <a:spcPts val="5"/>
+              </a:spcBef>
+            </a:pPr>
+            <a:endParaRPr sz="1000" dirty="0">
               <a:latin typeface="Times New Roman"/>
               <a:cs typeface="Times New Roman"/>
             </a:endParaRPr>
@@ -24412,676 +22650,219 @@
               </a:lnSpc>
             </a:pPr>
             <a:r>
-              <a:rPr sz="1000" spc="-10" dirty="0">
-                <a:latin typeface="Times New Roman"/>
-                <a:cs typeface="Times New Roman"/>
-              </a:rPr>
-              <a:t>communication</a:t>
-            </a:r>
-            <a:endParaRPr sz="1000">
+              <a:rPr sz="1200" b="1" dirty="0">
+                <a:latin typeface="Times New Roman"/>
+                <a:cs typeface="Times New Roman"/>
+              </a:rPr>
+              <a:t>*</a:t>
+            </a:r>
+            <a:r>
+              <a:rPr sz="1200" b="1" spc="-50" dirty="0">
+                <a:latin typeface="Times New Roman"/>
+                <a:cs typeface="Times New Roman"/>
+              </a:rPr>
+              <a:t> </a:t>
+            </a:r>
+            <a:r>
+              <a:rPr lang="ko-KR" altLang="en-US" sz="1200" b="1" spc="-5" dirty="0" smtClean="0">
+                <a:latin typeface="Times New Roman"/>
+                <a:cs typeface="Times New Roman"/>
+              </a:rPr>
+              <a:t>상세</a:t>
+            </a:r>
+            <a:endParaRPr sz="1200" dirty="0">
               <a:latin typeface="Times New Roman"/>
               <a:cs typeface="Times New Roman"/>
             </a:endParaRPr>
           </a:p>
           <a:p>
-            <a:pPr>
-              <a:lnSpc>
-                <a:spcPct val="100000"/>
-              </a:lnSpc>
-              <a:spcBef>
-                <a:spcPts val="50"/>
-              </a:spcBef>
-            </a:pPr>
-            <a:endParaRPr sz="1100">
-              <a:latin typeface="Times New Roman"/>
-              <a:cs typeface="Times New Roman"/>
-            </a:endParaRPr>
-          </a:p>
-          <a:p>
-            <a:pPr marL="12700">
-              <a:lnSpc>
-                <a:spcPct val="100000"/>
-              </a:lnSpc>
-            </a:pPr>
-            <a:r>
-              <a:rPr sz="1200" b="1" dirty="0">
-                <a:latin typeface="Times New Roman"/>
-                <a:cs typeface="Times New Roman"/>
-              </a:rPr>
-              <a:t>*</a:t>
-            </a:r>
-            <a:r>
-              <a:rPr sz="1200" b="1" spc="-50" dirty="0">
-                <a:latin typeface="Times New Roman"/>
-                <a:cs typeface="Times New Roman"/>
-              </a:rPr>
-              <a:t> </a:t>
-            </a:r>
-            <a:r>
-              <a:rPr sz="1200" b="1" spc="-5" dirty="0">
-                <a:latin typeface="Times New Roman"/>
-                <a:cs typeface="Times New Roman"/>
-              </a:rPr>
-              <a:t>Detail</a:t>
-            </a:r>
-            <a:endParaRPr sz="1200">
-              <a:latin typeface="Times New Roman"/>
-              <a:cs typeface="Times New Roman"/>
-            </a:endParaRPr>
-          </a:p>
-          <a:p>
-            <a:pPr marL="12700" marR="5080">
+            <a:pPr marL="85725" indent="-73660">
               <a:lnSpc>
                 <a:spcPct val="100000"/>
               </a:lnSpc>
               <a:spcBef>
                 <a:spcPts val="10"/>
               </a:spcBef>
+              <a:buChar char="-"/>
+              <a:tabLst>
+                <a:tab pos="86360" algn="l"/>
+              </a:tabLst>
             </a:pPr>
             <a:r>
-              <a:rPr sz="1000" dirty="0">
-                <a:latin typeface="Times New Roman"/>
-                <a:cs typeface="Times New Roman"/>
-              </a:rPr>
-              <a:t>-</a:t>
-            </a:r>
-            <a:r>
-              <a:rPr sz="1000" spc="-35" dirty="0">
-                <a:latin typeface="Times New Roman"/>
-                <a:cs typeface="Times New Roman"/>
-              </a:rPr>
-              <a:t> </a:t>
-            </a:r>
-            <a:r>
-              <a:rPr sz="1000" spc="10" dirty="0">
-                <a:latin typeface="Times New Roman"/>
-                <a:cs typeface="Times New Roman"/>
-              </a:rPr>
-              <a:t>T</a:t>
-            </a:r>
-            <a:r>
-              <a:rPr sz="1000" spc="25" dirty="0">
-                <a:latin typeface="Times New Roman"/>
-                <a:cs typeface="Times New Roman"/>
-              </a:rPr>
-              <a:t>h</a:t>
-            </a:r>
-            <a:r>
-              <a:rPr sz="1000" dirty="0">
-                <a:latin typeface="Times New Roman"/>
-                <a:cs typeface="Times New Roman"/>
-              </a:rPr>
-              <a:t>e</a:t>
-            </a:r>
-            <a:r>
-              <a:rPr sz="1000" spc="-120" dirty="0">
-                <a:latin typeface="Times New Roman"/>
-                <a:cs typeface="Times New Roman"/>
-              </a:rPr>
-              <a:t> </a:t>
-            </a:r>
-            <a:r>
-              <a:rPr sz="1000" spc="-5" dirty="0">
-                <a:latin typeface="Times New Roman"/>
-                <a:cs typeface="Times New Roman"/>
-              </a:rPr>
-              <a:t>A</a:t>
-            </a:r>
-            <a:r>
-              <a:rPr sz="1000" dirty="0">
-                <a:latin typeface="Times New Roman"/>
-                <a:cs typeface="Times New Roman"/>
-              </a:rPr>
-              <a:t>I</a:t>
-            </a:r>
-            <a:r>
-              <a:rPr sz="1000" spc="-15" dirty="0">
-                <a:latin typeface="Times New Roman"/>
-                <a:cs typeface="Times New Roman"/>
-              </a:rPr>
-              <a:t> </a:t>
-            </a:r>
-            <a:r>
-              <a:rPr sz="1000" spc="10" dirty="0">
-                <a:latin typeface="Times New Roman"/>
-                <a:cs typeface="Times New Roman"/>
-              </a:rPr>
-              <a:t>m</a:t>
-            </a:r>
-            <a:r>
-              <a:rPr sz="1000" spc="-25" dirty="0">
-                <a:latin typeface="Times New Roman"/>
-                <a:cs typeface="Times New Roman"/>
-              </a:rPr>
-              <a:t>o</a:t>
-            </a:r>
-            <a:r>
-              <a:rPr sz="1000" spc="5" dirty="0">
-                <a:latin typeface="Times New Roman"/>
-                <a:cs typeface="Times New Roman"/>
-              </a:rPr>
-              <a:t>d</a:t>
-            </a:r>
-            <a:r>
-              <a:rPr sz="1000" spc="-20" dirty="0">
-                <a:latin typeface="Times New Roman"/>
-                <a:cs typeface="Times New Roman"/>
-              </a:rPr>
-              <a:t>e</a:t>
-            </a:r>
-            <a:r>
-              <a:rPr sz="1000" dirty="0">
-                <a:latin typeface="Times New Roman"/>
-                <a:cs typeface="Times New Roman"/>
-              </a:rPr>
-              <a:t>l</a:t>
-            </a:r>
-            <a:r>
-              <a:rPr sz="1000" spc="-5" dirty="0">
-                <a:latin typeface="Times New Roman"/>
-                <a:cs typeface="Times New Roman"/>
-              </a:rPr>
-              <a:t> </a:t>
-            </a:r>
-            <a:r>
-              <a:rPr sz="1000" spc="5" dirty="0">
-                <a:latin typeface="Times New Roman"/>
-                <a:cs typeface="Times New Roman"/>
-              </a:rPr>
-              <a:t>d</a:t>
-            </a:r>
-            <a:r>
-              <a:rPr sz="1000" spc="-20" dirty="0">
-                <a:latin typeface="Times New Roman"/>
-                <a:cs typeface="Times New Roman"/>
-              </a:rPr>
-              <a:t>e</a:t>
-            </a:r>
-            <a:r>
-              <a:rPr sz="1000" spc="-25" dirty="0">
-                <a:latin typeface="Times New Roman"/>
-                <a:cs typeface="Times New Roman"/>
-              </a:rPr>
-              <a:t>v</a:t>
-            </a:r>
-            <a:r>
-              <a:rPr sz="1000" spc="-20" dirty="0">
-                <a:latin typeface="Times New Roman"/>
-                <a:cs typeface="Times New Roman"/>
-              </a:rPr>
-              <a:t>e</a:t>
-            </a:r>
-            <a:r>
-              <a:rPr sz="1000" spc="5" dirty="0">
-                <a:latin typeface="Times New Roman"/>
-                <a:cs typeface="Times New Roman"/>
-              </a:rPr>
-              <a:t>l</a:t>
-            </a:r>
-            <a:r>
-              <a:rPr sz="1000" spc="-25" dirty="0">
-                <a:latin typeface="Times New Roman"/>
-                <a:cs typeface="Times New Roman"/>
-              </a:rPr>
-              <a:t>o</a:t>
-            </a:r>
-            <a:r>
-              <a:rPr sz="1000" spc="5" dirty="0">
-                <a:latin typeface="Times New Roman"/>
-                <a:cs typeface="Times New Roman"/>
-              </a:rPr>
-              <a:t>p</a:t>
-            </a:r>
-            <a:r>
-              <a:rPr sz="1000" spc="-20" dirty="0">
-                <a:latin typeface="Times New Roman"/>
-                <a:cs typeface="Times New Roman"/>
-              </a:rPr>
-              <a:t>e</a:t>
-            </a:r>
-            <a:r>
-              <a:rPr sz="1000" spc="5" dirty="0">
-                <a:latin typeface="Times New Roman"/>
-                <a:cs typeface="Times New Roman"/>
-              </a:rPr>
-              <a:t>d</a:t>
-            </a:r>
-            <a:r>
-              <a:rPr sz="1000" spc="-35" dirty="0">
-                <a:latin typeface="Times New Roman"/>
-                <a:cs typeface="Times New Roman"/>
-              </a:rPr>
-              <a:t> </a:t>
-            </a:r>
-            <a:r>
-              <a:rPr sz="1000" spc="-25" dirty="0">
-                <a:latin typeface="Times New Roman"/>
-                <a:cs typeface="Times New Roman"/>
-              </a:rPr>
-              <a:t>b</a:t>
-            </a:r>
-            <a:r>
-              <a:rPr sz="1000" spc="5" dirty="0">
-                <a:latin typeface="Times New Roman"/>
-                <a:cs typeface="Times New Roman"/>
-              </a:rPr>
-              <a:t>y</a:t>
-            </a:r>
-            <a:r>
-              <a:rPr sz="1000" spc="-15" dirty="0">
-                <a:latin typeface="Times New Roman"/>
-                <a:cs typeface="Times New Roman"/>
-              </a:rPr>
-              <a:t> </a:t>
-            </a:r>
-            <a:r>
-              <a:rPr sz="1000" dirty="0">
-                <a:latin typeface="Times New Roman"/>
-                <a:cs typeface="Times New Roman"/>
-              </a:rPr>
-              <a:t>a</a:t>
-            </a:r>
-            <a:r>
-              <a:rPr sz="1000" spc="-5" dirty="0">
-                <a:latin typeface="Times New Roman"/>
-                <a:cs typeface="Times New Roman"/>
-              </a:rPr>
-              <a:t> </a:t>
-            </a:r>
-            <a:r>
-              <a:rPr sz="1000" spc="5" dirty="0">
-                <a:latin typeface="Times New Roman"/>
-                <a:cs typeface="Times New Roman"/>
-              </a:rPr>
-              <a:t>t</a:t>
-            </a:r>
-            <a:r>
-              <a:rPr sz="1000" spc="-20" dirty="0">
-                <a:latin typeface="Times New Roman"/>
-                <a:cs typeface="Times New Roman"/>
-              </a:rPr>
-              <a:t>e</a:t>
-            </a:r>
-            <a:r>
-              <a:rPr sz="1000" spc="5" dirty="0">
-                <a:latin typeface="Times New Roman"/>
-                <a:cs typeface="Times New Roman"/>
-              </a:rPr>
-              <a:t>am</a:t>
-            </a:r>
-            <a:r>
-              <a:rPr sz="1000" spc="-30" dirty="0">
-                <a:latin typeface="Times New Roman"/>
-                <a:cs typeface="Times New Roman"/>
-              </a:rPr>
-              <a:t> </a:t>
-            </a:r>
-            <a:r>
-              <a:rPr sz="1000" spc="10" dirty="0">
-                <a:latin typeface="Times New Roman"/>
-                <a:cs typeface="Times New Roman"/>
-              </a:rPr>
-              <a:t>m</a:t>
-            </a:r>
-            <a:r>
-              <a:rPr sz="1000" spc="-20" dirty="0">
-                <a:latin typeface="Times New Roman"/>
-                <a:cs typeface="Times New Roman"/>
-              </a:rPr>
-              <a:t>e</a:t>
-            </a:r>
-            <a:r>
-              <a:rPr sz="1000" spc="10" dirty="0">
-                <a:latin typeface="Times New Roman"/>
-                <a:cs typeface="Times New Roman"/>
-              </a:rPr>
-              <a:t>m</a:t>
-            </a:r>
-            <a:r>
-              <a:rPr sz="1000" spc="-25" dirty="0">
-                <a:latin typeface="Times New Roman"/>
-                <a:cs typeface="Times New Roman"/>
-              </a:rPr>
-              <a:t>b</a:t>
-            </a:r>
-            <a:r>
-              <a:rPr sz="1000" spc="-20" dirty="0">
-                <a:latin typeface="Times New Roman"/>
-                <a:cs typeface="Times New Roman"/>
-              </a:rPr>
-              <a:t>e</a:t>
-            </a:r>
-            <a:r>
-              <a:rPr sz="1000" dirty="0">
-                <a:latin typeface="Times New Roman"/>
-                <a:cs typeface="Times New Roman"/>
-              </a:rPr>
-              <a:t>r</a:t>
-            </a:r>
-            <a:r>
-              <a:rPr sz="1000" spc="-10" dirty="0">
-                <a:latin typeface="Times New Roman"/>
-                <a:cs typeface="Times New Roman"/>
-              </a:rPr>
-              <a:t> </a:t>
-            </a:r>
-            <a:r>
-              <a:rPr sz="1000" spc="5" dirty="0">
-                <a:latin typeface="Times New Roman"/>
-                <a:cs typeface="Times New Roman"/>
-              </a:rPr>
-              <a:t>i</a:t>
-            </a:r>
-            <a:r>
-              <a:rPr sz="1000" dirty="0">
-                <a:latin typeface="Times New Roman"/>
-                <a:cs typeface="Times New Roman"/>
-              </a:rPr>
-              <a:t>s</a:t>
-            </a:r>
-            <a:r>
-              <a:rPr sz="1000" spc="-20" dirty="0">
-                <a:latin typeface="Times New Roman"/>
-                <a:cs typeface="Times New Roman"/>
-              </a:rPr>
-              <a:t> </a:t>
-            </a:r>
-            <a:r>
-              <a:rPr sz="1000" spc="-10" dirty="0">
-                <a:latin typeface="Times New Roman"/>
-                <a:cs typeface="Times New Roman"/>
-              </a:rPr>
-              <a:t>s</a:t>
-            </a:r>
-            <a:r>
-              <a:rPr sz="1000" spc="-20" dirty="0">
-                <a:latin typeface="Times New Roman"/>
-                <a:cs typeface="Times New Roman"/>
-              </a:rPr>
-              <a:t>e</a:t>
-            </a:r>
-            <a:r>
-              <a:rPr sz="1000" spc="25" dirty="0">
-                <a:latin typeface="Times New Roman"/>
-                <a:cs typeface="Times New Roman"/>
-              </a:rPr>
-              <a:t>n</a:t>
-            </a:r>
-            <a:r>
-              <a:rPr sz="1000" dirty="0">
-                <a:latin typeface="Times New Roman"/>
-                <a:cs typeface="Times New Roman"/>
-              </a:rPr>
-              <a:t>t</a:t>
-            </a:r>
-            <a:r>
-              <a:rPr sz="1000" spc="-55" dirty="0">
-                <a:latin typeface="Times New Roman"/>
-                <a:cs typeface="Times New Roman"/>
-              </a:rPr>
-              <a:t> </a:t>
-            </a:r>
-            <a:r>
-              <a:rPr sz="1000" spc="-20" dirty="0">
-                <a:latin typeface="Times New Roman"/>
-                <a:cs typeface="Times New Roman"/>
-              </a:rPr>
-              <a:t>t</a:t>
-            </a:r>
-            <a:r>
-              <a:rPr sz="1000" spc="5" dirty="0">
-                <a:latin typeface="Times New Roman"/>
-                <a:cs typeface="Times New Roman"/>
-              </a:rPr>
-              <a:t>o</a:t>
-            </a:r>
-            <a:r>
-              <a:rPr sz="1000" spc="-40" dirty="0">
-                <a:latin typeface="Times New Roman"/>
-                <a:cs typeface="Times New Roman"/>
-              </a:rPr>
-              <a:t> </a:t>
-            </a:r>
-            <a:r>
-              <a:rPr sz="1000" spc="-10" dirty="0">
-                <a:latin typeface="Times New Roman"/>
-                <a:cs typeface="Times New Roman"/>
-              </a:rPr>
-              <a:t>F</a:t>
-            </a:r>
-            <a:r>
-              <a:rPr sz="1000" spc="5" dirty="0">
-                <a:latin typeface="Times New Roman"/>
-                <a:cs typeface="Times New Roman"/>
-              </a:rPr>
-              <a:t>la</a:t>
-            </a:r>
-            <a:r>
-              <a:rPr sz="1000" spc="-10" dirty="0">
-                <a:latin typeface="Times New Roman"/>
-                <a:cs typeface="Times New Roman"/>
-              </a:rPr>
-              <a:t>s</a:t>
-            </a:r>
-            <a:r>
-              <a:rPr sz="1000" spc="5" dirty="0">
-                <a:latin typeface="Times New Roman"/>
-                <a:cs typeface="Times New Roman"/>
-              </a:rPr>
-              <a:t>k</a:t>
-            </a:r>
-            <a:r>
-              <a:rPr sz="1000" spc="-55" dirty="0">
-                <a:latin typeface="Times New Roman"/>
-                <a:cs typeface="Times New Roman"/>
-              </a:rPr>
-              <a:t> </a:t>
-            </a:r>
-            <a:r>
-              <a:rPr sz="1000" spc="-25" dirty="0">
-                <a:latin typeface="Times New Roman"/>
-                <a:cs typeface="Times New Roman"/>
-              </a:rPr>
-              <a:t>for  </a:t>
-            </a:r>
-            <a:r>
-              <a:rPr sz="1000" spc="-10" dirty="0">
-                <a:latin typeface="Times New Roman"/>
-                <a:cs typeface="Times New Roman"/>
-              </a:rPr>
-              <a:t>transmission,</a:t>
-            </a:r>
-            <a:r>
-              <a:rPr sz="1000" spc="-80" dirty="0">
-                <a:latin typeface="Times New Roman"/>
-                <a:cs typeface="Times New Roman"/>
-              </a:rPr>
-              <a:t> </a:t>
-            </a:r>
-            <a:r>
-              <a:rPr sz="1000" spc="10" dirty="0">
-                <a:latin typeface="Times New Roman"/>
-                <a:cs typeface="Times New Roman"/>
-              </a:rPr>
-              <a:t>and</a:t>
-            </a:r>
-            <a:r>
-              <a:rPr sz="1000" spc="-50" dirty="0">
-                <a:latin typeface="Times New Roman"/>
-                <a:cs typeface="Times New Roman"/>
-              </a:rPr>
-              <a:t> </a:t>
-            </a:r>
-            <a:r>
-              <a:rPr sz="1000" spc="10" dirty="0">
-                <a:latin typeface="Times New Roman"/>
-                <a:cs typeface="Times New Roman"/>
-              </a:rPr>
-              <a:t>the</a:t>
-            </a:r>
-            <a:r>
-              <a:rPr sz="1000" spc="-60" dirty="0">
-                <a:latin typeface="Times New Roman"/>
-                <a:cs typeface="Times New Roman"/>
-              </a:rPr>
-              <a:t> </a:t>
-            </a:r>
-            <a:r>
-              <a:rPr sz="1000" spc="-5" dirty="0">
-                <a:latin typeface="Times New Roman"/>
-                <a:cs typeface="Times New Roman"/>
-              </a:rPr>
-              <a:t>model's</a:t>
-            </a:r>
-            <a:r>
-              <a:rPr sz="1000" spc="-25" dirty="0">
-                <a:latin typeface="Times New Roman"/>
-                <a:cs typeface="Times New Roman"/>
-              </a:rPr>
-              <a:t> </a:t>
-            </a:r>
-            <a:r>
-              <a:rPr sz="1000" spc="-10" dirty="0">
-                <a:latin typeface="Times New Roman"/>
-                <a:cs typeface="Times New Roman"/>
-              </a:rPr>
-              <a:t>classification</a:t>
-            </a:r>
-            <a:r>
-              <a:rPr sz="1000" spc="-70" dirty="0">
-                <a:latin typeface="Times New Roman"/>
-                <a:cs typeface="Times New Roman"/>
-              </a:rPr>
-              <a:t> </a:t>
-            </a:r>
-            <a:r>
-              <a:rPr sz="1000" dirty="0">
-                <a:latin typeface="Times New Roman"/>
-                <a:cs typeface="Times New Roman"/>
-              </a:rPr>
-              <a:t>results</a:t>
-            </a:r>
-            <a:r>
-              <a:rPr sz="1000" spc="-55" dirty="0">
-                <a:latin typeface="Times New Roman"/>
-                <a:cs typeface="Times New Roman"/>
-              </a:rPr>
-              <a:t> </a:t>
-            </a:r>
-            <a:r>
-              <a:rPr sz="1000" spc="10" dirty="0">
-                <a:latin typeface="Times New Roman"/>
-                <a:cs typeface="Times New Roman"/>
-              </a:rPr>
-              <a:t>and</a:t>
-            </a:r>
-            <a:r>
-              <a:rPr sz="1000" spc="-45" dirty="0">
-                <a:latin typeface="Times New Roman"/>
-                <a:cs typeface="Times New Roman"/>
-              </a:rPr>
-              <a:t> </a:t>
-            </a:r>
-            <a:r>
-              <a:rPr sz="1000" spc="-5" dirty="0">
-                <a:latin typeface="Times New Roman"/>
-                <a:cs typeface="Times New Roman"/>
-              </a:rPr>
-              <a:t>detected</a:t>
-            </a:r>
-            <a:r>
-              <a:rPr sz="1000" spc="-40" dirty="0">
-                <a:latin typeface="Times New Roman"/>
-                <a:cs typeface="Times New Roman"/>
-              </a:rPr>
-              <a:t> </a:t>
-            </a:r>
-            <a:r>
-              <a:rPr sz="1000" dirty="0">
-                <a:latin typeface="Times New Roman"/>
-                <a:cs typeface="Times New Roman"/>
-              </a:rPr>
-              <a:t>images </a:t>
-            </a:r>
-            <a:r>
-              <a:rPr sz="1000" spc="-235" dirty="0">
-                <a:latin typeface="Times New Roman"/>
-                <a:cs typeface="Times New Roman"/>
-              </a:rPr>
-              <a:t> </a:t>
-            </a:r>
-            <a:r>
-              <a:rPr sz="1000" spc="10" dirty="0">
-                <a:latin typeface="Times New Roman"/>
-                <a:cs typeface="Times New Roman"/>
-              </a:rPr>
-              <a:t>are</a:t>
-            </a:r>
-            <a:r>
-              <a:rPr sz="1000" spc="-55" dirty="0">
-                <a:latin typeface="Times New Roman"/>
-                <a:cs typeface="Times New Roman"/>
-              </a:rPr>
-              <a:t> </a:t>
-            </a:r>
-            <a:r>
-              <a:rPr sz="1000" spc="-5" dirty="0">
-                <a:latin typeface="Times New Roman"/>
-                <a:cs typeface="Times New Roman"/>
-              </a:rPr>
-              <a:t>received.</a:t>
-            </a:r>
-            <a:endParaRPr sz="1000">
+              <a:rPr lang="en-US" sz="1000" spc="-5" dirty="0" err="1" smtClean="0">
+                <a:latin typeface="Times New Roman"/>
+                <a:cs typeface="Times New Roman"/>
+              </a:rPr>
+              <a:t>MySql</a:t>
+            </a:r>
+            <a:r>
+              <a:rPr lang="en-US" sz="1000" spc="-5" dirty="0" smtClean="0">
+                <a:latin typeface="Times New Roman"/>
+                <a:cs typeface="Times New Roman"/>
+              </a:rPr>
+              <a:t> DB</a:t>
+            </a:r>
+            <a:r>
+              <a:rPr lang="ko-KR" altLang="en-US" sz="1000" spc="-5" dirty="0" smtClean="0">
+                <a:latin typeface="Times New Roman"/>
+                <a:cs typeface="Times New Roman"/>
+              </a:rPr>
+              <a:t>에는 이미지 파일이 최대 </a:t>
+            </a:r>
+            <a:r>
+              <a:rPr lang="en-US" altLang="ko-KR" sz="1000" spc="-5" dirty="0" smtClean="0">
+                <a:latin typeface="Times New Roman"/>
+                <a:cs typeface="Times New Roman"/>
+              </a:rPr>
+              <a:t>1</a:t>
+            </a:r>
+            <a:r>
+              <a:rPr lang="ko-KR" altLang="en-US" sz="1000" spc="-5" dirty="0" smtClean="0">
+                <a:latin typeface="Times New Roman"/>
+                <a:cs typeface="Times New Roman"/>
+              </a:rPr>
+              <a:t>개 밖에 저장되지 않는 조건이 있어 하나의 </a:t>
+            </a:r>
+            <a:r>
+              <a:rPr lang="en-US" altLang="ko-KR" sz="1000" spc="-5" dirty="0" smtClean="0">
+                <a:latin typeface="Times New Roman"/>
+                <a:cs typeface="Times New Roman"/>
+              </a:rPr>
+              <a:t>tuple</a:t>
+            </a:r>
+            <a:r>
+              <a:rPr lang="ko-KR" altLang="en-US" sz="1000" spc="-5" dirty="0" smtClean="0">
+                <a:latin typeface="Times New Roman"/>
+                <a:cs typeface="Times New Roman"/>
+              </a:rPr>
+              <a:t>에 원본 이미지</a:t>
+            </a:r>
+            <a:r>
+              <a:rPr lang="en-US" altLang="ko-KR" sz="1000" spc="-5" dirty="0" smtClean="0">
+                <a:latin typeface="Times New Roman"/>
+                <a:cs typeface="Times New Roman"/>
+              </a:rPr>
+              <a:t>, </a:t>
+            </a:r>
+            <a:r>
+              <a:rPr lang="ko-KR" altLang="en-US" sz="1000" spc="-5" dirty="0" smtClean="0">
+                <a:latin typeface="Times New Roman"/>
+                <a:cs typeface="Times New Roman"/>
+              </a:rPr>
+              <a:t>결과 이미지를 저장할 수가 없었음</a:t>
+            </a:r>
+            <a:r>
+              <a:rPr lang="en-US" altLang="ko-KR" sz="1000" spc="-5" dirty="0" smtClean="0">
+                <a:latin typeface="Times New Roman"/>
+                <a:cs typeface="Times New Roman"/>
+              </a:rPr>
+              <a:t>. </a:t>
+            </a:r>
+          </a:p>
+          <a:p>
+            <a:pPr marL="85725" indent="-73660">
+              <a:lnSpc>
+                <a:spcPct val="100000"/>
+              </a:lnSpc>
+              <a:spcBef>
+                <a:spcPts val="10"/>
+              </a:spcBef>
+              <a:buChar char="-"/>
+              <a:tabLst>
+                <a:tab pos="86360" algn="l"/>
+              </a:tabLst>
+            </a:pPr>
+            <a:r>
+              <a:rPr lang="ko-KR" altLang="en-US" sz="1000" spc="-5" dirty="0" smtClean="0">
+                <a:latin typeface="Times New Roman"/>
+                <a:cs typeface="Times New Roman"/>
+              </a:rPr>
+              <a:t>이를 해결하기 위해 </a:t>
+            </a:r>
+            <a:r>
+              <a:rPr lang="en-US" altLang="ko-KR" sz="1000" spc="-5" dirty="0" err="1" smtClean="0">
+                <a:latin typeface="Times New Roman"/>
+                <a:cs typeface="Times New Roman"/>
+              </a:rPr>
+              <a:t>firestore</a:t>
+            </a:r>
+            <a:r>
+              <a:rPr lang="ko-KR" altLang="en-US" sz="1000" spc="-5" dirty="0" smtClean="0">
+                <a:latin typeface="Times New Roman"/>
+                <a:cs typeface="Times New Roman"/>
+              </a:rPr>
+              <a:t>를 활용하여 </a:t>
+            </a:r>
+            <a:r>
+              <a:rPr lang="ko-KR" altLang="en-US" sz="1000" spc="-5" dirty="0" smtClean="0">
+                <a:latin typeface="Times New Roman"/>
+                <a:cs typeface="Times New Roman"/>
+              </a:rPr>
+              <a:t>이미지를 다운로드 가능한 </a:t>
+            </a:r>
+            <a:r>
+              <a:rPr lang="en-US" altLang="ko-KR" sz="1000" spc="-5" dirty="0" err="1" smtClean="0">
+                <a:latin typeface="Times New Roman"/>
+                <a:cs typeface="Times New Roman"/>
+              </a:rPr>
+              <a:t>url</a:t>
+            </a:r>
+            <a:r>
+              <a:rPr lang="en-US" altLang="ko-KR" sz="1000" spc="-5" dirty="0" smtClean="0">
+                <a:latin typeface="Times New Roman"/>
+                <a:cs typeface="Times New Roman"/>
+              </a:rPr>
+              <a:t> </a:t>
+            </a:r>
+            <a:r>
+              <a:rPr lang="ko-KR" altLang="en-US" sz="1000" spc="-5" dirty="0" smtClean="0">
+                <a:latin typeface="Times New Roman"/>
+                <a:cs typeface="Times New Roman"/>
+              </a:rPr>
+              <a:t>형태로 바꾸어 두 개의 </a:t>
+            </a:r>
+            <a:r>
+              <a:rPr lang="en-US" altLang="ko-KR" sz="1000" spc="-5" dirty="0" err="1" smtClean="0">
+                <a:latin typeface="Times New Roman"/>
+                <a:cs typeface="Times New Roman"/>
+              </a:rPr>
+              <a:t>url</a:t>
+            </a:r>
+            <a:r>
+              <a:rPr lang="ko-KR" altLang="en-US" sz="1000" spc="-5" dirty="0" smtClean="0">
+                <a:latin typeface="Times New Roman"/>
+                <a:cs typeface="Times New Roman"/>
+              </a:rPr>
+              <a:t>을 </a:t>
+            </a:r>
+            <a:r>
+              <a:rPr lang="en-US" altLang="ko-KR" sz="1000" spc="-5" dirty="0" smtClean="0">
+                <a:latin typeface="Times New Roman"/>
+                <a:cs typeface="Times New Roman"/>
+              </a:rPr>
+              <a:t>DB </a:t>
+            </a:r>
+            <a:r>
+              <a:rPr lang="ko-KR" altLang="en-US" sz="1000" spc="-5" dirty="0" smtClean="0">
+                <a:latin typeface="Times New Roman"/>
+                <a:cs typeface="Times New Roman"/>
+              </a:rPr>
+              <a:t>서버에 저장</a:t>
+            </a:r>
+            <a:r>
+              <a:rPr lang="en-US" altLang="ko-KR" sz="1000" spc="-5" dirty="0" smtClean="0">
+                <a:latin typeface="Times New Roman"/>
+                <a:cs typeface="Times New Roman"/>
+              </a:rPr>
+              <a:t>.</a:t>
+            </a:r>
+            <a:endParaRPr sz="1000" dirty="0">
               <a:latin typeface="Times New Roman"/>
               <a:cs typeface="Times New Roman"/>
             </a:endParaRPr>
           </a:p>
         </p:txBody>
       </p:sp>
-      <p:pic>
-        <p:nvPicPr>
-          <p:cNvPr id="4" name="object 4"/>
-          <p:cNvPicPr/>
-          <p:nvPr/>
-        </p:nvPicPr>
-        <p:blipFill>
-          <a:blip r:embed="rId2" cstate="print"/>
-          <a:stretch>
-            <a:fillRect/>
-          </a:stretch>
-        </p:blipFill>
-        <p:spPr>
-          <a:xfrm>
-            <a:off x="4416552" y="1237487"/>
-            <a:ext cx="1563624" cy="3474720"/>
-          </a:xfrm>
-          <a:prstGeom prst="rect">
-            <a:avLst/>
-          </a:prstGeom>
-        </p:spPr>
-      </p:pic>
-      <p:pic>
-        <p:nvPicPr>
-          <p:cNvPr id="5" name="object 5"/>
-          <p:cNvPicPr/>
-          <p:nvPr/>
-        </p:nvPicPr>
-        <p:blipFill>
-          <a:blip r:embed="rId3" cstate="print"/>
-          <a:stretch>
-            <a:fillRect/>
-          </a:stretch>
-        </p:blipFill>
-        <p:spPr>
-          <a:xfrm>
-            <a:off x="6199632" y="1237487"/>
-            <a:ext cx="2249423" cy="3474720"/>
-          </a:xfrm>
-          <a:prstGeom prst="rect">
-            <a:avLst/>
-          </a:prstGeom>
-        </p:spPr>
-      </p:pic>
       <p:sp>
         <p:nvSpPr>
           <p:cNvPr id="6" name="object 6"/>
@@ -25210,6 +22991,78 @@
           </a:p>
         </p:txBody>
       </p:sp>
+      <p:pic>
+        <p:nvPicPr>
+          <p:cNvPr id="8" name="그림 7"/>
+          <p:cNvPicPr>
+            <a:picLocks noChangeAspect="1"/>
+          </p:cNvPicPr>
+          <p:nvPr/>
+        </p:nvPicPr>
+        <p:blipFill>
+          <a:blip r:embed="rId2"/>
+          <a:stretch>
+            <a:fillRect/>
+          </a:stretch>
+        </p:blipFill>
+        <p:spPr>
+          <a:xfrm>
+            <a:off x="4419600" y="746125"/>
+            <a:ext cx="1951806" cy="4196716"/>
+          </a:xfrm>
+          <a:prstGeom prst="rect">
+            <a:avLst/>
+          </a:prstGeom>
+        </p:spPr>
+      </p:pic>
+      <p:pic>
+        <p:nvPicPr>
+          <p:cNvPr id="9" name="그림 8"/>
+          <p:cNvPicPr>
+            <a:picLocks noChangeAspect="1"/>
+          </p:cNvPicPr>
+          <p:nvPr/>
+        </p:nvPicPr>
+        <p:blipFill>
+          <a:blip r:embed="rId3"/>
+          <a:stretch>
+            <a:fillRect/>
+          </a:stretch>
+        </p:blipFill>
+        <p:spPr>
+          <a:xfrm>
+            <a:off x="6771598" y="746125"/>
+            <a:ext cx="1889017" cy="4196716"/>
+          </a:xfrm>
+          <a:prstGeom prst="rect">
+            <a:avLst/>
+          </a:prstGeom>
+        </p:spPr>
+      </p:pic>
+      <p:pic>
+        <p:nvPicPr>
+          <p:cNvPr id="11" name="그림 10"/>
+          <p:cNvPicPr>
+            <a:picLocks noChangeAspect="1"/>
+          </p:cNvPicPr>
+          <p:nvPr/>
+        </p:nvPicPr>
+        <p:blipFill>
+          <a:blip r:embed="rId4"/>
+          <a:stretch>
+            <a:fillRect/>
+          </a:stretch>
+        </p:blipFill>
+        <p:spPr>
+          <a:xfrm>
+            <a:off x="1727135" y="3085243"/>
+            <a:ext cx="2501265" cy="1836643"/>
+          </a:xfrm>
+          <a:prstGeom prst="rect">
+            <a:avLst/>
+          </a:prstGeom>
+        </p:spPr>
+      </p:pic>
     </p:spTree>
   </p:cSld>
   <p:clrMapOvr>
@@ -25383,2251 +23236,6 @@
         </p:nvSpPr>
         <p:spPr>
           <a:xfrm>
-            <a:off x="240284" y="2190369"/>
-            <a:ext cx="3046730" cy="1765300"/>
-          </a:xfrm>
-          <a:prstGeom prst="rect">
-            <a:avLst/>
-          </a:prstGeom>
-        </p:spPr>
-        <p:txBody>
-          <a:bodyPr vert="horz" wrap="square" lIns="0" tIns="12700" rIns="0" bIns="0" rtlCol="0">
-            <a:spAutoFit/>
-          </a:bodyPr>
-          <a:lstStyle/>
-          <a:p>
-            <a:pPr marL="12700">
-              <a:lnSpc>
-                <a:spcPct val="100000"/>
-              </a:lnSpc>
-              <a:spcBef>
-                <a:spcPts val="100"/>
-              </a:spcBef>
-            </a:pPr>
-            <a:r>
-              <a:rPr sz="1200" b="1" dirty="0">
-                <a:latin typeface="Times New Roman"/>
-                <a:cs typeface="Times New Roman"/>
-              </a:rPr>
-              <a:t>*</a:t>
-            </a:r>
-            <a:r>
-              <a:rPr sz="1200" b="1" spc="-35" dirty="0">
-                <a:latin typeface="Times New Roman"/>
-                <a:cs typeface="Times New Roman"/>
-              </a:rPr>
-              <a:t> </a:t>
-            </a:r>
-            <a:r>
-              <a:rPr sz="1200" b="1" spc="-10" dirty="0">
-                <a:latin typeface="Times New Roman"/>
-                <a:cs typeface="Times New Roman"/>
-              </a:rPr>
-              <a:t>Feature</a:t>
-            </a:r>
-            <a:r>
-              <a:rPr sz="1200" b="1" spc="-35" dirty="0">
-                <a:latin typeface="Times New Roman"/>
-                <a:cs typeface="Times New Roman"/>
-              </a:rPr>
-              <a:t> </a:t>
-            </a:r>
-            <a:r>
-              <a:rPr sz="1200" b="1" spc="-5" dirty="0">
-                <a:latin typeface="Times New Roman"/>
-                <a:cs typeface="Times New Roman"/>
-              </a:rPr>
-              <a:t>introduction</a:t>
-            </a:r>
-            <a:endParaRPr sz="1200">
-              <a:latin typeface="Times New Roman"/>
-              <a:cs typeface="Times New Roman"/>
-            </a:endParaRPr>
-          </a:p>
-          <a:p>
-            <a:pPr marL="12700">
-              <a:lnSpc>
-                <a:spcPct val="100000"/>
-              </a:lnSpc>
-              <a:spcBef>
-                <a:spcPts val="5"/>
-              </a:spcBef>
-            </a:pPr>
-            <a:r>
-              <a:rPr sz="1000" dirty="0">
-                <a:latin typeface="Times New Roman"/>
-                <a:cs typeface="Times New Roman"/>
-              </a:rPr>
-              <a:t>-</a:t>
-            </a:r>
-            <a:r>
-              <a:rPr sz="1000" spc="-10" dirty="0">
-                <a:latin typeface="Times New Roman"/>
-                <a:cs typeface="Times New Roman"/>
-              </a:rPr>
-              <a:t> </a:t>
-            </a:r>
-            <a:r>
-              <a:rPr sz="1000" spc="5" dirty="0">
-                <a:latin typeface="Times New Roman"/>
-                <a:cs typeface="Times New Roman"/>
-              </a:rPr>
-              <a:t>C</a:t>
-            </a:r>
-            <a:r>
-              <a:rPr sz="1000" spc="-25" dirty="0">
-                <a:latin typeface="Times New Roman"/>
-                <a:cs typeface="Times New Roman"/>
-              </a:rPr>
-              <a:t>o</a:t>
-            </a:r>
-            <a:r>
-              <a:rPr sz="1000" spc="20" dirty="0">
-                <a:latin typeface="Times New Roman"/>
-                <a:cs typeface="Times New Roman"/>
-              </a:rPr>
-              <a:t>n</a:t>
-            </a:r>
-            <a:r>
-              <a:rPr sz="1000" spc="-25" dirty="0">
-                <a:latin typeface="Times New Roman"/>
-                <a:cs typeface="Times New Roman"/>
-              </a:rPr>
-              <a:t>v</a:t>
-            </a:r>
-            <a:r>
-              <a:rPr sz="1000" spc="-15" dirty="0">
-                <a:latin typeface="Times New Roman"/>
-                <a:cs typeface="Times New Roman"/>
-              </a:rPr>
-              <a:t>e</a:t>
-            </a:r>
-            <a:r>
-              <a:rPr sz="1000" spc="20" dirty="0">
-                <a:latin typeface="Times New Roman"/>
-                <a:cs typeface="Times New Roman"/>
-              </a:rPr>
-              <a:t>r</a:t>
-            </a:r>
-            <a:r>
-              <a:rPr sz="1000" dirty="0">
-                <a:latin typeface="Times New Roman"/>
-                <a:cs typeface="Times New Roman"/>
-              </a:rPr>
-              <a:t>t</a:t>
-            </a:r>
-            <a:r>
-              <a:rPr sz="1000" spc="-95" dirty="0">
-                <a:latin typeface="Times New Roman"/>
-                <a:cs typeface="Times New Roman"/>
-              </a:rPr>
-              <a:t> </a:t>
-            </a:r>
-            <a:r>
-              <a:rPr sz="1000" spc="5" dirty="0">
-                <a:latin typeface="Times New Roman"/>
-                <a:cs typeface="Times New Roman"/>
-              </a:rPr>
-              <a:t>t</a:t>
-            </a:r>
-            <a:r>
-              <a:rPr sz="1000" spc="20" dirty="0">
-                <a:latin typeface="Times New Roman"/>
-                <a:cs typeface="Times New Roman"/>
-              </a:rPr>
-              <a:t>h</a:t>
-            </a:r>
-            <a:r>
-              <a:rPr sz="1000" dirty="0">
-                <a:latin typeface="Times New Roman"/>
-                <a:cs typeface="Times New Roman"/>
-              </a:rPr>
-              <a:t>e</a:t>
-            </a:r>
-            <a:r>
-              <a:rPr sz="1000" spc="-50" dirty="0">
-                <a:latin typeface="Times New Roman"/>
-                <a:cs typeface="Times New Roman"/>
-              </a:rPr>
-              <a:t> </a:t>
-            </a:r>
-            <a:r>
-              <a:rPr sz="1000" spc="20" dirty="0">
-                <a:latin typeface="Times New Roman"/>
-                <a:cs typeface="Times New Roman"/>
-              </a:rPr>
-              <a:t>r</a:t>
-            </a:r>
-            <a:r>
-              <a:rPr sz="1000" spc="-15" dirty="0">
-                <a:latin typeface="Times New Roman"/>
-                <a:cs typeface="Times New Roman"/>
-              </a:rPr>
-              <a:t>e</a:t>
-            </a:r>
-            <a:r>
-              <a:rPr sz="1000" spc="-10" dirty="0">
-                <a:latin typeface="Times New Roman"/>
-                <a:cs typeface="Times New Roman"/>
-              </a:rPr>
-              <a:t>s</a:t>
-            </a:r>
-            <a:r>
-              <a:rPr sz="1000" dirty="0">
-                <a:latin typeface="Times New Roman"/>
-                <a:cs typeface="Times New Roman"/>
-              </a:rPr>
-              <a:t>u</a:t>
-            </a:r>
-            <a:r>
-              <a:rPr sz="1000" spc="5" dirty="0">
-                <a:latin typeface="Times New Roman"/>
-                <a:cs typeface="Times New Roman"/>
-              </a:rPr>
-              <a:t>l</a:t>
-            </a:r>
-            <a:r>
-              <a:rPr sz="1000" spc="-20" dirty="0">
-                <a:latin typeface="Times New Roman"/>
-                <a:cs typeface="Times New Roman"/>
-              </a:rPr>
-              <a:t>ti</a:t>
-            </a:r>
-            <a:r>
-              <a:rPr sz="1000" dirty="0">
-                <a:latin typeface="Times New Roman"/>
-                <a:cs typeface="Times New Roman"/>
-              </a:rPr>
-              <a:t>ng</a:t>
-            </a:r>
-            <a:r>
-              <a:rPr sz="1000" spc="-105" dirty="0">
-                <a:latin typeface="Times New Roman"/>
-                <a:cs typeface="Times New Roman"/>
-              </a:rPr>
-              <a:t> </a:t>
-            </a:r>
-            <a:r>
-              <a:rPr sz="1000" spc="5" dirty="0">
-                <a:latin typeface="Times New Roman"/>
-                <a:cs typeface="Times New Roman"/>
-              </a:rPr>
-              <a:t>im</a:t>
-            </a:r>
-            <a:r>
-              <a:rPr sz="1000" spc="10" dirty="0">
-                <a:latin typeface="Times New Roman"/>
-                <a:cs typeface="Times New Roman"/>
-              </a:rPr>
-              <a:t>a</a:t>
-            </a:r>
-            <a:r>
-              <a:rPr sz="1000" dirty="0">
-                <a:latin typeface="Times New Roman"/>
-                <a:cs typeface="Times New Roman"/>
-              </a:rPr>
-              <a:t>ge</a:t>
-            </a:r>
-            <a:r>
-              <a:rPr sz="1000" spc="-55" dirty="0">
-                <a:latin typeface="Times New Roman"/>
-                <a:cs typeface="Times New Roman"/>
-              </a:rPr>
-              <a:t> </a:t>
-            </a:r>
-            <a:r>
-              <a:rPr sz="1000" spc="5" dirty="0">
-                <a:latin typeface="Times New Roman"/>
-                <a:cs typeface="Times New Roman"/>
-              </a:rPr>
-              <a:t>i</a:t>
-            </a:r>
-            <a:r>
-              <a:rPr sz="1000" spc="20" dirty="0">
-                <a:latin typeface="Times New Roman"/>
-                <a:cs typeface="Times New Roman"/>
-              </a:rPr>
-              <a:t>n</a:t>
-            </a:r>
-            <a:r>
-              <a:rPr sz="1000" spc="5" dirty="0">
-                <a:latin typeface="Times New Roman"/>
-                <a:cs typeface="Times New Roman"/>
-              </a:rPr>
-              <a:t>t</a:t>
-            </a:r>
-            <a:r>
-              <a:rPr sz="1000" dirty="0">
-                <a:latin typeface="Times New Roman"/>
-                <a:cs typeface="Times New Roman"/>
-              </a:rPr>
-              <a:t>o</a:t>
-            </a:r>
-            <a:r>
-              <a:rPr sz="1000" spc="-80" dirty="0">
-                <a:latin typeface="Times New Roman"/>
-                <a:cs typeface="Times New Roman"/>
-              </a:rPr>
-              <a:t> </a:t>
-            </a:r>
-            <a:r>
-              <a:rPr sz="1000" dirty="0">
-                <a:latin typeface="Times New Roman"/>
-                <a:cs typeface="Times New Roman"/>
-              </a:rPr>
-              <a:t>a</a:t>
-            </a:r>
-            <a:r>
-              <a:rPr sz="1000" spc="-5" dirty="0">
-                <a:latin typeface="Times New Roman"/>
-                <a:cs typeface="Times New Roman"/>
-              </a:rPr>
-              <a:t> </a:t>
-            </a:r>
-            <a:r>
-              <a:rPr sz="1000" dirty="0">
-                <a:latin typeface="Times New Roman"/>
-                <a:cs typeface="Times New Roman"/>
-              </a:rPr>
-              <a:t>d</a:t>
-            </a:r>
-            <a:r>
-              <a:rPr sz="1000" spc="-25" dirty="0">
-                <a:latin typeface="Times New Roman"/>
-                <a:cs typeface="Times New Roman"/>
-              </a:rPr>
-              <a:t>o</a:t>
-            </a:r>
-            <a:r>
-              <a:rPr sz="1000" spc="-30" dirty="0">
-                <a:latin typeface="Times New Roman"/>
-                <a:cs typeface="Times New Roman"/>
-              </a:rPr>
-              <a:t>w</a:t>
-            </a:r>
-            <a:r>
-              <a:rPr sz="1000" spc="20" dirty="0">
-                <a:latin typeface="Times New Roman"/>
-                <a:cs typeface="Times New Roman"/>
-              </a:rPr>
-              <a:t>n</a:t>
-            </a:r>
-            <a:r>
-              <a:rPr sz="1000" spc="5" dirty="0">
-                <a:latin typeface="Times New Roman"/>
-                <a:cs typeface="Times New Roman"/>
-              </a:rPr>
-              <a:t>l</a:t>
-            </a:r>
-            <a:r>
-              <a:rPr sz="1000" spc="-25" dirty="0">
-                <a:latin typeface="Times New Roman"/>
-                <a:cs typeface="Times New Roman"/>
-              </a:rPr>
-              <a:t>o</a:t>
-            </a:r>
-            <a:r>
-              <a:rPr sz="1000" spc="5" dirty="0">
-                <a:latin typeface="Times New Roman"/>
-                <a:cs typeface="Times New Roman"/>
-              </a:rPr>
-              <a:t>a</a:t>
-            </a:r>
-            <a:r>
-              <a:rPr sz="1000" dirty="0">
-                <a:latin typeface="Times New Roman"/>
-                <a:cs typeface="Times New Roman"/>
-              </a:rPr>
-              <a:t>d</a:t>
-            </a:r>
-            <a:r>
-              <a:rPr sz="1000" spc="5" dirty="0">
-                <a:latin typeface="Times New Roman"/>
-                <a:cs typeface="Times New Roman"/>
-              </a:rPr>
-              <a:t>a</a:t>
-            </a:r>
-            <a:r>
-              <a:rPr sz="1000" spc="-25" dirty="0">
-                <a:latin typeface="Times New Roman"/>
-                <a:cs typeface="Times New Roman"/>
-              </a:rPr>
-              <a:t>b</a:t>
-            </a:r>
-            <a:r>
-              <a:rPr sz="1000" spc="-20" dirty="0">
-                <a:latin typeface="Times New Roman"/>
-                <a:cs typeface="Times New Roman"/>
-              </a:rPr>
-              <a:t>l</a:t>
-            </a:r>
-            <a:r>
-              <a:rPr sz="1000" dirty="0">
-                <a:latin typeface="Times New Roman"/>
-                <a:cs typeface="Times New Roman"/>
-              </a:rPr>
-              <a:t>e</a:t>
-            </a:r>
-            <a:r>
-              <a:rPr sz="1000" spc="-90" dirty="0">
-                <a:latin typeface="Times New Roman"/>
-                <a:cs typeface="Times New Roman"/>
-              </a:rPr>
-              <a:t> </a:t>
-            </a:r>
-            <a:r>
-              <a:rPr sz="1000" spc="-55" dirty="0">
-                <a:latin typeface="Times New Roman"/>
-                <a:cs typeface="Times New Roman"/>
-              </a:rPr>
-              <a:t>U</a:t>
-            </a:r>
-            <a:r>
-              <a:rPr sz="1000" spc="-45" dirty="0">
-                <a:latin typeface="Times New Roman"/>
-                <a:cs typeface="Times New Roman"/>
-              </a:rPr>
-              <a:t>R</a:t>
-            </a:r>
-            <a:r>
-              <a:rPr sz="1000" dirty="0">
-                <a:latin typeface="Times New Roman"/>
-                <a:cs typeface="Times New Roman"/>
-              </a:rPr>
-              <a:t>L</a:t>
-            </a:r>
-            <a:endParaRPr sz="1000">
-              <a:latin typeface="Times New Roman"/>
-              <a:cs typeface="Times New Roman"/>
-            </a:endParaRPr>
-          </a:p>
-          <a:p>
-            <a:pPr marL="12700">
-              <a:lnSpc>
-                <a:spcPct val="100000"/>
-              </a:lnSpc>
-            </a:pPr>
-            <a:r>
-              <a:rPr sz="1000" spc="-25" dirty="0">
-                <a:latin typeface="Times New Roman"/>
-                <a:cs typeface="Times New Roman"/>
-              </a:rPr>
-              <a:t>fo</a:t>
-            </a:r>
-            <a:r>
-              <a:rPr sz="1000" spc="20" dirty="0">
-                <a:latin typeface="Times New Roman"/>
-                <a:cs typeface="Times New Roman"/>
-              </a:rPr>
-              <a:t>r</a:t>
-            </a:r>
-            <a:r>
-              <a:rPr sz="1000" spc="10" dirty="0">
-                <a:latin typeface="Times New Roman"/>
-                <a:cs typeface="Times New Roman"/>
-              </a:rPr>
-              <a:t>ma</a:t>
-            </a:r>
-            <a:r>
-              <a:rPr sz="1000" dirty="0">
-                <a:latin typeface="Times New Roman"/>
-                <a:cs typeface="Times New Roman"/>
-              </a:rPr>
-              <a:t>t</a:t>
-            </a:r>
-            <a:r>
-              <a:rPr sz="1000" spc="-45" dirty="0">
-                <a:latin typeface="Times New Roman"/>
-                <a:cs typeface="Times New Roman"/>
-              </a:rPr>
-              <a:t> </a:t>
-            </a:r>
-            <a:r>
-              <a:rPr sz="1000" spc="5" dirty="0">
-                <a:latin typeface="Times New Roman"/>
-                <a:cs typeface="Times New Roman"/>
-              </a:rPr>
-              <a:t>a</a:t>
-            </a:r>
-            <a:r>
-              <a:rPr sz="1000" spc="25" dirty="0">
-                <a:latin typeface="Times New Roman"/>
-                <a:cs typeface="Times New Roman"/>
-              </a:rPr>
-              <a:t>n</a:t>
-            </a:r>
-            <a:r>
-              <a:rPr sz="1000" spc="5" dirty="0">
-                <a:latin typeface="Times New Roman"/>
-                <a:cs typeface="Times New Roman"/>
-              </a:rPr>
-              <a:t>d</a:t>
-            </a:r>
-            <a:r>
-              <a:rPr sz="1000" spc="-60" dirty="0">
-                <a:latin typeface="Times New Roman"/>
-                <a:cs typeface="Times New Roman"/>
-              </a:rPr>
-              <a:t> </a:t>
-            </a:r>
-            <a:r>
-              <a:rPr sz="1000" spc="-10" dirty="0">
-                <a:latin typeface="Times New Roman"/>
-                <a:cs typeface="Times New Roman"/>
-              </a:rPr>
-              <a:t>s</a:t>
-            </a:r>
-            <a:r>
-              <a:rPr sz="1000" spc="5" dirty="0">
-                <a:latin typeface="Times New Roman"/>
-                <a:cs typeface="Times New Roman"/>
-              </a:rPr>
-              <a:t>a</a:t>
-            </a:r>
-            <a:r>
-              <a:rPr sz="1000" spc="-25" dirty="0">
-                <a:latin typeface="Times New Roman"/>
-                <a:cs typeface="Times New Roman"/>
-              </a:rPr>
-              <a:t>v</a:t>
-            </a:r>
-            <a:r>
-              <a:rPr sz="1000" dirty="0">
-                <a:latin typeface="Times New Roman"/>
-                <a:cs typeface="Times New Roman"/>
-              </a:rPr>
-              <a:t>e</a:t>
-            </a:r>
-            <a:r>
-              <a:rPr sz="1000" spc="-25" dirty="0">
-                <a:latin typeface="Times New Roman"/>
-                <a:cs typeface="Times New Roman"/>
-              </a:rPr>
-              <a:t> </a:t>
-            </a:r>
-            <a:r>
-              <a:rPr sz="1000" spc="5" dirty="0">
-                <a:latin typeface="Times New Roman"/>
-                <a:cs typeface="Times New Roman"/>
-              </a:rPr>
-              <a:t>in</a:t>
-            </a:r>
-            <a:r>
-              <a:rPr sz="1000" spc="-60" dirty="0">
-                <a:latin typeface="Times New Roman"/>
-                <a:cs typeface="Times New Roman"/>
-              </a:rPr>
-              <a:t> </a:t>
-            </a:r>
-            <a:r>
-              <a:rPr sz="1000" spc="5" dirty="0">
-                <a:latin typeface="Times New Roman"/>
-                <a:cs typeface="Times New Roman"/>
-              </a:rPr>
-              <a:t>t</a:t>
-            </a:r>
-            <a:r>
-              <a:rPr sz="1000" spc="25" dirty="0">
-                <a:latin typeface="Times New Roman"/>
-                <a:cs typeface="Times New Roman"/>
-              </a:rPr>
-              <a:t>h</a:t>
-            </a:r>
-            <a:r>
-              <a:rPr sz="1000" dirty="0">
-                <a:latin typeface="Times New Roman"/>
-                <a:cs typeface="Times New Roman"/>
-              </a:rPr>
-              <a:t>e</a:t>
-            </a:r>
-            <a:r>
-              <a:rPr sz="1000" spc="-75" dirty="0">
-                <a:latin typeface="Times New Roman"/>
-                <a:cs typeface="Times New Roman"/>
-              </a:rPr>
-              <a:t> </a:t>
-            </a:r>
-            <a:r>
-              <a:rPr sz="1000" spc="-30" dirty="0">
-                <a:latin typeface="Times New Roman"/>
-                <a:cs typeface="Times New Roman"/>
-              </a:rPr>
-              <a:t>D</a:t>
-            </a:r>
-            <a:r>
-              <a:rPr sz="1000" spc="-45" dirty="0">
-                <a:latin typeface="Times New Roman"/>
-                <a:cs typeface="Times New Roman"/>
-              </a:rPr>
-              <a:t>B</a:t>
-            </a:r>
-            <a:r>
-              <a:rPr sz="1000" dirty="0">
-                <a:latin typeface="Times New Roman"/>
-                <a:cs typeface="Times New Roman"/>
-              </a:rPr>
-              <a:t>.</a:t>
-            </a:r>
-            <a:endParaRPr sz="1000">
-              <a:latin typeface="Times New Roman"/>
-              <a:cs typeface="Times New Roman"/>
-            </a:endParaRPr>
-          </a:p>
-          <a:p>
-            <a:pPr>
-              <a:lnSpc>
-                <a:spcPct val="100000"/>
-              </a:lnSpc>
-              <a:spcBef>
-                <a:spcPts val="45"/>
-              </a:spcBef>
-            </a:pPr>
-            <a:endParaRPr sz="1000">
-              <a:latin typeface="Times New Roman"/>
-              <a:cs typeface="Times New Roman"/>
-            </a:endParaRPr>
-          </a:p>
-          <a:p>
-            <a:pPr marL="12700">
-              <a:lnSpc>
-                <a:spcPct val="100000"/>
-              </a:lnSpc>
-            </a:pPr>
-            <a:r>
-              <a:rPr sz="1200" b="1" dirty="0">
-                <a:latin typeface="Times New Roman"/>
-                <a:cs typeface="Times New Roman"/>
-              </a:rPr>
-              <a:t>*</a:t>
-            </a:r>
-            <a:r>
-              <a:rPr sz="1200" b="1" spc="-50" dirty="0">
-                <a:latin typeface="Times New Roman"/>
-                <a:cs typeface="Times New Roman"/>
-              </a:rPr>
-              <a:t> </a:t>
-            </a:r>
-            <a:r>
-              <a:rPr sz="1200" b="1" spc="-5" dirty="0">
-                <a:latin typeface="Times New Roman"/>
-                <a:cs typeface="Times New Roman"/>
-              </a:rPr>
-              <a:t>Detail</a:t>
-            </a:r>
-            <a:endParaRPr sz="1200">
-              <a:latin typeface="Times New Roman"/>
-              <a:cs typeface="Times New Roman"/>
-            </a:endParaRPr>
-          </a:p>
-          <a:p>
-            <a:pPr marL="85725" indent="-73660">
-              <a:lnSpc>
-                <a:spcPct val="100000"/>
-              </a:lnSpc>
-              <a:spcBef>
-                <a:spcPts val="10"/>
-              </a:spcBef>
-              <a:buChar char="-"/>
-              <a:tabLst>
-                <a:tab pos="86360" algn="l"/>
-              </a:tabLst>
-            </a:pPr>
-            <a:r>
-              <a:rPr sz="1000" spc="-5" dirty="0">
-                <a:latin typeface="Times New Roman"/>
-                <a:cs typeface="Times New Roman"/>
-              </a:rPr>
-              <a:t>Convert</a:t>
-            </a:r>
-            <a:r>
-              <a:rPr sz="1000" spc="-95" dirty="0">
-                <a:latin typeface="Times New Roman"/>
-                <a:cs typeface="Times New Roman"/>
-              </a:rPr>
-              <a:t> </a:t>
-            </a:r>
-            <a:r>
-              <a:rPr sz="1000" spc="10" dirty="0">
-                <a:latin typeface="Times New Roman"/>
-                <a:cs typeface="Times New Roman"/>
-              </a:rPr>
-              <a:t>the</a:t>
-            </a:r>
-            <a:r>
-              <a:rPr sz="1000" spc="-50" dirty="0">
-                <a:latin typeface="Times New Roman"/>
-                <a:cs typeface="Times New Roman"/>
-              </a:rPr>
-              <a:t> </a:t>
-            </a:r>
-            <a:r>
-              <a:rPr sz="1000" spc="-5" dirty="0">
-                <a:latin typeface="Times New Roman"/>
-                <a:cs typeface="Times New Roman"/>
-              </a:rPr>
-              <a:t>resulting</a:t>
-            </a:r>
-            <a:r>
-              <a:rPr sz="1000" spc="-110" dirty="0">
-                <a:latin typeface="Times New Roman"/>
-                <a:cs typeface="Times New Roman"/>
-              </a:rPr>
-              <a:t> </a:t>
-            </a:r>
-            <a:r>
-              <a:rPr sz="1000" spc="5" dirty="0">
-                <a:latin typeface="Times New Roman"/>
-                <a:cs typeface="Times New Roman"/>
-              </a:rPr>
-              <a:t>image</a:t>
-            </a:r>
-            <a:r>
-              <a:rPr sz="1000" spc="-55" dirty="0">
-                <a:latin typeface="Times New Roman"/>
-                <a:cs typeface="Times New Roman"/>
-              </a:rPr>
-              <a:t> </a:t>
-            </a:r>
-            <a:r>
-              <a:rPr sz="1000" spc="10" dirty="0">
-                <a:latin typeface="Times New Roman"/>
-                <a:cs typeface="Times New Roman"/>
-              </a:rPr>
-              <a:t>into</a:t>
-            </a:r>
-            <a:r>
-              <a:rPr sz="1000" spc="-85" dirty="0">
-                <a:latin typeface="Times New Roman"/>
-                <a:cs typeface="Times New Roman"/>
-              </a:rPr>
-              <a:t> </a:t>
-            </a:r>
-            <a:r>
-              <a:rPr sz="1000" dirty="0">
-                <a:latin typeface="Times New Roman"/>
-                <a:cs typeface="Times New Roman"/>
-              </a:rPr>
-              <a:t>a </a:t>
-            </a:r>
-            <a:r>
-              <a:rPr sz="1000" spc="-5" dirty="0">
-                <a:latin typeface="Times New Roman"/>
-                <a:cs typeface="Times New Roman"/>
-              </a:rPr>
-              <a:t>downloadable</a:t>
-            </a:r>
-            <a:r>
-              <a:rPr sz="1000" spc="-95" dirty="0">
-                <a:latin typeface="Times New Roman"/>
-                <a:cs typeface="Times New Roman"/>
-              </a:rPr>
-              <a:t> </a:t>
-            </a:r>
-            <a:r>
-              <a:rPr sz="1000" spc="-30" dirty="0">
-                <a:latin typeface="Times New Roman"/>
-                <a:cs typeface="Times New Roman"/>
-              </a:rPr>
-              <a:t>URL</a:t>
-            </a:r>
-            <a:endParaRPr sz="1000">
-              <a:latin typeface="Times New Roman"/>
-              <a:cs typeface="Times New Roman"/>
-            </a:endParaRPr>
-          </a:p>
-          <a:p>
-            <a:pPr marL="12700">
-              <a:lnSpc>
-                <a:spcPct val="100000"/>
-              </a:lnSpc>
-            </a:pPr>
-            <a:r>
-              <a:rPr sz="1000" spc="-25" dirty="0">
-                <a:latin typeface="Times New Roman"/>
-                <a:cs typeface="Times New Roman"/>
-              </a:rPr>
-              <a:t>fo</a:t>
-            </a:r>
-            <a:r>
-              <a:rPr sz="1000" spc="20" dirty="0">
-                <a:latin typeface="Times New Roman"/>
-                <a:cs typeface="Times New Roman"/>
-              </a:rPr>
-              <a:t>r</a:t>
-            </a:r>
-            <a:r>
-              <a:rPr sz="1000" spc="5" dirty="0">
-                <a:latin typeface="Times New Roman"/>
-                <a:cs typeface="Times New Roman"/>
-              </a:rPr>
-              <a:t>ma</a:t>
-            </a:r>
-            <a:r>
-              <a:rPr sz="1000" dirty="0">
-                <a:latin typeface="Times New Roman"/>
-                <a:cs typeface="Times New Roman"/>
-              </a:rPr>
-              <a:t>t</a:t>
-            </a:r>
-            <a:r>
-              <a:rPr sz="1000" spc="-25" dirty="0">
-                <a:latin typeface="Times New Roman"/>
-                <a:cs typeface="Times New Roman"/>
-              </a:rPr>
-              <a:t> </a:t>
-            </a:r>
-            <a:r>
-              <a:rPr sz="1000" spc="5" dirty="0">
-                <a:latin typeface="Times New Roman"/>
-                <a:cs typeface="Times New Roman"/>
-              </a:rPr>
-              <a:t>t</a:t>
-            </a:r>
-            <a:r>
-              <a:rPr sz="1000" spc="20" dirty="0">
-                <a:latin typeface="Times New Roman"/>
-                <a:cs typeface="Times New Roman"/>
-              </a:rPr>
-              <a:t>h</a:t>
-            </a:r>
-            <a:r>
-              <a:rPr sz="1000" dirty="0">
-                <a:latin typeface="Times New Roman"/>
-                <a:cs typeface="Times New Roman"/>
-              </a:rPr>
-              <a:t>r</a:t>
-            </a:r>
-            <a:r>
-              <a:rPr sz="1000" spc="-25" dirty="0">
-                <a:latin typeface="Times New Roman"/>
-                <a:cs typeface="Times New Roman"/>
-              </a:rPr>
-              <a:t>o</a:t>
-            </a:r>
-            <a:r>
-              <a:rPr sz="1000" dirty="0">
-                <a:latin typeface="Times New Roman"/>
-                <a:cs typeface="Times New Roman"/>
-              </a:rPr>
-              <a:t>u</a:t>
-            </a:r>
-            <a:r>
-              <a:rPr sz="1000" spc="-25" dirty="0">
-                <a:latin typeface="Times New Roman"/>
-                <a:cs typeface="Times New Roman"/>
-              </a:rPr>
-              <a:t>g</a:t>
-            </a:r>
-            <a:r>
-              <a:rPr sz="1000" dirty="0">
-                <a:latin typeface="Times New Roman"/>
-                <a:cs typeface="Times New Roman"/>
-              </a:rPr>
-              <a:t>h</a:t>
-            </a:r>
-            <a:r>
-              <a:rPr sz="1000" spc="-105" dirty="0">
-                <a:latin typeface="Times New Roman"/>
-                <a:cs typeface="Times New Roman"/>
-              </a:rPr>
-              <a:t> </a:t>
-            </a:r>
-            <a:r>
-              <a:rPr sz="1000" spc="-25" dirty="0">
-                <a:latin typeface="Times New Roman"/>
-                <a:cs typeface="Times New Roman"/>
-              </a:rPr>
-              <a:t>f</a:t>
-            </a:r>
-            <a:r>
-              <a:rPr sz="1000" spc="5" dirty="0">
-                <a:latin typeface="Times New Roman"/>
-                <a:cs typeface="Times New Roman"/>
-              </a:rPr>
-              <a:t>i</a:t>
-            </a:r>
-            <a:r>
-              <a:rPr sz="1000" spc="20" dirty="0">
-                <a:latin typeface="Times New Roman"/>
-                <a:cs typeface="Times New Roman"/>
-              </a:rPr>
-              <a:t>r</a:t>
-            </a:r>
-            <a:r>
-              <a:rPr sz="1000" spc="-15" dirty="0">
-                <a:latin typeface="Times New Roman"/>
-                <a:cs typeface="Times New Roman"/>
-              </a:rPr>
-              <a:t>e</a:t>
-            </a:r>
-            <a:r>
-              <a:rPr sz="1000" spc="-10" dirty="0">
-                <a:latin typeface="Times New Roman"/>
-                <a:cs typeface="Times New Roman"/>
-              </a:rPr>
-              <a:t>s</a:t>
-            </a:r>
-            <a:r>
-              <a:rPr sz="1000" spc="5" dirty="0">
-                <a:latin typeface="Times New Roman"/>
-                <a:cs typeface="Times New Roman"/>
-              </a:rPr>
-              <a:t>t</a:t>
-            </a:r>
-            <a:r>
-              <a:rPr sz="1000" spc="-25" dirty="0">
-                <a:latin typeface="Times New Roman"/>
-                <a:cs typeface="Times New Roman"/>
-              </a:rPr>
-              <a:t>o</a:t>
-            </a:r>
-            <a:r>
-              <a:rPr sz="1000" dirty="0">
-                <a:latin typeface="Times New Roman"/>
-                <a:cs typeface="Times New Roman"/>
-              </a:rPr>
-              <a:t>re</a:t>
-            </a:r>
-            <a:r>
-              <a:rPr sz="1000" spc="-95" dirty="0">
-                <a:latin typeface="Times New Roman"/>
-                <a:cs typeface="Times New Roman"/>
-              </a:rPr>
-              <a:t> </a:t>
-            </a:r>
-            <a:r>
-              <a:rPr sz="1000" spc="5" dirty="0">
-                <a:latin typeface="Times New Roman"/>
-                <a:cs typeface="Times New Roman"/>
-              </a:rPr>
-              <a:t>a</a:t>
-            </a:r>
-            <a:r>
-              <a:rPr sz="1000" spc="20" dirty="0">
-                <a:latin typeface="Times New Roman"/>
-                <a:cs typeface="Times New Roman"/>
-              </a:rPr>
-              <a:t>n</a:t>
-            </a:r>
-            <a:r>
-              <a:rPr sz="1000" dirty="0">
-                <a:latin typeface="Times New Roman"/>
-                <a:cs typeface="Times New Roman"/>
-              </a:rPr>
-              <a:t>d</a:t>
-            </a:r>
-            <a:r>
-              <a:rPr sz="1000" spc="-60" dirty="0">
-                <a:latin typeface="Times New Roman"/>
-                <a:cs typeface="Times New Roman"/>
-              </a:rPr>
-              <a:t> </a:t>
-            </a:r>
-            <a:r>
-              <a:rPr sz="1000" spc="-10" dirty="0">
-                <a:latin typeface="Times New Roman"/>
-                <a:cs typeface="Times New Roman"/>
-              </a:rPr>
-              <a:t>s</a:t>
-            </a:r>
-            <a:r>
-              <a:rPr sz="1000" spc="5" dirty="0">
-                <a:latin typeface="Times New Roman"/>
-                <a:cs typeface="Times New Roman"/>
-              </a:rPr>
-              <a:t>a</a:t>
-            </a:r>
-            <a:r>
-              <a:rPr sz="1000" spc="-25" dirty="0">
-                <a:latin typeface="Times New Roman"/>
-                <a:cs typeface="Times New Roman"/>
-              </a:rPr>
-              <a:t>v</a:t>
-            </a:r>
-            <a:r>
-              <a:rPr sz="1000" dirty="0">
-                <a:latin typeface="Times New Roman"/>
-                <a:cs typeface="Times New Roman"/>
-              </a:rPr>
-              <a:t>e </a:t>
-            </a:r>
-            <a:r>
-              <a:rPr sz="1000" spc="5" dirty="0">
-                <a:latin typeface="Times New Roman"/>
-                <a:cs typeface="Times New Roman"/>
-              </a:rPr>
-              <a:t>t</a:t>
-            </a:r>
-            <a:r>
-              <a:rPr sz="1000" spc="20" dirty="0">
-                <a:latin typeface="Times New Roman"/>
-                <a:cs typeface="Times New Roman"/>
-              </a:rPr>
-              <a:t>h</a:t>
-            </a:r>
-            <a:r>
-              <a:rPr sz="1000" dirty="0">
-                <a:latin typeface="Times New Roman"/>
-                <a:cs typeface="Times New Roman"/>
-              </a:rPr>
-              <a:t>e</a:t>
-            </a:r>
-            <a:r>
-              <a:rPr sz="1000" spc="-75" dirty="0">
-                <a:latin typeface="Times New Roman"/>
-                <a:cs typeface="Times New Roman"/>
-              </a:rPr>
-              <a:t> </a:t>
-            </a:r>
-            <a:r>
-              <a:rPr sz="1000" spc="-30" dirty="0">
-                <a:latin typeface="Times New Roman"/>
-                <a:cs typeface="Times New Roman"/>
-              </a:rPr>
-              <a:t>U</a:t>
-            </a:r>
-            <a:r>
-              <a:rPr sz="1000" spc="-20" dirty="0">
-                <a:latin typeface="Times New Roman"/>
-                <a:cs typeface="Times New Roman"/>
-              </a:rPr>
-              <a:t>R</a:t>
-            </a:r>
-            <a:r>
-              <a:rPr sz="1000" dirty="0">
-                <a:latin typeface="Times New Roman"/>
-                <a:cs typeface="Times New Roman"/>
-              </a:rPr>
-              <a:t>L </a:t>
-            </a:r>
-            <a:r>
-              <a:rPr sz="1000" spc="5" dirty="0">
-                <a:latin typeface="Times New Roman"/>
-                <a:cs typeface="Times New Roman"/>
-              </a:rPr>
-              <a:t>i</a:t>
-            </a:r>
-            <a:r>
-              <a:rPr sz="1000" dirty="0">
-                <a:latin typeface="Times New Roman"/>
-                <a:cs typeface="Times New Roman"/>
-              </a:rPr>
-              <a:t>n</a:t>
-            </a:r>
-            <a:r>
-              <a:rPr sz="1000" spc="-35" dirty="0">
-                <a:latin typeface="Times New Roman"/>
-                <a:cs typeface="Times New Roman"/>
-              </a:rPr>
-              <a:t> </a:t>
-            </a:r>
-            <a:r>
-              <a:rPr sz="1000" spc="5" dirty="0">
-                <a:latin typeface="Times New Roman"/>
-                <a:cs typeface="Times New Roman"/>
-              </a:rPr>
-              <a:t>t</a:t>
-            </a:r>
-            <a:r>
-              <a:rPr sz="1000" spc="20" dirty="0">
-                <a:latin typeface="Times New Roman"/>
-                <a:cs typeface="Times New Roman"/>
-              </a:rPr>
-              <a:t>h</a:t>
-            </a:r>
-            <a:r>
-              <a:rPr sz="1000" dirty="0">
-                <a:latin typeface="Times New Roman"/>
-                <a:cs typeface="Times New Roman"/>
-              </a:rPr>
-              <a:t>e</a:t>
-            </a:r>
-            <a:r>
-              <a:rPr sz="1000" spc="-75" dirty="0">
-                <a:latin typeface="Times New Roman"/>
-                <a:cs typeface="Times New Roman"/>
-              </a:rPr>
-              <a:t> </a:t>
-            </a:r>
-            <a:r>
-              <a:rPr sz="1000" spc="-30" dirty="0">
-                <a:latin typeface="Times New Roman"/>
-                <a:cs typeface="Times New Roman"/>
-              </a:rPr>
-              <a:t>D</a:t>
-            </a:r>
-            <a:r>
-              <a:rPr sz="1000" spc="-45" dirty="0">
-                <a:latin typeface="Times New Roman"/>
-                <a:cs typeface="Times New Roman"/>
-              </a:rPr>
-              <a:t>B</a:t>
-            </a:r>
-            <a:r>
-              <a:rPr sz="1000" dirty="0">
-                <a:latin typeface="Times New Roman"/>
-                <a:cs typeface="Times New Roman"/>
-              </a:rPr>
-              <a:t>.</a:t>
-            </a:r>
-            <a:endParaRPr sz="1000">
-              <a:latin typeface="Times New Roman"/>
-              <a:cs typeface="Times New Roman"/>
-            </a:endParaRPr>
-          </a:p>
-          <a:p>
-            <a:pPr>
-              <a:lnSpc>
-                <a:spcPct val="100000"/>
-              </a:lnSpc>
-              <a:spcBef>
-                <a:spcPts val="50"/>
-              </a:spcBef>
-            </a:pPr>
-            <a:endParaRPr sz="1000">
-              <a:latin typeface="Times New Roman"/>
-              <a:cs typeface="Times New Roman"/>
-            </a:endParaRPr>
-          </a:p>
-          <a:p>
-            <a:pPr marL="12700" marR="5080">
-              <a:lnSpc>
-                <a:spcPct val="100000"/>
-              </a:lnSpc>
-              <a:buChar char="-"/>
-              <a:tabLst>
-                <a:tab pos="86360" algn="l"/>
-              </a:tabLst>
-            </a:pPr>
-            <a:r>
-              <a:rPr sz="1000" spc="10" dirty="0">
-                <a:latin typeface="Times New Roman"/>
-                <a:cs typeface="Times New Roman"/>
-              </a:rPr>
-              <a:t>The </a:t>
-            </a:r>
-            <a:r>
-              <a:rPr sz="1000" spc="-5" dirty="0">
-                <a:latin typeface="Times New Roman"/>
-                <a:cs typeface="Times New Roman"/>
-              </a:rPr>
-              <a:t>reason </a:t>
-            </a:r>
-            <a:r>
-              <a:rPr sz="1000" spc="-15" dirty="0">
-                <a:latin typeface="Times New Roman"/>
-                <a:cs typeface="Times New Roman"/>
-              </a:rPr>
-              <a:t>for </a:t>
-            </a:r>
-            <a:r>
-              <a:rPr sz="1000" dirty="0">
-                <a:latin typeface="Times New Roman"/>
-                <a:cs typeface="Times New Roman"/>
-              </a:rPr>
-              <a:t>doing </a:t>
-            </a:r>
-            <a:r>
-              <a:rPr sz="1000" spc="10" dirty="0">
-                <a:latin typeface="Times New Roman"/>
-                <a:cs typeface="Times New Roman"/>
-              </a:rPr>
-              <a:t>this </a:t>
-            </a:r>
-            <a:r>
-              <a:rPr sz="1000" spc="5" dirty="0">
-                <a:latin typeface="Times New Roman"/>
-                <a:cs typeface="Times New Roman"/>
-              </a:rPr>
-              <a:t>is to </a:t>
-            </a:r>
-            <a:r>
-              <a:rPr sz="1000" spc="-10" dirty="0">
-                <a:latin typeface="Times New Roman"/>
-                <a:cs typeface="Times New Roman"/>
-              </a:rPr>
-              <a:t>solve </a:t>
-            </a:r>
-            <a:r>
-              <a:rPr sz="1000" spc="10" dirty="0">
-                <a:latin typeface="Times New Roman"/>
-                <a:cs typeface="Times New Roman"/>
-              </a:rPr>
-              <a:t>the </a:t>
-            </a:r>
-            <a:r>
-              <a:rPr sz="1000" spc="-5" dirty="0">
-                <a:latin typeface="Times New Roman"/>
-                <a:cs typeface="Times New Roman"/>
-              </a:rPr>
-              <a:t>problem </a:t>
-            </a:r>
-            <a:r>
-              <a:rPr sz="1000" spc="-10" dirty="0">
-                <a:latin typeface="Times New Roman"/>
-                <a:cs typeface="Times New Roman"/>
-              </a:rPr>
-              <a:t>that both </a:t>
-            </a:r>
-            <a:r>
-              <a:rPr sz="1000" spc="-235" dirty="0">
-                <a:latin typeface="Times New Roman"/>
-                <a:cs typeface="Times New Roman"/>
-              </a:rPr>
-              <a:t> </a:t>
-            </a:r>
-            <a:r>
-              <a:rPr sz="1000" spc="5" dirty="0">
-                <a:latin typeface="Times New Roman"/>
-                <a:cs typeface="Times New Roman"/>
-              </a:rPr>
-              <a:t>t</a:t>
-            </a:r>
-            <a:r>
-              <a:rPr sz="1000" spc="20" dirty="0">
-                <a:latin typeface="Times New Roman"/>
-                <a:cs typeface="Times New Roman"/>
-              </a:rPr>
-              <a:t>h</a:t>
-            </a:r>
-            <a:r>
-              <a:rPr sz="1000" dirty="0">
-                <a:latin typeface="Times New Roman"/>
-                <a:cs typeface="Times New Roman"/>
-              </a:rPr>
-              <a:t>e</a:t>
-            </a:r>
-            <a:r>
-              <a:rPr sz="1000" spc="-75" dirty="0">
-                <a:latin typeface="Times New Roman"/>
-                <a:cs typeface="Times New Roman"/>
-              </a:rPr>
-              <a:t> </a:t>
-            </a:r>
-            <a:r>
-              <a:rPr sz="1000" spc="-25" dirty="0">
-                <a:latin typeface="Times New Roman"/>
-                <a:cs typeface="Times New Roman"/>
-              </a:rPr>
-              <a:t>o</a:t>
-            </a:r>
-            <a:r>
-              <a:rPr sz="1000" spc="20" dirty="0">
-                <a:latin typeface="Times New Roman"/>
-                <a:cs typeface="Times New Roman"/>
-              </a:rPr>
-              <a:t>r</a:t>
-            </a:r>
-            <a:r>
-              <a:rPr sz="1000" spc="5" dirty="0">
-                <a:latin typeface="Times New Roman"/>
-                <a:cs typeface="Times New Roman"/>
-              </a:rPr>
-              <a:t>i</a:t>
-            </a:r>
-            <a:r>
-              <a:rPr sz="1000" dirty="0">
-                <a:latin typeface="Times New Roman"/>
-                <a:cs typeface="Times New Roman"/>
-              </a:rPr>
-              <a:t>g</a:t>
-            </a:r>
-            <a:r>
-              <a:rPr sz="1000" spc="-20" dirty="0">
-                <a:latin typeface="Times New Roman"/>
-                <a:cs typeface="Times New Roman"/>
-              </a:rPr>
-              <a:t>i</a:t>
-            </a:r>
-            <a:r>
-              <a:rPr sz="1000" dirty="0">
-                <a:latin typeface="Times New Roman"/>
-                <a:cs typeface="Times New Roman"/>
-              </a:rPr>
-              <a:t>n</a:t>
-            </a:r>
-            <a:r>
-              <a:rPr sz="1000" spc="5" dirty="0">
-                <a:latin typeface="Times New Roman"/>
-                <a:cs typeface="Times New Roman"/>
-              </a:rPr>
-              <a:t>a</a:t>
-            </a:r>
-            <a:r>
-              <a:rPr sz="1000" dirty="0">
-                <a:latin typeface="Times New Roman"/>
-                <a:cs typeface="Times New Roman"/>
-              </a:rPr>
-              <a:t>l</a:t>
-            </a:r>
-            <a:r>
-              <a:rPr sz="1000" spc="-120" dirty="0">
-                <a:latin typeface="Times New Roman"/>
-                <a:cs typeface="Times New Roman"/>
-              </a:rPr>
-              <a:t> </a:t>
-            </a:r>
-            <a:r>
-              <a:rPr sz="1000" spc="5" dirty="0">
-                <a:latin typeface="Times New Roman"/>
-                <a:cs typeface="Times New Roman"/>
-              </a:rPr>
-              <a:t>ima</a:t>
-            </a:r>
-            <a:r>
-              <a:rPr sz="1000" dirty="0">
-                <a:latin typeface="Times New Roman"/>
-                <a:cs typeface="Times New Roman"/>
-              </a:rPr>
-              <a:t>ge</a:t>
-            </a:r>
-            <a:r>
-              <a:rPr sz="1000" spc="-75" dirty="0">
-                <a:latin typeface="Times New Roman"/>
-                <a:cs typeface="Times New Roman"/>
-              </a:rPr>
-              <a:t> </a:t>
-            </a:r>
-            <a:r>
-              <a:rPr sz="1000" spc="5" dirty="0">
-                <a:latin typeface="Times New Roman"/>
-                <a:cs typeface="Times New Roman"/>
-              </a:rPr>
-              <a:t>a</a:t>
-            </a:r>
-            <a:r>
-              <a:rPr sz="1000" spc="20" dirty="0">
-                <a:latin typeface="Times New Roman"/>
-                <a:cs typeface="Times New Roman"/>
-              </a:rPr>
-              <a:t>n</a:t>
-            </a:r>
-            <a:r>
-              <a:rPr sz="1000" dirty="0">
-                <a:latin typeface="Times New Roman"/>
-                <a:cs typeface="Times New Roman"/>
-              </a:rPr>
-              <a:t>d</a:t>
-            </a:r>
-            <a:r>
-              <a:rPr sz="1000" spc="-60" dirty="0">
-                <a:latin typeface="Times New Roman"/>
-                <a:cs typeface="Times New Roman"/>
-              </a:rPr>
-              <a:t> </a:t>
-            </a:r>
-            <a:r>
-              <a:rPr sz="1000" spc="5" dirty="0">
-                <a:latin typeface="Times New Roman"/>
-                <a:cs typeface="Times New Roman"/>
-              </a:rPr>
-              <a:t>t</a:t>
-            </a:r>
-            <a:r>
-              <a:rPr sz="1000" spc="25" dirty="0">
-                <a:latin typeface="Times New Roman"/>
-                <a:cs typeface="Times New Roman"/>
-              </a:rPr>
-              <a:t>h</a:t>
-            </a:r>
-            <a:r>
-              <a:rPr sz="1000" dirty="0">
-                <a:latin typeface="Times New Roman"/>
-                <a:cs typeface="Times New Roman"/>
-              </a:rPr>
-              <a:t>e</a:t>
-            </a:r>
-            <a:r>
-              <a:rPr sz="1000" spc="-75" dirty="0">
-                <a:latin typeface="Times New Roman"/>
-                <a:cs typeface="Times New Roman"/>
-              </a:rPr>
-              <a:t> </a:t>
-            </a:r>
-            <a:r>
-              <a:rPr sz="1000" spc="20" dirty="0">
-                <a:latin typeface="Times New Roman"/>
-                <a:cs typeface="Times New Roman"/>
-              </a:rPr>
-              <a:t>r</a:t>
-            </a:r>
-            <a:r>
-              <a:rPr sz="1000" spc="-15" dirty="0">
-                <a:latin typeface="Times New Roman"/>
-                <a:cs typeface="Times New Roman"/>
-              </a:rPr>
-              <a:t>e</a:t>
-            </a:r>
-            <a:r>
-              <a:rPr sz="1000" spc="-10" dirty="0">
-                <a:latin typeface="Times New Roman"/>
-                <a:cs typeface="Times New Roman"/>
-              </a:rPr>
-              <a:t>s</a:t>
-            </a:r>
-            <a:r>
-              <a:rPr sz="1000" dirty="0">
-                <a:latin typeface="Times New Roman"/>
-                <a:cs typeface="Times New Roman"/>
-              </a:rPr>
-              <a:t>u</a:t>
-            </a:r>
-            <a:r>
-              <a:rPr sz="1000" spc="5" dirty="0">
-                <a:latin typeface="Times New Roman"/>
-                <a:cs typeface="Times New Roman"/>
-              </a:rPr>
-              <a:t>l</a:t>
-            </a:r>
-            <a:r>
-              <a:rPr sz="1000" spc="-20" dirty="0">
-                <a:latin typeface="Times New Roman"/>
-                <a:cs typeface="Times New Roman"/>
-              </a:rPr>
-              <a:t>ti</a:t>
-            </a:r>
-            <a:r>
-              <a:rPr sz="1000" spc="-25" dirty="0">
-                <a:latin typeface="Times New Roman"/>
-                <a:cs typeface="Times New Roman"/>
-              </a:rPr>
-              <a:t>n</a:t>
-            </a:r>
-            <a:r>
-              <a:rPr sz="1000" dirty="0">
-                <a:latin typeface="Times New Roman"/>
-                <a:cs typeface="Times New Roman"/>
-              </a:rPr>
-              <a:t>g</a:t>
-            </a:r>
-            <a:r>
-              <a:rPr sz="1000" spc="-105" dirty="0">
-                <a:latin typeface="Times New Roman"/>
-                <a:cs typeface="Times New Roman"/>
-              </a:rPr>
-              <a:t> </a:t>
-            </a:r>
-            <a:r>
-              <a:rPr sz="1000" spc="5" dirty="0">
-                <a:latin typeface="Times New Roman"/>
-                <a:cs typeface="Times New Roman"/>
-              </a:rPr>
-              <a:t>ima</a:t>
-            </a:r>
-            <a:r>
-              <a:rPr sz="1000" dirty="0">
-                <a:latin typeface="Times New Roman"/>
-                <a:cs typeface="Times New Roman"/>
-              </a:rPr>
-              <a:t>ge</a:t>
-            </a:r>
-            <a:r>
-              <a:rPr sz="1000" spc="-70" dirty="0">
-                <a:latin typeface="Times New Roman"/>
-                <a:cs typeface="Times New Roman"/>
-              </a:rPr>
-              <a:t> </a:t>
-            </a:r>
-            <a:r>
-              <a:rPr sz="1000" dirty="0">
-                <a:latin typeface="Times New Roman"/>
-                <a:cs typeface="Times New Roman"/>
-              </a:rPr>
-              <a:t>n</a:t>
-            </a:r>
-            <a:r>
-              <a:rPr sz="1000" spc="-40" dirty="0">
-                <a:latin typeface="Times New Roman"/>
-                <a:cs typeface="Times New Roman"/>
-              </a:rPr>
-              <a:t>ee</a:t>
-            </a:r>
-            <a:r>
-              <a:rPr sz="1000" dirty="0">
-                <a:latin typeface="Times New Roman"/>
-                <a:cs typeface="Times New Roman"/>
-              </a:rPr>
-              <a:t>d  </a:t>
-            </a:r>
-            <a:r>
-              <a:rPr sz="1000" spc="15" dirty="0">
-                <a:latin typeface="Times New Roman"/>
-                <a:cs typeface="Times New Roman"/>
-              </a:rPr>
-              <a:t> </a:t>
-            </a:r>
-            <a:r>
-              <a:rPr sz="1000" spc="5" dirty="0">
-                <a:latin typeface="Times New Roman"/>
-                <a:cs typeface="Times New Roman"/>
-              </a:rPr>
-              <a:t>t</a:t>
-            </a:r>
-            <a:r>
-              <a:rPr sz="1000" dirty="0">
-                <a:latin typeface="Times New Roman"/>
-                <a:cs typeface="Times New Roman"/>
-              </a:rPr>
-              <a:t>o</a:t>
-            </a:r>
-            <a:r>
-              <a:rPr sz="1000" spc="-60" dirty="0">
-                <a:latin typeface="Times New Roman"/>
-                <a:cs typeface="Times New Roman"/>
-              </a:rPr>
-              <a:t> </a:t>
-            </a:r>
-            <a:r>
-              <a:rPr sz="1000" spc="-25" dirty="0">
-                <a:latin typeface="Times New Roman"/>
-                <a:cs typeface="Times New Roman"/>
-              </a:rPr>
-              <a:t>b</a:t>
-            </a:r>
-            <a:r>
-              <a:rPr sz="1000" dirty="0">
-                <a:latin typeface="Times New Roman"/>
-                <a:cs typeface="Times New Roman"/>
-              </a:rPr>
-              <a:t>e</a:t>
-            </a:r>
-            <a:r>
-              <a:rPr sz="1000" spc="-5" dirty="0">
-                <a:latin typeface="Times New Roman"/>
-                <a:cs typeface="Times New Roman"/>
-              </a:rPr>
-              <a:t> </a:t>
-            </a:r>
-            <a:r>
-              <a:rPr sz="1000" spc="-10" dirty="0">
-                <a:latin typeface="Times New Roman"/>
-                <a:cs typeface="Times New Roman"/>
-              </a:rPr>
-              <a:t>s</a:t>
-            </a:r>
-            <a:r>
-              <a:rPr sz="1000" spc="5" dirty="0">
-                <a:latin typeface="Times New Roman"/>
-                <a:cs typeface="Times New Roman"/>
-              </a:rPr>
-              <a:t>a</a:t>
-            </a:r>
-            <a:r>
-              <a:rPr sz="1000" spc="-25" dirty="0">
-                <a:latin typeface="Times New Roman"/>
-                <a:cs typeface="Times New Roman"/>
-              </a:rPr>
-              <a:t>v</a:t>
-            </a:r>
-            <a:r>
-              <a:rPr sz="1000" spc="-15" dirty="0">
-                <a:latin typeface="Times New Roman"/>
-                <a:cs typeface="Times New Roman"/>
-              </a:rPr>
-              <a:t>e</a:t>
-            </a:r>
-            <a:r>
-              <a:rPr sz="1000" dirty="0">
-                <a:latin typeface="Times New Roman"/>
-                <a:cs typeface="Times New Roman"/>
-              </a:rPr>
-              <a:t>d  </a:t>
-            </a:r>
-            <a:r>
-              <a:rPr sz="1000" spc="5" dirty="0">
-                <a:latin typeface="Times New Roman"/>
-                <a:cs typeface="Times New Roman"/>
-              </a:rPr>
-              <a:t>i</a:t>
-            </a:r>
-            <a:r>
-              <a:rPr sz="1000" dirty="0">
-                <a:latin typeface="Times New Roman"/>
-                <a:cs typeface="Times New Roman"/>
-              </a:rPr>
-              <a:t>n</a:t>
-            </a:r>
-            <a:r>
-              <a:rPr sz="1000" spc="-60" dirty="0">
-                <a:latin typeface="Times New Roman"/>
-                <a:cs typeface="Times New Roman"/>
-              </a:rPr>
-              <a:t> </a:t>
-            </a:r>
-            <a:r>
-              <a:rPr sz="1000" spc="-25" dirty="0">
-                <a:latin typeface="Times New Roman"/>
-                <a:cs typeface="Times New Roman"/>
-              </a:rPr>
-              <a:t>o</a:t>
-            </a:r>
-            <a:r>
-              <a:rPr sz="1000" spc="20" dirty="0">
-                <a:latin typeface="Times New Roman"/>
-                <a:cs typeface="Times New Roman"/>
-              </a:rPr>
-              <a:t>n</a:t>
-            </a:r>
-            <a:r>
-              <a:rPr sz="1000" dirty="0">
-                <a:latin typeface="Times New Roman"/>
-                <a:cs typeface="Times New Roman"/>
-              </a:rPr>
-              <a:t>e</a:t>
-            </a:r>
-            <a:r>
-              <a:rPr sz="1000" spc="-25" dirty="0">
-                <a:latin typeface="Times New Roman"/>
-                <a:cs typeface="Times New Roman"/>
-              </a:rPr>
-              <a:t> </a:t>
-            </a:r>
-            <a:r>
-              <a:rPr sz="1000" spc="20" dirty="0">
-                <a:latin typeface="Times New Roman"/>
-                <a:cs typeface="Times New Roman"/>
-              </a:rPr>
-              <a:t>r</a:t>
-            </a:r>
-            <a:r>
-              <a:rPr sz="1000" spc="-15" dirty="0">
-                <a:latin typeface="Times New Roman"/>
-                <a:cs typeface="Times New Roman"/>
-              </a:rPr>
-              <a:t>ec</a:t>
-            </a:r>
-            <a:r>
-              <a:rPr sz="1000" spc="-25" dirty="0">
-                <a:latin typeface="Times New Roman"/>
-                <a:cs typeface="Times New Roman"/>
-              </a:rPr>
-              <a:t>o</a:t>
-            </a:r>
-            <a:r>
-              <a:rPr sz="1000" spc="20" dirty="0">
-                <a:latin typeface="Times New Roman"/>
-                <a:cs typeface="Times New Roman"/>
-              </a:rPr>
-              <a:t>r</a:t>
-            </a:r>
-            <a:r>
-              <a:rPr sz="1000" dirty="0">
-                <a:latin typeface="Times New Roman"/>
-                <a:cs typeface="Times New Roman"/>
-              </a:rPr>
-              <a:t>d,</a:t>
-            </a:r>
-            <a:r>
-              <a:rPr sz="1000" spc="-95" dirty="0">
-                <a:latin typeface="Times New Roman"/>
-                <a:cs typeface="Times New Roman"/>
-              </a:rPr>
-              <a:t> </a:t>
-            </a:r>
-            <a:r>
-              <a:rPr sz="1000" spc="-25" dirty="0">
-                <a:latin typeface="Times New Roman"/>
-                <a:cs typeface="Times New Roman"/>
-              </a:rPr>
-              <a:t>b</a:t>
-            </a:r>
-            <a:r>
-              <a:rPr sz="1000" dirty="0">
-                <a:latin typeface="Times New Roman"/>
-                <a:cs typeface="Times New Roman"/>
-              </a:rPr>
-              <a:t>ut</a:t>
-            </a:r>
-            <a:r>
-              <a:rPr sz="1000" spc="-30" dirty="0">
-                <a:latin typeface="Times New Roman"/>
-                <a:cs typeface="Times New Roman"/>
-              </a:rPr>
-              <a:t> </a:t>
-            </a:r>
-            <a:r>
-              <a:rPr sz="1000" spc="-25" dirty="0">
-                <a:latin typeface="Times New Roman"/>
-                <a:cs typeface="Times New Roman"/>
-              </a:rPr>
-              <a:t>o</a:t>
-            </a:r>
-            <a:r>
-              <a:rPr sz="1000" spc="20" dirty="0">
-                <a:latin typeface="Times New Roman"/>
-                <a:cs typeface="Times New Roman"/>
-              </a:rPr>
-              <a:t>n</a:t>
-            </a:r>
-            <a:r>
-              <a:rPr sz="1000" spc="5" dirty="0">
-                <a:latin typeface="Times New Roman"/>
-                <a:cs typeface="Times New Roman"/>
-              </a:rPr>
-              <a:t>l</a:t>
-            </a:r>
-            <a:r>
-              <a:rPr sz="1000" dirty="0">
-                <a:latin typeface="Times New Roman"/>
-                <a:cs typeface="Times New Roman"/>
-              </a:rPr>
-              <a:t>y</a:t>
-            </a:r>
-            <a:r>
-              <a:rPr sz="1000" spc="-35" dirty="0">
-                <a:latin typeface="Times New Roman"/>
-                <a:cs typeface="Times New Roman"/>
-              </a:rPr>
-              <a:t> </a:t>
-            </a:r>
-            <a:r>
-              <a:rPr sz="1000" spc="-25" dirty="0">
-                <a:latin typeface="Times New Roman"/>
-                <a:cs typeface="Times New Roman"/>
-              </a:rPr>
-              <a:t>o</a:t>
-            </a:r>
-            <a:r>
-              <a:rPr sz="1000" spc="25" dirty="0">
-                <a:latin typeface="Times New Roman"/>
-                <a:cs typeface="Times New Roman"/>
-              </a:rPr>
-              <a:t>n</a:t>
-            </a:r>
-            <a:r>
-              <a:rPr sz="1000" dirty="0">
-                <a:latin typeface="Times New Roman"/>
-                <a:cs typeface="Times New Roman"/>
-              </a:rPr>
-              <a:t>e</a:t>
-            </a:r>
-            <a:r>
-              <a:rPr sz="1000" spc="-55" dirty="0">
-                <a:latin typeface="Times New Roman"/>
-                <a:cs typeface="Times New Roman"/>
-              </a:rPr>
-              <a:t> </a:t>
-            </a:r>
-            <a:r>
-              <a:rPr sz="1000" spc="5" dirty="0">
-                <a:latin typeface="Times New Roman"/>
-                <a:cs typeface="Times New Roman"/>
-              </a:rPr>
-              <a:t>ima</a:t>
-            </a:r>
-            <a:r>
-              <a:rPr sz="1000" dirty="0">
-                <a:latin typeface="Times New Roman"/>
-                <a:cs typeface="Times New Roman"/>
-              </a:rPr>
-              <a:t>ge</a:t>
-            </a:r>
-            <a:r>
-              <a:rPr sz="1000" spc="-75" dirty="0">
-                <a:latin typeface="Times New Roman"/>
-                <a:cs typeface="Times New Roman"/>
-              </a:rPr>
-              <a:t> </a:t>
-            </a:r>
-            <a:r>
-              <a:rPr sz="1000" spc="-25" dirty="0">
-                <a:latin typeface="Times New Roman"/>
-                <a:cs typeface="Times New Roman"/>
-              </a:rPr>
-              <a:t>f</a:t>
-            </a:r>
-            <a:r>
-              <a:rPr sz="1000" spc="5" dirty="0">
-                <a:latin typeface="Times New Roman"/>
-                <a:cs typeface="Times New Roman"/>
-              </a:rPr>
-              <a:t>il</a:t>
-            </a:r>
-            <a:r>
-              <a:rPr sz="1000" dirty="0">
-                <a:latin typeface="Times New Roman"/>
-                <a:cs typeface="Times New Roman"/>
-              </a:rPr>
-              <a:t>e</a:t>
-            </a:r>
-            <a:r>
-              <a:rPr sz="1000" spc="-25" dirty="0">
-                <a:latin typeface="Times New Roman"/>
-                <a:cs typeface="Times New Roman"/>
-              </a:rPr>
-              <a:t> </a:t>
-            </a:r>
-            <a:r>
-              <a:rPr sz="1000" spc="-20" dirty="0">
-                <a:latin typeface="Times New Roman"/>
-                <a:cs typeface="Times New Roman"/>
-              </a:rPr>
-              <a:t>i</a:t>
-            </a:r>
-            <a:r>
-              <a:rPr sz="1000" dirty="0">
-                <a:latin typeface="Times New Roman"/>
-                <a:cs typeface="Times New Roman"/>
-              </a:rPr>
-              <a:t>s</a:t>
-            </a:r>
-            <a:r>
-              <a:rPr sz="1000" spc="-45" dirty="0">
-                <a:latin typeface="Times New Roman"/>
-                <a:cs typeface="Times New Roman"/>
-              </a:rPr>
-              <a:t> </a:t>
-            </a:r>
-            <a:r>
-              <a:rPr sz="1000" spc="-10" dirty="0">
-                <a:latin typeface="Times New Roman"/>
-                <a:cs typeface="Times New Roman"/>
-              </a:rPr>
-              <a:t>s</a:t>
-            </a:r>
-            <a:r>
-              <a:rPr sz="1000" spc="10" dirty="0">
-                <a:latin typeface="Times New Roman"/>
-                <a:cs typeface="Times New Roman"/>
-              </a:rPr>
-              <a:t>a</a:t>
-            </a:r>
-            <a:r>
-              <a:rPr sz="1000" spc="-25" dirty="0">
-                <a:latin typeface="Times New Roman"/>
-                <a:cs typeface="Times New Roman"/>
-              </a:rPr>
-              <a:t>v</a:t>
-            </a:r>
-            <a:r>
-              <a:rPr sz="1000" spc="-15" dirty="0">
-                <a:latin typeface="Times New Roman"/>
-                <a:cs typeface="Times New Roman"/>
-              </a:rPr>
-              <a:t>e</a:t>
-            </a:r>
-            <a:r>
-              <a:rPr sz="1000" dirty="0">
-                <a:latin typeface="Times New Roman"/>
-                <a:cs typeface="Times New Roman"/>
-              </a:rPr>
-              <a:t>d</a:t>
-            </a:r>
-            <a:r>
-              <a:rPr sz="1000" spc="5" dirty="0">
-                <a:latin typeface="Times New Roman"/>
-                <a:cs typeface="Times New Roman"/>
-              </a:rPr>
-              <a:t> i</a:t>
-            </a:r>
-            <a:r>
-              <a:rPr sz="1000" dirty="0">
-                <a:latin typeface="Times New Roman"/>
-                <a:cs typeface="Times New Roman"/>
-              </a:rPr>
-              <a:t>n</a:t>
-            </a:r>
-            <a:r>
-              <a:rPr sz="1000" spc="-60" dirty="0">
-                <a:latin typeface="Times New Roman"/>
-                <a:cs typeface="Times New Roman"/>
-              </a:rPr>
-              <a:t> </a:t>
-            </a:r>
-            <a:r>
-              <a:rPr sz="1000" spc="10" dirty="0">
-                <a:latin typeface="Times New Roman"/>
-                <a:cs typeface="Times New Roman"/>
-              </a:rPr>
-              <a:t>m</a:t>
-            </a:r>
-            <a:r>
-              <a:rPr sz="1000" spc="-50" dirty="0">
-                <a:latin typeface="Times New Roman"/>
-                <a:cs typeface="Times New Roman"/>
-              </a:rPr>
-              <a:t>y</a:t>
-            </a:r>
-            <a:r>
-              <a:rPr sz="1000" spc="-10" dirty="0">
-                <a:latin typeface="Times New Roman"/>
-                <a:cs typeface="Times New Roman"/>
-              </a:rPr>
-              <a:t>s</a:t>
-            </a:r>
-            <a:r>
-              <a:rPr sz="1000" dirty="0">
-                <a:latin typeface="Times New Roman"/>
-                <a:cs typeface="Times New Roman"/>
-              </a:rPr>
-              <a:t>q</a:t>
-            </a:r>
-            <a:r>
-              <a:rPr sz="1000" spc="5" dirty="0">
-                <a:latin typeface="Times New Roman"/>
-                <a:cs typeface="Times New Roman"/>
-              </a:rPr>
-              <a:t>l</a:t>
-            </a:r>
-            <a:r>
-              <a:rPr sz="1000" dirty="0">
-                <a:latin typeface="Times New Roman"/>
-                <a:cs typeface="Times New Roman"/>
-              </a:rPr>
-              <a:t>.</a:t>
-            </a:r>
-            <a:endParaRPr sz="1000">
-              <a:latin typeface="Times New Roman"/>
-              <a:cs typeface="Times New Roman"/>
-            </a:endParaRPr>
-          </a:p>
-        </p:txBody>
-      </p:sp>
-      <p:pic>
-        <p:nvPicPr>
-          <p:cNvPr id="4" name="object 4"/>
-          <p:cNvPicPr/>
-          <p:nvPr/>
-        </p:nvPicPr>
-        <p:blipFill>
-          <a:blip r:embed="rId2" cstate="print"/>
-          <a:stretch>
-            <a:fillRect/>
-          </a:stretch>
-        </p:blipFill>
-        <p:spPr>
-          <a:xfrm>
-            <a:off x="4166615" y="1399031"/>
-            <a:ext cx="1563624" cy="3474720"/>
-          </a:xfrm>
-          <a:prstGeom prst="rect">
-            <a:avLst/>
-          </a:prstGeom>
-        </p:spPr>
-      </p:pic>
-      <p:pic>
-        <p:nvPicPr>
-          <p:cNvPr id="5" name="object 5"/>
-          <p:cNvPicPr/>
-          <p:nvPr/>
-        </p:nvPicPr>
-        <p:blipFill>
-          <a:blip r:embed="rId3" cstate="print"/>
-          <a:stretch>
-            <a:fillRect/>
-          </a:stretch>
-        </p:blipFill>
-        <p:spPr>
-          <a:xfrm>
-            <a:off x="5821679" y="1399031"/>
-            <a:ext cx="2203704" cy="3474720"/>
-          </a:xfrm>
-          <a:prstGeom prst="rect">
-            <a:avLst/>
-          </a:prstGeom>
-        </p:spPr>
-      </p:pic>
-      <p:sp>
-        <p:nvSpPr>
-          <p:cNvPr id="6" name="object 6"/>
-          <p:cNvSpPr txBox="1"/>
-          <p:nvPr/>
-        </p:nvSpPr>
-        <p:spPr>
-          <a:xfrm>
-            <a:off x="240284" y="711834"/>
-            <a:ext cx="1158875" cy="299720"/>
-          </a:xfrm>
-          <a:prstGeom prst="rect">
-            <a:avLst/>
-          </a:prstGeom>
-        </p:spPr>
-        <p:txBody>
-          <a:bodyPr vert="horz" wrap="square" lIns="0" tIns="12700" rIns="0" bIns="0" rtlCol="0">
-            <a:spAutoFit/>
-          </a:bodyPr>
-          <a:lstStyle/>
-          <a:p>
-            <a:pPr marL="12700">
-              <a:lnSpc>
-                <a:spcPct val="100000"/>
-              </a:lnSpc>
-              <a:spcBef>
-                <a:spcPts val="100"/>
-              </a:spcBef>
-            </a:pPr>
-            <a:r>
-              <a:rPr sz="1800" b="1" dirty="0">
-                <a:latin typeface="Times New Roman"/>
-                <a:cs typeface="Times New Roman"/>
-              </a:rPr>
-              <a:t>Main</a:t>
-            </a:r>
-            <a:r>
-              <a:rPr sz="1800" b="1" spc="-90" dirty="0">
-                <a:latin typeface="Times New Roman"/>
-                <a:cs typeface="Times New Roman"/>
-              </a:rPr>
-              <a:t> </a:t>
-            </a:r>
-            <a:r>
-              <a:rPr sz="1800" b="1" spc="-35" dirty="0">
-                <a:latin typeface="Times New Roman"/>
-                <a:cs typeface="Times New Roman"/>
-              </a:rPr>
-              <a:t>Work</a:t>
-            </a:r>
-            <a:endParaRPr sz="1800">
-              <a:latin typeface="Times New Roman"/>
-              <a:cs typeface="Times New Roman"/>
-            </a:endParaRPr>
-          </a:p>
-        </p:txBody>
-      </p:sp>
-      <p:sp>
-        <p:nvSpPr>
-          <p:cNvPr id="7" name="object 7"/>
-          <p:cNvSpPr txBox="1"/>
-          <p:nvPr/>
-        </p:nvSpPr>
-        <p:spPr>
-          <a:xfrm>
-            <a:off x="1597278" y="711834"/>
-            <a:ext cx="1380490" cy="299720"/>
-          </a:xfrm>
-          <a:prstGeom prst="rect">
-            <a:avLst/>
-          </a:prstGeom>
-        </p:spPr>
-        <p:txBody>
-          <a:bodyPr vert="horz" wrap="square" lIns="0" tIns="12700" rIns="0" bIns="0" rtlCol="0">
-            <a:spAutoFit/>
-          </a:bodyPr>
-          <a:lstStyle/>
-          <a:p>
-            <a:pPr marL="12700">
-              <a:lnSpc>
-                <a:spcPct val="100000"/>
-              </a:lnSpc>
-              <a:spcBef>
-                <a:spcPts val="100"/>
-              </a:spcBef>
-            </a:pPr>
-            <a:r>
-              <a:rPr sz="1800" spc="-10" dirty="0">
-                <a:latin typeface="Times New Roman"/>
-                <a:cs typeface="Times New Roman"/>
-              </a:rPr>
-              <a:t>1.</a:t>
-            </a:r>
-            <a:r>
-              <a:rPr sz="1800" spc="-90" dirty="0">
-                <a:latin typeface="Times New Roman"/>
-                <a:cs typeface="Times New Roman"/>
-              </a:rPr>
-              <a:t> </a:t>
-            </a:r>
-            <a:r>
-              <a:rPr sz="1800" spc="-35" dirty="0">
-                <a:latin typeface="Times New Roman"/>
-                <a:cs typeface="Times New Roman"/>
-              </a:rPr>
-              <a:t>Camera</a:t>
-            </a:r>
-            <a:r>
-              <a:rPr sz="1800" spc="-10" dirty="0">
-                <a:latin typeface="Times New Roman"/>
-                <a:cs typeface="Times New Roman"/>
-              </a:rPr>
-              <a:t> </a:t>
-            </a:r>
-            <a:r>
-              <a:rPr sz="1800" spc="-25" dirty="0">
-                <a:latin typeface="Times New Roman"/>
-                <a:cs typeface="Times New Roman"/>
-              </a:rPr>
-              <a:t>App</a:t>
-            </a:r>
-            <a:endParaRPr sz="1800">
-              <a:latin typeface="Times New Roman"/>
-              <a:cs typeface="Times New Roman"/>
-            </a:endParaRPr>
-          </a:p>
-        </p:txBody>
-      </p:sp>
-    </p:spTree>
-  </p:cSld>
-  <p:clrMapOvr>
-    <a:masterClrMapping/>
-  </p:clrMapOvr>
-</p:sld>
-</file>
-
-<file path=ppt/slides/slide9.xml><?xml version="1.0" encoding="utf-8"?>
-<p:sld xmlns:a="http://schemas.openxmlformats.org/drawingml/2006/main" xmlns:r="http://schemas.openxmlformats.org/officeDocument/2006/relationships" xmlns:p="http://schemas.openxmlformats.org/presentationml/2006/main">
-  <p:cSld>
-    <p:spTree>
-      <p:nvGrpSpPr>
-        <p:cNvPr id="1" name=""/>
-        <p:cNvGrpSpPr/>
-        <p:nvPr/>
-      </p:nvGrpSpPr>
-      <p:grpSpPr>
-        <a:xfrm>
-          <a:off x="0" y="0"/>
-          <a:ext cx="0" cy="0"/>
-          <a:chOff x="0" y="0"/>
-          <a:chExt cx="0" cy="0"/>
-        </a:xfrm>
-      </p:grpSpPr>
-      <p:sp>
-        <p:nvSpPr>
-          <p:cNvPr id="2" name="object 2"/>
-          <p:cNvSpPr txBox="1">
-            <a:spLocks noGrp="1"/>
-          </p:cNvSpPr>
-          <p:nvPr>
-            <p:ph type="title"/>
-          </p:nvPr>
-        </p:nvSpPr>
-        <p:spPr>
-          <a:xfrm>
-            <a:off x="134823" y="55879"/>
-            <a:ext cx="1294765" cy="347345"/>
-          </a:xfrm>
-          <a:prstGeom prst="rect">
-            <a:avLst/>
-          </a:prstGeom>
-        </p:spPr>
-        <p:txBody>
-          <a:bodyPr vert="horz" wrap="square" lIns="0" tIns="13970" rIns="0" bIns="0" rtlCol="0">
-            <a:spAutoFit/>
-          </a:bodyPr>
-          <a:lstStyle/>
-          <a:p>
-            <a:pPr marL="12700">
-              <a:lnSpc>
-                <a:spcPct val="100000"/>
-              </a:lnSpc>
-              <a:spcBef>
-                <a:spcPts val="110"/>
-              </a:spcBef>
-            </a:pPr>
-            <a:r>
-              <a:rPr sz="2100" b="0" spc="10" dirty="0">
-                <a:solidFill>
-                  <a:srgbClr val="FFFFFF"/>
-                </a:solidFill>
-                <a:latin typeface="Arial MT"/>
-                <a:cs typeface="Arial MT"/>
-              </a:rPr>
-              <a:t>P</a:t>
-            </a:r>
-            <a:r>
-              <a:rPr sz="2100" b="0" spc="5" dirty="0">
-                <a:solidFill>
-                  <a:srgbClr val="FFFFFF"/>
-                </a:solidFill>
-                <a:latin typeface="Arial MT"/>
-                <a:cs typeface="Arial MT"/>
-              </a:rPr>
-              <a:t>ro</a:t>
-            </a:r>
-            <a:r>
-              <a:rPr sz="2100" b="0" spc="10" dirty="0">
-                <a:solidFill>
-                  <a:srgbClr val="FFFFFF"/>
-                </a:solidFill>
-                <a:latin typeface="Arial MT"/>
-                <a:cs typeface="Arial MT"/>
-              </a:rPr>
-              <a:t>j</a:t>
-            </a:r>
-            <a:r>
-              <a:rPr sz="2100" b="0" spc="-15" dirty="0">
-                <a:solidFill>
-                  <a:srgbClr val="FFFFFF"/>
-                </a:solidFill>
-                <a:latin typeface="Arial MT"/>
-                <a:cs typeface="Arial MT"/>
-              </a:rPr>
-              <a:t>e</a:t>
-            </a:r>
-            <a:r>
-              <a:rPr sz="2100" b="0" spc="-20" dirty="0">
-                <a:solidFill>
-                  <a:srgbClr val="FFFFFF"/>
-                </a:solidFill>
-                <a:latin typeface="Arial MT"/>
-                <a:cs typeface="Arial MT"/>
-              </a:rPr>
-              <a:t>c</a:t>
-            </a:r>
-            <a:r>
-              <a:rPr sz="2100" b="0" dirty="0">
-                <a:solidFill>
-                  <a:srgbClr val="FFFFFF"/>
-                </a:solidFill>
-                <a:latin typeface="Arial MT"/>
-                <a:cs typeface="Arial MT"/>
-              </a:rPr>
-              <a:t>t</a:t>
-            </a:r>
-            <a:r>
-              <a:rPr sz="2100" b="0" spc="-85" dirty="0">
-                <a:solidFill>
-                  <a:srgbClr val="FFFFFF"/>
-                </a:solidFill>
-                <a:latin typeface="Arial MT"/>
-                <a:cs typeface="Arial MT"/>
-              </a:rPr>
-              <a:t> </a:t>
-            </a:r>
-            <a:r>
-              <a:rPr sz="2100" b="0" spc="5" dirty="0">
-                <a:solidFill>
-                  <a:srgbClr val="FFFFFF"/>
-                </a:solidFill>
-                <a:latin typeface="Arial MT"/>
-                <a:cs typeface="Arial MT"/>
-              </a:rPr>
-              <a:t>0</a:t>
-            </a:r>
-            <a:r>
-              <a:rPr sz="2100" b="0" spc="10" dirty="0">
-                <a:solidFill>
-                  <a:srgbClr val="FFFFFF"/>
-                </a:solidFill>
-                <a:latin typeface="Arial MT"/>
-                <a:cs typeface="Arial MT"/>
-              </a:rPr>
-              <a:t>1</a:t>
-            </a:r>
-            <a:r>
-              <a:rPr sz="2100" b="0" dirty="0">
-                <a:solidFill>
-                  <a:srgbClr val="FFFFFF"/>
-                </a:solidFill>
-                <a:latin typeface="Arial MT"/>
-                <a:cs typeface="Arial MT"/>
-              </a:rPr>
-              <a:t>.</a:t>
-            </a:r>
-            <a:endParaRPr sz="2100">
-              <a:latin typeface="Arial MT"/>
-              <a:cs typeface="Arial MT"/>
-            </a:endParaRPr>
-          </a:p>
-        </p:txBody>
-      </p:sp>
-      <p:sp>
-        <p:nvSpPr>
-          <p:cNvPr id="3" name="object 3"/>
-          <p:cNvSpPr txBox="1"/>
-          <p:nvPr/>
-        </p:nvSpPr>
-        <p:spPr>
-          <a:xfrm>
             <a:off x="240284" y="711834"/>
             <a:ext cx="1158875" cy="299720"/>
           </a:xfrm>
@@ -28375,6 +23983,1263 @@
           </a:prstGeom>
         </p:spPr>
       </p:pic>
+    </p:spTree>
+  </p:cSld>
+  <p:clrMapOvr>
+    <a:masterClrMapping/>
+  </p:clrMapOvr>
+</p:sld>
+</file>
+
+<file path=ppt/slides/slide9.xml><?xml version="1.0" encoding="utf-8"?>
+<p:sld xmlns:a="http://schemas.openxmlformats.org/drawingml/2006/main" xmlns:r="http://schemas.openxmlformats.org/officeDocument/2006/relationships" xmlns:p="http://schemas.openxmlformats.org/presentationml/2006/main">
+  <p:cSld>
+    <p:spTree>
+      <p:nvGrpSpPr>
+        <p:cNvPr id="1" name=""/>
+        <p:cNvGrpSpPr/>
+        <p:nvPr/>
+      </p:nvGrpSpPr>
+      <p:grpSpPr>
+        <a:xfrm>
+          <a:off x="0" y="0"/>
+          <a:ext cx="0" cy="0"/>
+          <a:chOff x="0" y="0"/>
+          <a:chExt cx="0" cy="0"/>
+        </a:xfrm>
+      </p:grpSpPr>
+      <p:sp>
+        <p:nvSpPr>
+          <p:cNvPr id="2" name="object 2"/>
+          <p:cNvSpPr txBox="1">
+            <a:spLocks noGrp="1"/>
+          </p:cNvSpPr>
+          <p:nvPr>
+            <p:ph type="title"/>
+          </p:nvPr>
+        </p:nvSpPr>
+        <p:spPr>
+          <a:xfrm>
+            <a:off x="134823" y="55879"/>
+            <a:ext cx="1293495" cy="347345"/>
+          </a:xfrm>
+          <a:prstGeom prst="rect">
+            <a:avLst/>
+          </a:prstGeom>
+        </p:spPr>
+        <p:txBody>
+          <a:bodyPr vert="horz" wrap="square" lIns="0" tIns="13970" rIns="0" bIns="0" rtlCol="0">
+            <a:spAutoFit/>
+          </a:bodyPr>
+          <a:lstStyle/>
+          <a:p>
+            <a:pPr marL="12700">
+              <a:lnSpc>
+                <a:spcPct val="100000"/>
+              </a:lnSpc>
+              <a:spcBef>
+                <a:spcPts val="110"/>
+              </a:spcBef>
+            </a:pPr>
+            <a:r>
+              <a:rPr sz="2100" b="0" spc="10" dirty="0">
+                <a:solidFill>
+                  <a:srgbClr val="FFFFFF"/>
+                </a:solidFill>
+                <a:latin typeface="Arial MT"/>
+                <a:cs typeface="Arial MT"/>
+              </a:rPr>
+              <a:t>P</a:t>
+            </a:r>
+            <a:r>
+              <a:rPr sz="2100" b="0" spc="5" dirty="0">
+                <a:solidFill>
+                  <a:srgbClr val="FFFFFF"/>
+                </a:solidFill>
+                <a:latin typeface="Arial MT"/>
+                <a:cs typeface="Arial MT"/>
+              </a:rPr>
+              <a:t>ro</a:t>
+            </a:r>
+            <a:r>
+              <a:rPr sz="2100" b="0" spc="10" dirty="0">
+                <a:solidFill>
+                  <a:srgbClr val="FFFFFF"/>
+                </a:solidFill>
+                <a:latin typeface="Arial MT"/>
+                <a:cs typeface="Arial MT"/>
+              </a:rPr>
+              <a:t>j</a:t>
+            </a:r>
+            <a:r>
+              <a:rPr sz="2100" b="0" spc="-15" dirty="0">
+                <a:solidFill>
+                  <a:srgbClr val="FFFFFF"/>
+                </a:solidFill>
+                <a:latin typeface="Arial MT"/>
+                <a:cs typeface="Arial MT"/>
+              </a:rPr>
+              <a:t>e</a:t>
+            </a:r>
+            <a:r>
+              <a:rPr sz="2100" b="0" spc="-20" dirty="0">
+                <a:solidFill>
+                  <a:srgbClr val="FFFFFF"/>
+                </a:solidFill>
+                <a:latin typeface="Arial MT"/>
+                <a:cs typeface="Arial MT"/>
+              </a:rPr>
+              <a:t>c</a:t>
+            </a:r>
+            <a:r>
+              <a:rPr sz="2100" b="0" dirty="0">
+                <a:solidFill>
+                  <a:srgbClr val="FFFFFF"/>
+                </a:solidFill>
+                <a:latin typeface="Arial MT"/>
+                <a:cs typeface="Arial MT"/>
+              </a:rPr>
+              <a:t>t</a:t>
+            </a:r>
+            <a:r>
+              <a:rPr sz="2100" b="0" spc="-105" dirty="0">
+                <a:solidFill>
+                  <a:srgbClr val="FFFFFF"/>
+                </a:solidFill>
+                <a:latin typeface="Arial MT"/>
+                <a:cs typeface="Arial MT"/>
+              </a:rPr>
+              <a:t> </a:t>
+            </a:r>
+            <a:r>
+              <a:rPr sz="2100" b="0" spc="5" dirty="0">
+                <a:solidFill>
+                  <a:srgbClr val="FFFFFF"/>
+                </a:solidFill>
+                <a:latin typeface="Arial MT"/>
+                <a:cs typeface="Arial MT"/>
+              </a:rPr>
+              <a:t>01.</a:t>
+            </a:r>
+            <a:endParaRPr sz="2100">
+              <a:latin typeface="Arial MT"/>
+              <a:cs typeface="Arial MT"/>
+            </a:endParaRPr>
+          </a:p>
+        </p:txBody>
+      </p:sp>
+      <p:sp>
+        <p:nvSpPr>
+          <p:cNvPr id="3" name="object 3"/>
+          <p:cNvSpPr txBox="1"/>
+          <p:nvPr/>
+        </p:nvSpPr>
+        <p:spPr>
+          <a:xfrm>
+            <a:off x="240284" y="2190369"/>
+            <a:ext cx="2505075" cy="1002665"/>
+          </a:xfrm>
+          <a:prstGeom prst="rect">
+            <a:avLst/>
+          </a:prstGeom>
+        </p:spPr>
+        <p:txBody>
+          <a:bodyPr vert="horz" wrap="square" lIns="0" tIns="12700" rIns="0" bIns="0" rtlCol="0">
+            <a:spAutoFit/>
+          </a:bodyPr>
+          <a:lstStyle/>
+          <a:p>
+            <a:pPr marL="12700">
+              <a:lnSpc>
+                <a:spcPct val="100000"/>
+              </a:lnSpc>
+              <a:spcBef>
+                <a:spcPts val="100"/>
+              </a:spcBef>
+            </a:pPr>
+            <a:r>
+              <a:rPr sz="1200" b="1" dirty="0">
+                <a:latin typeface="Times New Roman"/>
+                <a:cs typeface="Times New Roman"/>
+              </a:rPr>
+              <a:t>*</a:t>
+            </a:r>
+            <a:r>
+              <a:rPr sz="1200" b="1" spc="-35" dirty="0">
+                <a:latin typeface="Times New Roman"/>
+                <a:cs typeface="Times New Roman"/>
+              </a:rPr>
+              <a:t> </a:t>
+            </a:r>
+            <a:r>
+              <a:rPr sz="1200" b="1" spc="-10" dirty="0">
+                <a:latin typeface="Times New Roman"/>
+                <a:cs typeface="Times New Roman"/>
+              </a:rPr>
+              <a:t>Feature</a:t>
+            </a:r>
+            <a:r>
+              <a:rPr sz="1200" b="1" spc="-35" dirty="0">
+                <a:latin typeface="Times New Roman"/>
+                <a:cs typeface="Times New Roman"/>
+              </a:rPr>
+              <a:t> </a:t>
+            </a:r>
+            <a:r>
+              <a:rPr sz="1200" b="1" spc="-5" dirty="0">
+                <a:latin typeface="Times New Roman"/>
+                <a:cs typeface="Times New Roman"/>
+              </a:rPr>
+              <a:t>introduction</a:t>
+            </a:r>
+            <a:endParaRPr sz="1200">
+              <a:latin typeface="Times New Roman"/>
+              <a:cs typeface="Times New Roman"/>
+            </a:endParaRPr>
+          </a:p>
+          <a:p>
+            <a:pPr marL="12700">
+              <a:lnSpc>
+                <a:spcPct val="100000"/>
+              </a:lnSpc>
+              <a:spcBef>
+                <a:spcPts val="5"/>
+              </a:spcBef>
+            </a:pPr>
+            <a:r>
+              <a:rPr sz="1000" dirty="0">
+                <a:latin typeface="Times New Roman"/>
+                <a:cs typeface="Times New Roman"/>
+              </a:rPr>
+              <a:t>-</a:t>
+            </a:r>
+            <a:r>
+              <a:rPr sz="1000" spc="-10" dirty="0">
+                <a:latin typeface="Times New Roman"/>
+                <a:cs typeface="Times New Roman"/>
+              </a:rPr>
+              <a:t> </a:t>
+            </a:r>
+            <a:r>
+              <a:rPr sz="1000" spc="-5" dirty="0">
+                <a:latin typeface="Times New Roman"/>
+                <a:cs typeface="Times New Roman"/>
+              </a:rPr>
+              <a:t>M</a:t>
+            </a:r>
+            <a:r>
+              <a:rPr sz="1000" spc="-15" dirty="0">
+                <a:latin typeface="Times New Roman"/>
+                <a:cs typeface="Times New Roman"/>
+              </a:rPr>
+              <a:t>e</a:t>
+            </a:r>
+            <a:r>
+              <a:rPr sz="1000" spc="5" dirty="0">
+                <a:latin typeface="Times New Roman"/>
+                <a:cs typeface="Times New Roman"/>
+              </a:rPr>
+              <a:t>t</a:t>
+            </a:r>
+            <a:r>
+              <a:rPr sz="1000" spc="20" dirty="0">
+                <a:latin typeface="Times New Roman"/>
+                <a:cs typeface="Times New Roman"/>
+              </a:rPr>
+              <a:t>h</a:t>
+            </a:r>
+            <a:r>
+              <a:rPr sz="1000" spc="-25" dirty="0">
+                <a:latin typeface="Times New Roman"/>
+                <a:cs typeface="Times New Roman"/>
+              </a:rPr>
+              <a:t>o</a:t>
+            </a:r>
+            <a:r>
+              <a:rPr sz="1000" dirty="0">
+                <a:latin typeface="Times New Roman"/>
+                <a:cs typeface="Times New Roman"/>
+              </a:rPr>
+              <a:t>d</a:t>
+            </a:r>
+            <a:r>
+              <a:rPr sz="1000" spc="-80" dirty="0">
+                <a:latin typeface="Times New Roman"/>
+                <a:cs typeface="Times New Roman"/>
+              </a:rPr>
+              <a:t> </a:t>
+            </a:r>
+            <a:r>
+              <a:rPr sz="1000" spc="-15" dirty="0">
+                <a:latin typeface="Times New Roman"/>
+                <a:cs typeface="Times New Roman"/>
+              </a:rPr>
+              <a:t>c</a:t>
+            </a:r>
+            <a:r>
+              <a:rPr sz="1000" spc="-25" dirty="0">
+                <a:latin typeface="Times New Roman"/>
+                <a:cs typeface="Times New Roman"/>
+              </a:rPr>
+              <a:t>o</a:t>
+            </a:r>
+            <a:r>
+              <a:rPr sz="1000" spc="20" dirty="0">
+                <a:latin typeface="Times New Roman"/>
+                <a:cs typeface="Times New Roman"/>
+              </a:rPr>
+              <a:t>n</a:t>
+            </a:r>
+            <a:r>
+              <a:rPr sz="1000" spc="-25" dirty="0">
+                <a:latin typeface="Times New Roman"/>
+                <a:cs typeface="Times New Roman"/>
+              </a:rPr>
+              <a:t>f</a:t>
+            </a:r>
+            <a:r>
+              <a:rPr sz="1000" spc="5" dirty="0">
+                <a:latin typeface="Times New Roman"/>
+                <a:cs typeface="Times New Roman"/>
+              </a:rPr>
+              <a:t>i</a:t>
+            </a:r>
+            <a:r>
+              <a:rPr sz="1000" dirty="0">
+                <a:latin typeface="Times New Roman"/>
+                <a:cs typeface="Times New Roman"/>
+              </a:rPr>
+              <a:t>gur</a:t>
+            </a:r>
+            <a:r>
+              <a:rPr sz="1000" spc="5" dirty="0">
+                <a:latin typeface="Times New Roman"/>
+                <a:cs typeface="Times New Roman"/>
+              </a:rPr>
+              <a:t>a</a:t>
+            </a:r>
+            <a:r>
+              <a:rPr sz="1000" spc="-20" dirty="0">
+                <a:latin typeface="Times New Roman"/>
+                <a:cs typeface="Times New Roman"/>
+              </a:rPr>
+              <a:t>ti</a:t>
+            </a:r>
+            <a:r>
+              <a:rPr sz="1000" spc="-50" dirty="0">
+                <a:latin typeface="Times New Roman"/>
+                <a:cs typeface="Times New Roman"/>
+              </a:rPr>
+              <a:t>o</a:t>
+            </a:r>
+            <a:r>
+              <a:rPr sz="1000" dirty="0">
+                <a:latin typeface="Times New Roman"/>
+                <a:cs typeface="Times New Roman"/>
+              </a:rPr>
+              <a:t>n</a:t>
+            </a:r>
+            <a:r>
+              <a:rPr sz="1000" spc="-80" dirty="0">
+                <a:latin typeface="Times New Roman"/>
+                <a:cs typeface="Times New Roman"/>
+              </a:rPr>
+              <a:t> </a:t>
+            </a:r>
+            <a:r>
+              <a:rPr sz="1000" spc="-25" dirty="0">
+                <a:latin typeface="Times New Roman"/>
+                <a:cs typeface="Times New Roman"/>
+              </a:rPr>
+              <a:t>fo</a:t>
+            </a:r>
+            <a:r>
+              <a:rPr sz="1000" dirty="0">
+                <a:latin typeface="Times New Roman"/>
+                <a:cs typeface="Times New Roman"/>
+              </a:rPr>
+              <a:t>r</a:t>
+            </a:r>
+            <a:r>
+              <a:rPr sz="1000" spc="35" dirty="0">
+                <a:latin typeface="Times New Roman"/>
+                <a:cs typeface="Times New Roman"/>
+              </a:rPr>
+              <a:t> </a:t>
+            </a:r>
+            <a:r>
+              <a:rPr sz="1000" spc="-15" dirty="0">
+                <a:latin typeface="Times New Roman"/>
+                <a:cs typeface="Times New Roman"/>
+              </a:rPr>
+              <a:t>e</a:t>
+            </a:r>
+            <a:r>
+              <a:rPr sz="1000" spc="5" dirty="0">
+                <a:latin typeface="Times New Roman"/>
+                <a:cs typeface="Times New Roman"/>
+              </a:rPr>
+              <a:t>a</a:t>
+            </a:r>
+            <a:r>
+              <a:rPr sz="1000" spc="-10" dirty="0">
+                <a:latin typeface="Times New Roman"/>
+                <a:cs typeface="Times New Roman"/>
+              </a:rPr>
+              <a:t>s</a:t>
+            </a:r>
+            <a:r>
+              <a:rPr sz="1000" dirty="0">
+                <a:latin typeface="Times New Roman"/>
+                <a:cs typeface="Times New Roman"/>
+              </a:rPr>
+              <a:t>y</a:t>
+            </a:r>
+            <a:r>
+              <a:rPr sz="1000" spc="-10" dirty="0">
+                <a:latin typeface="Times New Roman"/>
+                <a:cs typeface="Times New Roman"/>
+              </a:rPr>
+              <a:t> s</a:t>
+            </a:r>
+            <a:r>
+              <a:rPr sz="1000" spc="5" dirty="0">
+                <a:latin typeface="Times New Roman"/>
+                <a:cs typeface="Times New Roman"/>
+              </a:rPr>
+              <a:t>a</a:t>
+            </a:r>
+            <a:r>
+              <a:rPr sz="1000" spc="-25" dirty="0">
+                <a:latin typeface="Times New Roman"/>
+                <a:cs typeface="Times New Roman"/>
+              </a:rPr>
+              <a:t>v</a:t>
+            </a:r>
+            <a:r>
+              <a:rPr sz="1000" spc="5" dirty="0">
+                <a:latin typeface="Times New Roman"/>
+                <a:cs typeface="Times New Roman"/>
+              </a:rPr>
+              <a:t>i</a:t>
+            </a:r>
+            <a:r>
+              <a:rPr sz="1000" spc="20" dirty="0">
+                <a:latin typeface="Times New Roman"/>
+                <a:cs typeface="Times New Roman"/>
+              </a:rPr>
+              <a:t>n</a:t>
+            </a:r>
+            <a:r>
+              <a:rPr sz="1000" dirty="0">
+                <a:latin typeface="Times New Roman"/>
+                <a:cs typeface="Times New Roman"/>
+              </a:rPr>
+              <a:t>g</a:t>
+            </a:r>
+            <a:r>
+              <a:rPr sz="1000" spc="-35" dirty="0">
+                <a:latin typeface="Times New Roman"/>
+                <a:cs typeface="Times New Roman"/>
+              </a:rPr>
+              <a:t> </a:t>
+            </a:r>
+            <a:r>
+              <a:rPr sz="1000" spc="5" dirty="0">
+                <a:latin typeface="Times New Roman"/>
+                <a:cs typeface="Times New Roman"/>
+              </a:rPr>
+              <a:t>t</a:t>
+            </a:r>
+            <a:r>
+              <a:rPr sz="1000" dirty="0">
+                <a:latin typeface="Times New Roman"/>
+                <a:cs typeface="Times New Roman"/>
+              </a:rPr>
+              <a:t>o</a:t>
+            </a:r>
+            <a:r>
+              <a:rPr sz="1000" spc="-35" dirty="0">
+                <a:latin typeface="Times New Roman"/>
+                <a:cs typeface="Times New Roman"/>
+              </a:rPr>
+              <a:t> </a:t>
+            </a:r>
+            <a:r>
+              <a:rPr sz="1000" spc="-30" dirty="0">
+                <a:latin typeface="Times New Roman"/>
+                <a:cs typeface="Times New Roman"/>
+              </a:rPr>
+              <a:t>DB</a:t>
+            </a:r>
+            <a:endParaRPr sz="1000">
+              <a:latin typeface="Times New Roman"/>
+              <a:cs typeface="Times New Roman"/>
+            </a:endParaRPr>
+          </a:p>
+          <a:p>
+            <a:pPr>
+              <a:lnSpc>
+                <a:spcPct val="100000"/>
+              </a:lnSpc>
+              <a:spcBef>
+                <a:spcPts val="45"/>
+              </a:spcBef>
+            </a:pPr>
+            <a:endParaRPr sz="1000">
+              <a:latin typeface="Times New Roman"/>
+              <a:cs typeface="Times New Roman"/>
+            </a:endParaRPr>
+          </a:p>
+          <a:p>
+            <a:pPr marL="12700">
+              <a:lnSpc>
+                <a:spcPct val="100000"/>
+              </a:lnSpc>
+            </a:pPr>
+            <a:r>
+              <a:rPr sz="1200" b="1" dirty="0">
+                <a:latin typeface="Times New Roman"/>
+                <a:cs typeface="Times New Roman"/>
+              </a:rPr>
+              <a:t>*</a:t>
+            </a:r>
+            <a:r>
+              <a:rPr sz="1200" b="1" spc="-50" dirty="0">
+                <a:latin typeface="Times New Roman"/>
+                <a:cs typeface="Times New Roman"/>
+              </a:rPr>
+              <a:t> </a:t>
+            </a:r>
+            <a:r>
+              <a:rPr sz="1200" b="1" spc="-5" dirty="0">
+                <a:latin typeface="Times New Roman"/>
+                <a:cs typeface="Times New Roman"/>
+              </a:rPr>
+              <a:t>Detail</a:t>
+            </a:r>
+            <a:endParaRPr sz="1200">
+              <a:latin typeface="Times New Roman"/>
+              <a:cs typeface="Times New Roman"/>
+            </a:endParaRPr>
+          </a:p>
+          <a:p>
+            <a:pPr marL="12700">
+              <a:lnSpc>
+                <a:spcPct val="100000"/>
+              </a:lnSpc>
+              <a:spcBef>
+                <a:spcPts val="10"/>
+              </a:spcBef>
+            </a:pPr>
+            <a:r>
+              <a:rPr sz="1000" dirty="0">
+                <a:latin typeface="Times New Roman"/>
+                <a:cs typeface="Times New Roman"/>
+              </a:rPr>
+              <a:t>-</a:t>
+            </a:r>
+            <a:r>
+              <a:rPr sz="1000" spc="-35" dirty="0">
+                <a:latin typeface="Times New Roman"/>
+                <a:cs typeface="Times New Roman"/>
+              </a:rPr>
+              <a:t> </a:t>
+            </a:r>
+            <a:r>
+              <a:rPr sz="1000" spc="-30" dirty="0">
+                <a:latin typeface="Times New Roman"/>
+                <a:cs typeface="Times New Roman"/>
+              </a:rPr>
+              <a:t>U</a:t>
+            </a:r>
+            <a:r>
+              <a:rPr sz="1000" spc="-10" dirty="0">
+                <a:latin typeface="Times New Roman"/>
+                <a:cs typeface="Times New Roman"/>
+              </a:rPr>
+              <a:t>s</a:t>
+            </a:r>
+            <a:r>
+              <a:rPr sz="1000" dirty="0">
+                <a:latin typeface="Times New Roman"/>
+                <a:cs typeface="Times New Roman"/>
+              </a:rPr>
+              <a:t>e</a:t>
+            </a:r>
+            <a:r>
+              <a:rPr sz="1000" spc="25" dirty="0">
+                <a:latin typeface="Times New Roman"/>
+                <a:cs typeface="Times New Roman"/>
+              </a:rPr>
+              <a:t> </a:t>
+            </a:r>
+            <a:r>
+              <a:rPr sz="1000" spc="-10" dirty="0">
+                <a:latin typeface="Times New Roman"/>
+                <a:cs typeface="Times New Roman"/>
+              </a:rPr>
+              <a:t>s</a:t>
+            </a:r>
+            <a:r>
+              <a:rPr sz="1000" dirty="0">
+                <a:latin typeface="Times New Roman"/>
+                <a:cs typeface="Times New Roman"/>
+              </a:rPr>
+              <a:t>p</a:t>
+            </a:r>
+            <a:r>
+              <a:rPr sz="1000" spc="20" dirty="0">
+                <a:latin typeface="Times New Roman"/>
+                <a:cs typeface="Times New Roman"/>
+              </a:rPr>
+              <a:t>r</a:t>
+            </a:r>
+            <a:r>
+              <a:rPr sz="1000" spc="5" dirty="0">
+                <a:latin typeface="Times New Roman"/>
+                <a:cs typeface="Times New Roman"/>
+              </a:rPr>
+              <a:t>i</a:t>
+            </a:r>
+            <a:r>
+              <a:rPr sz="1000" spc="20" dirty="0">
+                <a:latin typeface="Times New Roman"/>
+                <a:cs typeface="Times New Roman"/>
+              </a:rPr>
+              <a:t>n</a:t>
+            </a:r>
+            <a:r>
+              <a:rPr sz="1000" dirty="0">
+                <a:latin typeface="Times New Roman"/>
+                <a:cs typeface="Times New Roman"/>
+              </a:rPr>
+              <a:t>g</a:t>
+            </a:r>
+            <a:r>
+              <a:rPr sz="1000" spc="-80" dirty="0">
+                <a:latin typeface="Times New Roman"/>
+                <a:cs typeface="Times New Roman"/>
+              </a:rPr>
+              <a:t> </a:t>
+            </a:r>
+            <a:r>
+              <a:rPr sz="1000" spc="5" dirty="0">
+                <a:latin typeface="Times New Roman"/>
+                <a:cs typeface="Times New Roman"/>
+              </a:rPr>
+              <a:t>t</a:t>
+            </a:r>
+            <a:r>
+              <a:rPr sz="1000" dirty="0">
+                <a:latin typeface="Times New Roman"/>
+                <a:cs typeface="Times New Roman"/>
+              </a:rPr>
+              <a:t>o</a:t>
+            </a:r>
+            <a:r>
+              <a:rPr sz="1000" spc="-35" dirty="0">
+                <a:latin typeface="Times New Roman"/>
+                <a:cs typeface="Times New Roman"/>
+              </a:rPr>
+              <a:t> </a:t>
+            </a:r>
+            <a:r>
+              <a:rPr sz="1000" spc="-10" dirty="0">
+                <a:latin typeface="Times New Roman"/>
+                <a:cs typeface="Times New Roman"/>
+              </a:rPr>
+              <a:t>s</a:t>
+            </a:r>
+            <a:r>
+              <a:rPr sz="1000" spc="-15" dirty="0">
+                <a:latin typeface="Times New Roman"/>
+                <a:cs typeface="Times New Roman"/>
+              </a:rPr>
+              <a:t>e</a:t>
+            </a:r>
+            <a:r>
+              <a:rPr sz="1000" dirty="0">
+                <a:latin typeface="Times New Roman"/>
+                <a:cs typeface="Times New Roman"/>
+              </a:rPr>
+              <a:t>p</a:t>
+            </a:r>
+            <a:r>
+              <a:rPr sz="1000" spc="5" dirty="0">
+                <a:latin typeface="Times New Roman"/>
+                <a:cs typeface="Times New Roman"/>
+              </a:rPr>
+              <a:t>a</a:t>
+            </a:r>
+            <a:r>
+              <a:rPr sz="1000" spc="20" dirty="0">
+                <a:latin typeface="Times New Roman"/>
+                <a:cs typeface="Times New Roman"/>
+              </a:rPr>
+              <a:t>r</a:t>
+            </a:r>
+            <a:r>
+              <a:rPr sz="1000" spc="5" dirty="0">
+                <a:latin typeface="Times New Roman"/>
+                <a:cs typeface="Times New Roman"/>
+              </a:rPr>
+              <a:t>a</a:t>
+            </a:r>
+            <a:r>
+              <a:rPr sz="1000" spc="-20" dirty="0">
+                <a:latin typeface="Times New Roman"/>
+                <a:cs typeface="Times New Roman"/>
+              </a:rPr>
+              <a:t>t</a:t>
+            </a:r>
+            <a:r>
+              <a:rPr sz="1000" dirty="0">
+                <a:latin typeface="Times New Roman"/>
+                <a:cs typeface="Times New Roman"/>
+              </a:rPr>
+              <a:t>e</a:t>
+            </a:r>
+            <a:r>
+              <a:rPr sz="1000" spc="-95" dirty="0">
+                <a:latin typeface="Times New Roman"/>
+                <a:cs typeface="Times New Roman"/>
+              </a:rPr>
+              <a:t> </a:t>
+            </a:r>
+            <a:r>
+              <a:rPr sz="1000" spc="20" dirty="0">
+                <a:latin typeface="Times New Roman"/>
+                <a:cs typeface="Times New Roman"/>
+              </a:rPr>
+              <a:t>r</a:t>
+            </a:r>
+            <a:r>
+              <a:rPr sz="1000" spc="-25" dirty="0">
+                <a:latin typeface="Times New Roman"/>
+                <a:cs typeface="Times New Roman"/>
+              </a:rPr>
+              <a:t>o</a:t>
+            </a:r>
+            <a:r>
+              <a:rPr sz="1000" spc="5" dirty="0">
+                <a:latin typeface="Times New Roman"/>
+                <a:cs typeface="Times New Roman"/>
+              </a:rPr>
+              <a:t>l</a:t>
+            </a:r>
+            <a:r>
+              <a:rPr sz="1000" spc="-15" dirty="0">
+                <a:latin typeface="Times New Roman"/>
+                <a:cs typeface="Times New Roman"/>
+              </a:rPr>
+              <a:t>e</a:t>
+            </a:r>
+            <a:r>
+              <a:rPr sz="1000" dirty="0">
+                <a:latin typeface="Times New Roman"/>
+                <a:cs typeface="Times New Roman"/>
+              </a:rPr>
+              <a:t>s</a:t>
+            </a:r>
+            <a:r>
+              <a:rPr sz="1000" spc="-45" dirty="0">
+                <a:latin typeface="Times New Roman"/>
+                <a:cs typeface="Times New Roman"/>
+              </a:rPr>
+              <a:t> </a:t>
+            </a:r>
+            <a:r>
+              <a:rPr sz="1000" spc="5" dirty="0">
+                <a:latin typeface="Times New Roman"/>
+                <a:cs typeface="Times New Roman"/>
+              </a:rPr>
+              <a:t>t</a:t>
+            </a:r>
+            <a:r>
+              <a:rPr sz="1000" dirty="0">
+                <a:latin typeface="Times New Roman"/>
+                <a:cs typeface="Times New Roman"/>
+              </a:rPr>
+              <a:t>o</a:t>
+            </a:r>
+            <a:r>
+              <a:rPr sz="1000" spc="-35" dirty="0">
+                <a:latin typeface="Times New Roman"/>
+                <a:cs typeface="Times New Roman"/>
+              </a:rPr>
+              <a:t> </a:t>
+            </a:r>
+            <a:r>
+              <a:rPr sz="1000" spc="-15" dirty="0">
+                <a:latin typeface="Times New Roman"/>
+                <a:cs typeface="Times New Roman"/>
+              </a:rPr>
+              <a:t>e</a:t>
+            </a:r>
+            <a:r>
+              <a:rPr sz="1000" spc="5" dirty="0">
+                <a:latin typeface="Times New Roman"/>
+                <a:cs typeface="Times New Roman"/>
+              </a:rPr>
+              <a:t>a</a:t>
+            </a:r>
+            <a:r>
+              <a:rPr sz="1000" spc="-10" dirty="0">
+                <a:latin typeface="Times New Roman"/>
+                <a:cs typeface="Times New Roman"/>
+              </a:rPr>
+              <a:t>s</a:t>
+            </a:r>
+            <a:r>
+              <a:rPr sz="1000" spc="5" dirty="0">
+                <a:latin typeface="Times New Roman"/>
+                <a:cs typeface="Times New Roman"/>
+              </a:rPr>
+              <a:t>il</a:t>
+            </a:r>
+            <a:r>
+              <a:rPr sz="1000" dirty="0">
+                <a:latin typeface="Times New Roman"/>
+                <a:cs typeface="Times New Roman"/>
+              </a:rPr>
+              <a:t>y</a:t>
+            </a:r>
+            <a:r>
+              <a:rPr sz="1000" spc="-35" dirty="0">
+                <a:latin typeface="Times New Roman"/>
+                <a:cs typeface="Times New Roman"/>
+              </a:rPr>
+              <a:t> </a:t>
+            </a:r>
+            <a:r>
+              <a:rPr sz="1000" spc="-25" dirty="0">
+                <a:latin typeface="Times New Roman"/>
+                <a:cs typeface="Times New Roman"/>
+              </a:rPr>
+              <a:t>f</a:t>
+            </a:r>
+            <a:r>
+              <a:rPr sz="1000" spc="5" dirty="0">
+                <a:latin typeface="Times New Roman"/>
+                <a:cs typeface="Times New Roman"/>
+              </a:rPr>
+              <a:t>i</a:t>
+            </a:r>
+            <a:r>
+              <a:rPr sz="1000" spc="20" dirty="0">
+                <a:latin typeface="Times New Roman"/>
+                <a:cs typeface="Times New Roman"/>
+              </a:rPr>
+              <a:t>n</a:t>
+            </a:r>
+            <a:r>
+              <a:rPr sz="1000" dirty="0">
+                <a:latin typeface="Times New Roman"/>
+                <a:cs typeface="Times New Roman"/>
+              </a:rPr>
+              <a:t>d</a:t>
+            </a:r>
+            <a:r>
+              <a:rPr sz="1000" spc="-35" dirty="0">
+                <a:latin typeface="Times New Roman"/>
+                <a:cs typeface="Times New Roman"/>
+              </a:rPr>
+              <a:t> </a:t>
+            </a:r>
+            <a:r>
+              <a:rPr sz="1000" spc="-15" dirty="0">
+                <a:latin typeface="Times New Roman"/>
+                <a:cs typeface="Times New Roman"/>
+              </a:rPr>
+              <a:t>e</a:t>
+            </a:r>
+            <a:r>
+              <a:rPr sz="1000" spc="20" dirty="0">
+                <a:latin typeface="Times New Roman"/>
+                <a:cs typeface="Times New Roman"/>
+              </a:rPr>
+              <a:t>rr</a:t>
+            </a:r>
+            <a:r>
+              <a:rPr sz="1000" spc="-25" dirty="0">
+                <a:latin typeface="Times New Roman"/>
+                <a:cs typeface="Times New Roman"/>
+              </a:rPr>
+              <a:t>o</a:t>
+            </a:r>
+            <a:r>
+              <a:rPr sz="1000" spc="20" dirty="0">
+                <a:latin typeface="Times New Roman"/>
+                <a:cs typeface="Times New Roman"/>
+              </a:rPr>
+              <a:t>r</a:t>
+            </a:r>
+            <a:r>
+              <a:rPr sz="1000" dirty="0">
+                <a:latin typeface="Times New Roman"/>
+                <a:cs typeface="Times New Roman"/>
+              </a:rPr>
+              <a:t>s</a:t>
+            </a:r>
+            <a:endParaRPr sz="1000">
+              <a:latin typeface="Times New Roman"/>
+              <a:cs typeface="Times New Roman"/>
+            </a:endParaRPr>
+          </a:p>
+          <a:p>
+            <a:pPr marL="12700">
+              <a:lnSpc>
+                <a:spcPct val="100000"/>
+              </a:lnSpc>
+            </a:pPr>
+            <a:r>
+              <a:rPr sz="1000" spc="-20" dirty="0">
+                <a:latin typeface="Times New Roman"/>
+                <a:cs typeface="Times New Roman"/>
+              </a:rPr>
+              <a:t>a</a:t>
+            </a:r>
+            <a:r>
+              <a:rPr sz="1000" spc="5" dirty="0">
+                <a:latin typeface="Times New Roman"/>
+                <a:cs typeface="Times New Roman"/>
+              </a:rPr>
+              <a:t>nd</a:t>
+            </a:r>
+            <a:r>
+              <a:rPr sz="1000" spc="-85" dirty="0">
+                <a:latin typeface="Times New Roman"/>
+                <a:cs typeface="Times New Roman"/>
+              </a:rPr>
+              <a:t> </a:t>
+            </a:r>
+            <a:r>
+              <a:rPr sz="1000" spc="5" dirty="0">
+                <a:latin typeface="Times New Roman"/>
+                <a:cs typeface="Times New Roman"/>
+              </a:rPr>
+              <a:t>i</a:t>
+            </a:r>
+            <a:r>
+              <a:rPr sz="1000" spc="25" dirty="0">
+                <a:latin typeface="Times New Roman"/>
+                <a:cs typeface="Times New Roman"/>
+              </a:rPr>
+              <a:t>n</a:t>
+            </a:r>
+            <a:r>
+              <a:rPr sz="1000" spc="-20" dirty="0">
+                <a:latin typeface="Times New Roman"/>
+                <a:cs typeface="Times New Roman"/>
+              </a:rPr>
+              <a:t>c</a:t>
+            </a:r>
+            <a:r>
+              <a:rPr sz="1000" spc="20" dirty="0">
+                <a:latin typeface="Times New Roman"/>
+                <a:cs typeface="Times New Roman"/>
+              </a:rPr>
+              <a:t>r</a:t>
+            </a:r>
+            <a:r>
+              <a:rPr sz="1000" spc="-20" dirty="0">
+                <a:latin typeface="Times New Roman"/>
+                <a:cs typeface="Times New Roman"/>
+              </a:rPr>
+              <a:t>ea</a:t>
+            </a:r>
+            <a:r>
+              <a:rPr sz="1000" spc="-10" dirty="0">
+                <a:latin typeface="Times New Roman"/>
+                <a:cs typeface="Times New Roman"/>
+              </a:rPr>
+              <a:t>s</a:t>
+            </a:r>
+            <a:r>
+              <a:rPr sz="1000" dirty="0">
+                <a:latin typeface="Times New Roman"/>
+                <a:cs typeface="Times New Roman"/>
+              </a:rPr>
+              <a:t>e</a:t>
+            </a:r>
+            <a:r>
+              <a:rPr sz="1000" spc="-95" dirty="0">
+                <a:latin typeface="Times New Roman"/>
+                <a:cs typeface="Times New Roman"/>
+              </a:rPr>
+              <a:t> </a:t>
+            </a:r>
+            <a:r>
+              <a:rPr sz="1000" spc="-20" dirty="0">
+                <a:latin typeface="Times New Roman"/>
+                <a:cs typeface="Times New Roman"/>
+              </a:rPr>
+              <a:t>c</a:t>
+            </a:r>
+            <a:r>
+              <a:rPr sz="1000" spc="-25" dirty="0">
+                <a:latin typeface="Times New Roman"/>
+                <a:cs typeface="Times New Roman"/>
+              </a:rPr>
+              <a:t>o</a:t>
+            </a:r>
+            <a:r>
+              <a:rPr sz="1000" dirty="0">
+                <a:latin typeface="Times New Roman"/>
+                <a:cs typeface="Times New Roman"/>
+              </a:rPr>
+              <a:t>de</a:t>
+            </a:r>
+            <a:r>
+              <a:rPr sz="1000" spc="20" dirty="0">
+                <a:latin typeface="Times New Roman"/>
+                <a:cs typeface="Times New Roman"/>
+              </a:rPr>
+              <a:t> </a:t>
+            </a:r>
+            <a:r>
+              <a:rPr sz="1000" spc="-10" dirty="0">
+                <a:latin typeface="Times New Roman"/>
+                <a:cs typeface="Times New Roman"/>
+              </a:rPr>
+              <a:t>s</a:t>
+            </a:r>
+            <a:r>
+              <a:rPr sz="1000" spc="-20" dirty="0">
+                <a:latin typeface="Times New Roman"/>
+                <a:cs typeface="Times New Roman"/>
+              </a:rPr>
+              <a:t>c</a:t>
+            </a:r>
+            <a:r>
+              <a:rPr sz="1000" spc="5" dirty="0">
+                <a:latin typeface="Times New Roman"/>
+                <a:cs typeface="Times New Roman"/>
+              </a:rPr>
+              <a:t>ala</a:t>
+            </a:r>
+            <a:r>
+              <a:rPr sz="1000" spc="-25" dirty="0">
+                <a:latin typeface="Times New Roman"/>
+                <a:cs typeface="Times New Roman"/>
+              </a:rPr>
+              <a:t>b</a:t>
+            </a:r>
+            <a:r>
+              <a:rPr sz="1000" spc="5" dirty="0">
+                <a:latin typeface="Times New Roman"/>
+                <a:cs typeface="Times New Roman"/>
+              </a:rPr>
+              <a:t>i</a:t>
+            </a:r>
+            <a:r>
+              <a:rPr sz="1000" spc="-20" dirty="0">
+                <a:latin typeface="Times New Roman"/>
+                <a:cs typeface="Times New Roman"/>
+              </a:rPr>
+              <a:t>l</a:t>
+            </a:r>
+            <a:r>
+              <a:rPr sz="1000" spc="5" dirty="0">
+                <a:latin typeface="Times New Roman"/>
+                <a:cs typeface="Times New Roman"/>
+              </a:rPr>
+              <a:t>i</a:t>
+            </a:r>
+            <a:r>
+              <a:rPr sz="1000" spc="-20" dirty="0">
+                <a:latin typeface="Times New Roman"/>
+                <a:cs typeface="Times New Roman"/>
+              </a:rPr>
+              <a:t>t</a:t>
+            </a:r>
+            <a:r>
+              <a:rPr sz="1000" spc="5" dirty="0">
+                <a:latin typeface="Times New Roman"/>
+                <a:cs typeface="Times New Roman"/>
+              </a:rPr>
+              <a:t>y</a:t>
+            </a:r>
+            <a:endParaRPr sz="1000">
+              <a:latin typeface="Times New Roman"/>
+              <a:cs typeface="Times New Roman"/>
+            </a:endParaRPr>
+          </a:p>
+        </p:txBody>
+      </p:sp>
+      <p:pic>
+        <p:nvPicPr>
+          <p:cNvPr id="4" name="object 4"/>
+          <p:cNvPicPr/>
+          <p:nvPr/>
+        </p:nvPicPr>
+        <p:blipFill>
+          <a:blip r:embed="rId2" cstate="print"/>
+          <a:stretch>
+            <a:fillRect/>
+          </a:stretch>
+        </p:blipFill>
+        <p:spPr>
+          <a:xfrm>
+            <a:off x="3364991" y="1246631"/>
+            <a:ext cx="2471928" cy="3742944"/>
+          </a:xfrm>
+          <a:prstGeom prst="rect">
+            <a:avLst/>
+          </a:prstGeom>
+        </p:spPr>
+      </p:pic>
+      <p:pic>
+        <p:nvPicPr>
+          <p:cNvPr id="5" name="object 5"/>
+          <p:cNvPicPr/>
+          <p:nvPr/>
+        </p:nvPicPr>
+        <p:blipFill>
+          <a:blip r:embed="rId3" cstate="print"/>
+          <a:stretch>
+            <a:fillRect/>
+          </a:stretch>
+        </p:blipFill>
+        <p:spPr>
+          <a:xfrm>
+            <a:off x="5937503" y="1246631"/>
+            <a:ext cx="2923031" cy="3224784"/>
+          </a:xfrm>
+          <a:prstGeom prst="rect">
+            <a:avLst/>
+          </a:prstGeom>
+        </p:spPr>
+      </p:pic>
+      <p:sp>
+        <p:nvSpPr>
+          <p:cNvPr id="6" name="object 6"/>
+          <p:cNvSpPr txBox="1"/>
+          <p:nvPr/>
+        </p:nvSpPr>
+        <p:spPr>
+          <a:xfrm>
+            <a:off x="240284" y="711834"/>
+            <a:ext cx="1158875" cy="299720"/>
+          </a:xfrm>
+          <a:prstGeom prst="rect">
+            <a:avLst/>
+          </a:prstGeom>
+        </p:spPr>
+        <p:txBody>
+          <a:bodyPr vert="horz" wrap="square" lIns="0" tIns="12700" rIns="0" bIns="0" rtlCol="0">
+            <a:spAutoFit/>
+          </a:bodyPr>
+          <a:lstStyle/>
+          <a:p>
+            <a:pPr marL="12700">
+              <a:lnSpc>
+                <a:spcPct val="100000"/>
+              </a:lnSpc>
+              <a:spcBef>
+                <a:spcPts val="100"/>
+              </a:spcBef>
+            </a:pPr>
+            <a:r>
+              <a:rPr sz="1800" b="1" dirty="0">
+                <a:latin typeface="Times New Roman"/>
+                <a:cs typeface="Times New Roman"/>
+              </a:rPr>
+              <a:t>Main</a:t>
+            </a:r>
+            <a:r>
+              <a:rPr sz="1800" b="1" spc="-90" dirty="0">
+                <a:latin typeface="Times New Roman"/>
+                <a:cs typeface="Times New Roman"/>
+              </a:rPr>
+              <a:t> </a:t>
+            </a:r>
+            <a:r>
+              <a:rPr sz="1800" b="1" spc="-35" dirty="0">
+                <a:latin typeface="Times New Roman"/>
+                <a:cs typeface="Times New Roman"/>
+              </a:rPr>
+              <a:t>Work</a:t>
+            </a:r>
+            <a:endParaRPr sz="1800">
+              <a:latin typeface="Times New Roman"/>
+              <a:cs typeface="Times New Roman"/>
+            </a:endParaRPr>
+          </a:p>
+        </p:txBody>
+      </p:sp>
+      <p:sp>
+        <p:nvSpPr>
+          <p:cNvPr id="7" name="object 7"/>
+          <p:cNvSpPr txBox="1"/>
+          <p:nvPr/>
+        </p:nvSpPr>
+        <p:spPr>
+          <a:xfrm>
+            <a:off x="1597278" y="711834"/>
+            <a:ext cx="1296035" cy="299720"/>
+          </a:xfrm>
+          <a:prstGeom prst="rect">
+            <a:avLst/>
+          </a:prstGeom>
+        </p:spPr>
+        <p:txBody>
+          <a:bodyPr vert="horz" wrap="square" lIns="0" tIns="12700" rIns="0" bIns="0" rtlCol="0">
+            <a:spAutoFit/>
+          </a:bodyPr>
+          <a:lstStyle/>
+          <a:p>
+            <a:pPr marL="12700">
+              <a:lnSpc>
+                <a:spcPct val="100000"/>
+              </a:lnSpc>
+              <a:spcBef>
+                <a:spcPts val="100"/>
+              </a:spcBef>
+            </a:pPr>
+            <a:r>
+              <a:rPr sz="1800" spc="-10" dirty="0">
+                <a:latin typeface="Times New Roman"/>
+                <a:cs typeface="Times New Roman"/>
+              </a:rPr>
+              <a:t>3.</a:t>
+            </a:r>
+            <a:r>
+              <a:rPr sz="1800" spc="-85" dirty="0">
+                <a:latin typeface="Times New Roman"/>
+                <a:cs typeface="Times New Roman"/>
+              </a:rPr>
+              <a:t> </a:t>
+            </a:r>
+            <a:r>
+              <a:rPr sz="1800" spc="-20" dirty="0">
+                <a:latin typeface="Times New Roman"/>
+                <a:cs typeface="Times New Roman"/>
+              </a:rPr>
+              <a:t>Spring</a:t>
+            </a:r>
+            <a:r>
+              <a:rPr sz="1800" spc="-80" dirty="0">
+                <a:latin typeface="Times New Roman"/>
+                <a:cs typeface="Times New Roman"/>
+              </a:rPr>
+              <a:t> </a:t>
+            </a:r>
+            <a:r>
+              <a:rPr sz="1800" spc="-15" dirty="0">
+                <a:latin typeface="Times New Roman"/>
+                <a:cs typeface="Times New Roman"/>
+              </a:rPr>
+              <a:t>boot</a:t>
+            </a:r>
+            <a:endParaRPr sz="1800">
+              <a:latin typeface="Times New Roman"/>
+              <a:cs typeface="Times New Roman"/>
+            </a:endParaRPr>
+          </a:p>
+        </p:txBody>
+      </p:sp>
     </p:spTree>
   </p:cSld>
   <p:clrMapOvr>

--- a/porfolio_kangjunwoo-010-5495-4551.pptx
+++ b/porfolio_kangjunwoo-010-5495-4551.pptx
@@ -12,8 +12,8 @@
     <p:sldId id="260" r:id="rId6"/>
     <p:sldId id="261" r:id="rId7"/>
     <p:sldId id="263" r:id="rId8"/>
-    <p:sldId id="264" r:id="rId9"/>
-    <p:sldId id="265" r:id="rId10"/>
+    <p:sldId id="265" r:id="rId9"/>
+    <p:sldId id="264" r:id="rId10"/>
     <p:sldId id="266" r:id="rId11"/>
     <p:sldId id="267" r:id="rId12"/>
     <p:sldId id="268" r:id="rId13"/>
@@ -22819,35 +22819,7 @@
                 <a:latin typeface="Times New Roman"/>
                 <a:cs typeface="Times New Roman"/>
               </a:rPr>
-              <a:t>형태로 바꾸어 두 개의 </a:t>
-            </a:r>
-            <a:r>
-              <a:rPr lang="en-US" altLang="ko-KR" sz="1000" spc="-5" dirty="0" err="1" smtClean="0">
-                <a:latin typeface="Times New Roman"/>
-                <a:cs typeface="Times New Roman"/>
-              </a:rPr>
-              <a:t>url</a:t>
-            </a:r>
-            <a:r>
-              <a:rPr lang="ko-KR" altLang="en-US" sz="1000" spc="-5" dirty="0" smtClean="0">
-                <a:latin typeface="Times New Roman"/>
-                <a:cs typeface="Times New Roman"/>
-              </a:rPr>
-              <a:t>을 </a:t>
-            </a:r>
-            <a:r>
-              <a:rPr lang="en-US" altLang="ko-KR" sz="1000" spc="-5" dirty="0" smtClean="0">
-                <a:latin typeface="Times New Roman"/>
-                <a:cs typeface="Times New Roman"/>
-              </a:rPr>
-              <a:t>DB </a:t>
-            </a:r>
-            <a:r>
-              <a:rPr lang="ko-KR" altLang="en-US" sz="1000" spc="-5" dirty="0" smtClean="0">
-                <a:latin typeface="Times New Roman"/>
-                <a:cs typeface="Times New Roman"/>
-              </a:rPr>
-              <a:t>서버에 저장</a:t>
+              <a:t>형태로 바꿈</a:t>
             </a:r>
             <a:r>
               <a:rPr lang="en-US" altLang="ko-KR" sz="1000" spc="-5" dirty="0" smtClean="0">
@@ -22993,7 +22965,7 @@
       </p:sp>
       <p:pic>
         <p:nvPicPr>
-          <p:cNvPr id="8" name="그림 7"/>
+          <p:cNvPr id="15" name="그림 14"/>
           <p:cNvPicPr>
             <a:picLocks noChangeAspect="1"/>
           </p:cNvPicPr>
@@ -23007,8 +22979,8 @@
         </p:blipFill>
         <p:spPr>
           <a:xfrm>
-            <a:off x="4419600" y="746125"/>
-            <a:ext cx="1951806" cy="4196716"/>
+            <a:off x="4308158" y="778625"/>
+            <a:ext cx="1937935" cy="4072948"/>
           </a:xfrm>
           <a:prstGeom prst="rect">
             <a:avLst/>
@@ -23017,7 +22989,7 @@
       </p:pic>
       <p:pic>
         <p:nvPicPr>
-          <p:cNvPr id="9" name="그림 8"/>
+          <p:cNvPr id="8" name="그림 7"/>
           <p:cNvPicPr>
             <a:picLocks noChangeAspect="1"/>
           </p:cNvPicPr>
@@ -23031,8 +23003,8 @@
         </p:blipFill>
         <p:spPr>
           <a:xfrm>
-            <a:off x="6771598" y="746125"/>
-            <a:ext cx="1889017" cy="4196716"/>
+            <a:off x="6697226" y="778625"/>
+            <a:ext cx="1894244" cy="4072948"/>
           </a:xfrm>
           <a:prstGeom prst="rect">
             <a:avLst/>
@@ -23041,7 +23013,7 @@
       </p:pic>
       <p:pic>
         <p:nvPicPr>
-          <p:cNvPr id="11" name="그림 10"/>
+          <p:cNvPr id="16" name="그림 15"/>
           <p:cNvPicPr>
             <a:picLocks noChangeAspect="1"/>
           </p:cNvPicPr>
@@ -23055,8 +23027,8 @@
         </p:blipFill>
         <p:spPr>
           <a:xfrm>
-            <a:off x="1727135" y="3085243"/>
-            <a:ext cx="2501265" cy="1836643"/>
+            <a:off x="134823" y="2971880"/>
+            <a:ext cx="3906419" cy="1879693"/>
           </a:xfrm>
           <a:prstGeom prst="rect">
             <a:avLst/>
@@ -23101,7 +23073,7 @@
         <p:spPr>
           <a:xfrm>
             <a:off x="134823" y="55879"/>
-            <a:ext cx="1294765" cy="347345"/>
+            <a:ext cx="1922577" cy="347345"/>
           </a:xfrm>
           <a:prstGeom prst="rect">
             <a:avLst/>
@@ -23182,6 +23154,689 @@
               <a:t>t</a:t>
             </a:r>
             <a:r>
+              <a:rPr sz="2100" b="0" spc="-105" dirty="0">
+                <a:solidFill>
+                  <a:srgbClr val="FFFFFF"/>
+                </a:solidFill>
+                <a:latin typeface="Arial MT"/>
+                <a:cs typeface="Arial MT"/>
+              </a:rPr>
+              <a:t> </a:t>
+            </a:r>
+            <a:r>
+              <a:rPr sz="2100" b="0" spc="5" dirty="0">
+                <a:solidFill>
+                  <a:srgbClr val="FFFFFF"/>
+                </a:solidFill>
+                <a:latin typeface="Arial MT"/>
+                <a:cs typeface="Arial MT"/>
+              </a:rPr>
+              <a:t>01.</a:t>
+            </a:r>
+            <a:endParaRPr sz="2100" dirty="0">
+              <a:latin typeface="Arial MT"/>
+              <a:cs typeface="Arial MT"/>
+            </a:endParaRPr>
+          </a:p>
+        </p:txBody>
+      </p:sp>
+      <p:sp>
+        <p:nvSpPr>
+          <p:cNvPr id="3" name="object 3"/>
+          <p:cNvSpPr txBox="1"/>
+          <p:nvPr/>
+        </p:nvSpPr>
+        <p:spPr>
+          <a:xfrm>
+            <a:off x="208534" y="1127125"/>
+            <a:ext cx="3765038" cy="1305486"/>
+          </a:xfrm>
+          <a:prstGeom prst="rect">
+            <a:avLst/>
+          </a:prstGeom>
+        </p:spPr>
+        <p:txBody>
+          <a:bodyPr vert="horz" wrap="square" lIns="0" tIns="12700" rIns="0" bIns="0" rtlCol="0">
+            <a:spAutoFit/>
+          </a:bodyPr>
+          <a:lstStyle/>
+          <a:p>
+            <a:pPr marL="12700">
+              <a:lnSpc>
+                <a:spcPct val="100000"/>
+              </a:lnSpc>
+              <a:spcBef>
+                <a:spcPts val="100"/>
+              </a:spcBef>
+            </a:pPr>
+            <a:r>
+              <a:rPr sz="1200" b="1" dirty="0">
+                <a:latin typeface="Times New Roman"/>
+                <a:cs typeface="Times New Roman"/>
+              </a:rPr>
+              <a:t>*</a:t>
+            </a:r>
+            <a:r>
+              <a:rPr sz="1200" b="1" spc="-35" dirty="0">
+                <a:latin typeface="Times New Roman"/>
+                <a:cs typeface="Times New Roman"/>
+              </a:rPr>
+              <a:t> </a:t>
+            </a:r>
+            <a:r>
+              <a:rPr lang="ko-KR" altLang="en-US" sz="1200" b="1" spc="-35" dirty="0" smtClean="0">
+                <a:latin typeface="Times New Roman"/>
+                <a:cs typeface="Times New Roman"/>
+              </a:rPr>
+              <a:t>기능 소개</a:t>
+            </a:r>
+            <a:endParaRPr sz="1200" dirty="0">
+              <a:latin typeface="Times New Roman"/>
+              <a:cs typeface="Times New Roman"/>
+            </a:endParaRPr>
+          </a:p>
+          <a:p>
+            <a:pPr marL="12700">
+              <a:lnSpc>
+                <a:spcPct val="100000"/>
+              </a:lnSpc>
+              <a:spcBef>
+                <a:spcPts val="5"/>
+              </a:spcBef>
+            </a:pPr>
+            <a:r>
+              <a:rPr sz="1000" dirty="0">
+                <a:latin typeface="Times New Roman"/>
+                <a:cs typeface="Times New Roman"/>
+              </a:rPr>
+              <a:t>-</a:t>
+            </a:r>
+            <a:r>
+              <a:rPr sz="1000" spc="-10" dirty="0">
+                <a:latin typeface="Times New Roman"/>
+                <a:cs typeface="Times New Roman"/>
+              </a:rPr>
+              <a:t> </a:t>
+            </a:r>
+            <a:r>
+              <a:rPr lang="ko-KR" altLang="en-US" sz="1000" spc="-10" dirty="0" smtClean="0">
+                <a:latin typeface="Times New Roman"/>
+                <a:cs typeface="Times New Roman"/>
+              </a:rPr>
+              <a:t>촬영 및 편집 </a:t>
+            </a:r>
+            <a:r>
+              <a:rPr lang="ko-KR" altLang="en-US" sz="1000" spc="-10" dirty="0" err="1" smtClean="0">
+                <a:latin typeface="Times New Roman"/>
+                <a:cs typeface="Times New Roman"/>
+              </a:rPr>
+              <a:t>부터</a:t>
+            </a:r>
+            <a:r>
+              <a:rPr lang="ko-KR" altLang="en-US" sz="1000" spc="-10" dirty="0" smtClean="0">
+                <a:latin typeface="Times New Roman"/>
+                <a:cs typeface="Times New Roman"/>
+              </a:rPr>
+              <a:t> </a:t>
+            </a:r>
+            <a:r>
+              <a:rPr lang="en-US" sz="1000" spc="-5" dirty="0" smtClean="0">
+                <a:latin typeface="Times New Roman"/>
+                <a:cs typeface="Times New Roman"/>
+              </a:rPr>
+              <a:t>DB</a:t>
+            </a:r>
+            <a:r>
+              <a:rPr lang="ko-KR" altLang="en-US" sz="1000" spc="-5" dirty="0" smtClean="0">
+                <a:latin typeface="Times New Roman"/>
+                <a:cs typeface="Times New Roman"/>
+              </a:rPr>
+              <a:t>에 결과를 저장하는 </a:t>
+            </a:r>
+            <a:r>
+              <a:rPr lang="ko-KR" altLang="en-US" sz="1000" spc="-5" dirty="0" smtClean="0">
+                <a:latin typeface="Times New Roman"/>
+                <a:cs typeface="Times New Roman"/>
+              </a:rPr>
+              <a:t>모든 과정을</a:t>
+            </a:r>
+            <a:r>
+              <a:rPr lang="ko-KR" altLang="en-US" sz="1000" spc="-5" dirty="0" smtClean="0">
+                <a:latin typeface="Times New Roman"/>
+                <a:cs typeface="Times New Roman"/>
+              </a:rPr>
+              <a:t> 자동화</a:t>
+            </a:r>
+            <a:endParaRPr sz="1000" dirty="0">
+              <a:latin typeface="Times New Roman"/>
+              <a:cs typeface="Times New Roman"/>
+            </a:endParaRPr>
+          </a:p>
+          <a:p>
+            <a:pPr>
+              <a:lnSpc>
+                <a:spcPct val="100000"/>
+              </a:lnSpc>
+              <a:spcBef>
+                <a:spcPts val="45"/>
+              </a:spcBef>
+            </a:pPr>
+            <a:endParaRPr sz="1000" dirty="0">
+              <a:latin typeface="Times New Roman"/>
+              <a:cs typeface="Times New Roman"/>
+            </a:endParaRPr>
+          </a:p>
+          <a:p>
+            <a:pPr marL="12700">
+              <a:lnSpc>
+                <a:spcPct val="100000"/>
+              </a:lnSpc>
+            </a:pPr>
+            <a:r>
+              <a:rPr sz="1200" b="1" dirty="0">
+                <a:latin typeface="Times New Roman"/>
+                <a:cs typeface="Times New Roman"/>
+              </a:rPr>
+              <a:t>*</a:t>
+            </a:r>
+            <a:r>
+              <a:rPr sz="1200" b="1" spc="-50" dirty="0">
+                <a:latin typeface="Times New Roman"/>
+                <a:cs typeface="Times New Roman"/>
+              </a:rPr>
+              <a:t> </a:t>
+            </a:r>
+            <a:r>
+              <a:rPr lang="ko-KR" altLang="en-US" sz="1200" b="1" spc="-5" dirty="0" smtClean="0">
+                <a:latin typeface="Times New Roman"/>
+                <a:cs typeface="Times New Roman"/>
+              </a:rPr>
+              <a:t>상세 설명</a:t>
+            </a:r>
+            <a:endParaRPr lang="en-US" altLang="ko-KR" sz="1200" b="1" spc="-5" dirty="0">
+              <a:latin typeface="Times New Roman"/>
+              <a:cs typeface="Times New Roman"/>
+            </a:endParaRPr>
+          </a:p>
+          <a:p>
+            <a:pPr marL="184150" indent="-171450">
+              <a:lnSpc>
+                <a:spcPct val="100000"/>
+              </a:lnSpc>
+              <a:buFontTx/>
+              <a:buChar char="-"/>
+            </a:pPr>
+            <a:r>
+              <a:rPr lang="en-US" sz="1000" spc="-5" dirty="0" err="1" smtClean="0">
+                <a:latin typeface="Times New Roman"/>
+                <a:cs typeface="Times New Roman"/>
+              </a:rPr>
+              <a:t>Firestore</a:t>
+            </a:r>
+            <a:r>
+              <a:rPr lang="ko-KR" altLang="en-US" sz="1000" spc="-5" dirty="0" smtClean="0">
+                <a:latin typeface="Times New Roman"/>
+                <a:cs typeface="Times New Roman"/>
+              </a:rPr>
+              <a:t>에 전송하여 받은 다운로드 가능한 </a:t>
+            </a:r>
+            <a:r>
+              <a:rPr lang="en-US" altLang="ko-KR" sz="1000" spc="-5" dirty="0" smtClean="0">
+                <a:latin typeface="Times New Roman"/>
+                <a:cs typeface="Times New Roman"/>
+              </a:rPr>
+              <a:t>URL</a:t>
+            </a:r>
+            <a:r>
+              <a:rPr lang="ko-KR" altLang="en-US" sz="1000" spc="-5" dirty="0" smtClean="0">
+                <a:latin typeface="Times New Roman"/>
+                <a:cs typeface="Times New Roman"/>
+              </a:rPr>
+              <a:t>을 </a:t>
+            </a:r>
+            <a:r>
+              <a:rPr lang="en-US" altLang="ko-KR" sz="1000" spc="-5" dirty="0" smtClean="0">
+                <a:latin typeface="Times New Roman"/>
+                <a:cs typeface="Times New Roman"/>
+              </a:rPr>
+              <a:t>EC2</a:t>
+            </a:r>
+            <a:r>
+              <a:rPr lang="ko-KR" altLang="en-US" sz="1000" spc="-5" dirty="0" smtClean="0">
+                <a:latin typeface="Times New Roman"/>
+                <a:cs typeface="Times New Roman"/>
+              </a:rPr>
+              <a:t>에 배포된 서버로 </a:t>
+            </a:r>
+            <a:r>
+              <a:rPr lang="en-US" altLang="ko-KR" sz="1000" spc="-5" dirty="0" smtClean="0">
+                <a:latin typeface="Times New Roman"/>
+                <a:cs typeface="Times New Roman"/>
+              </a:rPr>
+              <a:t>JPA </a:t>
+            </a:r>
+            <a:r>
+              <a:rPr lang="ko-KR" altLang="en-US" sz="1000" spc="-5" dirty="0" smtClean="0">
+                <a:latin typeface="Times New Roman"/>
+                <a:cs typeface="Times New Roman"/>
+              </a:rPr>
+              <a:t>규격에 맞춰 전송</a:t>
+            </a:r>
+            <a:endParaRPr lang="en-US" altLang="ko-KR" sz="1000" spc="-5" dirty="0" smtClean="0">
+              <a:latin typeface="Times New Roman"/>
+              <a:cs typeface="Times New Roman"/>
+            </a:endParaRPr>
+          </a:p>
+          <a:p>
+            <a:pPr marL="184150" indent="-171450">
+              <a:lnSpc>
+                <a:spcPct val="100000"/>
+              </a:lnSpc>
+              <a:buFontTx/>
+              <a:buChar char="-"/>
+            </a:pPr>
+            <a:r>
+              <a:rPr lang="en-US" altLang="ko-KR" sz="1000" spc="-5" dirty="0" smtClean="0">
+                <a:latin typeface="Times New Roman"/>
+                <a:cs typeface="Times New Roman"/>
+              </a:rPr>
+              <a:t>JPA </a:t>
+            </a:r>
+            <a:r>
+              <a:rPr lang="ko-KR" altLang="en-US" sz="1000" spc="-5" dirty="0" smtClean="0">
+                <a:latin typeface="Times New Roman"/>
+                <a:cs typeface="Times New Roman"/>
+              </a:rPr>
+              <a:t>규격에 맞는 데이터는 연동된 </a:t>
+            </a:r>
+            <a:r>
+              <a:rPr lang="en-US" altLang="ko-KR" sz="1000" spc="-5" dirty="0" smtClean="0">
+                <a:latin typeface="Times New Roman"/>
+                <a:cs typeface="Times New Roman"/>
+              </a:rPr>
+              <a:t>RDS</a:t>
+            </a:r>
+            <a:r>
+              <a:rPr lang="ko-KR" altLang="en-US" sz="1000" spc="-5" dirty="0" smtClean="0">
+                <a:latin typeface="Times New Roman"/>
+                <a:cs typeface="Times New Roman"/>
+              </a:rPr>
+              <a:t>의 </a:t>
+            </a:r>
+            <a:r>
+              <a:rPr lang="en-US" altLang="ko-KR" sz="1000" spc="-5" dirty="0" smtClean="0">
+                <a:latin typeface="Times New Roman"/>
+                <a:cs typeface="Times New Roman"/>
+              </a:rPr>
+              <a:t>Tuple</a:t>
+            </a:r>
+            <a:r>
+              <a:rPr lang="ko-KR" altLang="en-US" sz="1000" spc="-5" dirty="0" smtClean="0">
+                <a:latin typeface="Times New Roman"/>
+                <a:cs typeface="Times New Roman"/>
+              </a:rPr>
+              <a:t>로 변환되어 저장</a:t>
+            </a:r>
+            <a:endParaRPr lang="en-US" altLang="ko-KR" sz="1000" spc="-5" dirty="0" smtClean="0">
+              <a:latin typeface="Times New Roman"/>
+              <a:cs typeface="Times New Roman"/>
+            </a:endParaRPr>
+          </a:p>
+          <a:p>
+            <a:pPr marL="184150" indent="-171450">
+              <a:lnSpc>
+                <a:spcPct val="100000"/>
+              </a:lnSpc>
+              <a:buFontTx/>
+              <a:buChar char="-"/>
+            </a:pPr>
+            <a:r>
+              <a:rPr lang="ko-KR" altLang="en-US" sz="1000" spc="-5" dirty="0" smtClean="0">
+                <a:latin typeface="Times New Roman"/>
+                <a:cs typeface="Times New Roman"/>
+              </a:rPr>
+              <a:t>저장 혹은 실패의 결과를 전송하여 사용자가 저장 상태를 확인  </a:t>
+            </a:r>
+            <a:endParaRPr sz="1200" dirty="0">
+              <a:latin typeface="Times New Roman"/>
+              <a:cs typeface="Times New Roman"/>
+            </a:endParaRPr>
+          </a:p>
+        </p:txBody>
+      </p:sp>
+      <p:sp>
+        <p:nvSpPr>
+          <p:cNvPr id="6" name="object 6"/>
+          <p:cNvSpPr txBox="1"/>
+          <p:nvPr/>
+        </p:nvSpPr>
+        <p:spPr>
+          <a:xfrm>
+            <a:off x="240284" y="711834"/>
+            <a:ext cx="1158875" cy="299720"/>
+          </a:xfrm>
+          <a:prstGeom prst="rect">
+            <a:avLst/>
+          </a:prstGeom>
+        </p:spPr>
+        <p:txBody>
+          <a:bodyPr vert="horz" wrap="square" lIns="0" tIns="12700" rIns="0" bIns="0" rtlCol="0">
+            <a:spAutoFit/>
+          </a:bodyPr>
+          <a:lstStyle/>
+          <a:p>
+            <a:pPr marL="12700">
+              <a:lnSpc>
+                <a:spcPct val="100000"/>
+              </a:lnSpc>
+              <a:spcBef>
+                <a:spcPts val="100"/>
+              </a:spcBef>
+            </a:pPr>
+            <a:r>
+              <a:rPr sz="1800" b="1" dirty="0">
+                <a:latin typeface="Times New Roman"/>
+                <a:cs typeface="Times New Roman"/>
+              </a:rPr>
+              <a:t>Main</a:t>
+            </a:r>
+            <a:r>
+              <a:rPr sz="1800" b="1" spc="-90" dirty="0">
+                <a:latin typeface="Times New Roman"/>
+                <a:cs typeface="Times New Roman"/>
+              </a:rPr>
+              <a:t> </a:t>
+            </a:r>
+            <a:r>
+              <a:rPr sz="1800" b="1" spc="-35" dirty="0">
+                <a:latin typeface="Times New Roman"/>
+                <a:cs typeface="Times New Roman"/>
+              </a:rPr>
+              <a:t>Work</a:t>
+            </a:r>
+            <a:endParaRPr sz="1800">
+              <a:latin typeface="Times New Roman"/>
+              <a:cs typeface="Times New Roman"/>
+            </a:endParaRPr>
+          </a:p>
+        </p:txBody>
+      </p:sp>
+      <p:sp>
+        <p:nvSpPr>
+          <p:cNvPr id="7" name="object 7"/>
+          <p:cNvSpPr txBox="1"/>
+          <p:nvPr/>
+        </p:nvSpPr>
+        <p:spPr>
+          <a:xfrm>
+            <a:off x="1597278" y="711834"/>
+            <a:ext cx="1296035" cy="289823"/>
+          </a:xfrm>
+          <a:prstGeom prst="rect">
+            <a:avLst/>
+          </a:prstGeom>
+        </p:spPr>
+        <p:txBody>
+          <a:bodyPr vert="horz" wrap="square" lIns="0" tIns="12700" rIns="0" bIns="0" rtlCol="0">
+            <a:spAutoFit/>
+          </a:bodyPr>
+          <a:lstStyle/>
+          <a:p>
+            <a:pPr marL="12700">
+              <a:lnSpc>
+                <a:spcPct val="100000"/>
+              </a:lnSpc>
+              <a:spcBef>
+                <a:spcPts val="100"/>
+              </a:spcBef>
+            </a:pPr>
+            <a:r>
+              <a:rPr lang="en-US" spc="-10" dirty="0">
+                <a:latin typeface="Times New Roman"/>
+                <a:cs typeface="Times New Roman"/>
+              </a:rPr>
+              <a:t>2</a:t>
+            </a:r>
+            <a:r>
+              <a:rPr sz="1800" spc="-10" dirty="0" smtClean="0">
+                <a:latin typeface="Times New Roman"/>
+                <a:cs typeface="Times New Roman"/>
+              </a:rPr>
+              <a:t>.</a:t>
+            </a:r>
+            <a:r>
+              <a:rPr sz="1800" spc="-85" dirty="0" smtClean="0">
+                <a:latin typeface="Times New Roman"/>
+                <a:cs typeface="Times New Roman"/>
+              </a:rPr>
+              <a:t> </a:t>
+            </a:r>
+            <a:r>
+              <a:rPr sz="1800" spc="-20" dirty="0">
+                <a:latin typeface="Times New Roman"/>
+                <a:cs typeface="Times New Roman"/>
+              </a:rPr>
+              <a:t>Spring</a:t>
+            </a:r>
+            <a:r>
+              <a:rPr sz="1800" spc="-80" dirty="0">
+                <a:latin typeface="Times New Roman"/>
+                <a:cs typeface="Times New Roman"/>
+              </a:rPr>
+              <a:t> </a:t>
+            </a:r>
+            <a:r>
+              <a:rPr lang="en-US" sz="1800" spc="-80" dirty="0" smtClean="0">
+                <a:latin typeface="Times New Roman"/>
+                <a:cs typeface="Times New Roman"/>
+              </a:rPr>
+              <a:t>b</a:t>
+            </a:r>
+            <a:r>
+              <a:rPr sz="1800" spc="-15" dirty="0" smtClean="0">
+                <a:latin typeface="Times New Roman"/>
+                <a:cs typeface="Times New Roman"/>
+              </a:rPr>
+              <a:t>oot</a:t>
+            </a:r>
+            <a:endParaRPr sz="1800" dirty="0">
+              <a:latin typeface="Times New Roman"/>
+              <a:cs typeface="Times New Roman"/>
+            </a:endParaRPr>
+          </a:p>
+        </p:txBody>
+      </p:sp>
+      <p:pic>
+        <p:nvPicPr>
+          <p:cNvPr id="13" name="그림 12"/>
+          <p:cNvPicPr>
+            <a:picLocks noChangeAspect="1"/>
+          </p:cNvPicPr>
+          <p:nvPr/>
+        </p:nvPicPr>
+        <p:blipFill>
+          <a:blip r:embed="rId2"/>
+          <a:stretch>
+            <a:fillRect/>
+          </a:stretch>
+        </p:blipFill>
+        <p:spPr>
+          <a:xfrm>
+            <a:off x="6532710" y="857801"/>
+            <a:ext cx="1833307" cy="4072948"/>
+          </a:xfrm>
+          <a:prstGeom prst="rect">
+            <a:avLst/>
+          </a:prstGeom>
+        </p:spPr>
+      </p:pic>
+      <p:pic>
+        <p:nvPicPr>
+          <p:cNvPr id="14" name="그림 13"/>
+          <p:cNvPicPr>
+            <a:picLocks noChangeAspect="1"/>
+          </p:cNvPicPr>
+          <p:nvPr/>
+        </p:nvPicPr>
+        <p:blipFill>
+          <a:blip r:embed="rId3"/>
+          <a:stretch>
+            <a:fillRect/>
+          </a:stretch>
+        </p:blipFill>
+        <p:spPr>
+          <a:xfrm>
+            <a:off x="155142" y="2558079"/>
+            <a:ext cx="4121354" cy="2553156"/>
+          </a:xfrm>
+          <a:prstGeom prst="rect">
+            <a:avLst/>
+          </a:prstGeom>
+        </p:spPr>
+      </p:pic>
+      <p:pic>
+        <p:nvPicPr>
+          <p:cNvPr id="15" name="그림 14"/>
+          <p:cNvPicPr>
+            <a:picLocks noChangeAspect="1"/>
+          </p:cNvPicPr>
+          <p:nvPr/>
+        </p:nvPicPr>
+        <p:blipFill>
+          <a:blip r:embed="rId4"/>
+          <a:stretch>
+            <a:fillRect/>
+          </a:stretch>
+        </p:blipFill>
+        <p:spPr>
+          <a:xfrm>
+            <a:off x="4306019" y="857801"/>
+            <a:ext cx="1894244" cy="4072948"/>
+          </a:xfrm>
+          <a:prstGeom prst="rect">
+            <a:avLst/>
+          </a:prstGeom>
+        </p:spPr>
+      </p:pic>
+    </p:spTree>
+  </p:cSld>
+  <p:clrMapOvr>
+    <a:masterClrMapping/>
+  </p:clrMapOvr>
+</p:sld>
+</file>
+
+<file path=ppt/slides/slide9.xml><?xml version="1.0" encoding="utf-8"?>
+<p:sld xmlns:a="http://schemas.openxmlformats.org/drawingml/2006/main" xmlns:r="http://schemas.openxmlformats.org/officeDocument/2006/relationships" xmlns:p="http://schemas.openxmlformats.org/presentationml/2006/main">
+  <p:cSld>
+    <p:spTree>
+      <p:nvGrpSpPr>
+        <p:cNvPr id="1" name=""/>
+        <p:cNvGrpSpPr/>
+        <p:nvPr/>
+      </p:nvGrpSpPr>
+      <p:grpSpPr>
+        <a:xfrm>
+          <a:off x="0" y="0"/>
+          <a:ext cx="0" cy="0"/>
+          <a:chOff x="0" y="0"/>
+          <a:chExt cx="0" cy="0"/>
+        </a:xfrm>
+      </p:grpSpPr>
+      <p:sp>
+        <p:nvSpPr>
+          <p:cNvPr id="2" name="object 2"/>
+          <p:cNvSpPr txBox="1">
+            <a:spLocks noGrp="1"/>
+          </p:cNvSpPr>
+          <p:nvPr>
+            <p:ph type="title"/>
+          </p:nvPr>
+        </p:nvSpPr>
+        <p:spPr>
+          <a:xfrm>
+            <a:off x="134823" y="55879"/>
+            <a:ext cx="1693977" cy="347345"/>
+          </a:xfrm>
+          <a:prstGeom prst="rect">
+            <a:avLst/>
+          </a:prstGeom>
+        </p:spPr>
+        <p:txBody>
+          <a:bodyPr vert="horz" wrap="square" lIns="0" tIns="13970" rIns="0" bIns="0" rtlCol="0">
+            <a:spAutoFit/>
+          </a:bodyPr>
+          <a:lstStyle/>
+          <a:p>
+            <a:pPr marL="12700">
+              <a:lnSpc>
+                <a:spcPct val="100000"/>
+              </a:lnSpc>
+              <a:spcBef>
+                <a:spcPts val="110"/>
+              </a:spcBef>
+            </a:pPr>
+            <a:r>
+              <a:rPr sz="2100" b="0" spc="10" dirty="0">
+                <a:solidFill>
+                  <a:srgbClr val="FFFFFF"/>
+                </a:solidFill>
+                <a:latin typeface="Arial MT"/>
+                <a:cs typeface="Arial MT"/>
+              </a:rPr>
+              <a:t>P</a:t>
+            </a:r>
+            <a:r>
+              <a:rPr sz="2100" b="0" spc="5" dirty="0">
+                <a:solidFill>
+                  <a:srgbClr val="FFFFFF"/>
+                </a:solidFill>
+                <a:latin typeface="Arial MT"/>
+                <a:cs typeface="Arial MT"/>
+              </a:rPr>
+              <a:t>ro</a:t>
+            </a:r>
+            <a:r>
+              <a:rPr sz="2100" b="0" spc="10" dirty="0">
+                <a:solidFill>
+                  <a:srgbClr val="FFFFFF"/>
+                </a:solidFill>
+                <a:latin typeface="Arial MT"/>
+                <a:cs typeface="Arial MT"/>
+              </a:rPr>
+              <a:t>j</a:t>
+            </a:r>
+            <a:r>
+              <a:rPr sz="2100" b="0" spc="-15" dirty="0">
+                <a:solidFill>
+                  <a:srgbClr val="FFFFFF"/>
+                </a:solidFill>
+                <a:latin typeface="Arial MT"/>
+                <a:cs typeface="Arial MT"/>
+              </a:rPr>
+              <a:t>e</a:t>
+            </a:r>
+            <a:r>
+              <a:rPr sz="2100" b="0" spc="-20" dirty="0">
+                <a:solidFill>
+                  <a:srgbClr val="FFFFFF"/>
+                </a:solidFill>
+                <a:latin typeface="Arial MT"/>
+                <a:cs typeface="Arial MT"/>
+              </a:rPr>
+              <a:t>c</a:t>
+            </a:r>
+            <a:r>
+              <a:rPr sz="2100" b="0" dirty="0">
+                <a:solidFill>
+                  <a:srgbClr val="FFFFFF"/>
+                </a:solidFill>
+                <a:latin typeface="Arial MT"/>
+                <a:cs typeface="Arial MT"/>
+              </a:rPr>
+              <a:t>t</a:t>
+            </a:r>
+            <a:r>
               <a:rPr sz="2100" b="0" spc="-85" dirty="0">
                 <a:solidFill>
                   <a:srgbClr val="FFFFFF"/>
@@ -23221,7 +23876,7 @@
               </a:rPr>
               <a:t>.</a:t>
             </a:r>
-            <a:endParaRPr sz="2100">
+            <a:endParaRPr sz="2100" dirty="0">
               <a:latin typeface="Arial MT"/>
               <a:cs typeface="Arial MT"/>
             </a:endParaRPr>
@@ -23315,14 +23970,21 @@
               </a:spcBef>
             </a:pPr>
             <a:r>
-              <a:rPr sz="1800" spc="-10" dirty="0">
-                <a:latin typeface="Times New Roman"/>
-                <a:cs typeface="Times New Roman"/>
-              </a:rPr>
-              <a:t>2.</a:t>
-            </a:r>
-            <a:r>
-              <a:rPr sz="1800" spc="-70" dirty="0">
+              <a:rPr lang="en-US" spc="-10" dirty="0">
+                <a:latin typeface="Times New Roman"/>
+                <a:cs typeface="Times New Roman"/>
+              </a:rPr>
+              <a:t>3</a:t>
+            </a:r>
+            <a:r>
+              <a:rPr sz="1800" spc="-10" dirty="0" smtClean="0">
+                <a:latin typeface="Times New Roman"/>
+                <a:cs typeface="Times New Roman"/>
+              </a:rPr>
+              <a:t>.</a:t>
+            </a:r>
+            <a:r>
+              <a:rPr sz="1800" spc="-70" dirty="0" smtClean="0">
                 <a:latin typeface="Times New Roman"/>
                 <a:cs typeface="Times New Roman"/>
               </a:rPr>
@@ -23363,7 +24025,7 @@
               </a:rPr>
               <a:t>app</a:t>
             </a:r>
-            <a:endParaRPr sz="1800">
+            <a:endParaRPr sz="1800" dirty="0">
               <a:latin typeface="Times New Roman"/>
               <a:cs typeface="Times New Roman"/>
             </a:endParaRPr>
@@ -23379,7 +24041,7 @@
         <p:spPr>
           <a:xfrm>
             <a:off x="240284" y="2190369"/>
-            <a:ext cx="3178810" cy="1307465"/>
+            <a:ext cx="3569716" cy="1474763"/>
           </a:xfrm>
           <a:prstGeom prst="rect">
             <a:avLst/>
@@ -23414,27 +24076,13 @@
               <a:t> </a:t>
             </a:r>
             <a:r>
-              <a:rPr sz="1200" b="1" spc="-10" dirty="0">
-                <a:latin typeface="Times New Roman"/>
-                <a:cs typeface="Times New Roman"/>
-              </a:rPr>
-              <a:t>Feature</a:t>
-            </a:r>
-            <a:r>
-              <a:rPr sz="1200" b="1" spc="-35" dirty="0">
-                <a:latin typeface="Times New Roman"/>
-                <a:cs typeface="Times New Roman"/>
-              </a:rPr>
-              <a:t> </a:t>
-            </a:r>
-            <a:r>
-              <a:rPr sz="1200" b="1" spc="-5" dirty="0">
-                <a:latin typeface="Times New Roman"/>
-                <a:cs typeface="Times New Roman"/>
-              </a:rPr>
-              <a:t>introduction</a:t>
-            </a:r>
-            <a:endParaRPr sz="1200">
+              <a:rPr lang="ko-KR" altLang="en-US" sz="1200" b="1" spc="-10" dirty="0" smtClean="0">
+                <a:latin typeface="Times New Roman"/>
+                <a:cs typeface="Times New Roman"/>
+              </a:rPr>
+              <a:t>기능 소개</a:t>
+            </a:r>
+            <a:endParaRPr sz="1200" dirty="0">
               <a:latin typeface="Times New Roman"/>
               <a:cs typeface="Times New Roman"/>
             </a:endParaRPr>
@@ -23456,90 +24104,13 @@
               <a:t>-  </a:t>
             </a:r>
             <a:r>
-              <a:rPr sz="1000" spc="155" dirty="0">
-                <a:latin typeface="Times New Roman"/>
-                <a:cs typeface="Times New Roman"/>
-              </a:rPr>
-              <a:t> </a:t>
-            </a:r>
-            <a:r>
-              <a:rPr sz="1000" spc="-5" dirty="0">
-                <a:latin typeface="Times New Roman"/>
-                <a:cs typeface="Times New Roman"/>
-              </a:rPr>
-              <a:t>Provides</a:t>
-            </a:r>
-            <a:r>
-              <a:rPr sz="1000" spc="655" dirty="0">
-                <a:latin typeface="Times New Roman"/>
-                <a:cs typeface="Times New Roman"/>
-              </a:rPr>
-              <a:t> </a:t>
-            </a:r>
-            <a:r>
-              <a:rPr sz="1000" spc="-10" dirty="0">
-                <a:latin typeface="Times New Roman"/>
-                <a:cs typeface="Times New Roman"/>
-              </a:rPr>
-              <a:t>original</a:t>
-            </a:r>
-            <a:r>
-              <a:rPr sz="1000" spc="645" dirty="0">
-                <a:latin typeface="Times New Roman"/>
-                <a:cs typeface="Times New Roman"/>
-              </a:rPr>
-              <a:t> </a:t>
-            </a:r>
-            <a:r>
-              <a:rPr sz="1000" spc="-10" dirty="0">
-                <a:latin typeface="Times New Roman"/>
-                <a:cs typeface="Times New Roman"/>
-              </a:rPr>
-              <a:t>images,</a:t>
-            </a:r>
-            <a:r>
-              <a:rPr sz="1000" spc="645" dirty="0">
-                <a:latin typeface="Times New Roman"/>
-                <a:cs typeface="Times New Roman"/>
-              </a:rPr>
-              <a:t> </a:t>
-            </a:r>
-            <a:r>
-              <a:rPr sz="1000" dirty="0">
-                <a:latin typeface="Times New Roman"/>
-                <a:cs typeface="Times New Roman"/>
-              </a:rPr>
-              <a:t>result  </a:t>
-            </a:r>
-            <a:r>
-              <a:rPr sz="1000" spc="145" dirty="0">
-                <a:latin typeface="Times New Roman"/>
-                <a:cs typeface="Times New Roman"/>
-              </a:rPr>
-              <a:t> </a:t>
-            </a:r>
-            <a:r>
-              <a:rPr sz="1000" spc="-5" dirty="0">
-                <a:latin typeface="Times New Roman"/>
-                <a:cs typeface="Times New Roman"/>
-              </a:rPr>
-              <a:t>images</a:t>
-            </a:r>
-            <a:r>
-              <a:rPr sz="1000" spc="650" dirty="0">
-                <a:latin typeface="Times New Roman"/>
-                <a:cs typeface="Times New Roman"/>
-              </a:rPr>
-              <a:t> </a:t>
-            </a:r>
-            <a:r>
-              <a:rPr sz="1000" spc="-10" dirty="0">
-                <a:latin typeface="Times New Roman"/>
-                <a:cs typeface="Times New Roman"/>
-              </a:rPr>
-              <a:t>image</a:t>
-            </a:r>
-            <a:endParaRPr sz="1000">
+              <a:rPr lang="ko-KR" altLang="en-US" sz="1000" spc="155" dirty="0" smtClean="0">
+                <a:latin typeface="Times New Roman"/>
+                <a:cs typeface="Times New Roman"/>
+              </a:rPr>
+              <a:t>원본 이미지와 결과 이미지를 공장 관리자에게 제공</a:t>
+            </a:r>
+            <a:endParaRPr lang="en-US" altLang="ko-KR" sz="1000" spc="155" dirty="0">
               <a:latin typeface="Times New Roman"/>
               <a:cs typeface="Times New Roman"/>
             </a:endParaRPr>
@@ -23549,190 +24120,62 @@
               <a:lnSpc>
                 <a:spcPct val="100000"/>
               </a:lnSpc>
+              <a:spcBef>
+                <a:spcPts val="5"/>
+              </a:spcBef>
             </a:pPr>
             <a:r>
-              <a:rPr sz="1000" spc="5" dirty="0">
-                <a:latin typeface="Times New Roman"/>
-                <a:cs typeface="Times New Roman"/>
-              </a:rPr>
-              <a:t>i</a:t>
-            </a:r>
-            <a:r>
-              <a:rPr sz="1000" spc="25" dirty="0">
-                <a:latin typeface="Times New Roman"/>
-                <a:cs typeface="Times New Roman"/>
-              </a:rPr>
-              <a:t>n</a:t>
-            </a:r>
-            <a:r>
-              <a:rPr sz="1000" spc="-25" dirty="0">
-                <a:latin typeface="Times New Roman"/>
-                <a:cs typeface="Times New Roman"/>
-              </a:rPr>
-              <a:t>fo</a:t>
-            </a:r>
-            <a:r>
-              <a:rPr sz="1000" spc="20" dirty="0">
-                <a:latin typeface="Times New Roman"/>
-                <a:cs typeface="Times New Roman"/>
-              </a:rPr>
-              <a:t>r</a:t>
-            </a:r>
-            <a:r>
-              <a:rPr sz="1000" spc="-20" dirty="0">
-                <a:latin typeface="Times New Roman"/>
-                <a:cs typeface="Times New Roman"/>
-              </a:rPr>
-              <a:t>mati</a:t>
-            </a:r>
-            <a:r>
-              <a:rPr sz="1000" spc="-25" dirty="0">
-                <a:latin typeface="Times New Roman"/>
-                <a:cs typeface="Times New Roman"/>
-              </a:rPr>
-              <a:t>o</a:t>
-            </a:r>
-            <a:r>
-              <a:rPr sz="1000" spc="5" dirty="0">
-                <a:latin typeface="Times New Roman"/>
-                <a:cs typeface="Times New Roman"/>
-              </a:rPr>
-              <a:t>n</a:t>
-            </a:r>
-            <a:r>
-              <a:rPr sz="1000" spc="-80" dirty="0">
-                <a:latin typeface="Times New Roman"/>
-                <a:cs typeface="Times New Roman"/>
-              </a:rPr>
-              <a:t> </a:t>
-            </a:r>
-            <a:r>
-              <a:rPr sz="1000" spc="-25" dirty="0">
-                <a:latin typeface="Times New Roman"/>
-                <a:cs typeface="Times New Roman"/>
-              </a:rPr>
-              <a:t>fo</a:t>
-            </a:r>
-            <a:r>
-              <a:rPr sz="1000" dirty="0">
-                <a:latin typeface="Times New Roman"/>
-                <a:cs typeface="Times New Roman"/>
-              </a:rPr>
-              <a:t>r</a:t>
-            </a:r>
-            <a:r>
-              <a:rPr sz="1000" spc="35" dirty="0">
-                <a:latin typeface="Times New Roman"/>
-                <a:cs typeface="Times New Roman"/>
-              </a:rPr>
-              <a:t> </a:t>
-            </a:r>
-            <a:r>
-              <a:rPr sz="1000" spc="5" dirty="0">
-                <a:latin typeface="Times New Roman"/>
-                <a:cs typeface="Times New Roman"/>
-              </a:rPr>
-              <a:t>al</a:t>
-            </a:r>
-            <a:r>
-              <a:rPr sz="1000" dirty="0">
-                <a:latin typeface="Times New Roman"/>
-                <a:cs typeface="Times New Roman"/>
-              </a:rPr>
-              <a:t>l</a:t>
-            </a:r>
-            <a:r>
-              <a:rPr sz="1000" spc="-55" dirty="0">
-                <a:latin typeface="Times New Roman"/>
-                <a:cs typeface="Times New Roman"/>
-              </a:rPr>
-              <a:t> </a:t>
-            </a:r>
-            <a:r>
-              <a:rPr sz="1000" spc="-10" dirty="0">
-                <a:latin typeface="Times New Roman"/>
-                <a:cs typeface="Times New Roman"/>
-              </a:rPr>
-              <a:t>s</a:t>
-            </a:r>
-            <a:r>
-              <a:rPr sz="1000" spc="5" dirty="0">
-                <a:latin typeface="Times New Roman"/>
-                <a:cs typeface="Times New Roman"/>
-              </a:rPr>
-              <a:t>a</a:t>
-            </a:r>
-            <a:r>
-              <a:rPr sz="1000" spc="-25" dirty="0">
-                <a:latin typeface="Times New Roman"/>
-                <a:cs typeface="Times New Roman"/>
-              </a:rPr>
-              <a:t>v</a:t>
-            </a:r>
-            <a:r>
-              <a:rPr sz="1000" spc="-20" dirty="0">
-                <a:latin typeface="Times New Roman"/>
-                <a:cs typeface="Times New Roman"/>
-              </a:rPr>
-              <a:t>e</a:t>
-            </a:r>
-            <a:r>
-              <a:rPr sz="1000" spc="5" dirty="0">
-                <a:latin typeface="Times New Roman"/>
-                <a:cs typeface="Times New Roman"/>
-              </a:rPr>
-              <a:t>d</a:t>
-            </a:r>
-            <a:r>
-              <a:rPr sz="1000" spc="15" dirty="0">
-                <a:latin typeface="Times New Roman"/>
-                <a:cs typeface="Times New Roman"/>
-              </a:rPr>
-              <a:t> </a:t>
-            </a:r>
-            <a:r>
-              <a:rPr sz="1000" spc="10" dirty="0">
-                <a:latin typeface="Times New Roman"/>
-                <a:cs typeface="Times New Roman"/>
-              </a:rPr>
-              <a:t>ima</a:t>
-            </a:r>
-            <a:r>
-              <a:rPr sz="1000" spc="5" dirty="0">
-                <a:latin typeface="Times New Roman"/>
-                <a:cs typeface="Times New Roman"/>
-              </a:rPr>
-              <a:t>g</a:t>
-            </a:r>
-            <a:r>
-              <a:rPr sz="1000" spc="-20" dirty="0">
-                <a:latin typeface="Times New Roman"/>
-                <a:cs typeface="Times New Roman"/>
-              </a:rPr>
-              <a:t>e</a:t>
-            </a:r>
-            <a:r>
-              <a:rPr sz="1000" dirty="0">
-                <a:latin typeface="Times New Roman"/>
-                <a:cs typeface="Times New Roman"/>
-              </a:rPr>
-              <a:t>s</a:t>
-            </a:r>
-            <a:endParaRPr sz="1000">
+              <a:rPr lang="en-US" altLang="ko-KR" sz="1000" spc="155" dirty="0" smtClean="0">
+                <a:latin typeface="Times New Roman"/>
+                <a:cs typeface="Times New Roman"/>
+              </a:rPr>
+              <a:t>- </a:t>
+            </a:r>
+            <a:r>
+              <a:rPr lang="ko-KR" altLang="en-US" sz="1000" dirty="0" smtClean="0">
+                <a:latin typeface="+mn-ea"/>
+                <a:cs typeface="Times New Roman"/>
+              </a:rPr>
+              <a:t>저장된 이미지의 모든 정보를 제공함</a:t>
+            </a:r>
+            <a:r>
+              <a:rPr lang="en-US" altLang="ko-KR" sz="1000" dirty="0" smtClean="0">
+                <a:latin typeface="+mn-ea"/>
+                <a:cs typeface="Times New Roman"/>
+              </a:rPr>
+              <a:t>.</a:t>
+            </a:r>
+            <a:endParaRPr lang="en-US" altLang="ko-KR" sz="1000" spc="155" dirty="0" smtClean="0">
               <a:latin typeface="Times New Roman"/>
               <a:cs typeface="Times New Roman"/>
             </a:endParaRPr>
           </a:p>
           <a:p>
-            <a:pPr>
+            <a:pPr marL="184150" indent="-171450">
               <a:lnSpc>
                 <a:spcPct val="100000"/>
               </a:lnSpc>
               <a:spcBef>
-                <a:spcPts val="55"/>
+                <a:spcPts val="5"/>
+              </a:spcBef>
+              <a:buFont typeface="Arial" panose="020B0604020202020204" pitchFamily="34" charset="0"/>
+              <a:buChar char="•"/>
+            </a:pPr>
+            <a:endParaRPr lang="en-US" altLang="ko-KR" sz="1000" dirty="0" smtClean="0">
+              <a:latin typeface="+mn-ea"/>
+              <a:cs typeface="Times New Roman"/>
+            </a:endParaRPr>
+          </a:p>
+          <a:p>
+            <a:pPr marL="12700">
+              <a:lnSpc>
+                <a:spcPct val="100000"/>
+              </a:lnSpc>
+              <a:spcBef>
+                <a:spcPts val="5"/>
               </a:spcBef>
             </a:pPr>
-            <a:endParaRPr sz="1100">
+            <a:endParaRPr sz="1100" dirty="0">
               <a:latin typeface="Times New Roman"/>
               <a:cs typeface="Times New Roman"/>
             </a:endParaRPr>
@@ -23744,27 +24187,27 @@
               </a:lnSpc>
             </a:pPr>
             <a:r>
-              <a:rPr sz="1100" b="1" dirty="0">
+              <a:rPr sz="1200" b="1" dirty="0">
                 <a:latin typeface="Times New Roman"/>
                 <a:cs typeface="Times New Roman"/>
               </a:rPr>
               <a:t>*</a:t>
             </a:r>
             <a:r>
-              <a:rPr sz="1100" b="1" spc="-50" dirty="0">
-                <a:latin typeface="Times New Roman"/>
-                <a:cs typeface="Times New Roman"/>
-              </a:rPr>
-              <a:t> </a:t>
-            </a:r>
-            <a:r>
-              <a:rPr sz="1100" b="1" spc="-15" dirty="0">
-                <a:latin typeface="Times New Roman"/>
-                <a:cs typeface="Times New Roman"/>
-              </a:rPr>
-              <a:t>Detail</a:t>
-            </a:r>
-            <a:endParaRPr sz="1100">
+              <a:rPr sz="1200" b="1" spc="-50" dirty="0">
+                <a:latin typeface="Times New Roman"/>
+                <a:cs typeface="Times New Roman"/>
+              </a:rPr>
+              <a:t> </a:t>
+            </a:r>
+            <a:r>
+              <a:rPr lang="ko-KR" altLang="en-US" sz="1200" b="1" spc="-15" dirty="0" smtClean="0">
+                <a:latin typeface="Times New Roman"/>
+                <a:cs typeface="Times New Roman"/>
+              </a:rPr>
+              <a:t>상세 설명</a:t>
+            </a:r>
+            <a:endParaRPr sz="1100" dirty="0">
               <a:latin typeface="Times New Roman"/>
               <a:cs typeface="Times New Roman"/>
             </a:endParaRPr>
@@ -23786,153 +24229,93 @@
               <a:t>- </a:t>
             </a:r>
             <a:r>
-              <a:rPr sz="1000" spc="-5" dirty="0">
-                <a:latin typeface="Times New Roman"/>
-                <a:cs typeface="Times New Roman"/>
-              </a:rPr>
-              <a:t>Images </a:t>
-            </a:r>
-            <a:r>
-              <a:rPr sz="1000" spc="-10" dirty="0">
-                <a:latin typeface="Times New Roman"/>
-                <a:cs typeface="Times New Roman"/>
-              </a:rPr>
-              <a:t>determined </a:t>
-            </a:r>
-            <a:r>
-              <a:rPr sz="1000" spc="5" dirty="0">
-                <a:latin typeface="Times New Roman"/>
-                <a:cs typeface="Times New Roman"/>
-              </a:rPr>
-              <a:t>to </a:t>
-            </a:r>
-            <a:r>
-              <a:rPr sz="1000" spc="-15" dirty="0">
-                <a:latin typeface="Times New Roman"/>
-                <a:cs typeface="Times New Roman"/>
-              </a:rPr>
-              <a:t>be defective </a:t>
-            </a:r>
-            <a:r>
-              <a:rPr sz="1000" dirty="0">
-                <a:latin typeface="Times New Roman"/>
-                <a:cs typeface="Times New Roman"/>
-              </a:rPr>
-              <a:t>are </a:t>
-            </a:r>
-            <a:r>
-              <a:rPr sz="1000" spc="-15" dirty="0">
-                <a:latin typeface="Times New Roman"/>
-                <a:cs typeface="Times New Roman"/>
-              </a:rPr>
-              <a:t>displayed </a:t>
-            </a:r>
-            <a:r>
-              <a:rPr sz="1000" spc="-20" dirty="0">
-                <a:latin typeface="Times New Roman"/>
-                <a:cs typeface="Times New Roman"/>
-              </a:rPr>
-              <a:t>in </a:t>
-            </a:r>
-            <a:r>
-              <a:rPr sz="1000" dirty="0">
-                <a:latin typeface="Times New Roman"/>
-                <a:cs typeface="Times New Roman"/>
-              </a:rPr>
-              <a:t>red </a:t>
-            </a:r>
-            <a:r>
-              <a:rPr sz="1000" spc="5" dirty="0">
-                <a:latin typeface="Times New Roman"/>
-                <a:cs typeface="Times New Roman"/>
-              </a:rPr>
-              <a:t>at </a:t>
-            </a:r>
-            <a:r>
-              <a:rPr sz="1000" spc="-5" dirty="0">
-                <a:latin typeface="Times New Roman"/>
-                <a:cs typeface="Times New Roman"/>
-              </a:rPr>
-              <a:t>the </a:t>
-            </a:r>
-            <a:r>
-              <a:rPr sz="1000" dirty="0">
-                <a:latin typeface="Times New Roman"/>
-                <a:cs typeface="Times New Roman"/>
-              </a:rPr>
-              <a:t> </a:t>
-            </a:r>
-            <a:r>
-              <a:rPr sz="1000" spc="-5" dirty="0">
-                <a:latin typeface="Times New Roman"/>
-                <a:cs typeface="Times New Roman"/>
-              </a:rPr>
-              <a:t>top </a:t>
-            </a:r>
-            <a:r>
-              <a:rPr sz="1000" spc="-10" dirty="0">
-                <a:latin typeface="Times New Roman"/>
-                <a:cs typeface="Times New Roman"/>
-              </a:rPr>
-              <a:t>left of </a:t>
-            </a:r>
-            <a:r>
-              <a:rPr sz="1000" dirty="0">
-                <a:latin typeface="Times New Roman"/>
-                <a:cs typeface="Times New Roman"/>
-              </a:rPr>
-              <a:t>the image </a:t>
-            </a:r>
-            <a:r>
-              <a:rPr sz="1000" spc="5" dirty="0">
-                <a:latin typeface="Times New Roman"/>
-                <a:cs typeface="Times New Roman"/>
-              </a:rPr>
-              <a:t>and </a:t>
-            </a:r>
-            <a:r>
-              <a:rPr sz="1000" spc="-10" dirty="0">
-                <a:latin typeface="Times New Roman"/>
-                <a:cs typeface="Times New Roman"/>
-              </a:rPr>
-              <a:t>click on </a:t>
-            </a:r>
-            <a:r>
-              <a:rPr sz="1000" dirty="0">
-                <a:latin typeface="Times New Roman"/>
-                <a:cs typeface="Times New Roman"/>
-              </a:rPr>
-              <a:t>the </a:t>
-            </a:r>
-            <a:r>
-              <a:rPr sz="1000" spc="-5" dirty="0">
-                <a:latin typeface="Times New Roman"/>
-                <a:cs typeface="Times New Roman"/>
-              </a:rPr>
-              <a:t>image </a:t>
-            </a:r>
-            <a:r>
-              <a:rPr sz="1000" spc="5" dirty="0">
-                <a:latin typeface="Times New Roman"/>
-                <a:cs typeface="Times New Roman"/>
-              </a:rPr>
-              <a:t>to </a:t>
-            </a:r>
-            <a:r>
-              <a:rPr sz="1000" spc="-10" dirty="0">
-                <a:latin typeface="Times New Roman"/>
-                <a:cs typeface="Times New Roman"/>
-              </a:rPr>
-              <a:t>enlarge it for </a:t>
-            </a:r>
-            <a:r>
-              <a:rPr sz="1000" spc="-5" dirty="0">
-                <a:latin typeface="Times New Roman"/>
-                <a:cs typeface="Times New Roman"/>
-              </a:rPr>
-              <a:t> comparison.</a:t>
-            </a:r>
-            <a:endParaRPr sz="1000">
+              <a:rPr lang="en-US" sz="1000" dirty="0" smtClean="0">
+                <a:latin typeface="Times New Roman"/>
+                <a:cs typeface="Times New Roman"/>
+              </a:rPr>
+              <a:t> </a:t>
+            </a:r>
+            <a:r>
+              <a:rPr lang="ko-KR" altLang="en-US" sz="1000" dirty="0" smtClean="0">
+                <a:latin typeface="Times New Roman"/>
+                <a:cs typeface="Times New Roman"/>
+              </a:rPr>
+              <a:t>결함이 있는 것으로 판명된 이미지는 필터로 거를 수 있음</a:t>
+            </a:r>
+            <a:r>
+              <a:rPr lang="en-US" altLang="ko-KR" sz="1000" dirty="0" smtClean="0">
+                <a:latin typeface="Times New Roman"/>
+                <a:cs typeface="Times New Roman"/>
+              </a:rPr>
+              <a:t>.</a:t>
+            </a:r>
+          </a:p>
+          <a:p>
+            <a:pPr marL="12700" marR="5080" algn="just">
+              <a:lnSpc>
+                <a:spcPct val="100000"/>
+              </a:lnSpc>
+              <a:spcBef>
+                <a:spcPts val="5"/>
+              </a:spcBef>
+            </a:pPr>
+            <a:r>
+              <a:rPr lang="en-US" altLang="ko-KR" sz="1000" dirty="0" smtClean="0">
+                <a:latin typeface="Times New Roman"/>
+                <a:cs typeface="Times New Roman"/>
+              </a:rPr>
+              <a:t>-  </a:t>
+            </a:r>
+            <a:r>
+              <a:rPr lang="ko-KR" altLang="en-US" sz="1000" dirty="0" smtClean="0">
+                <a:latin typeface="Times New Roman"/>
+                <a:cs typeface="Times New Roman"/>
+              </a:rPr>
+              <a:t>원본 이미지와 결함 이미지를 비교하기 쉽게 </a:t>
+            </a:r>
+            <a:r>
+              <a:rPr lang="en-US" altLang="ko-KR" sz="1000" dirty="0" smtClean="0">
+                <a:latin typeface="Times New Roman"/>
+                <a:cs typeface="Times New Roman"/>
+              </a:rPr>
+              <a:t>UI</a:t>
+            </a:r>
+            <a:r>
+              <a:rPr lang="ko-KR" altLang="en-US" sz="1000" dirty="0" smtClean="0">
+                <a:latin typeface="Times New Roman"/>
+                <a:cs typeface="Times New Roman"/>
+              </a:rPr>
+              <a:t>를 구성함</a:t>
+            </a:r>
+            <a:r>
+              <a:rPr lang="en-US" altLang="ko-KR" sz="1000" dirty="0" smtClean="0">
+                <a:latin typeface="Times New Roman"/>
+                <a:cs typeface="Times New Roman"/>
+              </a:rPr>
+              <a:t>.</a:t>
+            </a:r>
+            <a:endParaRPr lang="en-US" altLang="ko-KR" sz="1000" dirty="0" smtClean="0">
+              <a:latin typeface="Times New Roman"/>
+              <a:cs typeface="Times New Roman"/>
+            </a:endParaRPr>
+          </a:p>
+          <a:p>
+            <a:pPr marL="12700" marR="5080" algn="just">
+              <a:lnSpc>
+                <a:spcPct val="100000"/>
+              </a:lnSpc>
+              <a:spcBef>
+                <a:spcPts val="5"/>
+              </a:spcBef>
+            </a:pPr>
+            <a:r>
+              <a:rPr lang="en-US" altLang="ko-KR" sz="1000" dirty="0" smtClean="0">
+                <a:latin typeface="Times New Roman"/>
+                <a:cs typeface="Times New Roman"/>
+              </a:rPr>
+              <a:t>-</a:t>
+            </a:r>
+            <a:endParaRPr sz="1000" dirty="0">
               <a:latin typeface="Times New Roman"/>
               <a:cs typeface="Times New Roman"/>
             </a:endParaRPr>
@@ -23983,1263 +24366,6 @@
           </a:prstGeom>
         </p:spPr>
       </p:pic>
-    </p:spTree>
-  </p:cSld>
-  <p:clrMapOvr>
-    <a:masterClrMapping/>
-  </p:clrMapOvr>
-</p:sld>
-</file>
-
-<file path=ppt/slides/slide9.xml><?xml version="1.0" encoding="utf-8"?>
-<p:sld xmlns:a="http://schemas.openxmlformats.org/drawingml/2006/main" xmlns:r="http://schemas.openxmlformats.org/officeDocument/2006/relationships" xmlns:p="http://schemas.openxmlformats.org/presentationml/2006/main">
-  <p:cSld>
-    <p:spTree>
-      <p:nvGrpSpPr>
-        <p:cNvPr id="1" name=""/>
-        <p:cNvGrpSpPr/>
-        <p:nvPr/>
-      </p:nvGrpSpPr>
-      <p:grpSpPr>
-        <a:xfrm>
-          <a:off x="0" y="0"/>
-          <a:ext cx="0" cy="0"/>
-          <a:chOff x="0" y="0"/>
-          <a:chExt cx="0" cy="0"/>
-        </a:xfrm>
-      </p:grpSpPr>
-      <p:sp>
-        <p:nvSpPr>
-          <p:cNvPr id="2" name="object 2"/>
-          <p:cNvSpPr txBox="1">
-            <a:spLocks noGrp="1"/>
-          </p:cNvSpPr>
-          <p:nvPr>
-            <p:ph type="title"/>
-          </p:nvPr>
-        </p:nvSpPr>
-        <p:spPr>
-          <a:xfrm>
-            <a:off x="134823" y="55879"/>
-            <a:ext cx="1293495" cy="347345"/>
-          </a:xfrm>
-          <a:prstGeom prst="rect">
-            <a:avLst/>
-          </a:prstGeom>
-        </p:spPr>
-        <p:txBody>
-          <a:bodyPr vert="horz" wrap="square" lIns="0" tIns="13970" rIns="0" bIns="0" rtlCol="0">
-            <a:spAutoFit/>
-          </a:bodyPr>
-          <a:lstStyle/>
-          <a:p>
-            <a:pPr marL="12700">
-              <a:lnSpc>
-                <a:spcPct val="100000"/>
-              </a:lnSpc>
-              <a:spcBef>
-                <a:spcPts val="110"/>
-              </a:spcBef>
-            </a:pPr>
-            <a:r>
-              <a:rPr sz="2100" b="0" spc="10" dirty="0">
-                <a:solidFill>
-                  <a:srgbClr val="FFFFFF"/>
-                </a:solidFill>
-                <a:latin typeface="Arial MT"/>
-                <a:cs typeface="Arial MT"/>
-              </a:rPr>
-              <a:t>P</a:t>
-            </a:r>
-            <a:r>
-              <a:rPr sz="2100" b="0" spc="5" dirty="0">
-                <a:solidFill>
-                  <a:srgbClr val="FFFFFF"/>
-                </a:solidFill>
-                <a:latin typeface="Arial MT"/>
-                <a:cs typeface="Arial MT"/>
-              </a:rPr>
-              <a:t>ro</a:t>
-            </a:r>
-            <a:r>
-              <a:rPr sz="2100" b="0" spc="10" dirty="0">
-                <a:solidFill>
-                  <a:srgbClr val="FFFFFF"/>
-                </a:solidFill>
-                <a:latin typeface="Arial MT"/>
-                <a:cs typeface="Arial MT"/>
-              </a:rPr>
-              <a:t>j</a:t>
-            </a:r>
-            <a:r>
-              <a:rPr sz="2100" b="0" spc="-15" dirty="0">
-                <a:solidFill>
-                  <a:srgbClr val="FFFFFF"/>
-                </a:solidFill>
-                <a:latin typeface="Arial MT"/>
-                <a:cs typeface="Arial MT"/>
-              </a:rPr>
-              <a:t>e</a:t>
-            </a:r>
-            <a:r>
-              <a:rPr sz="2100" b="0" spc="-20" dirty="0">
-                <a:solidFill>
-                  <a:srgbClr val="FFFFFF"/>
-                </a:solidFill>
-                <a:latin typeface="Arial MT"/>
-                <a:cs typeface="Arial MT"/>
-              </a:rPr>
-              <a:t>c</a:t>
-            </a:r>
-            <a:r>
-              <a:rPr sz="2100" b="0" dirty="0">
-                <a:solidFill>
-                  <a:srgbClr val="FFFFFF"/>
-                </a:solidFill>
-                <a:latin typeface="Arial MT"/>
-                <a:cs typeface="Arial MT"/>
-              </a:rPr>
-              <a:t>t</a:t>
-            </a:r>
-            <a:r>
-              <a:rPr sz="2100" b="0" spc="-105" dirty="0">
-                <a:solidFill>
-                  <a:srgbClr val="FFFFFF"/>
-                </a:solidFill>
-                <a:latin typeface="Arial MT"/>
-                <a:cs typeface="Arial MT"/>
-              </a:rPr>
-              <a:t> </a:t>
-            </a:r>
-            <a:r>
-              <a:rPr sz="2100" b="0" spc="5" dirty="0">
-                <a:solidFill>
-                  <a:srgbClr val="FFFFFF"/>
-                </a:solidFill>
-                <a:latin typeface="Arial MT"/>
-                <a:cs typeface="Arial MT"/>
-              </a:rPr>
-              <a:t>01.</a:t>
-            </a:r>
-            <a:endParaRPr sz="2100">
-              <a:latin typeface="Arial MT"/>
-              <a:cs typeface="Arial MT"/>
-            </a:endParaRPr>
-          </a:p>
-        </p:txBody>
-      </p:sp>
-      <p:sp>
-        <p:nvSpPr>
-          <p:cNvPr id="3" name="object 3"/>
-          <p:cNvSpPr txBox="1"/>
-          <p:nvPr/>
-        </p:nvSpPr>
-        <p:spPr>
-          <a:xfrm>
-            <a:off x="240284" y="2190369"/>
-            <a:ext cx="2505075" cy="1002665"/>
-          </a:xfrm>
-          <a:prstGeom prst="rect">
-            <a:avLst/>
-          </a:prstGeom>
-        </p:spPr>
-        <p:txBody>
-          <a:bodyPr vert="horz" wrap="square" lIns="0" tIns="12700" rIns="0" bIns="0" rtlCol="0">
-            <a:spAutoFit/>
-          </a:bodyPr>
-          <a:lstStyle/>
-          <a:p>
-            <a:pPr marL="12700">
-              <a:lnSpc>
-                <a:spcPct val="100000"/>
-              </a:lnSpc>
-              <a:spcBef>
-                <a:spcPts val="100"/>
-              </a:spcBef>
-            </a:pPr>
-            <a:r>
-              <a:rPr sz="1200" b="1" dirty="0">
-                <a:latin typeface="Times New Roman"/>
-                <a:cs typeface="Times New Roman"/>
-              </a:rPr>
-              <a:t>*</a:t>
-            </a:r>
-            <a:r>
-              <a:rPr sz="1200" b="1" spc="-35" dirty="0">
-                <a:latin typeface="Times New Roman"/>
-                <a:cs typeface="Times New Roman"/>
-              </a:rPr>
-              <a:t> </a:t>
-            </a:r>
-            <a:r>
-              <a:rPr sz="1200" b="1" spc="-10" dirty="0">
-                <a:latin typeface="Times New Roman"/>
-                <a:cs typeface="Times New Roman"/>
-              </a:rPr>
-              <a:t>Feature</a:t>
-            </a:r>
-            <a:r>
-              <a:rPr sz="1200" b="1" spc="-35" dirty="0">
-                <a:latin typeface="Times New Roman"/>
-                <a:cs typeface="Times New Roman"/>
-              </a:rPr>
-              <a:t> </a:t>
-            </a:r>
-            <a:r>
-              <a:rPr sz="1200" b="1" spc="-5" dirty="0">
-                <a:latin typeface="Times New Roman"/>
-                <a:cs typeface="Times New Roman"/>
-              </a:rPr>
-              <a:t>introduction</a:t>
-            </a:r>
-            <a:endParaRPr sz="1200">
-              <a:latin typeface="Times New Roman"/>
-              <a:cs typeface="Times New Roman"/>
-            </a:endParaRPr>
-          </a:p>
-          <a:p>
-            <a:pPr marL="12700">
-              <a:lnSpc>
-                <a:spcPct val="100000"/>
-              </a:lnSpc>
-              <a:spcBef>
-                <a:spcPts val="5"/>
-              </a:spcBef>
-            </a:pPr>
-            <a:r>
-              <a:rPr sz="1000" dirty="0">
-                <a:latin typeface="Times New Roman"/>
-                <a:cs typeface="Times New Roman"/>
-              </a:rPr>
-              <a:t>-</a:t>
-            </a:r>
-            <a:r>
-              <a:rPr sz="1000" spc="-10" dirty="0">
-                <a:latin typeface="Times New Roman"/>
-                <a:cs typeface="Times New Roman"/>
-              </a:rPr>
-              <a:t> </a:t>
-            </a:r>
-            <a:r>
-              <a:rPr sz="1000" spc="-5" dirty="0">
-                <a:latin typeface="Times New Roman"/>
-                <a:cs typeface="Times New Roman"/>
-              </a:rPr>
-              <a:t>M</a:t>
-            </a:r>
-            <a:r>
-              <a:rPr sz="1000" spc="-15" dirty="0">
-                <a:latin typeface="Times New Roman"/>
-                <a:cs typeface="Times New Roman"/>
-              </a:rPr>
-              <a:t>e</a:t>
-            </a:r>
-            <a:r>
-              <a:rPr sz="1000" spc="5" dirty="0">
-                <a:latin typeface="Times New Roman"/>
-                <a:cs typeface="Times New Roman"/>
-              </a:rPr>
-              <a:t>t</a:t>
-            </a:r>
-            <a:r>
-              <a:rPr sz="1000" spc="20" dirty="0">
-                <a:latin typeface="Times New Roman"/>
-                <a:cs typeface="Times New Roman"/>
-              </a:rPr>
-              <a:t>h</a:t>
-            </a:r>
-            <a:r>
-              <a:rPr sz="1000" spc="-25" dirty="0">
-                <a:latin typeface="Times New Roman"/>
-                <a:cs typeface="Times New Roman"/>
-              </a:rPr>
-              <a:t>o</a:t>
-            </a:r>
-            <a:r>
-              <a:rPr sz="1000" dirty="0">
-                <a:latin typeface="Times New Roman"/>
-                <a:cs typeface="Times New Roman"/>
-              </a:rPr>
-              <a:t>d</a:t>
-            </a:r>
-            <a:r>
-              <a:rPr sz="1000" spc="-80" dirty="0">
-                <a:latin typeface="Times New Roman"/>
-                <a:cs typeface="Times New Roman"/>
-              </a:rPr>
-              <a:t> </a:t>
-            </a:r>
-            <a:r>
-              <a:rPr sz="1000" spc="-15" dirty="0">
-                <a:latin typeface="Times New Roman"/>
-                <a:cs typeface="Times New Roman"/>
-              </a:rPr>
-              <a:t>c</a:t>
-            </a:r>
-            <a:r>
-              <a:rPr sz="1000" spc="-25" dirty="0">
-                <a:latin typeface="Times New Roman"/>
-                <a:cs typeface="Times New Roman"/>
-              </a:rPr>
-              <a:t>o</a:t>
-            </a:r>
-            <a:r>
-              <a:rPr sz="1000" spc="20" dirty="0">
-                <a:latin typeface="Times New Roman"/>
-                <a:cs typeface="Times New Roman"/>
-              </a:rPr>
-              <a:t>n</a:t>
-            </a:r>
-            <a:r>
-              <a:rPr sz="1000" spc="-25" dirty="0">
-                <a:latin typeface="Times New Roman"/>
-                <a:cs typeface="Times New Roman"/>
-              </a:rPr>
-              <a:t>f</a:t>
-            </a:r>
-            <a:r>
-              <a:rPr sz="1000" spc="5" dirty="0">
-                <a:latin typeface="Times New Roman"/>
-                <a:cs typeface="Times New Roman"/>
-              </a:rPr>
-              <a:t>i</a:t>
-            </a:r>
-            <a:r>
-              <a:rPr sz="1000" dirty="0">
-                <a:latin typeface="Times New Roman"/>
-                <a:cs typeface="Times New Roman"/>
-              </a:rPr>
-              <a:t>gur</a:t>
-            </a:r>
-            <a:r>
-              <a:rPr sz="1000" spc="5" dirty="0">
-                <a:latin typeface="Times New Roman"/>
-                <a:cs typeface="Times New Roman"/>
-              </a:rPr>
-              <a:t>a</a:t>
-            </a:r>
-            <a:r>
-              <a:rPr sz="1000" spc="-20" dirty="0">
-                <a:latin typeface="Times New Roman"/>
-                <a:cs typeface="Times New Roman"/>
-              </a:rPr>
-              <a:t>ti</a:t>
-            </a:r>
-            <a:r>
-              <a:rPr sz="1000" spc="-50" dirty="0">
-                <a:latin typeface="Times New Roman"/>
-                <a:cs typeface="Times New Roman"/>
-              </a:rPr>
-              <a:t>o</a:t>
-            </a:r>
-            <a:r>
-              <a:rPr sz="1000" dirty="0">
-                <a:latin typeface="Times New Roman"/>
-                <a:cs typeface="Times New Roman"/>
-              </a:rPr>
-              <a:t>n</a:t>
-            </a:r>
-            <a:r>
-              <a:rPr sz="1000" spc="-80" dirty="0">
-                <a:latin typeface="Times New Roman"/>
-                <a:cs typeface="Times New Roman"/>
-              </a:rPr>
-              <a:t> </a:t>
-            </a:r>
-            <a:r>
-              <a:rPr sz="1000" spc="-25" dirty="0">
-                <a:latin typeface="Times New Roman"/>
-                <a:cs typeface="Times New Roman"/>
-              </a:rPr>
-              <a:t>fo</a:t>
-            </a:r>
-            <a:r>
-              <a:rPr sz="1000" dirty="0">
-                <a:latin typeface="Times New Roman"/>
-                <a:cs typeface="Times New Roman"/>
-              </a:rPr>
-              <a:t>r</a:t>
-            </a:r>
-            <a:r>
-              <a:rPr sz="1000" spc="35" dirty="0">
-                <a:latin typeface="Times New Roman"/>
-                <a:cs typeface="Times New Roman"/>
-              </a:rPr>
-              <a:t> </a:t>
-            </a:r>
-            <a:r>
-              <a:rPr sz="1000" spc="-15" dirty="0">
-                <a:latin typeface="Times New Roman"/>
-                <a:cs typeface="Times New Roman"/>
-              </a:rPr>
-              <a:t>e</a:t>
-            </a:r>
-            <a:r>
-              <a:rPr sz="1000" spc="5" dirty="0">
-                <a:latin typeface="Times New Roman"/>
-                <a:cs typeface="Times New Roman"/>
-              </a:rPr>
-              <a:t>a</a:t>
-            </a:r>
-            <a:r>
-              <a:rPr sz="1000" spc="-10" dirty="0">
-                <a:latin typeface="Times New Roman"/>
-                <a:cs typeface="Times New Roman"/>
-              </a:rPr>
-              <a:t>s</a:t>
-            </a:r>
-            <a:r>
-              <a:rPr sz="1000" dirty="0">
-                <a:latin typeface="Times New Roman"/>
-                <a:cs typeface="Times New Roman"/>
-              </a:rPr>
-              <a:t>y</a:t>
-            </a:r>
-            <a:r>
-              <a:rPr sz="1000" spc="-10" dirty="0">
-                <a:latin typeface="Times New Roman"/>
-                <a:cs typeface="Times New Roman"/>
-              </a:rPr>
-              <a:t> s</a:t>
-            </a:r>
-            <a:r>
-              <a:rPr sz="1000" spc="5" dirty="0">
-                <a:latin typeface="Times New Roman"/>
-                <a:cs typeface="Times New Roman"/>
-              </a:rPr>
-              <a:t>a</a:t>
-            </a:r>
-            <a:r>
-              <a:rPr sz="1000" spc="-25" dirty="0">
-                <a:latin typeface="Times New Roman"/>
-                <a:cs typeface="Times New Roman"/>
-              </a:rPr>
-              <a:t>v</a:t>
-            </a:r>
-            <a:r>
-              <a:rPr sz="1000" spc="5" dirty="0">
-                <a:latin typeface="Times New Roman"/>
-                <a:cs typeface="Times New Roman"/>
-              </a:rPr>
-              <a:t>i</a:t>
-            </a:r>
-            <a:r>
-              <a:rPr sz="1000" spc="20" dirty="0">
-                <a:latin typeface="Times New Roman"/>
-                <a:cs typeface="Times New Roman"/>
-              </a:rPr>
-              <a:t>n</a:t>
-            </a:r>
-            <a:r>
-              <a:rPr sz="1000" dirty="0">
-                <a:latin typeface="Times New Roman"/>
-                <a:cs typeface="Times New Roman"/>
-              </a:rPr>
-              <a:t>g</a:t>
-            </a:r>
-            <a:r>
-              <a:rPr sz="1000" spc="-35" dirty="0">
-                <a:latin typeface="Times New Roman"/>
-                <a:cs typeface="Times New Roman"/>
-              </a:rPr>
-              <a:t> </a:t>
-            </a:r>
-            <a:r>
-              <a:rPr sz="1000" spc="5" dirty="0">
-                <a:latin typeface="Times New Roman"/>
-                <a:cs typeface="Times New Roman"/>
-              </a:rPr>
-              <a:t>t</a:t>
-            </a:r>
-            <a:r>
-              <a:rPr sz="1000" dirty="0">
-                <a:latin typeface="Times New Roman"/>
-                <a:cs typeface="Times New Roman"/>
-              </a:rPr>
-              <a:t>o</a:t>
-            </a:r>
-            <a:r>
-              <a:rPr sz="1000" spc="-35" dirty="0">
-                <a:latin typeface="Times New Roman"/>
-                <a:cs typeface="Times New Roman"/>
-              </a:rPr>
-              <a:t> </a:t>
-            </a:r>
-            <a:r>
-              <a:rPr sz="1000" spc="-30" dirty="0">
-                <a:latin typeface="Times New Roman"/>
-                <a:cs typeface="Times New Roman"/>
-              </a:rPr>
-              <a:t>DB</a:t>
-            </a:r>
-            <a:endParaRPr sz="1000">
-              <a:latin typeface="Times New Roman"/>
-              <a:cs typeface="Times New Roman"/>
-            </a:endParaRPr>
-          </a:p>
-          <a:p>
-            <a:pPr>
-              <a:lnSpc>
-                <a:spcPct val="100000"/>
-              </a:lnSpc>
-              <a:spcBef>
-                <a:spcPts val="45"/>
-              </a:spcBef>
-            </a:pPr>
-            <a:endParaRPr sz="1000">
-              <a:latin typeface="Times New Roman"/>
-              <a:cs typeface="Times New Roman"/>
-            </a:endParaRPr>
-          </a:p>
-          <a:p>
-            <a:pPr marL="12700">
-              <a:lnSpc>
-                <a:spcPct val="100000"/>
-              </a:lnSpc>
-            </a:pPr>
-            <a:r>
-              <a:rPr sz="1200" b="1" dirty="0">
-                <a:latin typeface="Times New Roman"/>
-                <a:cs typeface="Times New Roman"/>
-              </a:rPr>
-              <a:t>*</a:t>
-            </a:r>
-            <a:r>
-              <a:rPr sz="1200" b="1" spc="-50" dirty="0">
-                <a:latin typeface="Times New Roman"/>
-                <a:cs typeface="Times New Roman"/>
-              </a:rPr>
-              <a:t> </a:t>
-            </a:r>
-            <a:r>
-              <a:rPr sz="1200" b="1" spc="-5" dirty="0">
-                <a:latin typeface="Times New Roman"/>
-                <a:cs typeface="Times New Roman"/>
-              </a:rPr>
-              <a:t>Detail</a:t>
-            </a:r>
-            <a:endParaRPr sz="1200">
-              <a:latin typeface="Times New Roman"/>
-              <a:cs typeface="Times New Roman"/>
-            </a:endParaRPr>
-          </a:p>
-          <a:p>
-            <a:pPr marL="12700">
-              <a:lnSpc>
-                <a:spcPct val="100000"/>
-              </a:lnSpc>
-              <a:spcBef>
-                <a:spcPts val="10"/>
-              </a:spcBef>
-            </a:pPr>
-            <a:r>
-              <a:rPr sz="1000" dirty="0">
-                <a:latin typeface="Times New Roman"/>
-                <a:cs typeface="Times New Roman"/>
-              </a:rPr>
-              <a:t>-</a:t>
-            </a:r>
-            <a:r>
-              <a:rPr sz="1000" spc="-35" dirty="0">
-                <a:latin typeface="Times New Roman"/>
-                <a:cs typeface="Times New Roman"/>
-              </a:rPr>
-              <a:t> </a:t>
-            </a:r>
-            <a:r>
-              <a:rPr sz="1000" spc="-30" dirty="0">
-                <a:latin typeface="Times New Roman"/>
-                <a:cs typeface="Times New Roman"/>
-              </a:rPr>
-              <a:t>U</a:t>
-            </a:r>
-            <a:r>
-              <a:rPr sz="1000" spc="-10" dirty="0">
-                <a:latin typeface="Times New Roman"/>
-                <a:cs typeface="Times New Roman"/>
-              </a:rPr>
-              <a:t>s</a:t>
-            </a:r>
-            <a:r>
-              <a:rPr sz="1000" dirty="0">
-                <a:latin typeface="Times New Roman"/>
-                <a:cs typeface="Times New Roman"/>
-              </a:rPr>
-              <a:t>e</a:t>
-            </a:r>
-            <a:r>
-              <a:rPr sz="1000" spc="25" dirty="0">
-                <a:latin typeface="Times New Roman"/>
-                <a:cs typeface="Times New Roman"/>
-              </a:rPr>
-              <a:t> </a:t>
-            </a:r>
-            <a:r>
-              <a:rPr sz="1000" spc="-10" dirty="0">
-                <a:latin typeface="Times New Roman"/>
-                <a:cs typeface="Times New Roman"/>
-              </a:rPr>
-              <a:t>s</a:t>
-            </a:r>
-            <a:r>
-              <a:rPr sz="1000" dirty="0">
-                <a:latin typeface="Times New Roman"/>
-                <a:cs typeface="Times New Roman"/>
-              </a:rPr>
-              <a:t>p</a:t>
-            </a:r>
-            <a:r>
-              <a:rPr sz="1000" spc="20" dirty="0">
-                <a:latin typeface="Times New Roman"/>
-                <a:cs typeface="Times New Roman"/>
-              </a:rPr>
-              <a:t>r</a:t>
-            </a:r>
-            <a:r>
-              <a:rPr sz="1000" spc="5" dirty="0">
-                <a:latin typeface="Times New Roman"/>
-                <a:cs typeface="Times New Roman"/>
-              </a:rPr>
-              <a:t>i</a:t>
-            </a:r>
-            <a:r>
-              <a:rPr sz="1000" spc="20" dirty="0">
-                <a:latin typeface="Times New Roman"/>
-                <a:cs typeface="Times New Roman"/>
-              </a:rPr>
-              <a:t>n</a:t>
-            </a:r>
-            <a:r>
-              <a:rPr sz="1000" dirty="0">
-                <a:latin typeface="Times New Roman"/>
-                <a:cs typeface="Times New Roman"/>
-              </a:rPr>
-              <a:t>g</a:t>
-            </a:r>
-            <a:r>
-              <a:rPr sz="1000" spc="-80" dirty="0">
-                <a:latin typeface="Times New Roman"/>
-                <a:cs typeface="Times New Roman"/>
-              </a:rPr>
-              <a:t> </a:t>
-            </a:r>
-            <a:r>
-              <a:rPr sz="1000" spc="5" dirty="0">
-                <a:latin typeface="Times New Roman"/>
-                <a:cs typeface="Times New Roman"/>
-              </a:rPr>
-              <a:t>t</a:t>
-            </a:r>
-            <a:r>
-              <a:rPr sz="1000" dirty="0">
-                <a:latin typeface="Times New Roman"/>
-                <a:cs typeface="Times New Roman"/>
-              </a:rPr>
-              <a:t>o</a:t>
-            </a:r>
-            <a:r>
-              <a:rPr sz="1000" spc="-35" dirty="0">
-                <a:latin typeface="Times New Roman"/>
-                <a:cs typeface="Times New Roman"/>
-              </a:rPr>
-              <a:t> </a:t>
-            </a:r>
-            <a:r>
-              <a:rPr sz="1000" spc="-10" dirty="0">
-                <a:latin typeface="Times New Roman"/>
-                <a:cs typeface="Times New Roman"/>
-              </a:rPr>
-              <a:t>s</a:t>
-            </a:r>
-            <a:r>
-              <a:rPr sz="1000" spc="-15" dirty="0">
-                <a:latin typeface="Times New Roman"/>
-                <a:cs typeface="Times New Roman"/>
-              </a:rPr>
-              <a:t>e</a:t>
-            </a:r>
-            <a:r>
-              <a:rPr sz="1000" dirty="0">
-                <a:latin typeface="Times New Roman"/>
-                <a:cs typeface="Times New Roman"/>
-              </a:rPr>
-              <a:t>p</a:t>
-            </a:r>
-            <a:r>
-              <a:rPr sz="1000" spc="5" dirty="0">
-                <a:latin typeface="Times New Roman"/>
-                <a:cs typeface="Times New Roman"/>
-              </a:rPr>
-              <a:t>a</a:t>
-            </a:r>
-            <a:r>
-              <a:rPr sz="1000" spc="20" dirty="0">
-                <a:latin typeface="Times New Roman"/>
-                <a:cs typeface="Times New Roman"/>
-              </a:rPr>
-              <a:t>r</a:t>
-            </a:r>
-            <a:r>
-              <a:rPr sz="1000" spc="5" dirty="0">
-                <a:latin typeface="Times New Roman"/>
-                <a:cs typeface="Times New Roman"/>
-              </a:rPr>
-              <a:t>a</a:t>
-            </a:r>
-            <a:r>
-              <a:rPr sz="1000" spc="-20" dirty="0">
-                <a:latin typeface="Times New Roman"/>
-                <a:cs typeface="Times New Roman"/>
-              </a:rPr>
-              <a:t>t</a:t>
-            </a:r>
-            <a:r>
-              <a:rPr sz="1000" dirty="0">
-                <a:latin typeface="Times New Roman"/>
-                <a:cs typeface="Times New Roman"/>
-              </a:rPr>
-              <a:t>e</a:t>
-            </a:r>
-            <a:r>
-              <a:rPr sz="1000" spc="-95" dirty="0">
-                <a:latin typeface="Times New Roman"/>
-                <a:cs typeface="Times New Roman"/>
-              </a:rPr>
-              <a:t> </a:t>
-            </a:r>
-            <a:r>
-              <a:rPr sz="1000" spc="20" dirty="0">
-                <a:latin typeface="Times New Roman"/>
-                <a:cs typeface="Times New Roman"/>
-              </a:rPr>
-              <a:t>r</a:t>
-            </a:r>
-            <a:r>
-              <a:rPr sz="1000" spc="-25" dirty="0">
-                <a:latin typeface="Times New Roman"/>
-                <a:cs typeface="Times New Roman"/>
-              </a:rPr>
-              <a:t>o</a:t>
-            </a:r>
-            <a:r>
-              <a:rPr sz="1000" spc="5" dirty="0">
-                <a:latin typeface="Times New Roman"/>
-                <a:cs typeface="Times New Roman"/>
-              </a:rPr>
-              <a:t>l</a:t>
-            </a:r>
-            <a:r>
-              <a:rPr sz="1000" spc="-15" dirty="0">
-                <a:latin typeface="Times New Roman"/>
-                <a:cs typeface="Times New Roman"/>
-              </a:rPr>
-              <a:t>e</a:t>
-            </a:r>
-            <a:r>
-              <a:rPr sz="1000" dirty="0">
-                <a:latin typeface="Times New Roman"/>
-                <a:cs typeface="Times New Roman"/>
-              </a:rPr>
-              <a:t>s</a:t>
-            </a:r>
-            <a:r>
-              <a:rPr sz="1000" spc="-45" dirty="0">
-                <a:latin typeface="Times New Roman"/>
-                <a:cs typeface="Times New Roman"/>
-              </a:rPr>
-              <a:t> </a:t>
-            </a:r>
-            <a:r>
-              <a:rPr sz="1000" spc="5" dirty="0">
-                <a:latin typeface="Times New Roman"/>
-                <a:cs typeface="Times New Roman"/>
-              </a:rPr>
-              <a:t>t</a:t>
-            </a:r>
-            <a:r>
-              <a:rPr sz="1000" dirty="0">
-                <a:latin typeface="Times New Roman"/>
-                <a:cs typeface="Times New Roman"/>
-              </a:rPr>
-              <a:t>o</a:t>
-            </a:r>
-            <a:r>
-              <a:rPr sz="1000" spc="-35" dirty="0">
-                <a:latin typeface="Times New Roman"/>
-                <a:cs typeface="Times New Roman"/>
-              </a:rPr>
-              <a:t> </a:t>
-            </a:r>
-            <a:r>
-              <a:rPr sz="1000" spc="-15" dirty="0">
-                <a:latin typeface="Times New Roman"/>
-                <a:cs typeface="Times New Roman"/>
-              </a:rPr>
-              <a:t>e</a:t>
-            </a:r>
-            <a:r>
-              <a:rPr sz="1000" spc="5" dirty="0">
-                <a:latin typeface="Times New Roman"/>
-                <a:cs typeface="Times New Roman"/>
-              </a:rPr>
-              <a:t>a</a:t>
-            </a:r>
-            <a:r>
-              <a:rPr sz="1000" spc="-10" dirty="0">
-                <a:latin typeface="Times New Roman"/>
-                <a:cs typeface="Times New Roman"/>
-              </a:rPr>
-              <a:t>s</a:t>
-            </a:r>
-            <a:r>
-              <a:rPr sz="1000" spc="5" dirty="0">
-                <a:latin typeface="Times New Roman"/>
-                <a:cs typeface="Times New Roman"/>
-              </a:rPr>
-              <a:t>il</a:t>
-            </a:r>
-            <a:r>
-              <a:rPr sz="1000" dirty="0">
-                <a:latin typeface="Times New Roman"/>
-                <a:cs typeface="Times New Roman"/>
-              </a:rPr>
-              <a:t>y</a:t>
-            </a:r>
-            <a:r>
-              <a:rPr sz="1000" spc="-35" dirty="0">
-                <a:latin typeface="Times New Roman"/>
-                <a:cs typeface="Times New Roman"/>
-              </a:rPr>
-              <a:t> </a:t>
-            </a:r>
-            <a:r>
-              <a:rPr sz="1000" spc="-25" dirty="0">
-                <a:latin typeface="Times New Roman"/>
-                <a:cs typeface="Times New Roman"/>
-              </a:rPr>
-              <a:t>f</a:t>
-            </a:r>
-            <a:r>
-              <a:rPr sz="1000" spc="5" dirty="0">
-                <a:latin typeface="Times New Roman"/>
-                <a:cs typeface="Times New Roman"/>
-              </a:rPr>
-              <a:t>i</a:t>
-            </a:r>
-            <a:r>
-              <a:rPr sz="1000" spc="20" dirty="0">
-                <a:latin typeface="Times New Roman"/>
-                <a:cs typeface="Times New Roman"/>
-              </a:rPr>
-              <a:t>n</a:t>
-            </a:r>
-            <a:r>
-              <a:rPr sz="1000" dirty="0">
-                <a:latin typeface="Times New Roman"/>
-                <a:cs typeface="Times New Roman"/>
-              </a:rPr>
-              <a:t>d</a:t>
-            </a:r>
-            <a:r>
-              <a:rPr sz="1000" spc="-35" dirty="0">
-                <a:latin typeface="Times New Roman"/>
-                <a:cs typeface="Times New Roman"/>
-              </a:rPr>
-              <a:t> </a:t>
-            </a:r>
-            <a:r>
-              <a:rPr sz="1000" spc="-15" dirty="0">
-                <a:latin typeface="Times New Roman"/>
-                <a:cs typeface="Times New Roman"/>
-              </a:rPr>
-              <a:t>e</a:t>
-            </a:r>
-            <a:r>
-              <a:rPr sz="1000" spc="20" dirty="0">
-                <a:latin typeface="Times New Roman"/>
-                <a:cs typeface="Times New Roman"/>
-              </a:rPr>
-              <a:t>rr</a:t>
-            </a:r>
-            <a:r>
-              <a:rPr sz="1000" spc="-25" dirty="0">
-                <a:latin typeface="Times New Roman"/>
-                <a:cs typeface="Times New Roman"/>
-              </a:rPr>
-              <a:t>o</a:t>
-            </a:r>
-            <a:r>
-              <a:rPr sz="1000" spc="20" dirty="0">
-                <a:latin typeface="Times New Roman"/>
-                <a:cs typeface="Times New Roman"/>
-              </a:rPr>
-              <a:t>r</a:t>
-            </a:r>
-            <a:r>
-              <a:rPr sz="1000" dirty="0">
-                <a:latin typeface="Times New Roman"/>
-                <a:cs typeface="Times New Roman"/>
-              </a:rPr>
-              <a:t>s</a:t>
-            </a:r>
-            <a:endParaRPr sz="1000">
-              <a:latin typeface="Times New Roman"/>
-              <a:cs typeface="Times New Roman"/>
-            </a:endParaRPr>
-          </a:p>
-          <a:p>
-            <a:pPr marL="12700">
-              <a:lnSpc>
-                <a:spcPct val="100000"/>
-              </a:lnSpc>
-            </a:pPr>
-            <a:r>
-              <a:rPr sz="1000" spc="-20" dirty="0">
-                <a:latin typeface="Times New Roman"/>
-                <a:cs typeface="Times New Roman"/>
-              </a:rPr>
-              <a:t>a</a:t>
-            </a:r>
-            <a:r>
-              <a:rPr sz="1000" spc="5" dirty="0">
-                <a:latin typeface="Times New Roman"/>
-                <a:cs typeface="Times New Roman"/>
-              </a:rPr>
-              <a:t>nd</a:t>
-            </a:r>
-            <a:r>
-              <a:rPr sz="1000" spc="-85" dirty="0">
-                <a:latin typeface="Times New Roman"/>
-                <a:cs typeface="Times New Roman"/>
-              </a:rPr>
-              <a:t> </a:t>
-            </a:r>
-            <a:r>
-              <a:rPr sz="1000" spc="5" dirty="0">
-                <a:latin typeface="Times New Roman"/>
-                <a:cs typeface="Times New Roman"/>
-              </a:rPr>
-              <a:t>i</a:t>
-            </a:r>
-            <a:r>
-              <a:rPr sz="1000" spc="25" dirty="0">
-                <a:latin typeface="Times New Roman"/>
-                <a:cs typeface="Times New Roman"/>
-              </a:rPr>
-              <a:t>n</a:t>
-            </a:r>
-            <a:r>
-              <a:rPr sz="1000" spc="-20" dirty="0">
-                <a:latin typeface="Times New Roman"/>
-                <a:cs typeface="Times New Roman"/>
-              </a:rPr>
-              <a:t>c</a:t>
-            </a:r>
-            <a:r>
-              <a:rPr sz="1000" spc="20" dirty="0">
-                <a:latin typeface="Times New Roman"/>
-                <a:cs typeface="Times New Roman"/>
-              </a:rPr>
-              <a:t>r</a:t>
-            </a:r>
-            <a:r>
-              <a:rPr sz="1000" spc="-20" dirty="0">
-                <a:latin typeface="Times New Roman"/>
-                <a:cs typeface="Times New Roman"/>
-              </a:rPr>
-              <a:t>ea</a:t>
-            </a:r>
-            <a:r>
-              <a:rPr sz="1000" spc="-10" dirty="0">
-                <a:latin typeface="Times New Roman"/>
-                <a:cs typeface="Times New Roman"/>
-              </a:rPr>
-              <a:t>s</a:t>
-            </a:r>
-            <a:r>
-              <a:rPr sz="1000" dirty="0">
-                <a:latin typeface="Times New Roman"/>
-                <a:cs typeface="Times New Roman"/>
-              </a:rPr>
-              <a:t>e</a:t>
-            </a:r>
-            <a:r>
-              <a:rPr sz="1000" spc="-95" dirty="0">
-                <a:latin typeface="Times New Roman"/>
-                <a:cs typeface="Times New Roman"/>
-              </a:rPr>
-              <a:t> </a:t>
-            </a:r>
-            <a:r>
-              <a:rPr sz="1000" spc="-20" dirty="0">
-                <a:latin typeface="Times New Roman"/>
-                <a:cs typeface="Times New Roman"/>
-              </a:rPr>
-              <a:t>c</a:t>
-            </a:r>
-            <a:r>
-              <a:rPr sz="1000" spc="-25" dirty="0">
-                <a:latin typeface="Times New Roman"/>
-                <a:cs typeface="Times New Roman"/>
-              </a:rPr>
-              <a:t>o</a:t>
-            </a:r>
-            <a:r>
-              <a:rPr sz="1000" dirty="0">
-                <a:latin typeface="Times New Roman"/>
-                <a:cs typeface="Times New Roman"/>
-              </a:rPr>
-              <a:t>de</a:t>
-            </a:r>
-            <a:r>
-              <a:rPr sz="1000" spc="20" dirty="0">
-                <a:latin typeface="Times New Roman"/>
-                <a:cs typeface="Times New Roman"/>
-              </a:rPr>
-              <a:t> </a:t>
-            </a:r>
-            <a:r>
-              <a:rPr sz="1000" spc="-10" dirty="0">
-                <a:latin typeface="Times New Roman"/>
-                <a:cs typeface="Times New Roman"/>
-              </a:rPr>
-              <a:t>s</a:t>
-            </a:r>
-            <a:r>
-              <a:rPr sz="1000" spc="-20" dirty="0">
-                <a:latin typeface="Times New Roman"/>
-                <a:cs typeface="Times New Roman"/>
-              </a:rPr>
-              <a:t>c</a:t>
-            </a:r>
-            <a:r>
-              <a:rPr sz="1000" spc="5" dirty="0">
-                <a:latin typeface="Times New Roman"/>
-                <a:cs typeface="Times New Roman"/>
-              </a:rPr>
-              <a:t>ala</a:t>
-            </a:r>
-            <a:r>
-              <a:rPr sz="1000" spc="-25" dirty="0">
-                <a:latin typeface="Times New Roman"/>
-                <a:cs typeface="Times New Roman"/>
-              </a:rPr>
-              <a:t>b</a:t>
-            </a:r>
-            <a:r>
-              <a:rPr sz="1000" spc="5" dirty="0">
-                <a:latin typeface="Times New Roman"/>
-                <a:cs typeface="Times New Roman"/>
-              </a:rPr>
-              <a:t>i</a:t>
-            </a:r>
-            <a:r>
-              <a:rPr sz="1000" spc="-20" dirty="0">
-                <a:latin typeface="Times New Roman"/>
-                <a:cs typeface="Times New Roman"/>
-              </a:rPr>
-              <a:t>l</a:t>
-            </a:r>
-            <a:r>
-              <a:rPr sz="1000" spc="5" dirty="0">
-                <a:latin typeface="Times New Roman"/>
-                <a:cs typeface="Times New Roman"/>
-              </a:rPr>
-              <a:t>i</a:t>
-            </a:r>
-            <a:r>
-              <a:rPr sz="1000" spc="-20" dirty="0">
-                <a:latin typeface="Times New Roman"/>
-                <a:cs typeface="Times New Roman"/>
-              </a:rPr>
-              <a:t>t</a:t>
-            </a:r>
-            <a:r>
-              <a:rPr sz="1000" spc="5" dirty="0">
-                <a:latin typeface="Times New Roman"/>
-                <a:cs typeface="Times New Roman"/>
-              </a:rPr>
-              <a:t>y</a:t>
-            </a:r>
-            <a:endParaRPr sz="1000">
-              <a:latin typeface="Times New Roman"/>
-              <a:cs typeface="Times New Roman"/>
-            </a:endParaRPr>
-          </a:p>
-        </p:txBody>
-      </p:sp>
-      <p:pic>
-        <p:nvPicPr>
-          <p:cNvPr id="4" name="object 4"/>
-          <p:cNvPicPr/>
-          <p:nvPr/>
-        </p:nvPicPr>
-        <p:blipFill>
-          <a:blip r:embed="rId2" cstate="print"/>
-          <a:stretch>
-            <a:fillRect/>
-          </a:stretch>
-        </p:blipFill>
-        <p:spPr>
-          <a:xfrm>
-            <a:off x="3364991" y="1246631"/>
-            <a:ext cx="2471928" cy="3742944"/>
-          </a:xfrm>
-          <a:prstGeom prst="rect">
-            <a:avLst/>
-          </a:prstGeom>
-        </p:spPr>
-      </p:pic>
-      <p:pic>
-        <p:nvPicPr>
-          <p:cNvPr id="5" name="object 5"/>
-          <p:cNvPicPr/>
-          <p:nvPr/>
-        </p:nvPicPr>
-        <p:blipFill>
-          <a:blip r:embed="rId3" cstate="print"/>
-          <a:stretch>
-            <a:fillRect/>
-          </a:stretch>
-        </p:blipFill>
-        <p:spPr>
-          <a:xfrm>
-            <a:off x="5937503" y="1246631"/>
-            <a:ext cx="2923031" cy="3224784"/>
-          </a:xfrm>
-          <a:prstGeom prst="rect">
-            <a:avLst/>
-          </a:prstGeom>
-        </p:spPr>
-      </p:pic>
-      <p:sp>
-        <p:nvSpPr>
-          <p:cNvPr id="6" name="object 6"/>
-          <p:cNvSpPr txBox="1"/>
-          <p:nvPr/>
-        </p:nvSpPr>
-        <p:spPr>
-          <a:xfrm>
-            <a:off x="240284" y="711834"/>
-            <a:ext cx="1158875" cy="299720"/>
-          </a:xfrm>
-          <a:prstGeom prst="rect">
-            <a:avLst/>
-          </a:prstGeom>
-        </p:spPr>
-        <p:txBody>
-          <a:bodyPr vert="horz" wrap="square" lIns="0" tIns="12700" rIns="0" bIns="0" rtlCol="0">
-            <a:spAutoFit/>
-          </a:bodyPr>
-          <a:lstStyle/>
-          <a:p>
-            <a:pPr marL="12700">
-              <a:lnSpc>
-                <a:spcPct val="100000"/>
-              </a:lnSpc>
-              <a:spcBef>
-                <a:spcPts val="100"/>
-              </a:spcBef>
-            </a:pPr>
-            <a:r>
-              <a:rPr sz="1800" b="1" dirty="0">
-                <a:latin typeface="Times New Roman"/>
-                <a:cs typeface="Times New Roman"/>
-              </a:rPr>
-              <a:t>Main</a:t>
-            </a:r>
-            <a:r>
-              <a:rPr sz="1800" b="1" spc="-90" dirty="0">
-                <a:latin typeface="Times New Roman"/>
-                <a:cs typeface="Times New Roman"/>
-              </a:rPr>
-              <a:t> </a:t>
-            </a:r>
-            <a:r>
-              <a:rPr sz="1800" b="1" spc="-35" dirty="0">
-                <a:latin typeface="Times New Roman"/>
-                <a:cs typeface="Times New Roman"/>
-              </a:rPr>
-              <a:t>Work</a:t>
-            </a:r>
-            <a:endParaRPr sz="1800">
-              <a:latin typeface="Times New Roman"/>
-              <a:cs typeface="Times New Roman"/>
-            </a:endParaRPr>
-          </a:p>
-        </p:txBody>
-      </p:sp>
-      <p:sp>
-        <p:nvSpPr>
-          <p:cNvPr id="7" name="object 7"/>
-          <p:cNvSpPr txBox="1"/>
-          <p:nvPr/>
-        </p:nvSpPr>
-        <p:spPr>
-          <a:xfrm>
-            <a:off x="1597278" y="711834"/>
-            <a:ext cx="1296035" cy="299720"/>
-          </a:xfrm>
-          <a:prstGeom prst="rect">
-            <a:avLst/>
-          </a:prstGeom>
-        </p:spPr>
-        <p:txBody>
-          <a:bodyPr vert="horz" wrap="square" lIns="0" tIns="12700" rIns="0" bIns="0" rtlCol="0">
-            <a:spAutoFit/>
-          </a:bodyPr>
-          <a:lstStyle/>
-          <a:p>
-            <a:pPr marL="12700">
-              <a:lnSpc>
-                <a:spcPct val="100000"/>
-              </a:lnSpc>
-              <a:spcBef>
-                <a:spcPts val="100"/>
-              </a:spcBef>
-            </a:pPr>
-            <a:r>
-              <a:rPr sz="1800" spc="-10" dirty="0">
-                <a:latin typeface="Times New Roman"/>
-                <a:cs typeface="Times New Roman"/>
-              </a:rPr>
-              <a:t>3.</a:t>
-            </a:r>
-            <a:r>
-              <a:rPr sz="1800" spc="-85" dirty="0">
-                <a:latin typeface="Times New Roman"/>
-                <a:cs typeface="Times New Roman"/>
-              </a:rPr>
-              <a:t> </a:t>
-            </a:r>
-            <a:r>
-              <a:rPr sz="1800" spc="-20" dirty="0">
-                <a:latin typeface="Times New Roman"/>
-                <a:cs typeface="Times New Roman"/>
-              </a:rPr>
-              <a:t>Spring</a:t>
-            </a:r>
-            <a:r>
-              <a:rPr sz="1800" spc="-80" dirty="0">
-                <a:latin typeface="Times New Roman"/>
-                <a:cs typeface="Times New Roman"/>
-              </a:rPr>
-              <a:t> </a:t>
-            </a:r>
-            <a:r>
-              <a:rPr sz="1800" spc="-15" dirty="0">
-                <a:latin typeface="Times New Roman"/>
-                <a:cs typeface="Times New Roman"/>
-              </a:rPr>
-              <a:t>boot</a:t>
-            </a:r>
-            <a:endParaRPr sz="1800">
-              <a:latin typeface="Times New Roman"/>
-              <a:cs typeface="Times New Roman"/>
-            </a:endParaRPr>
-          </a:p>
-        </p:txBody>
-      </p:sp>
     </p:spTree>
   </p:cSld>
   <p:clrMapOvr>

--- a/porfolio_kangjunwoo-010-5495-4551.pptx
+++ b/porfolio_kangjunwoo-010-5495-4551.pptx
@@ -14,17 +14,19 @@
     <p:sldId id="263" r:id="rId8"/>
     <p:sldId id="265" r:id="rId9"/>
     <p:sldId id="264" r:id="rId10"/>
-    <p:sldId id="266" r:id="rId11"/>
-    <p:sldId id="267" r:id="rId12"/>
-    <p:sldId id="268" r:id="rId13"/>
-    <p:sldId id="269" r:id="rId14"/>
-    <p:sldId id="270" r:id="rId15"/>
-    <p:sldId id="271" r:id="rId16"/>
-    <p:sldId id="272" r:id="rId17"/>
-    <p:sldId id="273" r:id="rId18"/>
-    <p:sldId id="274" r:id="rId19"/>
-    <p:sldId id="275" r:id="rId20"/>
-    <p:sldId id="276" r:id="rId21"/>
+    <p:sldId id="277" r:id="rId11"/>
+    <p:sldId id="278" r:id="rId12"/>
+    <p:sldId id="266" r:id="rId13"/>
+    <p:sldId id="267" r:id="rId14"/>
+    <p:sldId id="268" r:id="rId15"/>
+    <p:sldId id="269" r:id="rId16"/>
+    <p:sldId id="270" r:id="rId17"/>
+    <p:sldId id="271" r:id="rId18"/>
+    <p:sldId id="272" r:id="rId19"/>
+    <p:sldId id="273" r:id="rId20"/>
+    <p:sldId id="274" r:id="rId21"/>
+    <p:sldId id="275" r:id="rId22"/>
+    <p:sldId id="276" r:id="rId23"/>
   </p:sldIdLst>
   <p:sldSz cx="9144000" cy="5149850"/>
   <p:notesSz cx="9144000" cy="5149850"/>
@@ -2440,6 +2442,1194 @@
 </file>
 
 <file path=ppt/slides/slide10.xml><?xml version="1.0" encoding="utf-8"?>
+<p:sld xmlns:a="http://schemas.openxmlformats.org/drawingml/2006/main" xmlns:r="http://schemas.openxmlformats.org/officeDocument/2006/relationships" xmlns:p="http://schemas.openxmlformats.org/presentationml/2006/main">
+  <p:cSld>
+    <p:spTree>
+      <p:nvGrpSpPr>
+        <p:cNvPr id="1" name=""/>
+        <p:cNvGrpSpPr/>
+        <p:nvPr/>
+      </p:nvGrpSpPr>
+      <p:grpSpPr>
+        <a:xfrm>
+          <a:off x="0" y="0"/>
+          <a:ext cx="0" cy="0"/>
+          <a:chOff x="0" y="0"/>
+          <a:chExt cx="0" cy="0"/>
+        </a:xfrm>
+      </p:grpSpPr>
+      <p:sp>
+        <p:nvSpPr>
+          <p:cNvPr id="2" name="object 2"/>
+          <p:cNvSpPr txBox="1">
+            <a:spLocks noGrp="1"/>
+          </p:cNvSpPr>
+          <p:nvPr>
+            <p:ph type="title"/>
+          </p:nvPr>
+        </p:nvSpPr>
+        <p:spPr>
+          <a:xfrm>
+            <a:off x="134823" y="55879"/>
+            <a:ext cx="1693977" cy="347345"/>
+          </a:xfrm>
+          <a:prstGeom prst="rect">
+            <a:avLst/>
+          </a:prstGeom>
+        </p:spPr>
+        <p:txBody>
+          <a:bodyPr vert="horz" wrap="square" lIns="0" tIns="13970" rIns="0" bIns="0" rtlCol="0">
+            <a:spAutoFit/>
+          </a:bodyPr>
+          <a:lstStyle/>
+          <a:p>
+            <a:pPr marL="12700">
+              <a:lnSpc>
+                <a:spcPct val="100000"/>
+              </a:lnSpc>
+              <a:spcBef>
+                <a:spcPts val="110"/>
+              </a:spcBef>
+            </a:pPr>
+            <a:r>
+              <a:rPr sz="2100" b="0" spc="10" dirty="0">
+                <a:solidFill>
+                  <a:srgbClr val="FFFFFF"/>
+                </a:solidFill>
+                <a:latin typeface="Arial MT"/>
+                <a:cs typeface="Arial MT"/>
+              </a:rPr>
+              <a:t>P</a:t>
+            </a:r>
+            <a:r>
+              <a:rPr sz="2100" b="0" spc="5" dirty="0">
+                <a:solidFill>
+                  <a:srgbClr val="FFFFFF"/>
+                </a:solidFill>
+                <a:latin typeface="Arial MT"/>
+                <a:cs typeface="Arial MT"/>
+              </a:rPr>
+              <a:t>ro</a:t>
+            </a:r>
+            <a:r>
+              <a:rPr sz="2100" b="0" spc="10" dirty="0">
+                <a:solidFill>
+                  <a:srgbClr val="FFFFFF"/>
+                </a:solidFill>
+                <a:latin typeface="Arial MT"/>
+                <a:cs typeface="Arial MT"/>
+              </a:rPr>
+              <a:t>j</a:t>
+            </a:r>
+            <a:r>
+              <a:rPr sz="2100" b="0" spc="-15" dirty="0">
+                <a:solidFill>
+                  <a:srgbClr val="FFFFFF"/>
+                </a:solidFill>
+                <a:latin typeface="Arial MT"/>
+                <a:cs typeface="Arial MT"/>
+              </a:rPr>
+              <a:t>e</a:t>
+            </a:r>
+            <a:r>
+              <a:rPr sz="2100" b="0" spc="-20" dirty="0">
+                <a:solidFill>
+                  <a:srgbClr val="FFFFFF"/>
+                </a:solidFill>
+                <a:latin typeface="Arial MT"/>
+                <a:cs typeface="Arial MT"/>
+              </a:rPr>
+              <a:t>c</a:t>
+            </a:r>
+            <a:r>
+              <a:rPr sz="2100" b="0" dirty="0">
+                <a:solidFill>
+                  <a:srgbClr val="FFFFFF"/>
+                </a:solidFill>
+                <a:latin typeface="Arial MT"/>
+                <a:cs typeface="Arial MT"/>
+              </a:rPr>
+              <a:t>t</a:t>
+            </a:r>
+            <a:r>
+              <a:rPr sz="2100" b="0" spc="-85" dirty="0">
+                <a:solidFill>
+                  <a:srgbClr val="FFFFFF"/>
+                </a:solidFill>
+                <a:latin typeface="Arial MT"/>
+                <a:cs typeface="Arial MT"/>
+              </a:rPr>
+              <a:t> </a:t>
+            </a:r>
+            <a:r>
+              <a:rPr sz="2100" b="0" spc="5" dirty="0">
+                <a:solidFill>
+                  <a:srgbClr val="FFFFFF"/>
+                </a:solidFill>
+                <a:latin typeface="Arial MT"/>
+                <a:cs typeface="Arial MT"/>
+              </a:rPr>
+              <a:t>0</a:t>
+            </a:r>
+            <a:r>
+              <a:rPr sz="2100" b="0" spc="10" dirty="0">
+                <a:solidFill>
+                  <a:srgbClr val="FFFFFF"/>
+                </a:solidFill>
+                <a:latin typeface="Arial MT"/>
+                <a:cs typeface="Arial MT"/>
+              </a:rPr>
+              <a:t>1</a:t>
+            </a:r>
+            <a:r>
+              <a:rPr sz="2100" b="0" dirty="0">
+                <a:solidFill>
+                  <a:srgbClr val="FFFFFF"/>
+                </a:solidFill>
+                <a:latin typeface="Arial MT"/>
+                <a:cs typeface="Arial MT"/>
+              </a:rPr>
+              <a:t>.</a:t>
+            </a:r>
+            <a:endParaRPr sz="2100" dirty="0">
+              <a:latin typeface="Arial MT"/>
+              <a:cs typeface="Arial MT"/>
+            </a:endParaRPr>
+          </a:p>
+        </p:txBody>
+      </p:sp>
+      <p:sp>
+        <p:nvSpPr>
+          <p:cNvPr id="3" name="object 3"/>
+          <p:cNvSpPr txBox="1"/>
+          <p:nvPr/>
+        </p:nvSpPr>
+        <p:spPr>
+          <a:xfrm>
+            <a:off x="240284" y="711834"/>
+            <a:ext cx="1158875" cy="299720"/>
+          </a:xfrm>
+          <a:prstGeom prst="rect">
+            <a:avLst/>
+          </a:prstGeom>
+        </p:spPr>
+        <p:txBody>
+          <a:bodyPr vert="horz" wrap="square" lIns="0" tIns="12700" rIns="0" bIns="0" rtlCol="0">
+            <a:spAutoFit/>
+          </a:bodyPr>
+          <a:lstStyle/>
+          <a:p>
+            <a:pPr marL="12700">
+              <a:lnSpc>
+                <a:spcPct val="100000"/>
+              </a:lnSpc>
+              <a:spcBef>
+                <a:spcPts val="100"/>
+              </a:spcBef>
+            </a:pPr>
+            <a:r>
+              <a:rPr sz="1800" b="1" dirty="0">
+                <a:latin typeface="Times New Roman"/>
+                <a:cs typeface="Times New Roman"/>
+              </a:rPr>
+              <a:t>Main</a:t>
+            </a:r>
+            <a:r>
+              <a:rPr sz="1800" b="1" spc="-90" dirty="0">
+                <a:latin typeface="Times New Roman"/>
+                <a:cs typeface="Times New Roman"/>
+              </a:rPr>
+              <a:t> </a:t>
+            </a:r>
+            <a:r>
+              <a:rPr sz="1800" b="1" spc="-35" dirty="0">
+                <a:latin typeface="Times New Roman"/>
+                <a:cs typeface="Times New Roman"/>
+              </a:rPr>
+              <a:t>Work</a:t>
+            </a:r>
+            <a:endParaRPr sz="1800">
+              <a:latin typeface="Times New Roman"/>
+              <a:cs typeface="Times New Roman"/>
+            </a:endParaRPr>
+          </a:p>
+        </p:txBody>
+      </p:sp>
+      <p:sp>
+        <p:nvSpPr>
+          <p:cNvPr id="4" name="object 4"/>
+          <p:cNvSpPr txBox="1"/>
+          <p:nvPr/>
+        </p:nvSpPr>
+        <p:spPr>
+          <a:xfrm>
+            <a:off x="1597278" y="711834"/>
+            <a:ext cx="2131060" cy="299720"/>
+          </a:xfrm>
+          <a:prstGeom prst="rect">
+            <a:avLst/>
+          </a:prstGeom>
+        </p:spPr>
+        <p:txBody>
+          <a:bodyPr vert="horz" wrap="square" lIns="0" tIns="12700" rIns="0" bIns="0" rtlCol="0">
+            <a:spAutoFit/>
+          </a:bodyPr>
+          <a:lstStyle/>
+          <a:p>
+            <a:pPr marL="12700">
+              <a:lnSpc>
+                <a:spcPct val="100000"/>
+              </a:lnSpc>
+              <a:spcBef>
+                <a:spcPts val="100"/>
+              </a:spcBef>
+            </a:pPr>
+            <a:r>
+              <a:rPr lang="en-US" spc="-10" dirty="0">
+                <a:latin typeface="Times New Roman"/>
+                <a:cs typeface="Times New Roman"/>
+              </a:rPr>
+              <a:t>3</a:t>
+            </a:r>
+            <a:r>
+              <a:rPr sz="1800" spc="-10" dirty="0" smtClean="0">
+                <a:latin typeface="Times New Roman"/>
+                <a:cs typeface="Times New Roman"/>
+              </a:rPr>
+              <a:t>.</a:t>
+            </a:r>
+            <a:r>
+              <a:rPr sz="1800" spc="-70" dirty="0" smtClean="0">
+                <a:latin typeface="Times New Roman"/>
+                <a:cs typeface="Times New Roman"/>
+              </a:rPr>
+              <a:t> </a:t>
+            </a:r>
+            <a:r>
+              <a:rPr sz="1800" spc="-25" dirty="0">
+                <a:latin typeface="Times New Roman"/>
+                <a:cs typeface="Times New Roman"/>
+              </a:rPr>
+              <a:t>Factory</a:t>
+            </a:r>
+            <a:r>
+              <a:rPr sz="1800" spc="-40" dirty="0">
+                <a:latin typeface="Times New Roman"/>
+                <a:cs typeface="Times New Roman"/>
+              </a:rPr>
+              <a:t> </a:t>
+            </a:r>
+            <a:r>
+              <a:rPr sz="1800" spc="-35" dirty="0">
+                <a:latin typeface="Times New Roman"/>
+                <a:cs typeface="Times New Roman"/>
+              </a:rPr>
+              <a:t>manager</a:t>
+            </a:r>
+            <a:r>
+              <a:rPr sz="1800" spc="40" dirty="0">
+                <a:latin typeface="Times New Roman"/>
+                <a:cs typeface="Times New Roman"/>
+              </a:rPr>
+              <a:t> </a:t>
+            </a:r>
+            <a:r>
+              <a:rPr sz="1800" spc="-20" dirty="0">
+                <a:latin typeface="Times New Roman"/>
+                <a:cs typeface="Times New Roman"/>
+              </a:rPr>
+              <a:t>app</a:t>
+            </a:r>
+            <a:endParaRPr sz="1800" dirty="0">
+              <a:latin typeface="Times New Roman"/>
+              <a:cs typeface="Times New Roman"/>
+            </a:endParaRPr>
+          </a:p>
+        </p:txBody>
+      </p:sp>
+      <p:pic>
+        <p:nvPicPr>
+          <p:cNvPr id="7" name="그림 6"/>
+          <p:cNvPicPr>
+            <a:picLocks noChangeAspect="1"/>
+          </p:cNvPicPr>
+          <p:nvPr/>
+        </p:nvPicPr>
+        <p:blipFill>
+          <a:blip r:embed="rId2"/>
+          <a:stretch>
+            <a:fillRect/>
+          </a:stretch>
+        </p:blipFill>
+        <p:spPr>
+          <a:xfrm>
+            <a:off x="134823" y="1279525"/>
+            <a:ext cx="4726306" cy="2744817"/>
+          </a:xfrm>
+          <a:prstGeom prst="rect">
+            <a:avLst/>
+          </a:prstGeom>
+        </p:spPr>
+      </p:pic>
+      <p:pic>
+        <p:nvPicPr>
+          <p:cNvPr id="6" name="그림 5"/>
+          <p:cNvPicPr>
+            <a:picLocks noChangeAspect="1"/>
+          </p:cNvPicPr>
+          <p:nvPr/>
+        </p:nvPicPr>
+        <p:blipFill>
+          <a:blip r:embed="rId3"/>
+          <a:stretch>
+            <a:fillRect/>
+          </a:stretch>
+        </p:blipFill>
+        <p:spPr>
+          <a:xfrm>
+            <a:off x="3962401" y="2031288"/>
+            <a:ext cx="4929187" cy="2869355"/>
+          </a:xfrm>
+          <a:prstGeom prst="rect">
+            <a:avLst/>
+          </a:prstGeom>
+        </p:spPr>
+      </p:pic>
+      <p:cxnSp>
+        <p:nvCxnSpPr>
+          <p:cNvPr id="14" name="꺾인 연결선 13"/>
+          <p:cNvCxnSpPr/>
+          <p:nvPr/>
+        </p:nvCxnSpPr>
+        <p:spPr>
+          <a:xfrm>
+            <a:off x="3048000" y="2955925"/>
+            <a:ext cx="2133600" cy="990600"/>
+          </a:xfrm>
+          <a:prstGeom prst="bentConnector3">
+            <a:avLst>
+              <a:gd name="adj1" fmla="val -298"/>
+            </a:avLst>
+          </a:prstGeom>
+          <a:ln w="38100">
+            <a:tailEnd type="triangle"/>
+          </a:ln>
+        </p:spPr>
+        <p:style>
+          <a:lnRef idx="1">
+            <a:schemeClr val="accent2"/>
+          </a:lnRef>
+          <a:fillRef idx="0">
+            <a:schemeClr val="accent2"/>
+          </a:fillRef>
+          <a:effectRef idx="0">
+            <a:schemeClr val="accent2"/>
+          </a:effectRef>
+          <a:fontRef idx="minor">
+            <a:schemeClr val="tx1"/>
+          </a:fontRef>
+        </p:style>
+      </p:cxnSp>
+      <p:sp>
+        <p:nvSpPr>
+          <p:cNvPr id="22" name="TextBox 21"/>
+          <p:cNvSpPr txBox="1"/>
+          <p:nvPr/>
+        </p:nvSpPr>
+        <p:spPr>
+          <a:xfrm>
+            <a:off x="3048000" y="4054252"/>
+            <a:ext cx="646331" cy="369332"/>
+          </a:xfrm>
+          <a:prstGeom prst="rect">
+            <a:avLst/>
+          </a:prstGeom>
+          <a:noFill/>
+        </p:spPr>
+        <p:txBody>
+          <a:bodyPr wrap="none" rtlCol="0">
+            <a:spAutoFit/>
+          </a:bodyPr>
+          <a:lstStyle/>
+          <a:p>
+            <a:r>
+              <a:rPr lang="ko-KR" altLang="en-US" dirty="0" smtClean="0">
+                <a:solidFill>
+                  <a:srgbClr val="C00000"/>
+                </a:solidFill>
+              </a:rPr>
+              <a:t>확대</a:t>
+            </a:r>
+            <a:endParaRPr lang="ko-KR" altLang="en-US" dirty="0">
+              <a:solidFill>
+                <a:srgbClr val="C00000"/>
+              </a:solidFill>
+            </a:endParaRPr>
+          </a:p>
+        </p:txBody>
+      </p:sp>
+      <p:sp>
+        <p:nvSpPr>
+          <p:cNvPr id="23" name="TextBox 22"/>
+          <p:cNvSpPr txBox="1"/>
+          <p:nvPr/>
+        </p:nvSpPr>
+        <p:spPr>
+          <a:xfrm>
+            <a:off x="3799293" y="910193"/>
+            <a:ext cx="1160895" cy="369332"/>
+          </a:xfrm>
+          <a:prstGeom prst="rect">
+            <a:avLst/>
+          </a:prstGeom>
+          <a:noFill/>
+        </p:spPr>
+        <p:txBody>
+          <a:bodyPr wrap="none" rtlCol="0">
+            <a:spAutoFit/>
+          </a:bodyPr>
+          <a:lstStyle/>
+          <a:p>
+            <a:r>
+              <a:rPr lang="ko-KR" altLang="en-US" dirty="0" smtClean="0">
+                <a:solidFill>
+                  <a:srgbClr val="FF0000"/>
+                </a:solidFill>
+              </a:rPr>
+              <a:t>조건 설정</a:t>
+            </a:r>
+            <a:endParaRPr lang="en-US" altLang="ko-KR" dirty="0" smtClean="0">
+              <a:solidFill>
+                <a:srgbClr val="FF0000"/>
+              </a:solidFill>
+            </a:endParaRPr>
+          </a:p>
+        </p:txBody>
+      </p:sp>
+      <p:cxnSp>
+        <p:nvCxnSpPr>
+          <p:cNvPr id="25" name="꺾인 연결선 24"/>
+          <p:cNvCxnSpPr>
+            <a:stCxn id="23" idx="1"/>
+          </p:cNvCxnSpPr>
+          <p:nvPr/>
+        </p:nvCxnSpPr>
+        <p:spPr>
+          <a:xfrm rot="10800000" flipV="1">
+            <a:off x="3429001" y="1094859"/>
+            <a:ext cx="370293" cy="413266"/>
+          </a:xfrm>
+          <a:prstGeom prst="bentConnector2">
+            <a:avLst/>
+          </a:prstGeom>
+          <a:ln>
+            <a:tailEnd type="triangle"/>
+          </a:ln>
+        </p:spPr>
+        <p:style>
+          <a:lnRef idx="1">
+            <a:schemeClr val="accent2"/>
+          </a:lnRef>
+          <a:fillRef idx="0">
+            <a:schemeClr val="accent2"/>
+          </a:fillRef>
+          <a:effectRef idx="0">
+            <a:schemeClr val="accent2"/>
+          </a:effectRef>
+          <a:fontRef idx="minor">
+            <a:schemeClr val="tx1"/>
+          </a:fontRef>
+        </p:style>
+      </p:cxnSp>
+    </p:spTree>
+    <p:extLst>
+      <p:ext uri="{BB962C8B-B14F-4D97-AF65-F5344CB8AC3E}">
+        <p14:creationId xmlns:p14="http://schemas.microsoft.com/office/powerpoint/2010/main" val="3549469505"/>
+      </p:ext>
+    </p:extLst>
+  </p:cSld>
+  <p:clrMapOvr>
+    <a:masterClrMapping/>
+  </p:clrMapOvr>
+</p:sld>
+</file>
+
+<file path=ppt/slides/slide11.xml><?xml version="1.0" encoding="utf-8"?>
+<p:sld xmlns:a="http://schemas.openxmlformats.org/drawingml/2006/main" xmlns:r="http://schemas.openxmlformats.org/officeDocument/2006/relationships" xmlns:p="http://schemas.openxmlformats.org/presentationml/2006/main">
+  <p:cSld>
+    <p:spTree>
+      <p:nvGrpSpPr>
+        <p:cNvPr id="1" name=""/>
+        <p:cNvGrpSpPr/>
+        <p:nvPr/>
+      </p:nvGrpSpPr>
+      <p:grpSpPr>
+        <a:xfrm>
+          <a:off x="0" y="0"/>
+          <a:ext cx="0" cy="0"/>
+          <a:chOff x="0" y="0"/>
+          <a:chExt cx="0" cy="0"/>
+        </a:xfrm>
+      </p:grpSpPr>
+      <p:sp>
+        <p:nvSpPr>
+          <p:cNvPr id="2" name="object 2"/>
+          <p:cNvSpPr txBox="1">
+            <a:spLocks noGrp="1"/>
+          </p:cNvSpPr>
+          <p:nvPr>
+            <p:ph type="title"/>
+          </p:nvPr>
+        </p:nvSpPr>
+        <p:spPr>
+          <a:xfrm>
+            <a:off x="134823" y="55879"/>
+            <a:ext cx="1693977" cy="347345"/>
+          </a:xfrm>
+          <a:prstGeom prst="rect">
+            <a:avLst/>
+          </a:prstGeom>
+        </p:spPr>
+        <p:txBody>
+          <a:bodyPr vert="horz" wrap="square" lIns="0" tIns="13970" rIns="0" bIns="0" rtlCol="0">
+            <a:spAutoFit/>
+          </a:bodyPr>
+          <a:lstStyle/>
+          <a:p>
+            <a:pPr marL="12700">
+              <a:lnSpc>
+                <a:spcPct val="100000"/>
+              </a:lnSpc>
+              <a:spcBef>
+                <a:spcPts val="110"/>
+              </a:spcBef>
+            </a:pPr>
+            <a:r>
+              <a:rPr sz="2100" b="0" spc="10" dirty="0">
+                <a:solidFill>
+                  <a:srgbClr val="FFFFFF"/>
+                </a:solidFill>
+                <a:latin typeface="Arial MT"/>
+                <a:cs typeface="Arial MT"/>
+              </a:rPr>
+              <a:t>P</a:t>
+            </a:r>
+            <a:r>
+              <a:rPr sz="2100" b="0" spc="5" dirty="0">
+                <a:solidFill>
+                  <a:srgbClr val="FFFFFF"/>
+                </a:solidFill>
+                <a:latin typeface="Arial MT"/>
+                <a:cs typeface="Arial MT"/>
+              </a:rPr>
+              <a:t>ro</a:t>
+            </a:r>
+            <a:r>
+              <a:rPr sz="2100" b="0" spc="10" dirty="0">
+                <a:solidFill>
+                  <a:srgbClr val="FFFFFF"/>
+                </a:solidFill>
+                <a:latin typeface="Arial MT"/>
+                <a:cs typeface="Arial MT"/>
+              </a:rPr>
+              <a:t>j</a:t>
+            </a:r>
+            <a:r>
+              <a:rPr sz="2100" b="0" spc="-15" dirty="0">
+                <a:solidFill>
+                  <a:srgbClr val="FFFFFF"/>
+                </a:solidFill>
+                <a:latin typeface="Arial MT"/>
+                <a:cs typeface="Arial MT"/>
+              </a:rPr>
+              <a:t>e</a:t>
+            </a:r>
+            <a:r>
+              <a:rPr sz="2100" b="0" spc="-20" dirty="0">
+                <a:solidFill>
+                  <a:srgbClr val="FFFFFF"/>
+                </a:solidFill>
+                <a:latin typeface="Arial MT"/>
+                <a:cs typeface="Arial MT"/>
+              </a:rPr>
+              <a:t>c</a:t>
+            </a:r>
+            <a:r>
+              <a:rPr sz="2100" b="0" dirty="0">
+                <a:solidFill>
+                  <a:srgbClr val="FFFFFF"/>
+                </a:solidFill>
+                <a:latin typeface="Arial MT"/>
+                <a:cs typeface="Arial MT"/>
+              </a:rPr>
+              <a:t>t</a:t>
+            </a:r>
+            <a:r>
+              <a:rPr sz="2100" b="0" spc="-85" dirty="0">
+                <a:solidFill>
+                  <a:srgbClr val="FFFFFF"/>
+                </a:solidFill>
+                <a:latin typeface="Arial MT"/>
+                <a:cs typeface="Arial MT"/>
+              </a:rPr>
+              <a:t> </a:t>
+            </a:r>
+            <a:r>
+              <a:rPr sz="2100" b="0" spc="5" dirty="0">
+                <a:solidFill>
+                  <a:srgbClr val="FFFFFF"/>
+                </a:solidFill>
+                <a:latin typeface="Arial MT"/>
+                <a:cs typeface="Arial MT"/>
+              </a:rPr>
+              <a:t>0</a:t>
+            </a:r>
+            <a:r>
+              <a:rPr sz="2100" b="0" spc="10" dirty="0">
+                <a:solidFill>
+                  <a:srgbClr val="FFFFFF"/>
+                </a:solidFill>
+                <a:latin typeface="Arial MT"/>
+                <a:cs typeface="Arial MT"/>
+              </a:rPr>
+              <a:t>1</a:t>
+            </a:r>
+            <a:r>
+              <a:rPr sz="2100" b="0" dirty="0">
+                <a:solidFill>
+                  <a:srgbClr val="FFFFFF"/>
+                </a:solidFill>
+                <a:latin typeface="Arial MT"/>
+                <a:cs typeface="Arial MT"/>
+              </a:rPr>
+              <a:t>.</a:t>
+            </a:r>
+            <a:endParaRPr sz="2100" dirty="0">
+              <a:latin typeface="Arial MT"/>
+              <a:cs typeface="Arial MT"/>
+            </a:endParaRPr>
+          </a:p>
+        </p:txBody>
+      </p:sp>
+      <p:sp>
+        <p:nvSpPr>
+          <p:cNvPr id="3" name="object 3"/>
+          <p:cNvSpPr txBox="1"/>
+          <p:nvPr/>
+        </p:nvSpPr>
+        <p:spPr>
+          <a:xfrm>
+            <a:off x="240284" y="711834"/>
+            <a:ext cx="1158875" cy="299720"/>
+          </a:xfrm>
+          <a:prstGeom prst="rect">
+            <a:avLst/>
+          </a:prstGeom>
+        </p:spPr>
+        <p:txBody>
+          <a:bodyPr vert="horz" wrap="square" lIns="0" tIns="12700" rIns="0" bIns="0" rtlCol="0">
+            <a:spAutoFit/>
+          </a:bodyPr>
+          <a:lstStyle/>
+          <a:p>
+            <a:pPr marL="12700">
+              <a:lnSpc>
+                <a:spcPct val="100000"/>
+              </a:lnSpc>
+              <a:spcBef>
+                <a:spcPts val="100"/>
+              </a:spcBef>
+            </a:pPr>
+            <a:r>
+              <a:rPr sz="1800" b="1" dirty="0">
+                <a:latin typeface="Times New Roman"/>
+                <a:cs typeface="Times New Roman"/>
+              </a:rPr>
+              <a:t>Main</a:t>
+            </a:r>
+            <a:r>
+              <a:rPr sz="1800" b="1" spc="-90" dirty="0">
+                <a:latin typeface="Times New Roman"/>
+                <a:cs typeface="Times New Roman"/>
+              </a:rPr>
+              <a:t> </a:t>
+            </a:r>
+            <a:r>
+              <a:rPr sz="1800" b="1" spc="-35" dirty="0">
+                <a:latin typeface="Times New Roman"/>
+                <a:cs typeface="Times New Roman"/>
+              </a:rPr>
+              <a:t>Work</a:t>
+            </a:r>
+            <a:endParaRPr sz="1800">
+              <a:latin typeface="Times New Roman"/>
+              <a:cs typeface="Times New Roman"/>
+            </a:endParaRPr>
+          </a:p>
+        </p:txBody>
+      </p:sp>
+      <p:sp>
+        <p:nvSpPr>
+          <p:cNvPr id="4" name="object 4"/>
+          <p:cNvSpPr txBox="1"/>
+          <p:nvPr/>
+        </p:nvSpPr>
+        <p:spPr>
+          <a:xfrm>
+            <a:off x="1597277" y="711834"/>
+            <a:ext cx="4498723" cy="289823"/>
+          </a:xfrm>
+          <a:prstGeom prst="rect">
+            <a:avLst/>
+          </a:prstGeom>
+        </p:spPr>
+        <p:txBody>
+          <a:bodyPr vert="horz" wrap="square" lIns="0" tIns="12700" rIns="0" bIns="0" rtlCol="0">
+            <a:spAutoFit/>
+          </a:bodyPr>
+          <a:lstStyle/>
+          <a:p>
+            <a:pPr marL="12700">
+              <a:lnSpc>
+                <a:spcPct val="100000"/>
+              </a:lnSpc>
+              <a:spcBef>
+                <a:spcPts val="100"/>
+              </a:spcBef>
+            </a:pPr>
+            <a:r>
+              <a:rPr lang="en-US" spc="-10" dirty="0">
+                <a:latin typeface="Times New Roman"/>
+                <a:cs typeface="Times New Roman"/>
+              </a:rPr>
+              <a:t>3</a:t>
+            </a:r>
+            <a:r>
+              <a:rPr sz="1800" spc="-10" dirty="0" smtClean="0">
+                <a:latin typeface="Times New Roman"/>
+                <a:cs typeface="Times New Roman"/>
+              </a:rPr>
+              <a:t>.</a:t>
+            </a:r>
+            <a:r>
+              <a:rPr sz="1800" spc="-70" dirty="0" smtClean="0">
+                <a:latin typeface="Times New Roman"/>
+                <a:cs typeface="Times New Roman"/>
+              </a:rPr>
+              <a:t> </a:t>
+            </a:r>
+            <a:r>
+              <a:rPr sz="1800" spc="-25" dirty="0">
+                <a:latin typeface="Times New Roman"/>
+                <a:cs typeface="Times New Roman"/>
+              </a:rPr>
+              <a:t>Factory</a:t>
+            </a:r>
+            <a:r>
+              <a:rPr sz="1800" spc="-40" dirty="0">
+                <a:latin typeface="Times New Roman"/>
+                <a:cs typeface="Times New Roman"/>
+              </a:rPr>
+              <a:t> </a:t>
+            </a:r>
+            <a:r>
+              <a:rPr sz="1800" spc="-35" dirty="0">
+                <a:latin typeface="Times New Roman"/>
+                <a:cs typeface="Times New Roman"/>
+              </a:rPr>
+              <a:t>manager</a:t>
+            </a:r>
+            <a:r>
+              <a:rPr sz="1800" spc="40" dirty="0">
+                <a:latin typeface="Times New Roman"/>
+                <a:cs typeface="Times New Roman"/>
+              </a:rPr>
+              <a:t> </a:t>
+            </a:r>
+            <a:r>
+              <a:rPr sz="1800" spc="-20" dirty="0" smtClean="0">
+                <a:latin typeface="Times New Roman"/>
+                <a:cs typeface="Times New Roman"/>
+              </a:rPr>
+              <a:t>app</a:t>
+            </a:r>
+            <a:r>
+              <a:rPr lang="en-US" sz="1800" spc="-20" dirty="0" smtClean="0">
+                <a:latin typeface="Times New Roman"/>
+                <a:cs typeface="Times New Roman"/>
+              </a:rPr>
+              <a:t> – </a:t>
+            </a:r>
+            <a:r>
+              <a:rPr lang="en-US" altLang="ko-KR" sz="1800" spc="-20" dirty="0" smtClean="0">
+                <a:latin typeface="Times New Roman"/>
+                <a:cs typeface="Times New Roman"/>
+              </a:rPr>
+              <a:t>DATA Visualization</a:t>
+            </a:r>
+            <a:endParaRPr sz="1800" dirty="0">
+              <a:latin typeface="Times New Roman"/>
+              <a:cs typeface="Times New Roman"/>
+            </a:endParaRPr>
+          </a:p>
+        </p:txBody>
+      </p:sp>
+      <p:pic>
+        <p:nvPicPr>
+          <p:cNvPr id="9" name="그림 8"/>
+          <p:cNvPicPr>
+            <a:picLocks noChangeAspect="1"/>
+          </p:cNvPicPr>
+          <p:nvPr/>
+        </p:nvPicPr>
+        <p:blipFill>
+          <a:blip r:embed="rId2"/>
+          <a:stretch>
+            <a:fillRect/>
+          </a:stretch>
+        </p:blipFill>
+        <p:spPr>
+          <a:xfrm>
+            <a:off x="685800" y="1355725"/>
+            <a:ext cx="5137183" cy="3200400"/>
+          </a:xfrm>
+          <a:prstGeom prst="rect">
+            <a:avLst/>
+          </a:prstGeom>
+        </p:spPr>
+      </p:pic>
+      <p:cxnSp>
+        <p:nvCxnSpPr>
+          <p:cNvPr id="13" name="꺾인 연결선 12"/>
+          <p:cNvCxnSpPr/>
+          <p:nvPr/>
+        </p:nvCxnSpPr>
+        <p:spPr>
+          <a:xfrm rot="10800000" flipV="1">
+            <a:off x="4419600" y="1203325"/>
+            <a:ext cx="533400" cy="457200"/>
+          </a:xfrm>
+          <a:prstGeom prst="bentConnector3">
+            <a:avLst>
+              <a:gd name="adj1" fmla="val 100476"/>
+            </a:avLst>
+          </a:prstGeom>
+          <a:ln>
+            <a:tailEnd type="triangle"/>
+          </a:ln>
+        </p:spPr>
+        <p:style>
+          <a:lnRef idx="1">
+            <a:schemeClr val="accent2"/>
+          </a:lnRef>
+          <a:fillRef idx="0">
+            <a:schemeClr val="accent2"/>
+          </a:fillRef>
+          <a:effectRef idx="0">
+            <a:schemeClr val="accent2"/>
+          </a:effectRef>
+          <a:fontRef idx="minor">
+            <a:schemeClr val="tx1"/>
+          </a:fontRef>
+        </p:style>
+      </p:cxnSp>
+      <p:sp>
+        <p:nvSpPr>
+          <p:cNvPr id="15" name="TextBox 14"/>
+          <p:cNvSpPr txBox="1"/>
+          <p:nvPr/>
+        </p:nvSpPr>
+        <p:spPr>
+          <a:xfrm>
+            <a:off x="4953000" y="1060529"/>
+            <a:ext cx="726481" cy="246221"/>
+          </a:xfrm>
+          <a:prstGeom prst="rect">
+            <a:avLst/>
+          </a:prstGeom>
+          <a:noFill/>
+        </p:spPr>
+        <p:txBody>
+          <a:bodyPr wrap="none" rtlCol="0">
+            <a:spAutoFit/>
+          </a:bodyPr>
+          <a:lstStyle/>
+          <a:p>
+            <a:r>
+              <a:rPr lang="ko-KR" altLang="en-US" sz="1000" dirty="0" smtClean="0">
+                <a:solidFill>
+                  <a:srgbClr val="FF0000"/>
+                </a:solidFill>
+              </a:rPr>
+              <a:t>날짜 설정</a:t>
+            </a:r>
+            <a:endParaRPr lang="ko-KR" altLang="en-US" sz="1000" dirty="0">
+              <a:solidFill>
+                <a:srgbClr val="FF0000"/>
+              </a:solidFill>
+            </a:endParaRPr>
+          </a:p>
+        </p:txBody>
+      </p:sp>
+      <p:cxnSp>
+        <p:nvCxnSpPr>
+          <p:cNvPr id="17" name="직선 화살표 연결선 16"/>
+          <p:cNvCxnSpPr/>
+          <p:nvPr/>
+        </p:nvCxnSpPr>
+        <p:spPr>
+          <a:xfrm>
+            <a:off x="1447800" y="2193925"/>
+            <a:ext cx="4724400" cy="2180492"/>
+          </a:xfrm>
+          <a:prstGeom prst="straightConnector1">
+            <a:avLst/>
+          </a:prstGeom>
+          <a:ln>
+            <a:tailEnd type="triangle"/>
+          </a:ln>
+        </p:spPr>
+        <p:style>
+          <a:lnRef idx="1">
+            <a:schemeClr val="accent2"/>
+          </a:lnRef>
+          <a:fillRef idx="0">
+            <a:schemeClr val="accent2"/>
+          </a:fillRef>
+          <a:effectRef idx="0">
+            <a:schemeClr val="accent2"/>
+          </a:effectRef>
+          <a:fontRef idx="minor">
+            <a:schemeClr val="tx1"/>
+          </a:fontRef>
+        </p:style>
+      </p:cxnSp>
+      <p:sp>
+        <p:nvSpPr>
+          <p:cNvPr id="19" name="TextBox 18"/>
+          <p:cNvSpPr txBox="1"/>
+          <p:nvPr/>
+        </p:nvSpPr>
+        <p:spPr>
+          <a:xfrm>
+            <a:off x="5922417" y="3641725"/>
+            <a:ext cx="3089307" cy="707886"/>
+          </a:xfrm>
+          <a:prstGeom prst="rect">
+            <a:avLst/>
+          </a:prstGeom>
+          <a:noFill/>
+        </p:spPr>
+        <p:txBody>
+          <a:bodyPr wrap="none" rtlCol="0">
+            <a:spAutoFit/>
+          </a:bodyPr>
+          <a:lstStyle/>
+          <a:p>
+            <a:r>
+              <a:rPr lang="en-US" altLang="ko-KR" sz="1000" dirty="0" smtClean="0">
+                <a:solidFill>
+                  <a:srgbClr val="C00000"/>
+                </a:solidFill>
+              </a:rPr>
+              <a:t>Class B</a:t>
+            </a:r>
+            <a:r>
+              <a:rPr lang="ko-KR" altLang="en-US" sz="1000" dirty="0" smtClean="0"/>
+              <a:t>를 클릭하면 </a:t>
+            </a:r>
+            <a:r>
+              <a:rPr lang="en-US" altLang="ko-KR" sz="1000" dirty="0" smtClean="0"/>
+              <a:t>Class B</a:t>
+            </a:r>
+            <a:r>
+              <a:rPr lang="ko-KR" altLang="en-US" sz="1000" dirty="0" smtClean="0"/>
+              <a:t>의 숫자를 부각시킴</a:t>
+            </a:r>
+            <a:r>
+              <a:rPr lang="en-US" altLang="ko-KR" sz="1000" dirty="0" smtClean="0"/>
+              <a:t>.</a:t>
+            </a:r>
+          </a:p>
+          <a:p>
+            <a:r>
+              <a:rPr lang="en-US" altLang="ko-KR" sz="1000" dirty="0" smtClean="0"/>
+              <a:t/>
+            </a:r>
+            <a:br>
+              <a:rPr lang="en-US" altLang="ko-KR" sz="1000" dirty="0" smtClean="0"/>
+            </a:br>
+            <a:r>
+              <a:rPr lang="ko-KR" altLang="en-US" sz="1000" dirty="0" smtClean="0"/>
+              <a:t>해석</a:t>
+            </a:r>
+            <a:r>
+              <a:rPr lang="en-US" altLang="ko-KR" sz="1000" dirty="0" smtClean="0"/>
+              <a:t>: </a:t>
+            </a:r>
+            <a:r>
+              <a:rPr lang="en-US" altLang="ko-KR" sz="1000" dirty="0" smtClean="0">
+                <a:solidFill>
+                  <a:srgbClr val="C00000"/>
+                </a:solidFill>
+              </a:rPr>
+              <a:t>Class B</a:t>
+            </a:r>
+            <a:r>
+              <a:rPr lang="ko-KR" altLang="en-US" sz="1000" dirty="0" smtClean="0"/>
+              <a:t>의 결함 수는 지속적으로 감소하고 있음</a:t>
+            </a:r>
+            <a:r>
+              <a:rPr lang="en-US" altLang="ko-KR" sz="1000" dirty="0" smtClean="0"/>
+              <a:t>.</a:t>
+            </a:r>
+            <a:br>
+              <a:rPr lang="en-US" altLang="ko-KR" sz="1000" dirty="0" smtClean="0"/>
+            </a:br>
+            <a:r>
+              <a:rPr lang="ko-KR" altLang="en-US" sz="1000" dirty="0" smtClean="0"/>
+              <a:t>문제의 원인이 파악되어 해결되고 있음</a:t>
+            </a:r>
+            <a:r>
+              <a:rPr lang="en-US" altLang="ko-KR" sz="1000" dirty="0" smtClean="0"/>
+              <a:t>.</a:t>
+            </a:r>
+          </a:p>
+        </p:txBody>
+      </p:sp>
+      <p:cxnSp>
+        <p:nvCxnSpPr>
+          <p:cNvPr id="21" name="직선 화살표 연결선 20"/>
+          <p:cNvCxnSpPr/>
+          <p:nvPr/>
+        </p:nvCxnSpPr>
+        <p:spPr>
+          <a:xfrm flipV="1">
+            <a:off x="4038600" y="2270125"/>
+            <a:ext cx="1277640" cy="1764259"/>
+          </a:xfrm>
+          <a:prstGeom prst="straightConnector1">
+            <a:avLst/>
+          </a:prstGeom>
+          <a:ln>
+            <a:tailEnd type="triangle"/>
+          </a:ln>
+        </p:spPr>
+        <p:style>
+          <a:lnRef idx="1">
+            <a:schemeClr val="accent1"/>
+          </a:lnRef>
+          <a:fillRef idx="0">
+            <a:schemeClr val="accent1"/>
+          </a:fillRef>
+          <a:effectRef idx="0">
+            <a:schemeClr val="accent1"/>
+          </a:effectRef>
+          <a:fontRef idx="minor">
+            <a:schemeClr val="tx1"/>
+          </a:fontRef>
+        </p:style>
+      </p:cxnSp>
+      <p:sp>
+        <p:nvSpPr>
+          <p:cNvPr id="22" name="TextBox 21"/>
+          <p:cNvSpPr txBox="1"/>
+          <p:nvPr/>
+        </p:nvSpPr>
+        <p:spPr>
+          <a:xfrm>
+            <a:off x="5486400" y="2001422"/>
+            <a:ext cx="3217547" cy="707886"/>
+          </a:xfrm>
+          <a:prstGeom prst="rect">
+            <a:avLst/>
+          </a:prstGeom>
+          <a:noFill/>
+        </p:spPr>
+        <p:txBody>
+          <a:bodyPr wrap="none" rtlCol="0">
+            <a:spAutoFit/>
+          </a:bodyPr>
+          <a:lstStyle/>
+          <a:p>
+            <a:r>
+              <a:rPr lang="en-US" altLang="ko-KR" sz="1000" dirty="0" smtClean="0">
+                <a:solidFill>
+                  <a:srgbClr val="0070C0"/>
+                </a:solidFill>
+              </a:rPr>
+              <a:t>Class A</a:t>
+            </a:r>
+            <a:r>
+              <a:rPr lang="ko-KR" altLang="en-US" sz="1000" dirty="0" smtClean="0"/>
+              <a:t>의 </a:t>
+            </a:r>
+            <a:r>
+              <a:rPr lang="ko-KR" altLang="en-US" sz="1000" dirty="0"/>
+              <a:t>결함 수가 최근 급증함</a:t>
+            </a:r>
+            <a:r>
+              <a:rPr lang="en-US" altLang="ko-KR" sz="1000" dirty="0" smtClean="0"/>
+              <a:t>.</a:t>
+            </a:r>
+          </a:p>
+          <a:p>
+            <a:endParaRPr lang="en-US" altLang="ko-KR" sz="1000" dirty="0"/>
+          </a:p>
+          <a:p>
+            <a:r>
+              <a:rPr lang="ko-KR" altLang="en-US" sz="1000" dirty="0" smtClean="0"/>
+              <a:t>해석</a:t>
+            </a:r>
+            <a:r>
+              <a:rPr lang="en-US" altLang="ko-KR" sz="1000" dirty="0" smtClean="0"/>
+              <a:t>: </a:t>
+            </a:r>
+            <a:r>
+              <a:rPr lang="en-US" altLang="ko-KR" sz="1000" dirty="0" smtClean="0">
+                <a:solidFill>
+                  <a:srgbClr val="0070C0"/>
+                </a:solidFill>
+              </a:rPr>
+              <a:t>Class A</a:t>
+            </a:r>
+            <a:r>
+              <a:rPr lang="ko-KR" altLang="en-US" sz="1000" dirty="0" smtClean="0"/>
+              <a:t>의 결함을 일으키는 파악되지 않은 원인을 </a:t>
+            </a:r>
+            <a:endParaRPr lang="en-US" altLang="ko-KR" sz="1000" dirty="0" smtClean="0"/>
+          </a:p>
+          <a:p>
+            <a:r>
+              <a:rPr lang="ko-KR" altLang="en-US" sz="1000" dirty="0"/>
+              <a:t>빨</a:t>
+            </a:r>
+            <a:r>
+              <a:rPr lang="ko-KR" altLang="en-US" sz="1000" dirty="0" smtClean="0"/>
+              <a:t>리 인지하여 대비할 수 있음</a:t>
+            </a:r>
+            <a:r>
+              <a:rPr lang="en-US" altLang="ko-KR" sz="1000" dirty="0" smtClean="0"/>
+              <a:t>.</a:t>
+            </a:r>
+            <a:endParaRPr lang="ko-KR" altLang="en-US" sz="1000" dirty="0"/>
+          </a:p>
+        </p:txBody>
+      </p:sp>
+    </p:spTree>
+    <p:extLst>
+      <p:ext uri="{BB962C8B-B14F-4D97-AF65-F5344CB8AC3E}">
+        <p14:creationId xmlns:p14="http://schemas.microsoft.com/office/powerpoint/2010/main" val="4118741324"/>
+      </p:ext>
+    </p:extLst>
+  </p:cSld>
+  <p:clrMapOvr>
+    <a:masterClrMapping/>
+  </p:clrMapOvr>
+</p:sld>
+</file>
+
+<file path=ppt/slides/slide12.xml><?xml version="1.0" encoding="utf-8"?>
 <p:sld xmlns:a="http://schemas.openxmlformats.org/drawingml/2006/main" xmlns:r="http://schemas.openxmlformats.org/officeDocument/2006/relationships" xmlns:p="http://schemas.openxmlformats.org/presentationml/2006/main" showMasterSp="0">
   <p:cSld>
     <p:spTree>
@@ -3003,7 +4193,7 @@
 </p:sld>
 </file>
 
-<file path=ppt/slides/slide11.xml><?xml version="1.0" encoding="utf-8"?>
+<file path=ppt/slides/slide13.xml><?xml version="1.0" encoding="utf-8"?>
 <p:sld xmlns:a="http://schemas.openxmlformats.org/drawingml/2006/main" xmlns:r="http://schemas.openxmlformats.org/officeDocument/2006/relationships" xmlns:p="http://schemas.openxmlformats.org/presentationml/2006/main">
   <p:cSld>
     <p:spTree>
@@ -5830,7 +7020,7 @@
 </p:sld>
 </file>
 
-<file path=ppt/slides/slide12.xml><?xml version="1.0" encoding="utf-8"?>
+<file path=ppt/slides/slide14.xml><?xml version="1.0" encoding="utf-8"?>
 <p:sld xmlns:a="http://schemas.openxmlformats.org/drawingml/2006/main" xmlns:r="http://schemas.openxmlformats.org/officeDocument/2006/relationships" xmlns:p="http://schemas.openxmlformats.org/presentationml/2006/main">
   <p:cSld>
     <p:spTree>
@@ -7398,7 +8588,7 @@
 </p:sld>
 </file>
 
-<file path=ppt/slides/slide13.xml><?xml version="1.0" encoding="utf-8"?>
+<file path=ppt/slides/slide15.xml><?xml version="1.0" encoding="utf-8"?>
 <p:sld xmlns:a="http://schemas.openxmlformats.org/drawingml/2006/main" xmlns:r="http://schemas.openxmlformats.org/officeDocument/2006/relationships" xmlns:p="http://schemas.openxmlformats.org/presentationml/2006/main">
   <p:cSld>
     <p:spTree>
@@ -9077,7 +10267,7 @@
 </p:sld>
 </file>
 
-<file path=ppt/slides/slide14.xml><?xml version="1.0" encoding="utf-8"?>
+<file path=ppt/slides/slide16.xml><?xml version="1.0" encoding="utf-8"?>
 <p:sld xmlns:a="http://schemas.openxmlformats.org/drawingml/2006/main" xmlns:r="http://schemas.openxmlformats.org/officeDocument/2006/relationships" xmlns:p="http://schemas.openxmlformats.org/presentationml/2006/main">
   <p:cSld>
     <p:spTree>
@@ -10196,7 +11386,7 @@
 </p:sld>
 </file>
 
-<file path=ppt/slides/slide15.xml><?xml version="1.0" encoding="utf-8"?>
+<file path=ppt/slides/slide17.xml><?xml version="1.0" encoding="utf-8"?>
 <p:sld xmlns:a="http://schemas.openxmlformats.org/drawingml/2006/main" xmlns:r="http://schemas.openxmlformats.org/officeDocument/2006/relationships" xmlns:p="http://schemas.openxmlformats.org/presentationml/2006/main" showMasterSp="0">
   <p:cSld>
     <p:spTree>
@@ -11166,7 +12356,7 @@
 </p:sld>
 </file>
 
-<file path=ppt/slides/slide16.xml><?xml version="1.0" encoding="utf-8"?>
+<file path=ppt/slides/slide18.xml><?xml version="1.0" encoding="utf-8"?>
 <p:sld xmlns:a="http://schemas.openxmlformats.org/drawingml/2006/main" xmlns:r="http://schemas.openxmlformats.org/officeDocument/2006/relationships" xmlns:p="http://schemas.openxmlformats.org/presentationml/2006/main">
   <p:cSld>
     <p:spTree>
@@ -14243,7 +15433,7 @@
 </p:sld>
 </file>
 
-<file path=ppt/slides/slide17.xml><?xml version="1.0" encoding="utf-8"?>
+<file path=ppt/slides/slide19.xml><?xml version="1.0" encoding="utf-8"?>
 <p:sld xmlns:a="http://schemas.openxmlformats.org/drawingml/2006/main" xmlns:r="http://schemas.openxmlformats.org/officeDocument/2006/relationships" xmlns:p="http://schemas.openxmlformats.org/presentationml/2006/main">
   <p:cSld>
     <p:spTree>
@@ -15524,7 +16714,407 @@
 </p:sld>
 </file>
 
-<file path=ppt/slides/slide18.xml><?xml version="1.0" encoding="utf-8"?>
+<file path=ppt/slides/slide2.xml><?xml version="1.0" encoding="utf-8"?>
+<p:sld xmlns:a="http://schemas.openxmlformats.org/drawingml/2006/main" xmlns:r="http://schemas.openxmlformats.org/officeDocument/2006/relationships" xmlns:p="http://schemas.openxmlformats.org/presentationml/2006/main" showMasterSp="0">
+  <p:cSld>
+    <p:spTree>
+      <p:nvGrpSpPr>
+        <p:cNvPr id="1" name=""/>
+        <p:cNvGrpSpPr/>
+        <p:nvPr/>
+      </p:nvGrpSpPr>
+      <p:grpSpPr>
+        <a:xfrm>
+          <a:off x="0" y="0"/>
+          <a:ext cx="0" cy="0"/>
+          <a:chOff x="0" y="0"/>
+          <a:chExt cx="0" cy="0"/>
+        </a:xfrm>
+      </p:grpSpPr>
+      <p:sp>
+        <p:nvSpPr>
+          <p:cNvPr id="2" name="object 2"/>
+          <p:cNvSpPr txBox="1">
+            <a:spLocks noGrp="1"/>
+          </p:cNvSpPr>
+          <p:nvPr>
+            <p:ph type="title"/>
+          </p:nvPr>
+        </p:nvSpPr>
+        <p:spPr>
+          <a:xfrm>
+            <a:off x="1489328" y="498805"/>
+            <a:ext cx="1382395" cy="406400"/>
+          </a:xfrm>
+          <a:prstGeom prst="rect">
+            <a:avLst/>
+          </a:prstGeom>
+        </p:spPr>
+        <p:txBody>
+          <a:bodyPr vert="horz" wrap="square" lIns="0" tIns="12065" rIns="0" bIns="0" rtlCol="0">
+            <a:spAutoFit/>
+          </a:bodyPr>
+          <a:lstStyle/>
+          <a:p>
+            <a:pPr marL="12700">
+              <a:lnSpc>
+                <a:spcPct val="100000"/>
+              </a:lnSpc>
+              <a:spcBef>
+                <a:spcPts val="95"/>
+              </a:spcBef>
+            </a:pPr>
+            <a:r>
+              <a:rPr sz="2500" spc="-5" dirty="0">
+                <a:latin typeface="Times New Roman"/>
+                <a:cs typeface="Times New Roman"/>
+              </a:rPr>
+              <a:t>About</a:t>
+            </a:r>
+            <a:r>
+              <a:rPr sz="2500" spc="-80" dirty="0">
+                <a:latin typeface="Times New Roman"/>
+                <a:cs typeface="Times New Roman"/>
+              </a:rPr>
+              <a:t> </a:t>
+            </a:r>
+            <a:r>
+              <a:rPr sz="2500" spc="-40" dirty="0">
+                <a:latin typeface="Times New Roman"/>
+                <a:cs typeface="Times New Roman"/>
+              </a:rPr>
+              <a:t>Me</a:t>
+            </a:r>
+            <a:endParaRPr sz="2500">
+              <a:latin typeface="Times New Roman"/>
+              <a:cs typeface="Times New Roman"/>
+            </a:endParaRPr>
+          </a:p>
+        </p:txBody>
+      </p:sp>
+      <p:sp>
+        <p:nvSpPr>
+          <p:cNvPr id="3" name="object 3"/>
+          <p:cNvSpPr txBox="1"/>
+          <p:nvPr/>
+        </p:nvSpPr>
+        <p:spPr>
+          <a:xfrm>
+            <a:off x="4459351" y="1186005"/>
+            <a:ext cx="3556000" cy="2960939"/>
+          </a:xfrm>
+          <a:prstGeom prst="rect">
+            <a:avLst/>
+          </a:prstGeom>
+        </p:spPr>
+        <p:txBody>
+          <a:bodyPr vert="horz" wrap="square" lIns="0" tIns="29845" rIns="0" bIns="0" rtlCol="0">
+            <a:spAutoFit/>
+          </a:bodyPr>
+          <a:lstStyle/>
+          <a:p>
+            <a:pPr marL="12700">
+              <a:lnSpc>
+                <a:spcPct val="100000"/>
+              </a:lnSpc>
+              <a:spcBef>
+                <a:spcPts val="235"/>
+              </a:spcBef>
+            </a:pPr>
+            <a:r>
+              <a:rPr lang="ko-KR" altLang="en-US" sz="1350" spc="-5" dirty="0" smtClean="0">
+                <a:latin typeface="Times New Roman"/>
+                <a:cs typeface="Times New Roman"/>
+              </a:rPr>
+              <a:t>저는 알고리즘을 개발하고 최적화하는 것을 즐기는 개발자입니다</a:t>
+            </a:r>
+            <a:r>
+              <a:rPr lang="en-US" altLang="ko-KR" sz="1350" spc="-5" dirty="0" smtClean="0">
+                <a:latin typeface="Times New Roman"/>
+                <a:cs typeface="Times New Roman"/>
+              </a:rPr>
+              <a:t>.</a:t>
+            </a:r>
+            <a:endParaRPr lang="en-US" sz="1350" spc="-5" dirty="0" smtClean="0">
+              <a:latin typeface="Times New Roman"/>
+              <a:cs typeface="Times New Roman"/>
+            </a:endParaRPr>
+          </a:p>
+          <a:p>
+            <a:pPr marL="12700">
+              <a:lnSpc>
+                <a:spcPct val="100000"/>
+              </a:lnSpc>
+              <a:spcBef>
+                <a:spcPts val="235"/>
+              </a:spcBef>
+            </a:pPr>
+            <a:endParaRPr sz="1350" dirty="0">
+              <a:latin typeface="Times New Roman"/>
+              <a:cs typeface="Times New Roman"/>
+            </a:endParaRPr>
+          </a:p>
+          <a:p>
+            <a:pPr>
+              <a:lnSpc>
+                <a:spcPct val="100000"/>
+              </a:lnSpc>
+              <a:spcBef>
+                <a:spcPts val="25"/>
+              </a:spcBef>
+            </a:pPr>
+            <a:r>
+              <a:rPr lang="ko-KR" altLang="en-US" sz="1350" dirty="0" smtClean="0">
+                <a:latin typeface="Times New Roman"/>
+                <a:cs typeface="Times New Roman"/>
+              </a:rPr>
+              <a:t>저는 항상 </a:t>
+            </a:r>
+            <a:r>
+              <a:rPr lang="en-US" altLang="ko-KR" sz="1350" dirty="0" smtClean="0">
+                <a:latin typeface="Times New Roman"/>
+                <a:cs typeface="Times New Roman"/>
+              </a:rPr>
+              <a:t>‘</a:t>
+            </a:r>
+            <a:r>
+              <a:rPr lang="ko-KR" altLang="en-US" sz="1350" dirty="0" smtClean="0">
+                <a:latin typeface="Times New Roman"/>
+                <a:cs typeface="Times New Roman"/>
+              </a:rPr>
+              <a:t>왜</a:t>
+            </a:r>
+            <a:r>
+              <a:rPr lang="en-US" altLang="ko-KR" sz="1350" dirty="0" smtClean="0">
+                <a:latin typeface="Times New Roman"/>
+                <a:cs typeface="Times New Roman"/>
+              </a:rPr>
+              <a:t>’ </a:t>
+            </a:r>
+            <a:r>
+              <a:rPr lang="ko-KR" altLang="en-US" sz="1350" dirty="0" smtClean="0">
+                <a:latin typeface="Times New Roman"/>
+                <a:cs typeface="Times New Roman"/>
+              </a:rPr>
+              <a:t>라는 질문을 합니다</a:t>
+            </a:r>
+            <a:r>
+              <a:rPr lang="en-US" altLang="ko-KR" sz="1350" dirty="0" smtClean="0">
+                <a:latin typeface="Times New Roman"/>
+                <a:cs typeface="Times New Roman"/>
+              </a:rPr>
+              <a:t>.</a:t>
+            </a:r>
+          </a:p>
+          <a:p>
+            <a:pPr>
+              <a:lnSpc>
+                <a:spcPct val="100000"/>
+              </a:lnSpc>
+              <a:spcBef>
+                <a:spcPts val="25"/>
+              </a:spcBef>
+            </a:pPr>
+            <a:endParaRPr sz="1350" dirty="0">
+              <a:latin typeface="Times New Roman"/>
+              <a:cs typeface="Times New Roman"/>
+            </a:endParaRPr>
+          </a:p>
+          <a:p>
+            <a:pPr marL="12700">
+              <a:lnSpc>
+                <a:spcPct val="100000"/>
+              </a:lnSpc>
+            </a:pPr>
+            <a:r>
+              <a:rPr lang="ko-KR" altLang="en-US" sz="1350" spc="-20" dirty="0" smtClean="0">
+                <a:latin typeface="Times New Roman"/>
+                <a:cs typeface="Times New Roman"/>
+              </a:rPr>
+              <a:t>저는 활동적이며 사람들과 교류하고 커뮤니케이션하는 것을 즐기는 사람입니다</a:t>
+            </a:r>
+            <a:r>
+              <a:rPr lang="en-US" altLang="ko-KR" sz="1350" spc="-20" dirty="0" smtClean="0">
+                <a:latin typeface="Times New Roman"/>
+                <a:cs typeface="Times New Roman"/>
+              </a:rPr>
+              <a:t>.</a:t>
+            </a:r>
+            <a:endParaRPr lang="en-US" sz="1350" spc="-5" dirty="0" smtClean="0">
+              <a:latin typeface="Times New Roman"/>
+              <a:cs typeface="Times New Roman"/>
+            </a:endParaRPr>
+          </a:p>
+          <a:p>
+            <a:pPr marL="12700" marR="5080">
+              <a:lnSpc>
+                <a:spcPct val="108300"/>
+              </a:lnSpc>
+              <a:spcBef>
+                <a:spcPts val="1080"/>
+              </a:spcBef>
+            </a:pPr>
+            <a:r>
+              <a:rPr lang="ko-KR" altLang="en-US" sz="1350" spc="-5" dirty="0" smtClean="0">
+                <a:latin typeface="Times New Roman"/>
+                <a:cs typeface="Times New Roman"/>
+              </a:rPr>
+              <a:t>저는 다양한 시각을 통해 문제를 바라보며 효율적으로 문제를 해결하고자 합니다</a:t>
+            </a:r>
+            <a:r>
+              <a:rPr lang="en-US" altLang="ko-KR" sz="1350" spc="-5" dirty="0" smtClean="0">
+                <a:latin typeface="Times New Roman"/>
+                <a:cs typeface="Times New Roman"/>
+              </a:rPr>
+              <a:t>.</a:t>
+            </a:r>
+          </a:p>
+          <a:p>
+            <a:pPr marL="12700" marR="5080">
+              <a:lnSpc>
+                <a:spcPct val="108300"/>
+              </a:lnSpc>
+              <a:spcBef>
+                <a:spcPts val="1080"/>
+              </a:spcBef>
+            </a:pPr>
+            <a:endParaRPr sz="1200" dirty="0">
+              <a:latin typeface="Times New Roman"/>
+              <a:cs typeface="Times New Roman"/>
+            </a:endParaRPr>
+          </a:p>
+          <a:p>
+            <a:pPr marL="12700">
+              <a:lnSpc>
+                <a:spcPct val="100000"/>
+              </a:lnSpc>
+            </a:pPr>
+            <a:r>
+              <a:rPr lang="ko-KR" altLang="en-US" sz="1100" b="1" spc="-10" dirty="0" smtClean="0">
+                <a:latin typeface="Times New Roman"/>
+                <a:cs typeface="Times New Roman"/>
+              </a:rPr>
+              <a:t>흥미</a:t>
+            </a:r>
+            <a:endParaRPr sz="1000" dirty="0">
+              <a:latin typeface="Times New Roman"/>
+              <a:cs typeface="Times New Roman"/>
+            </a:endParaRPr>
+          </a:p>
+          <a:p>
+            <a:pPr marL="12700">
+              <a:lnSpc>
+                <a:spcPct val="100000"/>
+              </a:lnSpc>
+            </a:pPr>
+            <a:r>
+              <a:rPr sz="1100" b="1" spc="-10" dirty="0">
+                <a:latin typeface="Times New Roman"/>
+                <a:cs typeface="Times New Roman"/>
+              </a:rPr>
+              <a:t>#Algorithm</a:t>
+            </a:r>
+            <a:r>
+              <a:rPr sz="1100" b="1" spc="30" dirty="0">
+                <a:latin typeface="Times New Roman"/>
+                <a:cs typeface="Times New Roman"/>
+              </a:rPr>
+              <a:t> </a:t>
+            </a:r>
+            <a:r>
+              <a:rPr sz="1100" b="1" spc="-15" dirty="0">
+                <a:latin typeface="Times New Roman"/>
+                <a:cs typeface="Times New Roman"/>
+              </a:rPr>
+              <a:t>#Optimization</a:t>
+            </a:r>
+            <a:r>
+              <a:rPr sz="1100" b="1" spc="80" dirty="0">
+                <a:latin typeface="Times New Roman"/>
+                <a:cs typeface="Times New Roman"/>
+              </a:rPr>
+              <a:t> </a:t>
+            </a:r>
+            <a:r>
+              <a:rPr sz="1100" b="1" spc="-15" dirty="0">
+                <a:latin typeface="Times New Roman"/>
+                <a:cs typeface="Times New Roman"/>
+              </a:rPr>
+              <a:t>#Platform</a:t>
+            </a:r>
+            <a:r>
+              <a:rPr sz="1100" b="1" spc="110" dirty="0">
+                <a:latin typeface="Times New Roman"/>
+                <a:cs typeface="Times New Roman"/>
+              </a:rPr>
+              <a:t> </a:t>
+            </a:r>
+            <a:r>
+              <a:rPr sz="1100" b="1" spc="-15" dirty="0">
+                <a:latin typeface="Times New Roman"/>
+                <a:cs typeface="Times New Roman"/>
+              </a:rPr>
+              <a:t>#FullStack</a:t>
+            </a:r>
+            <a:endParaRPr sz="1100" dirty="0">
+              <a:latin typeface="Times New Roman"/>
+              <a:cs typeface="Times New Roman"/>
+            </a:endParaRPr>
+          </a:p>
+          <a:p>
+            <a:pPr marL="12700">
+              <a:lnSpc>
+                <a:spcPct val="100000"/>
+              </a:lnSpc>
+              <a:spcBef>
+                <a:spcPts val="75"/>
+              </a:spcBef>
+            </a:pPr>
+            <a:r>
+              <a:rPr sz="1100" b="1" spc="-15" dirty="0">
+                <a:latin typeface="Times New Roman"/>
+                <a:cs typeface="Times New Roman"/>
+              </a:rPr>
+              <a:t>#HelpingOther</a:t>
+            </a:r>
+            <a:endParaRPr sz="1100" dirty="0">
+              <a:latin typeface="Times New Roman"/>
+              <a:cs typeface="Times New Roman"/>
+            </a:endParaRPr>
+          </a:p>
+        </p:txBody>
+      </p:sp>
+      <p:pic>
+        <p:nvPicPr>
+          <p:cNvPr id="4" name="object 4"/>
+          <p:cNvPicPr/>
+          <p:nvPr/>
+        </p:nvPicPr>
+        <p:blipFill>
+          <a:blip r:embed="rId2" cstate="print"/>
+          <a:stretch>
+            <a:fillRect/>
+          </a:stretch>
+        </p:blipFill>
+        <p:spPr>
+          <a:xfrm>
+            <a:off x="1417319" y="1152143"/>
+            <a:ext cx="2139696" cy="3139440"/>
+          </a:xfrm>
+          <a:prstGeom prst="rect">
+            <a:avLst/>
+          </a:prstGeom>
+        </p:spPr>
+      </p:pic>
+    </p:spTree>
+  </p:cSld>
+  <p:clrMapOvr>
+    <a:masterClrMapping/>
+  </p:clrMapOvr>
+</p:sld>
+</file>
+
+<file path=ppt/slides/slide20.xml><?xml version="1.0" encoding="utf-8"?>
 <p:sld xmlns:a="http://schemas.openxmlformats.org/drawingml/2006/main" xmlns:r="http://schemas.openxmlformats.org/officeDocument/2006/relationships" xmlns:p="http://schemas.openxmlformats.org/presentationml/2006/main">
   <p:cSld>
     <p:spTree>
@@ -16360,7 +17950,7 @@
 </p:sld>
 </file>
 
-<file path=ppt/slides/slide19.xml><?xml version="1.0" encoding="utf-8"?>
+<file path=ppt/slides/slide21.xml><?xml version="1.0" encoding="utf-8"?>
 <p:sld xmlns:a="http://schemas.openxmlformats.org/drawingml/2006/main" xmlns:r="http://schemas.openxmlformats.org/officeDocument/2006/relationships" xmlns:p="http://schemas.openxmlformats.org/presentationml/2006/main">
   <p:cSld>
     <p:spTree>
@@ -17256,407 +18846,7 @@
 </p:sld>
 </file>
 
-<file path=ppt/slides/slide2.xml><?xml version="1.0" encoding="utf-8"?>
-<p:sld xmlns:a="http://schemas.openxmlformats.org/drawingml/2006/main" xmlns:r="http://schemas.openxmlformats.org/officeDocument/2006/relationships" xmlns:p="http://schemas.openxmlformats.org/presentationml/2006/main" showMasterSp="0">
-  <p:cSld>
-    <p:spTree>
-      <p:nvGrpSpPr>
-        <p:cNvPr id="1" name=""/>
-        <p:cNvGrpSpPr/>
-        <p:nvPr/>
-      </p:nvGrpSpPr>
-      <p:grpSpPr>
-        <a:xfrm>
-          <a:off x="0" y="0"/>
-          <a:ext cx="0" cy="0"/>
-          <a:chOff x="0" y="0"/>
-          <a:chExt cx="0" cy="0"/>
-        </a:xfrm>
-      </p:grpSpPr>
-      <p:sp>
-        <p:nvSpPr>
-          <p:cNvPr id="2" name="object 2"/>
-          <p:cNvSpPr txBox="1">
-            <a:spLocks noGrp="1"/>
-          </p:cNvSpPr>
-          <p:nvPr>
-            <p:ph type="title"/>
-          </p:nvPr>
-        </p:nvSpPr>
-        <p:spPr>
-          <a:xfrm>
-            <a:off x="1489328" y="498805"/>
-            <a:ext cx="1382395" cy="406400"/>
-          </a:xfrm>
-          <a:prstGeom prst="rect">
-            <a:avLst/>
-          </a:prstGeom>
-        </p:spPr>
-        <p:txBody>
-          <a:bodyPr vert="horz" wrap="square" lIns="0" tIns="12065" rIns="0" bIns="0" rtlCol="0">
-            <a:spAutoFit/>
-          </a:bodyPr>
-          <a:lstStyle/>
-          <a:p>
-            <a:pPr marL="12700">
-              <a:lnSpc>
-                <a:spcPct val="100000"/>
-              </a:lnSpc>
-              <a:spcBef>
-                <a:spcPts val="95"/>
-              </a:spcBef>
-            </a:pPr>
-            <a:r>
-              <a:rPr sz="2500" spc="-5" dirty="0">
-                <a:latin typeface="Times New Roman"/>
-                <a:cs typeface="Times New Roman"/>
-              </a:rPr>
-              <a:t>About</a:t>
-            </a:r>
-            <a:r>
-              <a:rPr sz="2500" spc="-80" dirty="0">
-                <a:latin typeface="Times New Roman"/>
-                <a:cs typeface="Times New Roman"/>
-              </a:rPr>
-              <a:t> </a:t>
-            </a:r>
-            <a:r>
-              <a:rPr sz="2500" spc="-40" dirty="0">
-                <a:latin typeface="Times New Roman"/>
-                <a:cs typeface="Times New Roman"/>
-              </a:rPr>
-              <a:t>Me</a:t>
-            </a:r>
-            <a:endParaRPr sz="2500">
-              <a:latin typeface="Times New Roman"/>
-              <a:cs typeface="Times New Roman"/>
-            </a:endParaRPr>
-          </a:p>
-        </p:txBody>
-      </p:sp>
-      <p:sp>
-        <p:nvSpPr>
-          <p:cNvPr id="3" name="object 3"/>
-          <p:cNvSpPr txBox="1"/>
-          <p:nvPr/>
-        </p:nvSpPr>
-        <p:spPr>
-          <a:xfrm>
-            <a:off x="4459351" y="1186005"/>
-            <a:ext cx="3556000" cy="2960939"/>
-          </a:xfrm>
-          <a:prstGeom prst="rect">
-            <a:avLst/>
-          </a:prstGeom>
-        </p:spPr>
-        <p:txBody>
-          <a:bodyPr vert="horz" wrap="square" lIns="0" tIns="29845" rIns="0" bIns="0" rtlCol="0">
-            <a:spAutoFit/>
-          </a:bodyPr>
-          <a:lstStyle/>
-          <a:p>
-            <a:pPr marL="12700">
-              <a:lnSpc>
-                <a:spcPct val="100000"/>
-              </a:lnSpc>
-              <a:spcBef>
-                <a:spcPts val="235"/>
-              </a:spcBef>
-            </a:pPr>
-            <a:r>
-              <a:rPr lang="ko-KR" altLang="en-US" sz="1350" spc="-5" dirty="0" smtClean="0">
-                <a:latin typeface="Times New Roman"/>
-                <a:cs typeface="Times New Roman"/>
-              </a:rPr>
-              <a:t>저는 알고리즘을 개발하고 최적화하는 것을 즐기는 개발자입니다</a:t>
-            </a:r>
-            <a:r>
-              <a:rPr lang="en-US" altLang="ko-KR" sz="1350" spc="-5" dirty="0" smtClean="0">
-                <a:latin typeface="Times New Roman"/>
-                <a:cs typeface="Times New Roman"/>
-              </a:rPr>
-              <a:t>.</a:t>
-            </a:r>
-            <a:endParaRPr lang="en-US" sz="1350" spc="-5" dirty="0" smtClean="0">
-              <a:latin typeface="Times New Roman"/>
-              <a:cs typeface="Times New Roman"/>
-            </a:endParaRPr>
-          </a:p>
-          <a:p>
-            <a:pPr marL="12700">
-              <a:lnSpc>
-                <a:spcPct val="100000"/>
-              </a:lnSpc>
-              <a:spcBef>
-                <a:spcPts val="235"/>
-              </a:spcBef>
-            </a:pPr>
-            <a:endParaRPr sz="1350" dirty="0">
-              <a:latin typeface="Times New Roman"/>
-              <a:cs typeface="Times New Roman"/>
-            </a:endParaRPr>
-          </a:p>
-          <a:p>
-            <a:pPr>
-              <a:lnSpc>
-                <a:spcPct val="100000"/>
-              </a:lnSpc>
-              <a:spcBef>
-                <a:spcPts val="25"/>
-              </a:spcBef>
-            </a:pPr>
-            <a:r>
-              <a:rPr lang="ko-KR" altLang="en-US" sz="1350" dirty="0" smtClean="0">
-                <a:latin typeface="Times New Roman"/>
-                <a:cs typeface="Times New Roman"/>
-              </a:rPr>
-              <a:t>저는 항상 </a:t>
-            </a:r>
-            <a:r>
-              <a:rPr lang="en-US" altLang="ko-KR" sz="1350" dirty="0" smtClean="0">
-                <a:latin typeface="Times New Roman"/>
-                <a:cs typeface="Times New Roman"/>
-              </a:rPr>
-              <a:t>‘</a:t>
-            </a:r>
-            <a:r>
-              <a:rPr lang="ko-KR" altLang="en-US" sz="1350" dirty="0" smtClean="0">
-                <a:latin typeface="Times New Roman"/>
-                <a:cs typeface="Times New Roman"/>
-              </a:rPr>
-              <a:t>왜</a:t>
-            </a:r>
-            <a:r>
-              <a:rPr lang="en-US" altLang="ko-KR" sz="1350" dirty="0" smtClean="0">
-                <a:latin typeface="Times New Roman"/>
-                <a:cs typeface="Times New Roman"/>
-              </a:rPr>
-              <a:t>’ </a:t>
-            </a:r>
-            <a:r>
-              <a:rPr lang="ko-KR" altLang="en-US" sz="1350" dirty="0" smtClean="0">
-                <a:latin typeface="Times New Roman"/>
-                <a:cs typeface="Times New Roman"/>
-              </a:rPr>
-              <a:t>라는 질문을 합니다</a:t>
-            </a:r>
-            <a:r>
-              <a:rPr lang="en-US" altLang="ko-KR" sz="1350" dirty="0" smtClean="0">
-                <a:latin typeface="Times New Roman"/>
-                <a:cs typeface="Times New Roman"/>
-              </a:rPr>
-              <a:t>.</a:t>
-            </a:r>
-          </a:p>
-          <a:p>
-            <a:pPr>
-              <a:lnSpc>
-                <a:spcPct val="100000"/>
-              </a:lnSpc>
-              <a:spcBef>
-                <a:spcPts val="25"/>
-              </a:spcBef>
-            </a:pPr>
-            <a:endParaRPr sz="1350" dirty="0">
-              <a:latin typeface="Times New Roman"/>
-              <a:cs typeface="Times New Roman"/>
-            </a:endParaRPr>
-          </a:p>
-          <a:p>
-            <a:pPr marL="12700">
-              <a:lnSpc>
-                <a:spcPct val="100000"/>
-              </a:lnSpc>
-            </a:pPr>
-            <a:r>
-              <a:rPr lang="ko-KR" altLang="en-US" sz="1350" spc="-20" dirty="0" smtClean="0">
-                <a:latin typeface="Times New Roman"/>
-                <a:cs typeface="Times New Roman"/>
-              </a:rPr>
-              <a:t>저는 활동적이며 사람들과 교류하고 커뮤니케이션하는 것을 즐기는 사람입니다</a:t>
-            </a:r>
-            <a:r>
-              <a:rPr lang="en-US" altLang="ko-KR" sz="1350" spc="-20" dirty="0" smtClean="0">
-                <a:latin typeface="Times New Roman"/>
-                <a:cs typeface="Times New Roman"/>
-              </a:rPr>
-              <a:t>.</a:t>
-            </a:r>
-            <a:endParaRPr lang="en-US" sz="1350" spc="-5" dirty="0" smtClean="0">
-              <a:latin typeface="Times New Roman"/>
-              <a:cs typeface="Times New Roman"/>
-            </a:endParaRPr>
-          </a:p>
-          <a:p>
-            <a:pPr marL="12700" marR="5080">
-              <a:lnSpc>
-                <a:spcPct val="108300"/>
-              </a:lnSpc>
-              <a:spcBef>
-                <a:spcPts val="1080"/>
-              </a:spcBef>
-            </a:pPr>
-            <a:r>
-              <a:rPr lang="ko-KR" altLang="en-US" sz="1350" spc="-5" dirty="0" smtClean="0">
-                <a:latin typeface="Times New Roman"/>
-                <a:cs typeface="Times New Roman"/>
-              </a:rPr>
-              <a:t>저는 다양한 시각을 통해 문제를 바라보며 효율적으로 문제를 해결하고자 합니다</a:t>
-            </a:r>
-            <a:r>
-              <a:rPr lang="en-US" altLang="ko-KR" sz="1350" spc="-5" dirty="0" smtClean="0">
-                <a:latin typeface="Times New Roman"/>
-                <a:cs typeface="Times New Roman"/>
-              </a:rPr>
-              <a:t>.</a:t>
-            </a:r>
-          </a:p>
-          <a:p>
-            <a:pPr marL="12700" marR="5080">
-              <a:lnSpc>
-                <a:spcPct val="108300"/>
-              </a:lnSpc>
-              <a:spcBef>
-                <a:spcPts val="1080"/>
-              </a:spcBef>
-            </a:pPr>
-            <a:endParaRPr sz="1200" dirty="0">
-              <a:latin typeface="Times New Roman"/>
-              <a:cs typeface="Times New Roman"/>
-            </a:endParaRPr>
-          </a:p>
-          <a:p>
-            <a:pPr marL="12700">
-              <a:lnSpc>
-                <a:spcPct val="100000"/>
-              </a:lnSpc>
-            </a:pPr>
-            <a:r>
-              <a:rPr lang="ko-KR" altLang="en-US" sz="1100" b="1" spc="-10" dirty="0" smtClean="0">
-                <a:latin typeface="Times New Roman"/>
-                <a:cs typeface="Times New Roman"/>
-              </a:rPr>
-              <a:t>흥미</a:t>
-            </a:r>
-            <a:endParaRPr sz="1000" dirty="0">
-              <a:latin typeface="Times New Roman"/>
-              <a:cs typeface="Times New Roman"/>
-            </a:endParaRPr>
-          </a:p>
-          <a:p>
-            <a:pPr marL="12700">
-              <a:lnSpc>
-                <a:spcPct val="100000"/>
-              </a:lnSpc>
-            </a:pPr>
-            <a:r>
-              <a:rPr sz="1100" b="1" spc="-10" dirty="0">
-                <a:latin typeface="Times New Roman"/>
-                <a:cs typeface="Times New Roman"/>
-              </a:rPr>
-              <a:t>#Algorithm</a:t>
-            </a:r>
-            <a:r>
-              <a:rPr sz="1100" b="1" spc="30" dirty="0">
-                <a:latin typeface="Times New Roman"/>
-                <a:cs typeface="Times New Roman"/>
-              </a:rPr>
-              <a:t> </a:t>
-            </a:r>
-            <a:r>
-              <a:rPr sz="1100" b="1" spc="-15" dirty="0">
-                <a:latin typeface="Times New Roman"/>
-                <a:cs typeface="Times New Roman"/>
-              </a:rPr>
-              <a:t>#Optimization</a:t>
-            </a:r>
-            <a:r>
-              <a:rPr sz="1100" b="1" spc="80" dirty="0">
-                <a:latin typeface="Times New Roman"/>
-                <a:cs typeface="Times New Roman"/>
-              </a:rPr>
-              <a:t> </a:t>
-            </a:r>
-            <a:r>
-              <a:rPr sz="1100" b="1" spc="-15" dirty="0">
-                <a:latin typeface="Times New Roman"/>
-                <a:cs typeface="Times New Roman"/>
-              </a:rPr>
-              <a:t>#Platform</a:t>
-            </a:r>
-            <a:r>
-              <a:rPr sz="1100" b="1" spc="110" dirty="0">
-                <a:latin typeface="Times New Roman"/>
-                <a:cs typeface="Times New Roman"/>
-              </a:rPr>
-              <a:t> </a:t>
-            </a:r>
-            <a:r>
-              <a:rPr sz="1100" b="1" spc="-15" dirty="0">
-                <a:latin typeface="Times New Roman"/>
-                <a:cs typeface="Times New Roman"/>
-              </a:rPr>
-              <a:t>#FullStack</a:t>
-            </a:r>
-            <a:endParaRPr sz="1100" dirty="0">
-              <a:latin typeface="Times New Roman"/>
-              <a:cs typeface="Times New Roman"/>
-            </a:endParaRPr>
-          </a:p>
-          <a:p>
-            <a:pPr marL="12700">
-              <a:lnSpc>
-                <a:spcPct val="100000"/>
-              </a:lnSpc>
-              <a:spcBef>
-                <a:spcPts val="75"/>
-              </a:spcBef>
-            </a:pPr>
-            <a:r>
-              <a:rPr sz="1100" b="1" spc="-15" dirty="0">
-                <a:latin typeface="Times New Roman"/>
-                <a:cs typeface="Times New Roman"/>
-              </a:rPr>
-              <a:t>#HelpingOther</a:t>
-            </a:r>
-            <a:endParaRPr sz="1100" dirty="0">
-              <a:latin typeface="Times New Roman"/>
-              <a:cs typeface="Times New Roman"/>
-            </a:endParaRPr>
-          </a:p>
-        </p:txBody>
-      </p:sp>
-      <p:pic>
-        <p:nvPicPr>
-          <p:cNvPr id="4" name="object 4"/>
-          <p:cNvPicPr/>
-          <p:nvPr/>
-        </p:nvPicPr>
-        <p:blipFill>
-          <a:blip r:embed="rId2" cstate="print"/>
-          <a:stretch>
-            <a:fillRect/>
-          </a:stretch>
-        </p:blipFill>
-        <p:spPr>
-          <a:xfrm>
-            <a:off x="1417319" y="1152143"/>
-            <a:ext cx="2139696" cy="3139440"/>
-          </a:xfrm>
-          <a:prstGeom prst="rect">
-            <a:avLst/>
-          </a:prstGeom>
-        </p:spPr>
-      </p:pic>
-    </p:spTree>
-  </p:cSld>
-  <p:clrMapOvr>
-    <a:masterClrMapping/>
-  </p:clrMapOvr>
-</p:sld>
-</file>
-
-<file path=ppt/slides/slide20.xml><?xml version="1.0" encoding="utf-8"?>
+<file path=ppt/slides/slide22.xml><?xml version="1.0" encoding="utf-8"?>
 <p:sld xmlns:a="http://schemas.openxmlformats.org/drawingml/2006/main" xmlns:r="http://schemas.openxmlformats.org/officeDocument/2006/relationships" xmlns:p="http://schemas.openxmlformats.org/presentationml/2006/main">
   <p:cSld>
     <p:spTree>
@@ -24040,8 +25230,8 @@
         </p:nvSpPr>
         <p:spPr>
           <a:xfrm>
-            <a:off x="240284" y="2190369"/>
-            <a:ext cx="3569716" cy="1474763"/>
+            <a:off x="240283" y="2190369"/>
+            <a:ext cx="3645915" cy="1936428"/>
           </a:xfrm>
           <a:prstGeom prst="rect">
             <a:avLst/>
@@ -24088,63 +25278,114 @@
             </a:endParaRPr>
           </a:p>
           <a:p>
-            <a:pPr marL="12700">
+            <a:pPr marL="184150" indent="-171450">
+              <a:spcBef>
+                <a:spcPts val="5"/>
+              </a:spcBef>
+              <a:buFontTx/>
+              <a:buChar char="-"/>
+            </a:pPr>
+            <a:r>
+              <a:rPr lang="ko-KR" altLang="en-US" sz="1000" spc="155" dirty="0" smtClean="0">
+                <a:latin typeface="Times New Roman"/>
+                <a:cs typeface="Times New Roman"/>
+              </a:rPr>
+              <a:t>원본 이미지와 결과 이미지를 공장 관리자에게 제공</a:t>
+            </a:r>
+            <a:endParaRPr lang="en-US" altLang="ko-KR" sz="1000" spc="155" dirty="0" smtClean="0">
+              <a:latin typeface="Times New Roman"/>
+              <a:cs typeface="Times New Roman"/>
+            </a:endParaRPr>
+          </a:p>
+          <a:p>
+            <a:pPr marL="184150" indent="-171450">
               <a:lnSpc>
                 <a:spcPct val="100000"/>
               </a:lnSpc>
               <a:spcBef>
                 <a:spcPts val="5"/>
               </a:spcBef>
+              <a:buFontTx/>
+              <a:buChar char="-"/>
             </a:pPr>
             <a:r>
-              <a:rPr sz="1000" dirty="0">
-                <a:latin typeface="Times New Roman"/>
-                <a:cs typeface="Times New Roman"/>
-              </a:rPr>
-              <a:t>-  </a:t>
-            </a:r>
-            <a:r>
-              <a:rPr lang="ko-KR" altLang="en-US" sz="1000" spc="155" dirty="0" smtClean="0">
-                <a:latin typeface="Times New Roman"/>
-                <a:cs typeface="Times New Roman"/>
-              </a:rPr>
-              <a:t>원본 이미지와 결과 이미지를 공장 관리자에게 제공</a:t>
-            </a:r>
-            <a:endParaRPr lang="en-US" altLang="ko-KR" sz="1000" spc="155" dirty="0">
-              <a:latin typeface="Times New Roman"/>
+              <a:rPr lang="ko-KR" altLang="en-US" sz="1000" dirty="0" smtClean="0">
+                <a:latin typeface="+mn-ea"/>
+                <a:cs typeface="Times New Roman"/>
+              </a:rPr>
+              <a:t>필터를 설정으로 조건 선택 가능</a:t>
+            </a:r>
+            <a:endParaRPr lang="en-US" altLang="ko-KR" sz="1000" dirty="0" smtClean="0">
+              <a:latin typeface="+mn-ea"/>
               <a:cs typeface="Times New Roman"/>
             </a:endParaRPr>
           </a:p>
           <a:p>
-            <a:pPr marL="12700">
+            <a:pPr marL="184150" indent="-171450">
               <a:lnSpc>
                 <a:spcPct val="100000"/>
               </a:lnSpc>
               <a:spcBef>
                 <a:spcPts val="5"/>
               </a:spcBef>
+              <a:buFontTx/>
+              <a:buChar char="-"/>
             </a:pPr>
-            <a:r>
-              <a:rPr lang="en-US" altLang="ko-KR" sz="1000" spc="155" dirty="0" smtClean="0">
-                <a:latin typeface="Times New Roman"/>
-                <a:cs typeface="Times New Roman"/>
-              </a:rPr>
-              <a:t>- </a:t>
-            </a:r>
             <a:r>
               <a:rPr lang="ko-KR" altLang="en-US" sz="1000" dirty="0" smtClean="0">
                 <a:latin typeface="+mn-ea"/>
                 <a:cs typeface="Times New Roman"/>
               </a:rPr>
-              <a:t>저장된 이미지의 모든 정보를 제공함</a:t>
-            </a:r>
-            <a:r>
-              <a:rPr lang="en-US" altLang="ko-KR" sz="1000" dirty="0" smtClean="0">
-                <a:latin typeface="+mn-ea"/>
-                <a:cs typeface="Times New Roman"/>
-              </a:rPr>
-              <a:t>.</a:t>
-            </a:r>
+              <a:t>데이터 시각화</a:t>
+            </a:r>
+            <a:endParaRPr lang="en-US" altLang="ko-KR" sz="1000" dirty="0">
+              <a:latin typeface="+mn-ea"/>
+              <a:cs typeface="Times New Roman"/>
+            </a:endParaRPr>
+          </a:p>
+          <a:p>
+            <a:pPr marL="184150" indent="-171450">
+              <a:lnSpc>
+                <a:spcPct val="100000"/>
+              </a:lnSpc>
+              <a:spcBef>
+                <a:spcPts val="5"/>
+              </a:spcBef>
+              <a:buFontTx/>
+              <a:buChar char="-"/>
+            </a:pPr>
+            <a:endParaRPr lang="en-US" altLang="ko-KR" sz="1000" dirty="0" smtClean="0">
+              <a:latin typeface="+mn-ea"/>
+              <a:cs typeface="Times New Roman"/>
+            </a:endParaRPr>
+          </a:p>
+          <a:p>
+            <a:pPr marL="184150" indent="-171450">
+              <a:lnSpc>
+                <a:spcPct val="100000"/>
+              </a:lnSpc>
+              <a:spcBef>
+                <a:spcPts val="5"/>
+              </a:spcBef>
+              <a:buFontTx/>
+              <a:buChar char="-"/>
+            </a:pPr>
+            <a:endParaRPr lang="en-US" altLang="ko-KR" sz="1000" dirty="0" smtClean="0">
+              <a:latin typeface="+mn-ea"/>
+              <a:cs typeface="Times New Roman"/>
+            </a:endParaRPr>
+          </a:p>
+          <a:p>
+            <a:pPr marL="184150" indent="-171450">
+              <a:lnSpc>
+                <a:spcPct val="100000"/>
+              </a:lnSpc>
+              <a:spcBef>
+                <a:spcPts val="5"/>
+              </a:spcBef>
+              <a:buFontTx/>
+              <a:buChar char="-"/>
+            </a:pPr>
             <a:endParaRPr lang="en-US" altLang="ko-KR" sz="1000" spc="155" dirty="0" smtClean="0">
               <a:latin typeface="Times New Roman"/>
               <a:cs typeface="Times New Roman"/>
@@ -24299,67 +25540,26 @@
               <a:cs typeface="Times New Roman"/>
             </a:endParaRPr>
           </a:p>
-          <a:p>
-            <a:pPr marL="12700" marR="5080" algn="just">
-              <a:lnSpc>
-                <a:spcPct val="100000"/>
-              </a:lnSpc>
-              <a:spcBef>
-                <a:spcPts val="5"/>
-              </a:spcBef>
-            </a:pPr>
-            <a:r>
-              <a:rPr lang="en-US" altLang="ko-KR" sz="1000" dirty="0" smtClean="0">
-                <a:latin typeface="Times New Roman"/>
-                <a:cs typeface="Times New Roman"/>
-              </a:rPr>
-              <a:t>-</a:t>
-            </a:r>
-            <a:endParaRPr sz="1000" dirty="0">
-              <a:latin typeface="Times New Roman"/>
-              <a:cs typeface="Times New Roman"/>
-            </a:endParaRPr>
-          </a:p>
         </p:txBody>
       </p:sp>
       <p:pic>
         <p:nvPicPr>
-          <p:cNvPr id="6" name="object 6"/>
-          <p:cNvPicPr/>
+          <p:cNvPr id="13" name="그림 12"/>
+          <p:cNvPicPr>
+            <a:picLocks noChangeAspect="1"/>
+          </p:cNvPicPr>
           <p:nvPr/>
         </p:nvPicPr>
         <p:blipFill>
-          <a:blip r:embed="rId2" cstate="print"/>
+          <a:blip r:embed="rId2"/>
           <a:stretch>
             <a:fillRect/>
           </a:stretch>
         </p:blipFill>
         <p:spPr>
           <a:xfrm>
-            <a:off x="4684776" y="3328415"/>
-            <a:ext cx="3529583" cy="1743456"/>
-          </a:xfrm>
-          <a:prstGeom prst="rect">
-            <a:avLst/>
-          </a:prstGeom>
-        </p:spPr>
-      </p:pic>
-      <p:pic>
-        <p:nvPicPr>
-          <p:cNvPr id="7" name="object 7"/>
-          <p:cNvPicPr/>
-          <p:nvPr/>
-        </p:nvPicPr>
-        <p:blipFill>
-          <a:blip r:embed="rId3" cstate="print"/>
-          <a:stretch>
-            <a:fillRect/>
-          </a:stretch>
-        </p:blipFill>
-        <p:spPr>
-          <a:xfrm>
-            <a:off x="4684776" y="1082039"/>
-            <a:ext cx="3529583" cy="2182368"/>
+            <a:off x="5334000" y="711834"/>
+            <a:ext cx="2971800" cy="4214473"/>
           </a:xfrm>
           <a:prstGeom prst="rect">
             <a:avLst/>
